--- a/share/presentations/Java 2/RentATool_17.07.2020_Danny.pptx
+++ b/share/presentations/Java 2/RentATool_17.07.2020_Danny.pptx
@@ -5,24 +5,23 @@
     <p:sldMasterId id="2147483978" r:id="rId4"/>
   </p:sldMasterIdLst>
   <p:notesMasterIdLst>
-    <p:notesMasterId r:id="rId17"/>
+    <p:notesMasterId r:id="rId16"/>
   </p:notesMasterIdLst>
   <p:handoutMasterIdLst>
-    <p:handoutMasterId r:id="rId18"/>
+    <p:handoutMasterId r:id="rId17"/>
   </p:handoutMasterIdLst>
   <p:sldIdLst>
     <p:sldId id="256" r:id="rId5"/>
-    <p:sldId id="265" r:id="rId6"/>
-    <p:sldId id="266" r:id="rId7"/>
-    <p:sldId id="264" r:id="rId8"/>
-    <p:sldId id="269" r:id="rId9"/>
-    <p:sldId id="267" r:id="rId10"/>
-    <p:sldId id="268" r:id="rId11"/>
-    <p:sldId id="271" r:id="rId12"/>
-    <p:sldId id="270" r:id="rId13"/>
-    <p:sldId id="273" r:id="rId14"/>
-    <p:sldId id="272" r:id="rId15"/>
-    <p:sldId id="261" r:id="rId16"/>
+    <p:sldId id="266" r:id="rId6"/>
+    <p:sldId id="264" r:id="rId7"/>
+    <p:sldId id="269" r:id="rId8"/>
+    <p:sldId id="267" r:id="rId9"/>
+    <p:sldId id="268" r:id="rId10"/>
+    <p:sldId id="271" r:id="rId11"/>
+    <p:sldId id="270" r:id="rId12"/>
+    <p:sldId id="273" r:id="rId13"/>
+    <p:sldId id="272" r:id="rId14"/>
+    <p:sldId id="261" r:id="rId15"/>
   </p:sldIdLst>
   <p:sldSz cx="12192000" cy="6858000"/>
   <p:notesSz cx="6858000" cy="9144000"/>
@@ -127,7 +126,6 @@
         <p14:section name="Standardabschnitt" id="{420EEB77-76DA-42A4-A9FF-57A9002C6376}">
           <p14:sldIdLst>
             <p14:sldId id="256"/>
-            <p14:sldId id="265"/>
             <p14:sldId id="266"/>
             <p14:sldId id="264"/>
             <p14:sldId id="269"/>
@@ -164,15 +162,15 @@
 </file>
 
 <file path=ppt/diagrams/colors1.xml><?xml version="1.0" encoding="utf-8"?>
-<dgm:colorsDef xmlns:dgm="http://schemas.openxmlformats.org/drawingml/2006/diagram" xmlns:a="http://schemas.openxmlformats.org/drawingml/2006/main" uniqueId="urn:microsoft.com/office/officeart/2005/8/colors/colorful1">
+<dgm:colorsDef xmlns:dgm="http://schemas.openxmlformats.org/drawingml/2006/diagram" xmlns:a="http://schemas.openxmlformats.org/drawingml/2006/main" uniqueId="urn:microsoft.com/office/officeart/2018/5/colors/Iconchunking_neutralbg_accent2_2">
   <dgm:title val=""/>
   <dgm:desc val=""/>
   <dgm:catLst>
-    <dgm:cat type="colorful" pri="10100"/>
+    <dgm:cat type="accent2" pri="11200"/>
   </dgm:catLst>
   <dgm:styleLbl name="node0">
     <dgm:fillClrLst meth="repeat">
-      <a:schemeClr val="accent1"/>
+      <a:schemeClr val="accent2"/>
     </dgm:fillClrLst>
     <dgm:linClrLst meth="repeat">
       <a:schemeClr val="lt1"/>
@@ -185,10 +183,32 @@
   <dgm:styleLbl name="node1">
     <dgm:fillClrLst meth="repeat">
       <a:schemeClr val="accent2"/>
-      <a:schemeClr val="accent3"/>
-      <a:schemeClr val="accent4"/>
-      <a:schemeClr val="accent5"/>
-      <a:schemeClr val="accent6"/>
+    </dgm:fillClrLst>
+    <dgm:linClrLst meth="repeat">
+      <a:schemeClr val="lt1">
+        <a:alpha val="0"/>
+      </a:schemeClr>
+    </dgm:linClrLst>
+    <dgm:effectClrLst/>
+    <dgm:txLinClrLst/>
+    <dgm:txFillClrLst/>
+    <dgm:txEffectClrLst/>
+  </dgm:styleLbl>
+  <dgm:styleLbl name="alignNode1">
+    <dgm:fillClrLst meth="repeat">
+      <a:schemeClr val="accent2"/>
+    </dgm:fillClrLst>
+    <dgm:linClrLst meth="repeat">
+      <a:schemeClr val="accent2"/>
+    </dgm:linClrLst>
+    <dgm:effectClrLst/>
+    <dgm:txLinClrLst/>
+    <dgm:txFillClrLst/>
+    <dgm:txEffectClrLst/>
+  </dgm:styleLbl>
+  <dgm:styleLbl name="lnNode1">
+    <dgm:fillClrLst meth="repeat">
+      <a:schemeClr val="accent2"/>
     </dgm:fillClrLst>
     <dgm:linClrLst meth="repeat">
       <a:schemeClr val="lt1"/>
@@ -198,57 +218,9 @@
     <dgm:txFillClrLst/>
     <dgm:txEffectClrLst/>
   </dgm:styleLbl>
-  <dgm:styleLbl name="alignNode1">
-    <dgm:fillClrLst meth="repeat">
-      <a:schemeClr val="accent2"/>
-      <a:schemeClr val="accent3"/>
-      <a:schemeClr val="accent4"/>
-      <a:schemeClr val="accent5"/>
-      <a:schemeClr val="accent6"/>
-    </dgm:fillClrLst>
-    <dgm:linClrLst meth="repeat">
-      <a:schemeClr val="accent2"/>
-      <a:schemeClr val="accent3"/>
-      <a:schemeClr val="accent4"/>
-      <a:schemeClr val="accent5"/>
-      <a:schemeClr val="accent6"/>
-    </dgm:linClrLst>
-    <dgm:effectClrLst/>
-    <dgm:txLinClrLst/>
-    <dgm:txFillClrLst/>
-    <dgm:txEffectClrLst/>
-  </dgm:styleLbl>
-  <dgm:styleLbl name="lnNode1">
-    <dgm:fillClrLst meth="repeat">
-      <a:schemeClr val="accent2"/>
-      <a:schemeClr val="accent3"/>
-      <a:schemeClr val="accent4"/>
-      <a:schemeClr val="accent5"/>
-      <a:schemeClr val="accent6"/>
-    </dgm:fillClrLst>
-    <dgm:linClrLst meth="repeat">
-      <a:schemeClr val="lt1"/>
-    </dgm:linClrLst>
-    <dgm:effectClrLst/>
-    <dgm:txLinClrLst/>
-    <dgm:txFillClrLst/>
-    <dgm:txEffectClrLst/>
-  </dgm:styleLbl>
   <dgm:styleLbl name="vennNode1">
     <dgm:fillClrLst meth="repeat">
       <a:schemeClr val="accent2">
-        <a:alpha val="50000"/>
-      </a:schemeClr>
-      <a:schemeClr val="accent3">
-        <a:alpha val="50000"/>
-      </a:schemeClr>
-      <a:schemeClr val="accent4">
-        <a:alpha val="50000"/>
-      </a:schemeClr>
-      <a:schemeClr val="accent5">
-        <a:alpha val="50000"/>
-      </a:schemeClr>
-      <a:schemeClr val="accent6">
         <a:alpha val="50000"/>
       </a:schemeClr>
     </dgm:fillClrLst>
@@ -261,7 +233,7 @@
     <dgm:txEffectClrLst/>
   </dgm:styleLbl>
   <dgm:styleLbl name="node2">
-    <dgm:fillClrLst>
+    <dgm:fillClrLst meth="repeat">
       <a:schemeClr val="accent2"/>
     </dgm:fillClrLst>
     <dgm:linClrLst meth="repeat">
@@ -273,8 +245,8 @@
     <dgm:txEffectClrLst/>
   </dgm:styleLbl>
   <dgm:styleLbl name="node3">
-    <dgm:fillClrLst>
-      <a:schemeClr val="accent3"/>
+    <dgm:fillClrLst meth="repeat">
+      <a:schemeClr val="accent2"/>
     </dgm:fillClrLst>
     <dgm:linClrLst meth="repeat">
       <a:schemeClr val="lt1"/>
@@ -285,8 +257,8 @@
     <dgm:txEffectClrLst/>
   </dgm:styleLbl>
   <dgm:styleLbl name="node4">
-    <dgm:fillClrLst>
-      <a:schemeClr val="accent4"/>
+    <dgm:fillClrLst meth="repeat">
+      <a:schemeClr val="accent2"/>
     </dgm:fillClrLst>
     <dgm:linClrLst meth="repeat">
       <a:schemeClr val="lt1"/>
@@ -299,18 +271,6 @@
   <dgm:styleLbl name="fgImgPlace1">
     <dgm:fillClrLst meth="repeat">
       <a:schemeClr val="accent2">
-        <a:tint val="50000"/>
-      </a:schemeClr>
-      <a:schemeClr val="accent3">
-        <a:tint val="50000"/>
-      </a:schemeClr>
-      <a:schemeClr val="accent4">
-        <a:tint val="50000"/>
-      </a:schemeClr>
-      <a:schemeClr val="accent5">
-        <a:tint val="50000"/>
-      </a:schemeClr>
-      <a:schemeClr val="accent6">
         <a:tint val="50000"/>
       </a:schemeClr>
     </dgm:fillClrLst>
@@ -325,12 +285,9 @@
     <dgm:txEffectClrLst/>
   </dgm:styleLbl>
   <dgm:styleLbl name="alignImgPlace1">
-    <dgm:fillClrLst>
-      <a:schemeClr val="accent1">
+    <dgm:fillClrLst meth="repeat">
+      <a:schemeClr val="accent2">
         <a:tint val="50000"/>
-      </a:schemeClr>
-      <a:schemeClr val="accent2">
-        <a:tint val="20000"/>
       </a:schemeClr>
     </dgm:fillClrLst>
     <dgm:linClrLst meth="repeat">
@@ -344,12 +301,9 @@
     <dgm:txEffectClrLst/>
   </dgm:styleLbl>
   <dgm:styleLbl name="bgImgPlace1">
-    <dgm:fillClrLst>
-      <a:schemeClr val="accent1">
+    <dgm:fillClrLst meth="repeat">
+      <a:schemeClr val="accent2">
         <a:tint val="50000"/>
-      </a:schemeClr>
-      <a:schemeClr val="accent2">
-        <a:tint val="20000"/>
       </a:schemeClr>
     </dgm:fillClrLst>
     <dgm:linClrLst meth="repeat">
@@ -364,14 +318,14 @@
   </dgm:styleLbl>
   <dgm:styleLbl name="sibTrans2D1">
     <dgm:fillClrLst meth="repeat">
-      <a:schemeClr val="accent2"/>
-      <a:schemeClr val="accent3"/>
-      <a:schemeClr val="accent4"/>
-      <a:schemeClr val="accent5"/>
-      <a:schemeClr val="accent6"/>
+      <a:schemeClr val="accent2">
+        <a:tint val="60000"/>
+      </a:schemeClr>
     </dgm:fillClrLst>
-    <dgm:linClrLst meth="cycle">
-      <a:schemeClr val="lt1"/>
+    <dgm:linClrLst meth="repeat">
+      <a:schemeClr val="accent2">
+        <a:tint val="60000"/>
+      </a:schemeClr>
     </dgm:linClrLst>
     <dgm:effectClrLst/>
     <dgm:txLinClrLst/>
@@ -380,54 +334,42 @@
   </dgm:styleLbl>
   <dgm:styleLbl name="fgSibTrans2D1">
     <dgm:fillClrLst meth="repeat">
-      <a:schemeClr val="accent2"/>
-      <a:schemeClr val="accent3"/>
-      <a:schemeClr val="accent4"/>
-      <a:schemeClr val="accent5"/>
-      <a:schemeClr val="accent6"/>
+      <a:schemeClr val="accent2">
+        <a:tint val="60000"/>
+      </a:schemeClr>
     </dgm:fillClrLst>
-    <dgm:linClrLst meth="cycle">
-      <a:schemeClr val="lt1"/>
+    <dgm:linClrLst meth="repeat">
+      <a:schemeClr val="accent2">
+        <a:tint val="60000"/>
+      </a:schemeClr>
     </dgm:linClrLst>
     <dgm:effectClrLst/>
     <dgm:txLinClrLst/>
-    <dgm:txFillClrLst meth="repeat">
-      <a:schemeClr val="lt1"/>
-    </dgm:txFillClrLst>
+    <dgm:txFillClrLst/>
     <dgm:txEffectClrLst/>
   </dgm:styleLbl>
   <dgm:styleLbl name="bgSibTrans2D1">
     <dgm:fillClrLst meth="repeat">
-      <a:schemeClr val="accent2"/>
-      <a:schemeClr val="accent3"/>
-      <a:schemeClr val="accent4"/>
-      <a:schemeClr val="accent5"/>
-      <a:schemeClr val="accent6"/>
+      <a:schemeClr val="accent2">
+        <a:tint val="60000"/>
+      </a:schemeClr>
     </dgm:fillClrLst>
-    <dgm:linClrLst meth="cycle">
-      <a:schemeClr val="lt1"/>
+    <dgm:linClrLst meth="repeat">
+      <a:schemeClr val="accent2">
+        <a:tint val="60000"/>
+      </a:schemeClr>
     </dgm:linClrLst>
     <dgm:effectClrLst/>
     <dgm:txLinClrLst/>
-    <dgm:txFillClrLst meth="repeat">
-      <a:schemeClr val="lt1"/>
-    </dgm:txFillClrLst>
+    <dgm:txFillClrLst/>
     <dgm:txEffectClrLst/>
   </dgm:styleLbl>
   <dgm:styleLbl name="sibTrans1D1">
     <dgm:fillClrLst meth="repeat">
       <a:schemeClr val="accent2"/>
-      <a:schemeClr val="accent3"/>
-      <a:schemeClr val="accent4"/>
-      <a:schemeClr val="accent5"/>
-      <a:schemeClr val="accent6"/>
     </dgm:fillClrLst>
     <dgm:linClrLst meth="repeat">
       <a:schemeClr val="accent2"/>
-      <a:schemeClr val="accent3"/>
-      <a:schemeClr val="accent4"/>
-      <a:schemeClr val="accent5"/>
-      <a:schemeClr val="accent6"/>
     </dgm:linClrLst>
     <dgm:effectClrLst/>
     <dgm:txLinClrLst/>
@@ -454,7 +396,7 @@
   </dgm:styleLbl>
   <dgm:styleLbl name="asst0">
     <dgm:fillClrLst meth="repeat">
-      <a:schemeClr val="accent1"/>
+      <a:schemeClr val="accent2"/>
     </dgm:fillClrLst>
     <dgm:linClrLst meth="repeat">
       <a:schemeClr val="lt1"/>
@@ -477,8 +419,8 @@
     <dgm:txEffectClrLst/>
   </dgm:styleLbl>
   <dgm:styleLbl name="asst2">
-    <dgm:fillClrLst>
-      <a:schemeClr val="accent3"/>
+    <dgm:fillClrLst meth="repeat">
+      <a:schemeClr val="accent2"/>
     </dgm:fillClrLst>
     <dgm:linClrLst meth="repeat">
       <a:schemeClr val="lt1"/>
@@ -489,8 +431,8 @@
     <dgm:txEffectClrLst/>
   </dgm:styleLbl>
   <dgm:styleLbl name="asst3">
-    <dgm:fillClrLst>
-      <a:schemeClr val="accent4"/>
+    <dgm:fillClrLst meth="repeat">
+      <a:schemeClr val="accent2"/>
     </dgm:fillClrLst>
     <dgm:linClrLst meth="repeat">
       <a:schemeClr val="lt1"/>
@@ -501,8 +443,8 @@
     <dgm:txEffectClrLst/>
   </dgm:styleLbl>
   <dgm:styleLbl name="asst4">
-    <dgm:fillClrLst>
-      <a:schemeClr val="accent5"/>
+    <dgm:fillClrLst meth="repeat">
+      <a:schemeClr val="accent2"/>
     </dgm:fillClrLst>
     <dgm:linClrLst meth="repeat">
       <a:schemeClr val="lt1"/>
@@ -514,10 +456,14 @@
   </dgm:styleLbl>
   <dgm:styleLbl name="parChTrans2D1">
     <dgm:fillClrLst meth="repeat">
-      <a:schemeClr val="accent2"/>
+      <a:schemeClr val="accent2">
+        <a:tint val="60000"/>
+      </a:schemeClr>
     </dgm:fillClrLst>
     <dgm:linClrLst meth="repeat">
-      <a:schemeClr val="lt1"/>
+      <a:schemeClr val="accent2">
+        <a:tint val="60000"/>
+      </a:schemeClr>
     </dgm:linClrLst>
     <dgm:effectClrLst/>
     <dgm:txLinClrLst/>
@@ -528,34 +474,10 @@
   </dgm:styleLbl>
   <dgm:styleLbl name="parChTrans2D2">
     <dgm:fillClrLst meth="repeat">
-      <a:schemeClr val="accent3"/>
+      <a:schemeClr val="accent2"/>
     </dgm:fillClrLst>
     <dgm:linClrLst meth="repeat">
-      <a:schemeClr val="lt1"/>
-    </dgm:linClrLst>
-    <dgm:effectClrLst/>
-    <dgm:txLinClrLst/>
-    <dgm:txFillClrLst/>
-    <dgm:txEffectClrLst/>
-  </dgm:styleLbl>
-  <dgm:styleLbl name="parChTrans2D3">
-    <dgm:fillClrLst meth="repeat">
-      <a:schemeClr val="accent4"/>
-    </dgm:fillClrLst>
-    <dgm:linClrLst meth="repeat">
-      <a:schemeClr val="lt1"/>
-    </dgm:linClrLst>
-    <dgm:effectClrLst/>
-    <dgm:txLinClrLst/>
-    <dgm:txFillClrLst/>
-    <dgm:txEffectClrLst/>
-  </dgm:styleLbl>
-  <dgm:styleLbl name="parChTrans2D4">
-    <dgm:fillClrLst meth="repeat">
-      <a:schemeClr val="accent5"/>
-    </dgm:fillClrLst>
-    <dgm:linClrLst meth="repeat">
-      <a:schemeClr val="lt1"/>
+      <a:schemeClr val="accent2"/>
     </dgm:linClrLst>
     <dgm:effectClrLst/>
     <dgm:txLinClrLst/>
@@ -564,12 +486,42 @@
     </dgm:txFillClrLst>
     <dgm:txEffectClrLst/>
   </dgm:styleLbl>
+  <dgm:styleLbl name="parChTrans2D3">
+    <dgm:fillClrLst meth="repeat">
+      <a:schemeClr val="accent2"/>
+    </dgm:fillClrLst>
+    <dgm:linClrLst meth="repeat">
+      <a:schemeClr val="accent2"/>
+    </dgm:linClrLst>
+    <dgm:effectClrLst/>
+    <dgm:txLinClrLst/>
+    <dgm:txFillClrLst meth="repeat">
+      <a:schemeClr val="lt1"/>
+    </dgm:txFillClrLst>
+    <dgm:txEffectClrLst/>
+  </dgm:styleLbl>
+  <dgm:styleLbl name="parChTrans2D4">
+    <dgm:fillClrLst meth="repeat">
+      <a:schemeClr val="accent2"/>
+    </dgm:fillClrLst>
+    <dgm:linClrLst meth="repeat">
+      <a:schemeClr val="accent2"/>
+    </dgm:linClrLst>
+    <dgm:effectClrLst/>
+    <dgm:txLinClrLst/>
+    <dgm:txFillClrLst meth="repeat">
+      <a:schemeClr val="lt1"/>
+    </dgm:txFillClrLst>
+    <dgm:txEffectClrLst/>
+  </dgm:styleLbl>
   <dgm:styleLbl name="parChTrans1D1">
     <dgm:fillClrLst meth="repeat">
       <a:schemeClr val="accent2"/>
     </dgm:fillClrLst>
     <dgm:linClrLst meth="repeat">
-      <a:schemeClr val="accent1"/>
+      <a:schemeClr val="accent2">
+        <a:shade val="60000"/>
+      </a:schemeClr>
     </dgm:linClrLst>
     <dgm:effectClrLst/>
     <dgm:txLinClrLst/>
@@ -580,8 +532,56 @@
   </dgm:styleLbl>
   <dgm:styleLbl name="parChTrans1D2">
     <dgm:fillClrLst meth="repeat">
-      <a:schemeClr val="accent3">
-        <a:tint val="90000"/>
+      <a:schemeClr val="accent2"/>
+    </dgm:fillClrLst>
+    <dgm:linClrLst meth="repeat">
+      <a:schemeClr val="accent2">
+        <a:shade val="60000"/>
+      </a:schemeClr>
+    </dgm:linClrLst>
+    <dgm:effectClrLst/>
+    <dgm:txLinClrLst/>
+    <dgm:txFillClrLst meth="repeat">
+      <a:schemeClr val="tx1"/>
+    </dgm:txFillClrLst>
+    <dgm:txEffectClrLst/>
+  </dgm:styleLbl>
+  <dgm:styleLbl name="parChTrans1D3">
+    <dgm:fillClrLst meth="repeat">
+      <a:schemeClr val="accent2"/>
+    </dgm:fillClrLst>
+    <dgm:linClrLst meth="repeat">
+      <a:schemeClr val="accent2">
+        <a:shade val="80000"/>
+      </a:schemeClr>
+    </dgm:linClrLst>
+    <dgm:effectClrLst/>
+    <dgm:txLinClrLst/>
+    <dgm:txFillClrLst meth="repeat">
+      <a:schemeClr val="tx1"/>
+    </dgm:txFillClrLst>
+    <dgm:txEffectClrLst/>
+  </dgm:styleLbl>
+  <dgm:styleLbl name="parChTrans1D4">
+    <dgm:fillClrLst meth="repeat">
+      <a:schemeClr val="accent2"/>
+    </dgm:fillClrLst>
+    <dgm:linClrLst meth="repeat">
+      <a:schemeClr val="accent2">
+        <a:shade val="80000"/>
+      </a:schemeClr>
+    </dgm:linClrLst>
+    <dgm:effectClrLst/>
+    <dgm:txLinClrLst/>
+    <dgm:txFillClrLst meth="repeat">
+      <a:schemeClr val="tx1"/>
+    </dgm:txFillClrLst>
+    <dgm:txEffectClrLst/>
+  </dgm:styleLbl>
+  <dgm:styleLbl name="fgAcc1">
+    <dgm:fillClrLst meth="repeat">
+      <a:schemeClr val="lt1">
+        <a:alpha val="90000"/>
       </a:schemeClr>
     </dgm:fillClrLst>
     <dgm:linClrLst meth="repeat">
@@ -590,58 +590,6 @@
     <dgm:effectClrLst/>
     <dgm:txLinClrLst/>
     <dgm:txFillClrLst meth="repeat">
-      <a:schemeClr val="tx1"/>
-    </dgm:txFillClrLst>
-    <dgm:txEffectClrLst/>
-  </dgm:styleLbl>
-  <dgm:styleLbl name="parChTrans1D3">
-    <dgm:fillClrLst meth="repeat">
-      <a:schemeClr val="accent4">
-        <a:tint val="70000"/>
-      </a:schemeClr>
-    </dgm:fillClrLst>
-    <dgm:linClrLst meth="repeat">
-      <a:schemeClr val="accent3"/>
-    </dgm:linClrLst>
-    <dgm:effectClrLst/>
-    <dgm:txLinClrLst/>
-    <dgm:txFillClrLst meth="repeat">
-      <a:schemeClr val="tx1"/>
-    </dgm:txFillClrLst>
-    <dgm:txEffectClrLst/>
-  </dgm:styleLbl>
-  <dgm:styleLbl name="parChTrans1D4">
-    <dgm:fillClrLst meth="repeat">
-      <a:schemeClr val="accent5">
-        <a:tint val="50000"/>
-      </a:schemeClr>
-    </dgm:fillClrLst>
-    <dgm:linClrLst meth="repeat">
-      <a:schemeClr val="accent4"/>
-    </dgm:linClrLst>
-    <dgm:effectClrLst/>
-    <dgm:txLinClrLst/>
-    <dgm:txFillClrLst meth="repeat">
-      <a:schemeClr val="tx1"/>
-    </dgm:txFillClrLst>
-    <dgm:txEffectClrLst/>
-  </dgm:styleLbl>
-  <dgm:styleLbl name="fgAcc1">
-    <dgm:fillClrLst meth="repeat">
-      <a:schemeClr val="lt1">
-        <a:alpha val="90000"/>
-      </a:schemeClr>
-    </dgm:fillClrLst>
-    <dgm:linClrLst meth="repeat">
-      <a:schemeClr val="accent2"/>
-      <a:schemeClr val="accent3"/>
-      <a:schemeClr val="accent4"/>
-      <a:schemeClr val="accent5"/>
-      <a:schemeClr val="accent6"/>
-    </dgm:linClrLst>
-    <dgm:effectClrLst/>
-    <dgm:txLinClrLst/>
-    <dgm:txFillClrLst meth="repeat">
       <a:schemeClr val="dk1"/>
     </dgm:txFillClrLst>
     <dgm:txEffectClrLst/>
@@ -654,10 +602,6 @@
     </dgm:fillClrLst>
     <dgm:linClrLst meth="repeat">
       <a:schemeClr val="accent2"/>
-      <a:schemeClr val="accent3"/>
-      <a:schemeClr val="accent4"/>
-      <a:schemeClr val="accent5"/>
-      <a:schemeClr val="accent6"/>
     </dgm:linClrLst>
     <dgm:effectClrLst/>
     <dgm:txLinClrLst/>
@@ -674,10 +618,6 @@
     </dgm:fillClrLst>
     <dgm:linClrLst meth="repeat">
       <a:schemeClr val="accent2"/>
-      <a:schemeClr val="accent3"/>
-      <a:schemeClr val="accent4"/>
-      <a:schemeClr val="accent5"/>
-      <a:schemeClr val="accent6"/>
     </dgm:linClrLst>
     <dgm:effectClrLst/>
     <dgm:txLinClrLst/>
@@ -693,7 +633,7 @@
       </a:schemeClr>
     </dgm:fillClrLst>
     <dgm:linClrLst meth="repeat">
-      <a:schemeClr val="accent1"/>
+      <a:schemeClr val="accent2"/>
     </dgm:linClrLst>
     <dgm:effectClrLst/>
     <dgm:txLinClrLst/>
@@ -710,10 +650,6 @@
     </dgm:fillClrLst>
     <dgm:linClrLst meth="repeat">
       <a:schemeClr val="accent2"/>
-      <a:schemeClr val="accent3"/>
-      <a:schemeClr val="accent4"/>
-      <a:schemeClr val="accent5"/>
-      <a:schemeClr val="accent6"/>
     </dgm:linClrLst>
     <dgm:effectClrLst/>
     <dgm:txLinClrLst/>
@@ -728,10 +664,6 @@
     </dgm:fillClrLst>
     <dgm:linClrLst meth="repeat">
       <a:schemeClr val="accent2"/>
-      <a:schemeClr val="accent3"/>
-      <a:schemeClr val="accent4"/>
-      <a:schemeClr val="accent5"/>
-      <a:schemeClr val="accent6"/>
     </dgm:linClrLst>
     <dgm:effectClrLst/>
     <dgm:txLinClrLst/>
@@ -746,10 +678,6 @@
     </dgm:fillClrLst>
     <dgm:linClrLst meth="repeat">
       <a:schemeClr val="accent2"/>
-      <a:schemeClr val="accent3"/>
-      <a:schemeClr val="accent4"/>
-      <a:schemeClr val="accent5"/>
-      <a:schemeClr val="accent6"/>
     </dgm:linClrLst>
     <dgm:effectClrLst/>
     <dgm:txLinClrLst/>
@@ -764,10 +692,6 @@
     </dgm:fillClrLst>
     <dgm:linClrLst meth="repeat">
       <a:schemeClr val="accent2"/>
-      <a:schemeClr val="accent3"/>
-      <a:schemeClr val="accent4"/>
-      <a:schemeClr val="accent5"/>
-      <a:schemeClr val="accent6"/>
     </dgm:linClrLst>
     <dgm:effectClrLst/>
     <dgm:txLinClrLst/>
@@ -779,46 +703,14 @@
   <dgm:styleLbl name="fgAccFollowNode1">
     <dgm:fillClrLst meth="repeat">
       <a:schemeClr val="accent2">
+        <a:alpha val="90000"/>
         <a:tint val="40000"/>
-        <a:alpha val="90000"/>
-      </a:schemeClr>
-      <a:schemeClr val="accent3">
-        <a:tint val="40000"/>
-        <a:alpha val="90000"/>
-      </a:schemeClr>
-      <a:schemeClr val="accent4">
-        <a:tint val="40000"/>
-        <a:alpha val="90000"/>
-      </a:schemeClr>
-      <a:schemeClr val="accent5">
-        <a:tint val="40000"/>
-        <a:alpha val="90000"/>
-      </a:schemeClr>
-      <a:schemeClr val="accent6">
-        <a:tint val="40000"/>
-        <a:alpha val="90000"/>
       </a:schemeClr>
     </dgm:fillClrLst>
     <dgm:linClrLst meth="repeat">
       <a:schemeClr val="accent2">
+        <a:alpha val="90000"/>
         <a:tint val="40000"/>
-        <a:alpha val="90000"/>
-      </a:schemeClr>
-      <a:schemeClr val="accent3">
-        <a:tint val="40000"/>
-        <a:alpha val="90000"/>
-      </a:schemeClr>
-      <a:schemeClr val="accent4">
-        <a:tint val="40000"/>
-        <a:alpha val="90000"/>
-      </a:schemeClr>
-      <a:schemeClr val="accent5">
-        <a:tint val="40000"/>
-        <a:alpha val="90000"/>
-      </a:schemeClr>
-      <a:schemeClr val="accent6">
-        <a:tint val="40000"/>
-        <a:alpha val="90000"/>
       </a:schemeClr>
     </dgm:linClrLst>
     <dgm:effectClrLst/>
@@ -831,46 +723,14 @@
   <dgm:styleLbl name="alignAccFollowNode1">
     <dgm:fillClrLst meth="repeat">
       <a:schemeClr val="accent2">
+        <a:alpha val="90000"/>
         <a:tint val="40000"/>
-        <a:alpha val="90000"/>
-      </a:schemeClr>
-      <a:schemeClr val="accent3">
-        <a:tint val="40000"/>
-        <a:alpha val="90000"/>
-      </a:schemeClr>
-      <a:schemeClr val="accent4">
-        <a:tint val="40000"/>
-        <a:alpha val="90000"/>
-      </a:schemeClr>
-      <a:schemeClr val="accent5">
-        <a:tint val="40000"/>
-        <a:alpha val="90000"/>
-      </a:schemeClr>
-      <a:schemeClr val="accent6">
-        <a:tint val="40000"/>
-        <a:alpha val="90000"/>
       </a:schemeClr>
     </dgm:fillClrLst>
     <dgm:linClrLst meth="repeat">
       <a:schemeClr val="accent2">
+        <a:alpha val="90000"/>
         <a:tint val="40000"/>
-        <a:alpha val="90000"/>
-      </a:schemeClr>
-      <a:schemeClr val="accent3">
-        <a:tint val="40000"/>
-        <a:alpha val="90000"/>
-      </a:schemeClr>
-      <a:schemeClr val="accent4">
-        <a:tint val="40000"/>
-        <a:alpha val="90000"/>
-      </a:schemeClr>
-      <a:schemeClr val="accent5">
-        <a:tint val="40000"/>
-        <a:alpha val="90000"/>
-      </a:schemeClr>
-      <a:schemeClr val="accent6">
-        <a:tint val="40000"/>
-        <a:alpha val="90000"/>
       </a:schemeClr>
     </dgm:linClrLst>
     <dgm:effectClrLst/>
@@ -883,46 +743,14 @@
   <dgm:styleLbl name="bgAccFollowNode1">
     <dgm:fillClrLst meth="repeat">
       <a:schemeClr val="accent2">
+        <a:alpha val="90000"/>
         <a:tint val="40000"/>
-        <a:alpha val="90000"/>
-      </a:schemeClr>
-      <a:schemeClr val="accent3">
-        <a:tint val="40000"/>
-        <a:alpha val="90000"/>
-      </a:schemeClr>
-      <a:schemeClr val="accent4">
-        <a:tint val="40000"/>
-        <a:alpha val="90000"/>
-      </a:schemeClr>
-      <a:schemeClr val="accent5">
-        <a:tint val="40000"/>
-        <a:alpha val="90000"/>
-      </a:schemeClr>
-      <a:schemeClr val="accent6">
-        <a:tint val="40000"/>
-        <a:alpha val="90000"/>
       </a:schemeClr>
     </dgm:fillClrLst>
     <dgm:linClrLst meth="repeat">
       <a:schemeClr val="accent2">
+        <a:alpha val="90000"/>
         <a:tint val="40000"/>
-        <a:alpha val="90000"/>
-      </a:schemeClr>
-      <a:schemeClr val="accent3">
-        <a:tint val="40000"/>
-        <a:alpha val="90000"/>
-      </a:schemeClr>
-      <a:schemeClr val="accent4">
-        <a:tint val="40000"/>
-        <a:alpha val="90000"/>
-      </a:schemeClr>
-      <a:schemeClr val="accent5">
-        <a:tint val="40000"/>
-        <a:alpha val="90000"/>
-      </a:schemeClr>
-      <a:schemeClr val="accent6">
-        <a:tint val="40000"/>
-        <a:alpha val="90000"/>
       </a:schemeClr>
     </dgm:linClrLst>
     <dgm:effectClrLst/>
@@ -938,23 +766,7 @@
         <a:alpha val="90000"/>
       </a:schemeClr>
     </dgm:fillClrLst>
-    <dgm:linClrLst>
-      <a:schemeClr val="accent1"/>
-    </dgm:linClrLst>
-    <dgm:effectClrLst/>
-    <dgm:txLinClrLst/>
-    <dgm:txFillClrLst meth="repeat">
-      <a:schemeClr val="dk1"/>
-    </dgm:txFillClrLst>
-    <dgm:txEffectClrLst/>
-  </dgm:styleLbl>
-  <dgm:styleLbl name="fgAcc2">
-    <dgm:fillClrLst meth="repeat">
-      <a:schemeClr val="lt1">
-        <a:alpha val="90000"/>
-      </a:schemeClr>
-    </dgm:fillClrLst>
-    <dgm:linClrLst>
+    <dgm:linClrLst meth="repeat">
       <a:schemeClr val="accent2"/>
     </dgm:linClrLst>
     <dgm:effectClrLst/>
@@ -964,14 +776,14 @@
     </dgm:txFillClrLst>
     <dgm:txEffectClrLst/>
   </dgm:styleLbl>
-  <dgm:styleLbl name="fgAcc3">
+  <dgm:styleLbl name="fgAcc2">
     <dgm:fillClrLst meth="repeat">
       <a:schemeClr val="lt1">
         <a:alpha val="90000"/>
       </a:schemeClr>
     </dgm:fillClrLst>
-    <dgm:linClrLst>
-      <a:schemeClr val="accent3"/>
+    <dgm:linClrLst meth="repeat">
+      <a:schemeClr val="accent2"/>
     </dgm:linClrLst>
     <dgm:effectClrLst/>
     <dgm:txLinClrLst/>
@@ -980,14 +792,14 @@
     </dgm:txFillClrLst>
     <dgm:txEffectClrLst/>
   </dgm:styleLbl>
-  <dgm:styleLbl name="fgAcc4">
+  <dgm:styleLbl name="fgAcc3">
     <dgm:fillClrLst meth="repeat">
       <a:schemeClr val="lt1">
         <a:alpha val="90000"/>
       </a:schemeClr>
     </dgm:fillClrLst>
-    <dgm:linClrLst>
-      <a:schemeClr val="accent4"/>
+    <dgm:linClrLst meth="repeat">
+      <a:schemeClr val="accent2"/>
     </dgm:linClrLst>
     <dgm:effectClrLst/>
     <dgm:txLinClrLst/>
@@ -996,14 +808,14 @@
     </dgm:txFillClrLst>
     <dgm:txEffectClrLst/>
   </dgm:styleLbl>
-  <dgm:styleLbl name="bgShp">
+  <dgm:styleLbl name="fgAcc4">
     <dgm:fillClrLst meth="repeat">
-      <a:schemeClr val="accent2">
-        <a:tint val="40000"/>
+      <a:schemeClr val="lt1">
+        <a:alpha val="90000"/>
       </a:schemeClr>
     </dgm:fillClrLst>
     <dgm:linClrLst meth="repeat">
-      <a:schemeClr val="dk1"/>
+      <a:schemeClr val="accent2"/>
     </dgm:linClrLst>
     <dgm:effectClrLst/>
     <dgm:txLinClrLst/>
@@ -1012,14 +824,30 @@
     </dgm:txFillClrLst>
     <dgm:txEffectClrLst/>
   </dgm:styleLbl>
+  <dgm:styleLbl name="bgShp">
+    <dgm:fillClrLst meth="repeat">
+      <a:schemeClr val="bg1">
+        <a:lumMod val="95000"/>
+      </a:schemeClr>
+    </dgm:fillClrLst>
+    <dgm:linClrLst meth="repeat">
+      <a:schemeClr val="accent2"/>
+    </dgm:linClrLst>
+    <dgm:effectClrLst/>
+    <dgm:txLinClrLst/>
+    <dgm:txFillClrLst meth="repeat">
+      <a:schemeClr val="dk1"/>
+    </dgm:txFillClrLst>
+    <dgm:txEffectClrLst/>
+  </dgm:styleLbl>
   <dgm:styleLbl name="dkBgShp">
     <dgm:fillClrLst meth="repeat">
       <a:schemeClr val="accent2">
-        <a:shade val="90000"/>
+        <a:shade val="80000"/>
       </a:schemeClr>
     </dgm:fillClrLst>
     <dgm:linClrLst meth="repeat">
-      <a:schemeClr val="dk1"/>
+      <a:schemeClr val="accent2"/>
     </dgm:linClrLst>
     <dgm:effectClrLst/>
     <dgm:txLinClrLst/>
@@ -1030,7 +858,7 @@
   </dgm:styleLbl>
   <dgm:styleLbl name="trBgShp">
     <dgm:fillClrLst meth="repeat">
-      <a:schemeClr val="accent1">
+      <a:schemeClr val="accent2">
         <a:tint val="50000"/>
         <a:alpha val="40000"/>
       </a:schemeClr>
@@ -1048,7 +876,7 @@
   <dgm:styleLbl name="fgShp">
     <dgm:fillClrLst meth="repeat">
       <a:schemeClr val="accent2">
-        <a:tint val="40000"/>
+        <a:tint val="60000"/>
       </a:schemeClr>
     </dgm:fillClrLst>
     <dgm:linClrLst meth="repeat">
@@ -1833,62 +1661,18 @@
 <dgm:dataModel xmlns:dgm="http://schemas.openxmlformats.org/drawingml/2006/diagram" xmlns:a="http://schemas.openxmlformats.org/drawingml/2006/main">
   <dgm:ptLst>
     <dgm:pt modelId="{D75A9632-4EB0-4862-92FF-00CF01BE2205}" type="doc">
-      <dgm:prSet loTypeId="urn:microsoft.com/office/officeart/2009/3/layout/HorizontalOrganizationChart" loCatId="hierarchy" qsTypeId="urn:microsoft.com/office/officeart/2005/8/quickstyle/simple2" qsCatId="simple" csTypeId="urn:microsoft.com/office/officeart/2005/8/colors/colorful1" csCatId="colorful" phldr="1"/>
+      <dgm:prSet loTypeId="urn:microsoft.com/office/officeart/2018/2/layout/IconVerticalSolidList" loCatId="icon" qsTypeId="urn:microsoft.com/office/officeart/2005/8/quickstyle/simple1" qsCatId="simple" csTypeId="urn:microsoft.com/office/officeart/2018/5/colors/Iconchunking_neutralbg_accent2_2" csCatId="accent2" phldr="1"/>
       <dgm:spPr/>
     </dgm:pt>
-    <dgm:pt modelId="{5D3F0ED0-2EB6-453D-BE4B-4BBCD8987238}">
-      <dgm:prSet phldrT="[Text]" custT="1"/>
+    <dgm:pt modelId="{00C4C7D7-43FB-4C62-B653-0BAA02E17855}">
+      <dgm:prSet phldrT="[Text]"/>
       <dgm:spPr/>
       <dgm:t>
         <a:bodyPr rtlCol="0"/>
         <a:lstStyle/>
         <a:p>
-          <a:pPr>
-            <a:defRPr b="1"/>
-          </a:pPr>
           <a:r>
-            <a:rPr lang="de-DE" sz="2400" noProof="0" dirty="0"/>
-            <a:t>Einführung</a:t>
-          </a:r>
-        </a:p>
-      </dgm:t>
-    </dgm:pt>
-    <dgm:pt modelId="{D6F3F8CC-AE84-4149-B520-1874B1B79F46}" type="parTrans" cxnId="{DC7A4FA1-590E-402E-B3C9-432D9D9BC84E}">
-      <dgm:prSet/>
-      <dgm:spPr/>
-      <dgm:t>
-        <a:bodyPr rtlCol="0"/>
-        <a:lstStyle/>
-        <a:p>
-          <a:pPr rtl="0"/>
-          <a:endParaRPr lang="de-DE" noProof="0"/>
-        </a:p>
-      </dgm:t>
-    </dgm:pt>
-    <dgm:pt modelId="{2E2BF50E-B394-4636-BF63-257039995E33}" type="sibTrans" cxnId="{DC7A4FA1-590E-402E-B3C9-432D9D9BC84E}">
-      <dgm:prSet/>
-      <dgm:spPr/>
-      <dgm:t>
-        <a:bodyPr rtlCol="0"/>
-        <a:lstStyle/>
-        <a:p>
-          <a:pPr rtl="0"/>
-          <a:endParaRPr lang="de-DE" noProof="0"/>
-        </a:p>
-      </dgm:t>
-    </dgm:pt>
-    <dgm:pt modelId="{00C4C7D7-43FB-4C62-B653-0BAA02E17855}">
-      <dgm:prSet phldrT="[Text]" custT="1"/>
-      <dgm:spPr/>
-      <dgm:t>
-        <a:bodyPr rtlCol="0"/>
-        <a:lstStyle/>
-        <a:p>
-          <a:pPr>
-            <a:defRPr b="1"/>
-          </a:pPr>
-          <a:r>
-            <a:rPr lang="de-DE" sz="2400" noProof="0" dirty="0"/>
+            <a:rPr lang="de-DE" noProof="0"/>
             <a:t>Datenbank</a:t>
           </a:r>
         </a:p>
@@ -1919,28 +1703,16 @@
       </dgm:t>
     </dgm:pt>
     <dgm:pt modelId="{BE3AF4B6-F5EC-44DF-9BDC-CB79D95FB3F4}">
-      <dgm:prSet phldrT="[Text]" custT="1"/>
+      <dgm:prSet phldrT="[Text]"/>
       <dgm:spPr/>
       <dgm:t>
         <a:bodyPr rtlCol="0"/>
         <a:lstStyle/>
         <a:p>
-          <a:pPr>
-            <a:defRPr b="1"/>
-          </a:pPr>
           <a:r>
-            <a:rPr lang="de-DE" sz="2400" noProof="0" dirty="0" err="1"/>
-            <a:t>Lessons</a:t>
+            <a:rPr lang="de-DE" noProof="0"/>
+            <a:t>Lessons Learned</a:t>
           </a:r>
-          <a:r>
-            <a:rPr lang="de-DE" sz="2400" noProof="0" dirty="0"/>
-            <a:t> </a:t>
-          </a:r>
-          <a:r>
-            <a:rPr lang="de-DE" sz="2400" noProof="0" dirty="0" err="1"/>
-            <a:t>Learned</a:t>
-          </a:r>
-          <a:endParaRPr lang="de-DE" sz="2400" noProof="0" dirty="0"/>
         </a:p>
       </dgm:t>
     </dgm:pt>
@@ -1969,17 +1741,14 @@
       </dgm:t>
     </dgm:pt>
     <dgm:pt modelId="{70668596-E9CC-4698-8A01-016E1F8E6F46}">
-      <dgm:prSet phldrT="[Text]" custT="1"/>
+      <dgm:prSet phldrT="[Text]"/>
       <dgm:spPr/>
       <dgm:t>
         <a:bodyPr rtlCol="0"/>
         <a:lstStyle/>
         <a:p>
-          <a:pPr>
-            <a:defRPr b="1"/>
-          </a:pPr>
           <a:r>
-            <a:rPr lang="de-DE" sz="2400" noProof="0" dirty="0"/>
+            <a:rPr lang="de-DE" noProof="0"/>
             <a:t>CI/CD</a:t>
           </a:r>
         </a:p>
@@ -2008,17 +1777,14 @@
       </dgm:t>
     </dgm:pt>
     <dgm:pt modelId="{4EE0A925-BC89-490E-B3C5-D5596FBAB247}">
-      <dgm:prSet phldrT="[Text]" custT="1"/>
+      <dgm:prSet phldrT="[Text]"/>
       <dgm:spPr/>
       <dgm:t>
         <a:bodyPr rtlCol="0"/>
         <a:lstStyle/>
         <a:p>
-          <a:pPr>
-            <a:defRPr b="1"/>
-          </a:pPr>
           <a:r>
-            <a:rPr lang="de-DE" sz="2400" noProof="0" dirty="0"/>
+            <a:rPr lang="de-DE" noProof="0"/>
             <a:t>Test der Webseite</a:t>
           </a:r>
         </a:p>
@@ -2046,233 +1812,510 @@
         </a:p>
       </dgm:t>
     </dgm:pt>
-    <dgm:pt modelId="{9D47FB11-33B4-48E9-9FC2-A65E51265124}" type="pres">
-      <dgm:prSet presAssocID="{D75A9632-4EB0-4862-92FF-00CF01BE2205}" presName="hierChild1" presStyleCnt="0">
+    <dgm:pt modelId="{338B1851-1207-41DE-B301-69E64DD2E8DA}">
+      <dgm:prSet phldrT="[Text]"/>
+      <dgm:spPr/>
+      <dgm:t>
+        <a:bodyPr rtlCol="0"/>
+        <a:lstStyle/>
+        <a:p>
+          <a:r>
+            <a:rPr lang="de-DE" noProof="0" dirty="0"/>
+            <a:t>Webseite</a:t>
+          </a:r>
+        </a:p>
+      </dgm:t>
+    </dgm:pt>
+    <dgm:pt modelId="{DDC56B63-D16C-4F36-887E-D9C1D2D47AF8}" type="parTrans" cxnId="{728C154F-0159-4AB4-873A-D0D4E40ECFC6}">
+      <dgm:prSet/>
+      <dgm:spPr/>
+    </dgm:pt>
+    <dgm:pt modelId="{318B24BC-AEA1-48FA-AB4C-D9A16BAF4494}" type="sibTrans" cxnId="{728C154F-0159-4AB4-873A-D0D4E40ECFC6}">
+      <dgm:prSet/>
+      <dgm:spPr/>
+    </dgm:pt>
+    <dgm:pt modelId="{CC9C6211-30AE-483B-B1F1-A39F40A2AA84}">
+      <dgm:prSet phldrT="[Text]"/>
+      <dgm:spPr/>
+      <dgm:t>
+        <a:bodyPr rtlCol="0"/>
+        <a:lstStyle/>
+        <a:p>
+          <a:r>
+            <a:rPr lang="de-DE" noProof="0" dirty="0"/>
+            <a:t>Was war geplant</a:t>
+          </a:r>
+        </a:p>
+      </dgm:t>
+    </dgm:pt>
+    <dgm:pt modelId="{D1B1CC00-0CC7-456C-83C9-BFECEC8B2B55}" type="parTrans" cxnId="{E51D9D8C-7919-4E70-9345-7A94FEE058DB}">
+      <dgm:prSet/>
+      <dgm:spPr/>
+    </dgm:pt>
+    <dgm:pt modelId="{548E6AC8-E5CF-4278-B4F8-4D41323504FA}" type="sibTrans" cxnId="{E51D9D8C-7919-4E70-9345-7A94FEE058DB}">
+      <dgm:prSet/>
+      <dgm:spPr/>
+    </dgm:pt>
+    <dgm:pt modelId="{2EF5E4CF-60FA-4002-BC65-367C35B5085D}">
+      <dgm:prSet phldrT="[Text]"/>
+      <dgm:spPr/>
+      <dgm:t>
+        <a:bodyPr rtlCol="0"/>
+        <a:lstStyle/>
+        <a:p>
+          <a:r>
+            <a:rPr lang="de-DE" noProof="0" dirty="0"/>
+            <a:t>Ausblick</a:t>
+          </a:r>
+        </a:p>
+      </dgm:t>
+    </dgm:pt>
+    <dgm:pt modelId="{CB2E48B4-E95C-47E0-AD19-3BC02E32C39B}" type="parTrans" cxnId="{FC964623-3807-4321-8943-61FD27E62222}">
+      <dgm:prSet/>
+      <dgm:spPr/>
+    </dgm:pt>
+    <dgm:pt modelId="{5B6AEEDE-0130-4770-BB6A-0D83D1191A61}" type="sibTrans" cxnId="{FC964623-3807-4321-8943-61FD27E62222}">
+      <dgm:prSet/>
+      <dgm:spPr/>
+    </dgm:pt>
+    <dgm:pt modelId="{8D37A615-ACDC-4425-9162-B1855CBACD8D}" type="pres">
+      <dgm:prSet presAssocID="{D75A9632-4EB0-4862-92FF-00CF01BE2205}" presName="root" presStyleCnt="0">
         <dgm:presLayoutVars>
-          <dgm:orgChart val="1"/>
-          <dgm:chPref val="1"/>
           <dgm:dir/>
-          <dgm:animOne val="branch"/>
-          <dgm:animLvl val="lvl"/>
-          <dgm:resizeHandles/>
+          <dgm:resizeHandles val="exact"/>
         </dgm:presLayoutVars>
       </dgm:prSet>
       <dgm:spPr/>
     </dgm:pt>
-    <dgm:pt modelId="{BDBAD208-8CA8-47D3-8F7E-7E9D4BD1B67F}" type="pres">
-      <dgm:prSet presAssocID="{5D3F0ED0-2EB6-453D-BE4B-4BBCD8987238}" presName="hierRoot1" presStyleCnt="0">
+    <dgm:pt modelId="{0E0A6545-5E4D-4139-8B79-290A8A7259F1}" type="pres">
+      <dgm:prSet presAssocID="{00C4C7D7-43FB-4C62-B653-0BAA02E17855}" presName="compNode" presStyleCnt="0"/>
+      <dgm:spPr/>
+    </dgm:pt>
+    <dgm:pt modelId="{28C20E6D-C74B-40CE-9EE4-5BF582043D3B}" type="pres">
+      <dgm:prSet presAssocID="{00C4C7D7-43FB-4C62-B653-0BAA02E17855}" presName="bgRect" presStyleLbl="bgShp" presStyleIdx="0" presStyleCnt="7"/>
+      <dgm:spPr/>
+    </dgm:pt>
+    <dgm:pt modelId="{2494CCE2-667F-4900-A3F2-EE05F7D3B311}" type="pres">
+      <dgm:prSet presAssocID="{00C4C7D7-43FB-4C62-B653-0BAA02E17855}" presName="iconRect" presStyleLbl="node1" presStyleIdx="0" presStyleCnt="7"/>
+      <dgm:spPr>
+        <a:blipFill>
+          <a:blip xmlns:r="http://schemas.openxmlformats.org/officeDocument/2006/relationships" r:embed="rId1">
+            <a:extLst>
+              <a:ext uri="{28A0092B-C50C-407E-A947-70E740481C1C}">
+                <a14:useLocalDpi xmlns:a14="http://schemas.microsoft.com/office/drawing/2010/main" val="0"/>
+              </a:ext>
+              <a:ext uri="{96DAC541-7B7A-43D3-8B79-37D633B846F1}">
+                <asvg:svgBlip xmlns:asvg="http://schemas.microsoft.com/office/drawing/2016/SVG/main" r:embed="rId2"/>
+              </a:ext>
+            </a:extLst>
+          </a:blip>
+          <a:stretch>
+            <a:fillRect/>
+          </a:stretch>
+        </a:blipFill>
+        <a:ln>
+          <a:noFill/>
+        </a:ln>
+      </dgm:spPr>
+      <dgm:extLst>
+        <a:ext uri="{E40237B7-FDA0-4F09-8148-C483321AD2D9}">
+          <dgm14:cNvPr xmlns:dgm14="http://schemas.microsoft.com/office/drawing/2010/diagram" id="0" name="" descr="Datenbank"/>
+        </a:ext>
+      </dgm:extLst>
+    </dgm:pt>
+    <dgm:pt modelId="{DCA4F497-ADD7-487A-8577-994D94D7CFF8}" type="pres">
+      <dgm:prSet presAssocID="{00C4C7D7-43FB-4C62-B653-0BAA02E17855}" presName="spaceRect" presStyleCnt="0"/>
+      <dgm:spPr/>
+    </dgm:pt>
+    <dgm:pt modelId="{76C0B008-7206-407D-9B14-1249BB4B3B10}" type="pres">
+      <dgm:prSet presAssocID="{00C4C7D7-43FB-4C62-B653-0BAA02E17855}" presName="parTx" presStyleLbl="revTx" presStyleIdx="0" presStyleCnt="7">
         <dgm:presLayoutVars>
-          <dgm:hierBranch val="init"/>
+          <dgm:chMax val="0"/>
+          <dgm:chPref val="0"/>
         </dgm:presLayoutVars>
       </dgm:prSet>
       <dgm:spPr/>
     </dgm:pt>
-    <dgm:pt modelId="{D21E5021-6EA3-4D37-BD50-E8DDA292EE3B}" type="pres">
-      <dgm:prSet presAssocID="{5D3F0ED0-2EB6-453D-BE4B-4BBCD8987238}" presName="rootComposite1" presStyleCnt="0"/>
+    <dgm:pt modelId="{C7629A99-1AE0-40A8-ADB8-DE94711B5AC0}" type="pres">
+      <dgm:prSet presAssocID="{26407BAA-24CA-40B6-A34E-07DAAD20ECB5}" presName="sibTrans" presStyleCnt="0"/>
       <dgm:spPr/>
     </dgm:pt>
-    <dgm:pt modelId="{922FAB3C-8DC6-4B4E-81BA-6DD29440B0AC}" type="pres">
-      <dgm:prSet presAssocID="{5D3F0ED0-2EB6-453D-BE4B-4BBCD8987238}" presName="rootText1" presStyleLbl="node0" presStyleIdx="0" presStyleCnt="5" custScaleX="86125" custScaleY="64833">
+    <dgm:pt modelId="{7ACAD572-5A96-4AFC-9EB8-3764BA887763}" type="pres">
+      <dgm:prSet presAssocID="{70668596-E9CC-4698-8A01-016E1F8E6F46}" presName="compNode" presStyleCnt="0"/>
+      <dgm:spPr/>
+    </dgm:pt>
+    <dgm:pt modelId="{AFF28488-4ABA-409F-A6FA-20AB31B56E40}" type="pres">
+      <dgm:prSet presAssocID="{70668596-E9CC-4698-8A01-016E1F8E6F46}" presName="bgRect" presStyleLbl="bgShp" presStyleIdx="1" presStyleCnt="7"/>
+      <dgm:spPr/>
+    </dgm:pt>
+    <dgm:pt modelId="{0AFC1970-7CD3-47C8-A804-01BDAD36ADAD}" type="pres">
+      <dgm:prSet presAssocID="{70668596-E9CC-4698-8A01-016E1F8E6F46}" presName="iconRect" presStyleLbl="node1" presStyleIdx="1" presStyleCnt="7"/>
+      <dgm:spPr>
+        <a:blipFill>
+          <a:blip xmlns:r="http://schemas.openxmlformats.org/officeDocument/2006/relationships" r:embed="rId3">
+            <a:extLst>
+              <a:ext uri="{96DAC541-7B7A-43D3-8B79-37D633B846F1}">
+                <asvg:svgBlip xmlns:asvg="http://schemas.microsoft.com/office/drawing/2016/SVG/main" r:embed="rId4"/>
+              </a:ext>
+            </a:extLst>
+          </a:blip>
+          <a:srcRect/>
+          <a:stretch>
+            <a:fillRect/>
+          </a:stretch>
+        </a:blipFill>
+        <a:ln>
+          <a:noFill/>
+        </a:ln>
+      </dgm:spPr>
+      <dgm:extLst>
+        <a:ext uri="{E40237B7-FDA0-4F09-8148-C483321AD2D9}">
+          <dgm14:cNvPr xmlns:dgm14="http://schemas.microsoft.com/office/drawing/2010/diagram" id="0" name="" descr="Zahnräder"/>
+        </a:ext>
+      </dgm:extLst>
+    </dgm:pt>
+    <dgm:pt modelId="{186D60BF-D5A7-4ED5-A1D2-445BC8FBE626}" type="pres">
+      <dgm:prSet presAssocID="{70668596-E9CC-4698-8A01-016E1F8E6F46}" presName="spaceRect" presStyleCnt="0"/>
+      <dgm:spPr/>
+    </dgm:pt>
+    <dgm:pt modelId="{5D59035D-6466-40C8-A337-F390A8C40203}" type="pres">
+      <dgm:prSet presAssocID="{70668596-E9CC-4698-8A01-016E1F8E6F46}" presName="parTx" presStyleLbl="revTx" presStyleIdx="1" presStyleCnt="7">
         <dgm:presLayoutVars>
-          <dgm:chPref val="3"/>
+          <dgm:chMax val="0"/>
+          <dgm:chPref val="0"/>
         </dgm:presLayoutVars>
       </dgm:prSet>
       <dgm:spPr/>
     </dgm:pt>
-    <dgm:pt modelId="{AF494A36-726F-4260-932B-5405377148C7}" type="pres">
-      <dgm:prSet presAssocID="{5D3F0ED0-2EB6-453D-BE4B-4BBCD8987238}" presName="rootConnector1" presStyleLbl="node1" presStyleIdx="0" presStyleCnt="0"/>
+    <dgm:pt modelId="{A1121417-E2E6-4EE5-91A7-4E23D234DCCC}" type="pres">
+      <dgm:prSet presAssocID="{0B80253E-7ED3-4310-B077-01D55AE1071C}" presName="sibTrans" presStyleCnt="0"/>
       <dgm:spPr/>
     </dgm:pt>
-    <dgm:pt modelId="{4B59475B-4E00-4BA1-B33C-E6ADE2B908F7}" type="pres">
-      <dgm:prSet presAssocID="{5D3F0ED0-2EB6-453D-BE4B-4BBCD8987238}" presName="hierChild2" presStyleCnt="0"/>
+    <dgm:pt modelId="{6A9D6172-8008-4AC2-8245-D61FE33453D9}" type="pres">
+      <dgm:prSet presAssocID="{4EE0A925-BC89-490E-B3C5-D5596FBAB247}" presName="compNode" presStyleCnt="0"/>
       <dgm:spPr/>
     </dgm:pt>
-    <dgm:pt modelId="{161E1A74-A59D-4967-9D20-F98B267ECE6B}" type="pres">
-      <dgm:prSet presAssocID="{5D3F0ED0-2EB6-453D-BE4B-4BBCD8987238}" presName="hierChild3" presStyleCnt="0"/>
+    <dgm:pt modelId="{B868CA88-B91F-4E8D-9852-9CEB24D3D808}" type="pres">
+      <dgm:prSet presAssocID="{4EE0A925-BC89-490E-B3C5-D5596FBAB247}" presName="bgRect" presStyleLbl="bgShp" presStyleIdx="2" presStyleCnt="7"/>
       <dgm:spPr/>
     </dgm:pt>
-    <dgm:pt modelId="{F925AEFA-5F16-456D-84F0-FC1303A2A3C9}" type="pres">
-      <dgm:prSet presAssocID="{00C4C7D7-43FB-4C62-B653-0BAA02E17855}" presName="hierRoot1" presStyleCnt="0">
+    <dgm:pt modelId="{DFC9FAAA-2FBB-40DA-9EC0-778C0DDF9535}" type="pres">
+      <dgm:prSet presAssocID="{4EE0A925-BC89-490E-B3C5-D5596FBAB247}" presName="iconRect" presStyleLbl="node1" presStyleIdx="2" presStyleCnt="7"/>
+      <dgm:spPr>
+        <a:blipFill>
+          <a:blip xmlns:r="http://schemas.openxmlformats.org/officeDocument/2006/relationships" r:embed="rId5">
+            <a:extLst>
+              <a:ext uri="{28A0092B-C50C-407E-A947-70E740481C1C}">
+                <a14:useLocalDpi xmlns:a14="http://schemas.microsoft.com/office/drawing/2010/main" val="0"/>
+              </a:ext>
+              <a:ext uri="{96DAC541-7B7A-43D3-8B79-37D633B846F1}">
+                <asvg:svgBlip xmlns:asvg="http://schemas.microsoft.com/office/drawing/2016/SVG/main" r:embed="rId6"/>
+              </a:ext>
+            </a:extLst>
+          </a:blip>
+          <a:stretch>
+            <a:fillRect/>
+          </a:stretch>
+        </a:blipFill>
+        <a:ln>
+          <a:noFill/>
+        </a:ln>
+      </dgm:spPr>
+      <dgm:extLst>
+        <a:ext uri="{E40237B7-FDA0-4F09-8148-C483321AD2D9}">
+          <dgm14:cNvPr xmlns:dgm14="http://schemas.microsoft.com/office/drawing/2010/diagram" id="0" name="" descr="Optical disc"/>
+        </a:ext>
+      </dgm:extLst>
+    </dgm:pt>
+    <dgm:pt modelId="{43E9CC4D-37A6-44A3-AA7C-A269DFA62684}" type="pres">
+      <dgm:prSet presAssocID="{4EE0A925-BC89-490E-B3C5-D5596FBAB247}" presName="spaceRect" presStyleCnt="0"/>
+      <dgm:spPr/>
+    </dgm:pt>
+    <dgm:pt modelId="{B304F934-4758-4138-A642-C506E9AE6E40}" type="pres">
+      <dgm:prSet presAssocID="{4EE0A925-BC89-490E-B3C5-D5596FBAB247}" presName="parTx" presStyleLbl="revTx" presStyleIdx="2" presStyleCnt="7">
         <dgm:presLayoutVars>
-          <dgm:hierBranch val="init"/>
+          <dgm:chMax val="0"/>
+          <dgm:chPref val="0"/>
         </dgm:presLayoutVars>
       </dgm:prSet>
       <dgm:spPr/>
     </dgm:pt>
-    <dgm:pt modelId="{086C9DBA-88A8-4531-87B9-51357D0CEE70}" type="pres">
-      <dgm:prSet presAssocID="{00C4C7D7-43FB-4C62-B653-0BAA02E17855}" presName="rootComposite1" presStyleCnt="0"/>
+    <dgm:pt modelId="{322C4BE8-0C8D-4784-A3E4-A6BD679BC7D9}" type="pres">
+      <dgm:prSet presAssocID="{A715DD85-F2D3-41E4-B95D-11DAEE82F83F}" presName="sibTrans" presStyleCnt="0"/>
       <dgm:spPr/>
     </dgm:pt>
-    <dgm:pt modelId="{C483AB77-D90E-4834-8F4B-1826FF0CA448}" type="pres">
-      <dgm:prSet presAssocID="{00C4C7D7-43FB-4C62-B653-0BAA02E17855}" presName="rootText1" presStyleLbl="node0" presStyleIdx="1" presStyleCnt="5" custScaleX="86125" custScaleY="64833">
+    <dgm:pt modelId="{9CD64B91-B532-4C47-819B-DFCBA35D21E3}" type="pres">
+      <dgm:prSet presAssocID="{338B1851-1207-41DE-B301-69E64DD2E8DA}" presName="compNode" presStyleCnt="0"/>
+      <dgm:spPr/>
+    </dgm:pt>
+    <dgm:pt modelId="{BE167F3C-D255-4165-8E41-CEE8FC629C7E}" type="pres">
+      <dgm:prSet presAssocID="{338B1851-1207-41DE-B301-69E64DD2E8DA}" presName="bgRect" presStyleLbl="bgShp" presStyleIdx="3" presStyleCnt="7"/>
+      <dgm:spPr/>
+    </dgm:pt>
+    <dgm:pt modelId="{2252B938-A734-4502-A52D-2B742D175018}" type="pres">
+      <dgm:prSet presAssocID="{338B1851-1207-41DE-B301-69E64DD2E8DA}" presName="iconRect" presStyleLbl="node1" presStyleIdx="3" presStyleCnt="7"/>
+      <dgm:spPr>
+        <a:blipFill>
+          <a:blip xmlns:r="http://schemas.openxmlformats.org/officeDocument/2006/relationships" r:embed="rId7">
+            <a:extLst>
+              <a:ext uri="{96DAC541-7B7A-43D3-8B79-37D633B846F1}">
+                <asvg:svgBlip xmlns:asvg="http://schemas.microsoft.com/office/drawing/2016/SVG/main" r:embed="rId8"/>
+              </a:ext>
+            </a:extLst>
+          </a:blip>
+          <a:srcRect/>
+          <a:stretch>
+            <a:fillRect/>
+          </a:stretch>
+        </a:blipFill>
+        <a:ln>
+          <a:noFill/>
+        </a:ln>
+      </dgm:spPr>
+      <dgm:extLst>
+        <a:ext uri="{E40237B7-FDA0-4F09-8148-C483321AD2D9}">
+          <dgm14:cNvPr xmlns:dgm14="http://schemas.microsoft.com/office/drawing/2010/diagram" id="0" name="" descr="Internet"/>
+        </a:ext>
+      </dgm:extLst>
+    </dgm:pt>
+    <dgm:pt modelId="{6E5A043B-BEA2-4D1B-805E-5EBBBBC89482}" type="pres">
+      <dgm:prSet presAssocID="{338B1851-1207-41DE-B301-69E64DD2E8DA}" presName="spaceRect" presStyleCnt="0"/>
+      <dgm:spPr/>
+    </dgm:pt>
+    <dgm:pt modelId="{8E9EF99B-2EE3-4D20-BFF5-651608C79EEC}" type="pres">
+      <dgm:prSet presAssocID="{338B1851-1207-41DE-B301-69E64DD2E8DA}" presName="parTx" presStyleLbl="revTx" presStyleIdx="3" presStyleCnt="7">
         <dgm:presLayoutVars>
-          <dgm:chPref val="3"/>
+          <dgm:chMax val="0"/>
+          <dgm:chPref val="0"/>
         </dgm:presLayoutVars>
       </dgm:prSet>
       <dgm:spPr/>
     </dgm:pt>
-    <dgm:pt modelId="{686DB669-0E09-480A-A0B5-4B64F05B70FF}" type="pres">
-      <dgm:prSet presAssocID="{00C4C7D7-43FB-4C62-B653-0BAA02E17855}" presName="rootConnector1" presStyleLbl="node1" presStyleIdx="0" presStyleCnt="0"/>
+    <dgm:pt modelId="{54F35EA9-C4F0-45AB-9022-F661D76975A3}" type="pres">
+      <dgm:prSet presAssocID="{318B24BC-AEA1-48FA-AB4C-D9A16BAF4494}" presName="sibTrans" presStyleCnt="0"/>
       <dgm:spPr/>
     </dgm:pt>
-    <dgm:pt modelId="{2943712B-9774-446D-BFB1-89A0C6229DDF}" type="pres">
-      <dgm:prSet presAssocID="{00C4C7D7-43FB-4C62-B653-0BAA02E17855}" presName="hierChild2" presStyleCnt="0"/>
+    <dgm:pt modelId="{599AEA94-FD88-4E51-9297-94899BC5D2BA}" type="pres">
+      <dgm:prSet presAssocID="{CC9C6211-30AE-483B-B1F1-A39F40A2AA84}" presName="compNode" presStyleCnt="0"/>
       <dgm:spPr/>
     </dgm:pt>
-    <dgm:pt modelId="{6BA1B9EE-C685-4453-B26C-B93B4865A248}" type="pres">
-      <dgm:prSet presAssocID="{00C4C7D7-43FB-4C62-B653-0BAA02E17855}" presName="hierChild3" presStyleCnt="0"/>
+    <dgm:pt modelId="{6095570C-A5A1-4AA9-B164-F88846749480}" type="pres">
+      <dgm:prSet presAssocID="{CC9C6211-30AE-483B-B1F1-A39F40A2AA84}" presName="bgRect" presStyleLbl="bgShp" presStyleIdx="4" presStyleCnt="7"/>
       <dgm:spPr/>
     </dgm:pt>
-    <dgm:pt modelId="{5045EEA0-283A-41CD-BB8A-79B09CC08BE6}" type="pres">
-      <dgm:prSet presAssocID="{70668596-E9CC-4698-8A01-016E1F8E6F46}" presName="hierRoot1" presStyleCnt="0">
+    <dgm:pt modelId="{F1E900D3-EE18-4AB1-84D4-FEEEEDE70914}" type="pres">
+      <dgm:prSet presAssocID="{CC9C6211-30AE-483B-B1F1-A39F40A2AA84}" presName="iconRect" presStyleLbl="node1" presStyleIdx="4" presStyleCnt="7"/>
+      <dgm:spPr>
+        <a:blipFill>
+          <a:blip xmlns:r="http://schemas.openxmlformats.org/officeDocument/2006/relationships" r:embed="rId9">
+            <a:extLst>
+              <a:ext uri="{28A0092B-C50C-407E-A947-70E740481C1C}">
+                <a14:useLocalDpi xmlns:a14="http://schemas.microsoft.com/office/drawing/2010/main" val="0"/>
+              </a:ext>
+              <a:ext uri="{96DAC541-7B7A-43D3-8B79-37D633B846F1}">
+                <asvg:svgBlip xmlns:asvg="http://schemas.microsoft.com/office/drawing/2016/SVG/main" r:embed="rId10"/>
+              </a:ext>
+            </a:extLst>
+          </a:blip>
+          <a:srcRect/>
+          <a:stretch>
+            <a:fillRect/>
+          </a:stretch>
+        </a:blipFill>
+        <a:ln>
+          <a:noFill/>
+        </a:ln>
+      </dgm:spPr>
+      <dgm:extLst>
+        <a:ext uri="{E40237B7-FDA0-4F09-8148-C483321AD2D9}">
+          <dgm14:cNvPr xmlns:dgm14="http://schemas.microsoft.com/office/drawing/2010/diagram" id="0" name="" descr="Prüfliste"/>
+        </a:ext>
+      </dgm:extLst>
+    </dgm:pt>
+    <dgm:pt modelId="{BEDBBA72-F8A3-4017-B6DE-8FBDCEB9D600}" type="pres">
+      <dgm:prSet presAssocID="{CC9C6211-30AE-483B-B1F1-A39F40A2AA84}" presName="spaceRect" presStyleCnt="0"/>
+      <dgm:spPr/>
+    </dgm:pt>
+    <dgm:pt modelId="{2CC980F5-A79F-4B8C-83EB-1FCBD0AAF31A}" type="pres">
+      <dgm:prSet presAssocID="{CC9C6211-30AE-483B-B1F1-A39F40A2AA84}" presName="parTx" presStyleLbl="revTx" presStyleIdx="4" presStyleCnt="7">
         <dgm:presLayoutVars>
-          <dgm:hierBranch val="init"/>
+          <dgm:chMax val="0"/>
+          <dgm:chPref val="0"/>
         </dgm:presLayoutVars>
       </dgm:prSet>
       <dgm:spPr/>
     </dgm:pt>
-    <dgm:pt modelId="{010E815E-4072-4F73-B355-7B2DBBC7B567}" type="pres">
-      <dgm:prSet presAssocID="{70668596-E9CC-4698-8A01-016E1F8E6F46}" presName="rootComposite1" presStyleCnt="0"/>
+    <dgm:pt modelId="{002D4571-3DB2-49ED-904E-AB2524749CB6}" type="pres">
+      <dgm:prSet presAssocID="{548E6AC8-E5CF-4278-B4F8-4D41323504FA}" presName="sibTrans" presStyleCnt="0"/>
       <dgm:spPr/>
     </dgm:pt>
-    <dgm:pt modelId="{D07A68CE-9D6F-4E41-9D4F-EBA802447EC3}" type="pres">
-      <dgm:prSet presAssocID="{70668596-E9CC-4698-8A01-016E1F8E6F46}" presName="rootText1" presStyleLbl="node0" presStyleIdx="2" presStyleCnt="5" custScaleX="86125" custScaleY="64833">
+    <dgm:pt modelId="{643EE0F8-A8AB-4BF8-BC0D-05A3E1616228}" type="pres">
+      <dgm:prSet presAssocID="{2EF5E4CF-60FA-4002-BC65-367C35B5085D}" presName="compNode" presStyleCnt="0"/>
+      <dgm:spPr/>
+    </dgm:pt>
+    <dgm:pt modelId="{B5C9C074-0B69-4175-95CA-4E28A50B4587}" type="pres">
+      <dgm:prSet presAssocID="{2EF5E4CF-60FA-4002-BC65-367C35B5085D}" presName="bgRect" presStyleLbl="bgShp" presStyleIdx="5" presStyleCnt="7"/>
+      <dgm:spPr/>
+    </dgm:pt>
+    <dgm:pt modelId="{FF083712-F4F8-41AC-803C-F3F30A76FCC3}" type="pres">
+      <dgm:prSet presAssocID="{2EF5E4CF-60FA-4002-BC65-367C35B5085D}" presName="iconRect" presStyleLbl="node1" presStyleIdx="5" presStyleCnt="7"/>
+      <dgm:spPr>
+        <a:blipFill>
+          <a:blip xmlns:r="http://schemas.openxmlformats.org/officeDocument/2006/relationships" r:embed="rId11">
+            <a:extLst>
+              <a:ext uri="{28A0092B-C50C-407E-A947-70E740481C1C}">
+                <a14:useLocalDpi xmlns:a14="http://schemas.microsoft.com/office/drawing/2010/main" val="0"/>
+              </a:ext>
+              <a:ext uri="{96DAC541-7B7A-43D3-8B79-37D633B846F1}">
+                <asvg:svgBlip xmlns:asvg="http://schemas.microsoft.com/office/drawing/2016/SVG/main" r:embed="rId12"/>
+              </a:ext>
+            </a:extLst>
+          </a:blip>
+          <a:srcRect/>
+          <a:stretch>
+            <a:fillRect/>
+          </a:stretch>
+        </a:blipFill>
+        <a:ln>
+          <a:noFill/>
+        </a:ln>
+      </dgm:spPr>
+      <dgm:extLst>
+        <a:ext uri="{E40237B7-FDA0-4F09-8148-C483321AD2D9}">
+          <dgm14:cNvPr xmlns:dgm14="http://schemas.microsoft.com/office/drawing/2010/diagram" id="0" name="" descr="Teleskop"/>
+        </a:ext>
+      </dgm:extLst>
+    </dgm:pt>
+    <dgm:pt modelId="{03784E90-23F6-499A-AC42-8B9C55AF7CC5}" type="pres">
+      <dgm:prSet presAssocID="{2EF5E4CF-60FA-4002-BC65-367C35B5085D}" presName="spaceRect" presStyleCnt="0"/>
+      <dgm:spPr/>
+    </dgm:pt>
+    <dgm:pt modelId="{22712B7A-70ED-4685-BAEF-03E92D550A29}" type="pres">
+      <dgm:prSet presAssocID="{2EF5E4CF-60FA-4002-BC65-367C35B5085D}" presName="parTx" presStyleLbl="revTx" presStyleIdx="5" presStyleCnt="7">
         <dgm:presLayoutVars>
-          <dgm:chPref val="3"/>
+          <dgm:chMax val="0"/>
+          <dgm:chPref val="0"/>
         </dgm:presLayoutVars>
       </dgm:prSet>
       <dgm:spPr/>
     </dgm:pt>
-    <dgm:pt modelId="{867AF7C8-8088-4633-9689-A720BCEADAC7}" type="pres">
-      <dgm:prSet presAssocID="{70668596-E9CC-4698-8A01-016E1F8E6F46}" presName="rootConnector1" presStyleLbl="node1" presStyleIdx="0" presStyleCnt="0"/>
+    <dgm:pt modelId="{241C31E3-2A41-4699-B201-D5DA371235FC}" type="pres">
+      <dgm:prSet presAssocID="{5B6AEEDE-0130-4770-BB6A-0D83D1191A61}" presName="sibTrans" presStyleCnt="0"/>
       <dgm:spPr/>
     </dgm:pt>
-    <dgm:pt modelId="{6B0FDB1F-4641-44EC-8B09-5FB7A39262A0}" type="pres">
-      <dgm:prSet presAssocID="{70668596-E9CC-4698-8A01-016E1F8E6F46}" presName="hierChild2" presStyleCnt="0"/>
+    <dgm:pt modelId="{8F55D1D2-D980-4700-B2EC-37851340450F}" type="pres">
+      <dgm:prSet presAssocID="{BE3AF4B6-F5EC-44DF-9BDC-CB79D95FB3F4}" presName="compNode" presStyleCnt="0"/>
       <dgm:spPr/>
     </dgm:pt>
-    <dgm:pt modelId="{3857C2AF-DE74-46FF-934A-37015C6C72F3}" type="pres">
-      <dgm:prSet presAssocID="{70668596-E9CC-4698-8A01-016E1F8E6F46}" presName="hierChild3" presStyleCnt="0"/>
+    <dgm:pt modelId="{A14EC728-927C-4E6B-9325-F626ADD48A23}" type="pres">
+      <dgm:prSet presAssocID="{BE3AF4B6-F5EC-44DF-9BDC-CB79D95FB3F4}" presName="bgRect" presStyleLbl="bgShp" presStyleIdx="6" presStyleCnt="7"/>
       <dgm:spPr/>
     </dgm:pt>
-    <dgm:pt modelId="{D12E04D6-E8DC-4EA5-817E-5B921BFD4BD4}" type="pres">
-      <dgm:prSet presAssocID="{4EE0A925-BC89-490E-B3C5-D5596FBAB247}" presName="hierRoot1" presStyleCnt="0">
+    <dgm:pt modelId="{E9C3AABC-A869-4BA9-A30E-FD301139FF31}" type="pres">
+      <dgm:prSet presAssocID="{BE3AF4B6-F5EC-44DF-9BDC-CB79D95FB3F4}" presName="iconRect" presStyleLbl="node1" presStyleIdx="6" presStyleCnt="7"/>
+      <dgm:spPr>
+        <a:blipFill>
+          <a:blip xmlns:r="http://schemas.openxmlformats.org/officeDocument/2006/relationships" r:embed="rId13">
+            <a:extLst>
+              <a:ext uri="{28A0092B-C50C-407E-A947-70E740481C1C}">
+                <a14:useLocalDpi xmlns:a14="http://schemas.microsoft.com/office/drawing/2010/main" val="0"/>
+              </a:ext>
+              <a:ext uri="{96DAC541-7B7A-43D3-8B79-37D633B846F1}">
+                <asvg:svgBlip xmlns:asvg="http://schemas.microsoft.com/office/drawing/2016/SVG/main" r:embed="rId14"/>
+              </a:ext>
+            </a:extLst>
+          </a:blip>
+          <a:stretch>
+            <a:fillRect/>
+          </a:stretch>
+        </a:blipFill>
+        <a:ln>
+          <a:noFill/>
+        </a:ln>
+      </dgm:spPr>
+      <dgm:extLst>
+        <a:ext uri="{E40237B7-FDA0-4F09-8148-C483321AD2D9}">
+          <dgm14:cNvPr xmlns:dgm14="http://schemas.microsoft.com/office/drawing/2010/diagram" id="0" name="" descr="Monitor"/>
+        </a:ext>
+      </dgm:extLst>
+    </dgm:pt>
+    <dgm:pt modelId="{FC8A5027-E812-4034-8381-4D5DD7C33B6D}" type="pres">
+      <dgm:prSet presAssocID="{BE3AF4B6-F5EC-44DF-9BDC-CB79D95FB3F4}" presName="spaceRect" presStyleCnt="0"/>
+      <dgm:spPr/>
+    </dgm:pt>
+    <dgm:pt modelId="{E0707784-161D-4FE0-A2E5-76333C6DB759}" type="pres">
+      <dgm:prSet presAssocID="{BE3AF4B6-F5EC-44DF-9BDC-CB79D95FB3F4}" presName="parTx" presStyleLbl="revTx" presStyleIdx="6" presStyleCnt="7">
         <dgm:presLayoutVars>
-          <dgm:hierBranch val="init"/>
+          <dgm:chMax val="0"/>
+          <dgm:chPref val="0"/>
         </dgm:presLayoutVars>
       </dgm:prSet>
       <dgm:spPr/>
     </dgm:pt>
-    <dgm:pt modelId="{71462CEA-2518-4798-ABCE-2405CD7B05C4}" type="pres">
-      <dgm:prSet presAssocID="{4EE0A925-BC89-490E-B3C5-D5596FBAB247}" presName="rootComposite1" presStyleCnt="0"/>
-      <dgm:spPr/>
-    </dgm:pt>
-    <dgm:pt modelId="{CCA35A53-8902-4E8E-B56F-6A8F3DDF35D5}" type="pres">
-      <dgm:prSet presAssocID="{4EE0A925-BC89-490E-B3C5-D5596FBAB247}" presName="rootText1" presStyleLbl="node0" presStyleIdx="3" presStyleCnt="5" custScaleX="86125" custScaleY="64833">
-        <dgm:presLayoutVars>
-          <dgm:chPref val="3"/>
-        </dgm:presLayoutVars>
-      </dgm:prSet>
-      <dgm:spPr/>
-    </dgm:pt>
-    <dgm:pt modelId="{EFA00353-B659-414A-854C-B7E689A35818}" type="pres">
-      <dgm:prSet presAssocID="{4EE0A925-BC89-490E-B3C5-D5596FBAB247}" presName="rootConnector1" presStyleLbl="node1" presStyleIdx="0" presStyleCnt="0"/>
-      <dgm:spPr/>
-    </dgm:pt>
-    <dgm:pt modelId="{16E60090-159E-4462-9E46-AC8374EDE2DE}" type="pres">
-      <dgm:prSet presAssocID="{4EE0A925-BC89-490E-B3C5-D5596FBAB247}" presName="hierChild2" presStyleCnt="0"/>
-      <dgm:spPr/>
-    </dgm:pt>
-    <dgm:pt modelId="{B6123800-43A3-415C-AE46-BCDB9031B6B9}" type="pres">
-      <dgm:prSet presAssocID="{4EE0A925-BC89-490E-B3C5-D5596FBAB247}" presName="hierChild3" presStyleCnt="0"/>
-      <dgm:spPr/>
-    </dgm:pt>
-    <dgm:pt modelId="{E701E425-DBA7-4156-8C1C-AF3896A5B8F1}" type="pres">
-      <dgm:prSet presAssocID="{BE3AF4B6-F5EC-44DF-9BDC-CB79D95FB3F4}" presName="hierRoot1" presStyleCnt="0">
-        <dgm:presLayoutVars>
-          <dgm:hierBranch val="init"/>
-        </dgm:presLayoutVars>
-      </dgm:prSet>
-      <dgm:spPr/>
-    </dgm:pt>
-    <dgm:pt modelId="{D69269B0-122E-4426-920E-D896CD3C8267}" type="pres">
-      <dgm:prSet presAssocID="{BE3AF4B6-F5EC-44DF-9BDC-CB79D95FB3F4}" presName="rootComposite1" presStyleCnt="0"/>
-      <dgm:spPr/>
-    </dgm:pt>
-    <dgm:pt modelId="{D0F1789C-5031-4ED2-8612-D54DCD69DF19}" type="pres">
-      <dgm:prSet presAssocID="{BE3AF4B6-F5EC-44DF-9BDC-CB79D95FB3F4}" presName="rootText1" presStyleLbl="node0" presStyleIdx="4" presStyleCnt="5" custScaleX="86125" custScaleY="64833">
-        <dgm:presLayoutVars>
-          <dgm:chPref val="3"/>
-        </dgm:presLayoutVars>
-      </dgm:prSet>
-      <dgm:spPr/>
-    </dgm:pt>
-    <dgm:pt modelId="{7055C870-DF68-441F-899C-8AE927A7E8BD}" type="pres">
-      <dgm:prSet presAssocID="{BE3AF4B6-F5EC-44DF-9BDC-CB79D95FB3F4}" presName="rootConnector1" presStyleLbl="node1" presStyleIdx="0" presStyleCnt="0"/>
-      <dgm:spPr/>
-    </dgm:pt>
-    <dgm:pt modelId="{EFA118CD-DF23-4150-A8E3-6CD0C7266DFE}" type="pres">
-      <dgm:prSet presAssocID="{BE3AF4B6-F5EC-44DF-9BDC-CB79D95FB3F4}" presName="hierChild2" presStyleCnt="0"/>
-      <dgm:spPr/>
-    </dgm:pt>
-    <dgm:pt modelId="{B037AB12-1AFA-4B92-9D27-A51DD9C1270E}" type="pres">
-      <dgm:prSet presAssocID="{BE3AF4B6-F5EC-44DF-9BDC-CB79D95FB3F4}" presName="hierChild3" presStyleCnt="0"/>
-      <dgm:spPr/>
-    </dgm:pt>
   </dgm:ptLst>
   <dgm:cxnLst>
-    <dgm:cxn modelId="{2A67421D-9466-4AA7-94C4-520139CC6858}" srcId="{D75A9632-4EB0-4862-92FF-00CF01BE2205}" destId="{70668596-E9CC-4698-8A01-016E1F8E6F46}" srcOrd="2" destOrd="0" parTransId="{EDF271CF-D42E-45D0-9334-04FCF1DA506D}" sibTransId="{0B80253E-7ED3-4310-B077-01D55AE1071C}"/>
-    <dgm:cxn modelId="{A907E01F-93CB-466D-A5C1-4AF2854D4E51}" type="presOf" srcId="{00C4C7D7-43FB-4C62-B653-0BAA02E17855}" destId="{C483AB77-D90E-4834-8F4B-1826FF0CA448}" srcOrd="0" destOrd="0" presId="urn:microsoft.com/office/officeart/2009/3/layout/HorizontalOrganizationChart"/>
-    <dgm:cxn modelId="{7661682C-962B-48FB-B8EB-247678287587}" type="presOf" srcId="{4EE0A925-BC89-490E-B3C5-D5596FBAB247}" destId="{CCA35A53-8902-4E8E-B56F-6A8F3DDF35D5}" srcOrd="0" destOrd="0" presId="urn:microsoft.com/office/officeart/2009/3/layout/HorizontalOrganizationChart"/>
-    <dgm:cxn modelId="{947DA031-960C-4336-A377-EC247512A20F}" type="presOf" srcId="{70668596-E9CC-4698-8A01-016E1F8E6F46}" destId="{D07A68CE-9D6F-4E41-9D4F-EBA802447EC3}" srcOrd="0" destOrd="0" presId="urn:microsoft.com/office/officeart/2009/3/layout/HorizontalOrganizationChart"/>
-    <dgm:cxn modelId="{C638373B-8679-43D2-975A-C8F6F18B597A}" type="presOf" srcId="{00C4C7D7-43FB-4C62-B653-0BAA02E17855}" destId="{686DB669-0E09-480A-A0B5-4B64F05B70FF}" srcOrd="1" destOrd="0" presId="urn:microsoft.com/office/officeart/2009/3/layout/HorizontalOrganizationChart"/>
-    <dgm:cxn modelId="{F96A083D-1A4B-499F-98FF-D7DEFFDA9101}" type="presOf" srcId="{BE3AF4B6-F5EC-44DF-9BDC-CB79D95FB3F4}" destId="{7055C870-DF68-441F-899C-8AE927A7E8BD}" srcOrd="1" destOrd="0" presId="urn:microsoft.com/office/officeart/2009/3/layout/HorizontalOrganizationChart"/>
-    <dgm:cxn modelId="{57397D3E-2374-404D-8858-2B9A395EEB21}" type="presOf" srcId="{4EE0A925-BC89-490E-B3C5-D5596FBAB247}" destId="{EFA00353-B659-414A-854C-B7E689A35818}" srcOrd="1" destOrd="0" presId="urn:microsoft.com/office/officeart/2009/3/layout/HorizontalOrganizationChart"/>
-    <dgm:cxn modelId="{8059B95D-5238-487F-9EF9-DC508342BA71}" srcId="{D75A9632-4EB0-4862-92FF-00CF01BE2205}" destId="{BE3AF4B6-F5EC-44DF-9BDC-CB79D95FB3F4}" srcOrd="4" destOrd="0" parTransId="{5DC69E6B-E902-4549-ACA2-C87487FCD048}" sibTransId="{3B148F1D-FDFC-4CDA-B894-16E41EDC0348}"/>
-    <dgm:cxn modelId="{4D30D27A-A291-479A-A188-656286E7BA8F}" type="presOf" srcId="{70668596-E9CC-4698-8A01-016E1F8E6F46}" destId="{867AF7C8-8088-4633-9689-A720BCEADAC7}" srcOrd="1" destOrd="0" presId="urn:microsoft.com/office/officeart/2009/3/layout/HorizontalOrganizationChart"/>
-    <dgm:cxn modelId="{6013628C-81BE-42D0-96B9-999F0382D570}" srcId="{D75A9632-4EB0-4862-92FF-00CF01BE2205}" destId="{00C4C7D7-43FB-4C62-B653-0BAA02E17855}" srcOrd="1" destOrd="0" parTransId="{D3913AE7-4A70-4B94-8990-85FA8AA36E6B}" sibTransId="{26407BAA-24CA-40B6-A34E-07DAAD20ECB5}"/>
-    <dgm:cxn modelId="{DC7A4FA1-590E-402E-B3C9-432D9D9BC84E}" srcId="{D75A9632-4EB0-4862-92FF-00CF01BE2205}" destId="{5D3F0ED0-2EB6-453D-BE4B-4BBCD8987238}" srcOrd="0" destOrd="0" parTransId="{D6F3F8CC-AE84-4149-B520-1874B1B79F46}" sibTransId="{2E2BF50E-B394-4636-BF63-257039995E33}"/>
-    <dgm:cxn modelId="{3D0C1AA3-0AFA-4F6D-82DC-F890DA11ACAC}" type="presOf" srcId="{5D3F0ED0-2EB6-453D-BE4B-4BBCD8987238}" destId="{AF494A36-726F-4260-932B-5405377148C7}" srcOrd="1" destOrd="0" presId="urn:microsoft.com/office/officeart/2009/3/layout/HorizontalOrganizationChart"/>
-    <dgm:cxn modelId="{F6B368BB-52FC-49B9-908A-11444FC1A02F}" type="presOf" srcId="{5D3F0ED0-2EB6-453D-BE4B-4BBCD8987238}" destId="{922FAB3C-8DC6-4B4E-81BA-6DD29440B0AC}" srcOrd="0" destOrd="0" presId="urn:microsoft.com/office/officeart/2009/3/layout/HorizontalOrganizationChart"/>
-    <dgm:cxn modelId="{2C5C0AC5-ED6C-4FA6-8E31-9120A3C41C4D}" type="presOf" srcId="{BE3AF4B6-F5EC-44DF-9BDC-CB79D95FB3F4}" destId="{D0F1789C-5031-4ED2-8612-D54DCD69DF19}" srcOrd="0" destOrd="0" presId="urn:microsoft.com/office/officeart/2009/3/layout/HorizontalOrganizationChart"/>
-    <dgm:cxn modelId="{C31AF8C9-F1F7-4636-9E8B-9856C48EE672}" type="presOf" srcId="{D75A9632-4EB0-4862-92FF-00CF01BE2205}" destId="{9D47FB11-33B4-48E9-9FC2-A65E51265124}" srcOrd="0" destOrd="0" presId="urn:microsoft.com/office/officeart/2009/3/layout/HorizontalOrganizationChart"/>
-    <dgm:cxn modelId="{641DD2F8-EE5B-49FB-AD42-13F8DDA1D2E7}" srcId="{D75A9632-4EB0-4862-92FF-00CF01BE2205}" destId="{4EE0A925-BC89-490E-B3C5-D5596FBAB247}" srcOrd="3" destOrd="0" parTransId="{F176E636-3CF0-4BA9-AED5-64B011671E0C}" sibTransId="{A715DD85-F2D3-41E4-B95D-11DAEE82F83F}"/>
-    <dgm:cxn modelId="{049EB4C9-08AB-4E0E-A7D8-6292894C566F}" type="presParOf" srcId="{9D47FB11-33B4-48E9-9FC2-A65E51265124}" destId="{BDBAD208-8CA8-47D3-8F7E-7E9D4BD1B67F}" srcOrd="0" destOrd="0" presId="urn:microsoft.com/office/officeart/2009/3/layout/HorizontalOrganizationChart"/>
-    <dgm:cxn modelId="{EF44F98A-5109-4B5E-B560-9A76B107683D}" type="presParOf" srcId="{BDBAD208-8CA8-47D3-8F7E-7E9D4BD1B67F}" destId="{D21E5021-6EA3-4D37-BD50-E8DDA292EE3B}" srcOrd="0" destOrd="0" presId="urn:microsoft.com/office/officeart/2009/3/layout/HorizontalOrganizationChart"/>
-    <dgm:cxn modelId="{1D5B9A13-E87E-4F6C-8FDA-5C2424AB222D}" type="presParOf" srcId="{D21E5021-6EA3-4D37-BD50-E8DDA292EE3B}" destId="{922FAB3C-8DC6-4B4E-81BA-6DD29440B0AC}" srcOrd="0" destOrd="0" presId="urn:microsoft.com/office/officeart/2009/3/layout/HorizontalOrganizationChart"/>
-    <dgm:cxn modelId="{3EE8CA09-FBF4-4B28-A312-D3F188B4B96E}" type="presParOf" srcId="{D21E5021-6EA3-4D37-BD50-E8DDA292EE3B}" destId="{AF494A36-726F-4260-932B-5405377148C7}" srcOrd="1" destOrd="0" presId="urn:microsoft.com/office/officeart/2009/3/layout/HorizontalOrganizationChart"/>
-    <dgm:cxn modelId="{0DD2E6A2-5001-42D3-B736-AF3FD874E2C4}" type="presParOf" srcId="{BDBAD208-8CA8-47D3-8F7E-7E9D4BD1B67F}" destId="{4B59475B-4E00-4BA1-B33C-E6ADE2B908F7}" srcOrd="1" destOrd="0" presId="urn:microsoft.com/office/officeart/2009/3/layout/HorizontalOrganizationChart"/>
-    <dgm:cxn modelId="{D56EF680-B3D3-442C-BE0F-FA7CC1047AD1}" type="presParOf" srcId="{BDBAD208-8CA8-47D3-8F7E-7E9D4BD1B67F}" destId="{161E1A74-A59D-4967-9D20-F98B267ECE6B}" srcOrd="2" destOrd="0" presId="urn:microsoft.com/office/officeart/2009/3/layout/HorizontalOrganizationChart"/>
-    <dgm:cxn modelId="{DCE7D019-1A02-4F26-9297-F482C6FEF42B}" type="presParOf" srcId="{9D47FB11-33B4-48E9-9FC2-A65E51265124}" destId="{F925AEFA-5F16-456D-84F0-FC1303A2A3C9}" srcOrd="1" destOrd="0" presId="urn:microsoft.com/office/officeart/2009/3/layout/HorizontalOrganizationChart"/>
-    <dgm:cxn modelId="{4FB0CFB7-2D54-49E6-8F25-F7E1EDBD0A86}" type="presParOf" srcId="{F925AEFA-5F16-456D-84F0-FC1303A2A3C9}" destId="{086C9DBA-88A8-4531-87B9-51357D0CEE70}" srcOrd="0" destOrd="0" presId="urn:microsoft.com/office/officeart/2009/3/layout/HorizontalOrganizationChart"/>
-    <dgm:cxn modelId="{4A9ADF73-12F4-4618-8FEE-5EE34ECF2885}" type="presParOf" srcId="{086C9DBA-88A8-4531-87B9-51357D0CEE70}" destId="{C483AB77-D90E-4834-8F4B-1826FF0CA448}" srcOrd="0" destOrd="0" presId="urn:microsoft.com/office/officeart/2009/3/layout/HorizontalOrganizationChart"/>
-    <dgm:cxn modelId="{6205A47C-7C91-451E-B7EE-10758DB9D508}" type="presParOf" srcId="{086C9DBA-88A8-4531-87B9-51357D0CEE70}" destId="{686DB669-0E09-480A-A0B5-4B64F05B70FF}" srcOrd="1" destOrd="0" presId="urn:microsoft.com/office/officeart/2009/3/layout/HorizontalOrganizationChart"/>
-    <dgm:cxn modelId="{2FE8C811-B0A6-4EC3-845A-96D44B6644FA}" type="presParOf" srcId="{F925AEFA-5F16-456D-84F0-FC1303A2A3C9}" destId="{2943712B-9774-446D-BFB1-89A0C6229DDF}" srcOrd="1" destOrd="0" presId="urn:microsoft.com/office/officeart/2009/3/layout/HorizontalOrganizationChart"/>
-    <dgm:cxn modelId="{C611BC69-71E9-4032-AF52-5C18E47EDB47}" type="presParOf" srcId="{F925AEFA-5F16-456D-84F0-FC1303A2A3C9}" destId="{6BA1B9EE-C685-4453-B26C-B93B4865A248}" srcOrd="2" destOrd="0" presId="urn:microsoft.com/office/officeart/2009/3/layout/HorizontalOrganizationChart"/>
-    <dgm:cxn modelId="{BB29CD8F-B2B3-404E-83C8-C06DEC11042A}" type="presParOf" srcId="{9D47FB11-33B4-48E9-9FC2-A65E51265124}" destId="{5045EEA0-283A-41CD-BB8A-79B09CC08BE6}" srcOrd="2" destOrd="0" presId="urn:microsoft.com/office/officeart/2009/3/layout/HorizontalOrganizationChart"/>
-    <dgm:cxn modelId="{31EB1C41-2F95-4A20-80A1-60D900BB8661}" type="presParOf" srcId="{5045EEA0-283A-41CD-BB8A-79B09CC08BE6}" destId="{010E815E-4072-4F73-B355-7B2DBBC7B567}" srcOrd="0" destOrd="0" presId="urn:microsoft.com/office/officeart/2009/3/layout/HorizontalOrganizationChart"/>
-    <dgm:cxn modelId="{18E2B2E1-9831-4498-8877-31C7EE027B46}" type="presParOf" srcId="{010E815E-4072-4F73-B355-7B2DBBC7B567}" destId="{D07A68CE-9D6F-4E41-9D4F-EBA802447EC3}" srcOrd="0" destOrd="0" presId="urn:microsoft.com/office/officeart/2009/3/layout/HorizontalOrganizationChart"/>
-    <dgm:cxn modelId="{3063926B-F199-4F9F-A4F9-D6A44E142860}" type="presParOf" srcId="{010E815E-4072-4F73-B355-7B2DBBC7B567}" destId="{867AF7C8-8088-4633-9689-A720BCEADAC7}" srcOrd="1" destOrd="0" presId="urn:microsoft.com/office/officeart/2009/3/layout/HorizontalOrganizationChart"/>
-    <dgm:cxn modelId="{FD8A4ADE-994A-48A4-95E3-499E1E96FCA6}" type="presParOf" srcId="{5045EEA0-283A-41CD-BB8A-79B09CC08BE6}" destId="{6B0FDB1F-4641-44EC-8B09-5FB7A39262A0}" srcOrd="1" destOrd="0" presId="urn:microsoft.com/office/officeart/2009/3/layout/HorizontalOrganizationChart"/>
-    <dgm:cxn modelId="{6E1A1B02-5E4A-4207-BF27-5ED4EC67B5A8}" type="presParOf" srcId="{5045EEA0-283A-41CD-BB8A-79B09CC08BE6}" destId="{3857C2AF-DE74-46FF-934A-37015C6C72F3}" srcOrd="2" destOrd="0" presId="urn:microsoft.com/office/officeart/2009/3/layout/HorizontalOrganizationChart"/>
-    <dgm:cxn modelId="{D58FFA66-66B1-4B21-BEB4-583CEDF059DA}" type="presParOf" srcId="{9D47FB11-33B4-48E9-9FC2-A65E51265124}" destId="{D12E04D6-E8DC-4EA5-817E-5B921BFD4BD4}" srcOrd="3" destOrd="0" presId="urn:microsoft.com/office/officeart/2009/3/layout/HorizontalOrganizationChart"/>
-    <dgm:cxn modelId="{4922DF0C-EC2A-4288-B844-3D81BBA421BB}" type="presParOf" srcId="{D12E04D6-E8DC-4EA5-817E-5B921BFD4BD4}" destId="{71462CEA-2518-4798-ABCE-2405CD7B05C4}" srcOrd="0" destOrd="0" presId="urn:microsoft.com/office/officeart/2009/3/layout/HorizontalOrganizationChart"/>
-    <dgm:cxn modelId="{63471875-CF78-4F01-B5DC-F232806AAEFC}" type="presParOf" srcId="{71462CEA-2518-4798-ABCE-2405CD7B05C4}" destId="{CCA35A53-8902-4E8E-B56F-6A8F3DDF35D5}" srcOrd="0" destOrd="0" presId="urn:microsoft.com/office/officeart/2009/3/layout/HorizontalOrganizationChart"/>
-    <dgm:cxn modelId="{7A660B59-0D84-41A7-9519-069E7E329224}" type="presParOf" srcId="{71462CEA-2518-4798-ABCE-2405CD7B05C4}" destId="{EFA00353-B659-414A-854C-B7E689A35818}" srcOrd="1" destOrd="0" presId="urn:microsoft.com/office/officeart/2009/3/layout/HorizontalOrganizationChart"/>
-    <dgm:cxn modelId="{5A97758C-A4C9-4F56-BFFA-BED363598F88}" type="presParOf" srcId="{D12E04D6-E8DC-4EA5-817E-5B921BFD4BD4}" destId="{16E60090-159E-4462-9E46-AC8374EDE2DE}" srcOrd="1" destOrd="0" presId="urn:microsoft.com/office/officeart/2009/3/layout/HorizontalOrganizationChart"/>
-    <dgm:cxn modelId="{BB165BDF-E509-4A78-93F7-AD7F11C04BBA}" type="presParOf" srcId="{D12E04D6-E8DC-4EA5-817E-5B921BFD4BD4}" destId="{B6123800-43A3-415C-AE46-BCDB9031B6B9}" srcOrd="2" destOrd="0" presId="urn:microsoft.com/office/officeart/2009/3/layout/HorizontalOrganizationChart"/>
-    <dgm:cxn modelId="{1338DC68-1918-4A5D-B08A-92328F7237DB}" type="presParOf" srcId="{9D47FB11-33B4-48E9-9FC2-A65E51265124}" destId="{E701E425-DBA7-4156-8C1C-AF3896A5B8F1}" srcOrd="4" destOrd="0" presId="urn:microsoft.com/office/officeart/2009/3/layout/HorizontalOrganizationChart"/>
-    <dgm:cxn modelId="{0F6A342E-6B50-4523-B255-BD6530CF44C4}" type="presParOf" srcId="{E701E425-DBA7-4156-8C1C-AF3896A5B8F1}" destId="{D69269B0-122E-4426-920E-D896CD3C8267}" srcOrd="0" destOrd="0" presId="urn:microsoft.com/office/officeart/2009/3/layout/HorizontalOrganizationChart"/>
-    <dgm:cxn modelId="{42C41854-8D1B-4DAA-99D3-6240B3E6BB3B}" type="presParOf" srcId="{D69269B0-122E-4426-920E-D896CD3C8267}" destId="{D0F1789C-5031-4ED2-8612-D54DCD69DF19}" srcOrd="0" destOrd="0" presId="urn:microsoft.com/office/officeart/2009/3/layout/HorizontalOrganizationChart"/>
-    <dgm:cxn modelId="{DF132866-51BE-4E08-A1E2-1FFF400D90F9}" type="presParOf" srcId="{D69269B0-122E-4426-920E-D896CD3C8267}" destId="{7055C870-DF68-441F-899C-8AE927A7E8BD}" srcOrd="1" destOrd="0" presId="urn:microsoft.com/office/officeart/2009/3/layout/HorizontalOrganizationChart"/>
-    <dgm:cxn modelId="{6BC5A8B0-6FFC-4CAB-BED0-D27E7123B061}" type="presParOf" srcId="{E701E425-DBA7-4156-8C1C-AF3896A5B8F1}" destId="{EFA118CD-DF23-4150-A8E3-6CD0C7266DFE}" srcOrd="1" destOrd="0" presId="urn:microsoft.com/office/officeart/2009/3/layout/HorizontalOrganizationChart"/>
-    <dgm:cxn modelId="{54E6F757-FF69-48B4-89A9-9B7217D39D0D}" type="presParOf" srcId="{E701E425-DBA7-4156-8C1C-AF3896A5B8F1}" destId="{B037AB12-1AFA-4B92-9D27-A51DD9C1270E}" srcOrd="2" destOrd="0" presId="urn:microsoft.com/office/officeart/2009/3/layout/HorizontalOrganizationChart"/>
+    <dgm:cxn modelId="{6E1B1709-8A1D-4E83-8A02-54201DFC9D42}" type="presOf" srcId="{CC9C6211-30AE-483B-B1F1-A39F40A2AA84}" destId="{2CC980F5-A79F-4B8C-83EB-1FCBD0AAF31A}" srcOrd="0" destOrd="0" presId="urn:microsoft.com/office/officeart/2018/2/layout/IconVerticalSolidList"/>
+    <dgm:cxn modelId="{2A67421D-9466-4AA7-94C4-520139CC6858}" srcId="{D75A9632-4EB0-4862-92FF-00CF01BE2205}" destId="{70668596-E9CC-4698-8A01-016E1F8E6F46}" srcOrd="1" destOrd="0" parTransId="{EDF271CF-D42E-45D0-9334-04FCF1DA506D}" sibTransId="{0B80253E-7ED3-4310-B077-01D55AE1071C}"/>
+    <dgm:cxn modelId="{60A7BB1E-CDC0-4FAA-893C-27852F4DFF9A}" type="presOf" srcId="{70668596-E9CC-4698-8A01-016E1F8E6F46}" destId="{5D59035D-6466-40C8-A337-F390A8C40203}" srcOrd="0" destOrd="0" presId="urn:microsoft.com/office/officeart/2018/2/layout/IconVerticalSolidList"/>
+    <dgm:cxn modelId="{FC964623-3807-4321-8943-61FD27E62222}" srcId="{D75A9632-4EB0-4862-92FF-00CF01BE2205}" destId="{2EF5E4CF-60FA-4002-BC65-367C35B5085D}" srcOrd="5" destOrd="0" parTransId="{CB2E48B4-E95C-47E0-AD19-3BC02E32C39B}" sibTransId="{5B6AEEDE-0130-4770-BB6A-0D83D1191A61}"/>
+    <dgm:cxn modelId="{BA08983C-0EC1-479E-938D-B85BAF12A959}" type="presOf" srcId="{00C4C7D7-43FB-4C62-B653-0BAA02E17855}" destId="{76C0B008-7206-407D-9B14-1249BB4B3B10}" srcOrd="0" destOrd="0" presId="urn:microsoft.com/office/officeart/2018/2/layout/IconVerticalSolidList"/>
+    <dgm:cxn modelId="{80D9D03E-5C59-4FE6-81DF-93AEA84514F3}" type="presOf" srcId="{2EF5E4CF-60FA-4002-BC65-367C35B5085D}" destId="{22712B7A-70ED-4685-BAEF-03E92D550A29}" srcOrd="0" destOrd="0" presId="urn:microsoft.com/office/officeart/2018/2/layout/IconVerticalSolidList"/>
+    <dgm:cxn modelId="{8059B95D-5238-487F-9EF9-DC508342BA71}" srcId="{D75A9632-4EB0-4862-92FF-00CF01BE2205}" destId="{BE3AF4B6-F5EC-44DF-9BDC-CB79D95FB3F4}" srcOrd="6" destOrd="0" parTransId="{5DC69E6B-E902-4549-ACA2-C87487FCD048}" sibTransId="{3B148F1D-FDFC-4CDA-B894-16E41EDC0348}"/>
+    <dgm:cxn modelId="{8CBB3365-7AB8-4635-9726-B3E2AFAF7AF0}" type="presOf" srcId="{D75A9632-4EB0-4862-92FF-00CF01BE2205}" destId="{8D37A615-ACDC-4425-9162-B1855CBACD8D}" srcOrd="0" destOrd="0" presId="urn:microsoft.com/office/officeart/2018/2/layout/IconVerticalSolidList"/>
+    <dgm:cxn modelId="{728C154F-0159-4AB4-873A-D0D4E40ECFC6}" srcId="{D75A9632-4EB0-4862-92FF-00CF01BE2205}" destId="{338B1851-1207-41DE-B301-69E64DD2E8DA}" srcOrd="3" destOrd="0" parTransId="{DDC56B63-D16C-4F36-887E-D9C1D2D47AF8}" sibTransId="{318B24BC-AEA1-48FA-AB4C-D9A16BAF4494}"/>
+    <dgm:cxn modelId="{00A29951-D025-445E-B99A-112BE82BC6B5}" type="presOf" srcId="{BE3AF4B6-F5EC-44DF-9BDC-CB79D95FB3F4}" destId="{E0707784-161D-4FE0-A2E5-76333C6DB759}" srcOrd="0" destOrd="0" presId="urn:microsoft.com/office/officeart/2018/2/layout/IconVerticalSolidList"/>
+    <dgm:cxn modelId="{6013628C-81BE-42D0-96B9-999F0382D570}" srcId="{D75A9632-4EB0-4862-92FF-00CF01BE2205}" destId="{00C4C7D7-43FB-4C62-B653-0BAA02E17855}" srcOrd="0" destOrd="0" parTransId="{D3913AE7-4A70-4B94-8990-85FA8AA36E6B}" sibTransId="{26407BAA-24CA-40B6-A34E-07DAAD20ECB5}"/>
+    <dgm:cxn modelId="{E51D9D8C-7919-4E70-9345-7A94FEE058DB}" srcId="{D75A9632-4EB0-4862-92FF-00CF01BE2205}" destId="{CC9C6211-30AE-483B-B1F1-A39F40A2AA84}" srcOrd="4" destOrd="0" parTransId="{D1B1CC00-0CC7-456C-83C9-BFECEC8B2B55}" sibTransId="{548E6AC8-E5CF-4278-B4F8-4D41323504FA}"/>
+    <dgm:cxn modelId="{7BE60FB5-1407-4D38-9EF1-4CF9DBA41F4D}" type="presOf" srcId="{4EE0A925-BC89-490E-B3C5-D5596FBAB247}" destId="{B304F934-4758-4138-A642-C506E9AE6E40}" srcOrd="0" destOrd="0" presId="urn:microsoft.com/office/officeart/2018/2/layout/IconVerticalSolidList"/>
+    <dgm:cxn modelId="{47E2CBCE-DB55-4032-AC41-495E8BF7EB6D}" type="presOf" srcId="{338B1851-1207-41DE-B301-69E64DD2E8DA}" destId="{8E9EF99B-2EE3-4D20-BFF5-651608C79EEC}" srcOrd="0" destOrd="0" presId="urn:microsoft.com/office/officeart/2018/2/layout/IconVerticalSolidList"/>
+    <dgm:cxn modelId="{641DD2F8-EE5B-49FB-AD42-13F8DDA1D2E7}" srcId="{D75A9632-4EB0-4862-92FF-00CF01BE2205}" destId="{4EE0A925-BC89-490E-B3C5-D5596FBAB247}" srcOrd="2" destOrd="0" parTransId="{F176E636-3CF0-4BA9-AED5-64B011671E0C}" sibTransId="{A715DD85-F2D3-41E4-B95D-11DAEE82F83F}"/>
+    <dgm:cxn modelId="{AFA73BAD-C4D8-427C-82F6-CBD0F0F685AF}" type="presParOf" srcId="{8D37A615-ACDC-4425-9162-B1855CBACD8D}" destId="{0E0A6545-5E4D-4139-8B79-290A8A7259F1}" srcOrd="0" destOrd="0" presId="urn:microsoft.com/office/officeart/2018/2/layout/IconVerticalSolidList"/>
+    <dgm:cxn modelId="{741773E9-E6B2-4A3E-A69A-96CF30055B1A}" type="presParOf" srcId="{0E0A6545-5E4D-4139-8B79-290A8A7259F1}" destId="{28C20E6D-C74B-40CE-9EE4-5BF582043D3B}" srcOrd="0" destOrd="0" presId="urn:microsoft.com/office/officeart/2018/2/layout/IconVerticalSolidList"/>
+    <dgm:cxn modelId="{66B1A103-FC26-40A8-A5E8-0F33388EBFD9}" type="presParOf" srcId="{0E0A6545-5E4D-4139-8B79-290A8A7259F1}" destId="{2494CCE2-667F-4900-A3F2-EE05F7D3B311}" srcOrd="1" destOrd="0" presId="urn:microsoft.com/office/officeart/2018/2/layout/IconVerticalSolidList"/>
+    <dgm:cxn modelId="{C2B3C1F4-99F8-478A-A861-E35D23A6B33E}" type="presParOf" srcId="{0E0A6545-5E4D-4139-8B79-290A8A7259F1}" destId="{DCA4F497-ADD7-487A-8577-994D94D7CFF8}" srcOrd="2" destOrd="0" presId="urn:microsoft.com/office/officeart/2018/2/layout/IconVerticalSolidList"/>
+    <dgm:cxn modelId="{4E900D84-55CE-482B-9FF4-610BE4131D5E}" type="presParOf" srcId="{0E0A6545-5E4D-4139-8B79-290A8A7259F1}" destId="{76C0B008-7206-407D-9B14-1249BB4B3B10}" srcOrd="3" destOrd="0" presId="urn:microsoft.com/office/officeart/2018/2/layout/IconVerticalSolidList"/>
+    <dgm:cxn modelId="{0A3A8482-DE44-483A-BBA2-D800E4405073}" type="presParOf" srcId="{8D37A615-ACDC-4425-9162-B1855CBACD8D}" destId="{C7629A99-1AE0-40A8-ADB8-DE94711B5AC0}" srcOrd="1" destOrd="0" presId="urn:microsoft.com/office/officeart/2018/2/layout/IconVerticalSolidList"/>
+    <dgm:cxn modelId="{6D2450FF-9C2B-4089-BFDA-1BCAF9C3ABA7}" type="presParOf" srcId="{8D37A615-ACDC-4425-9162-B1855CBACD8D}" destId="{7ACAD572-5A96-4AFC-9EB8-3764BA887763}" srcOrd="2" destOrd="0" presId="urn:microsoft.com/office/officeart/2018/2/layout/IconVerticalSolidList"/>
+    <dgm:cxn modelId="{D904F07E-D987-4278-A545-A914B43A0F64}" type="presParOf" srcId="{7ACAD572-5A96-4AFC-9EB8-3764BA887763}" destId="{AFF28488-4ABA-409F-A6FA-20AB31B56E40}" srcOrd="0" destOrd="0" presId="urn:microsoft.com/office/officeart/2018/2/layout/IconVerticalSolidList"/>
+    <dgm:cxn modelId="{044013EB-3F20-4EB1-BBF2-5C35A3516560}" type="presParOf" srcId="{7ACAD572-5A96-4AFC-9EB8-3764BA887763}" destId="{0AFC1970-7CD3-47C8-A804-01BDAD36ADAD}" srcOrd="1" destOrd="0" presId="urn:microsoft.com/office/officeart/2018/2/layout/IconVerticalSolidList"/>
+    <dgm:cxn modelId="{11BDF313-77FF-4A51-9CBE-50D0A250A95A}" type="presParOf" srcId="{7ACAD572-5A96-4AFC-9EB8-3764BA887763}" destId="{186D60BF-D5A7-4ED5-A1D2-445BC8FBE626}" srcOrd="2" destOrd="0" presId="urn:microsoft.com/office/officeart/2018/2/layout/IconVerticalSolidList"/>
+    <dgm:cxn modelId="{6821DC4E-5BBE-4CFF-B85E-88D56FAEB23C}" type="presParOf" srcId="{7ACAD572-5A96-4AFC-9EB8-3764BA887763}" destId="{5D59035D-6466-40C8-A337-F390A8C40203}" srcOrd="3" destOrd="0" presId="urn:microsoft.com/office/officeart/2018/2/layout/IconVerticalSolidList"/>
+    <dgm:cxn modelId="{D23A40DC-11F0-45A4-A776-5E3436C24B46}" type="presParOf" srcId="{8D37A615-ACDC-4425-9162-B1855CBACD8D}" destId="{A1121417-E2E6-4EE5-91A7-4E23D234DCCC}" srcOrd="3" destOrd="0" presId="urn:microsoft.com/office/officeart/2018/2/layout/IconVerticalSolidList"/>
+    <dgm:cxn modelId="{CF9A2091-5B66-4348-BBE9-EB310B8A631F}" type="presParOf" srcId="{8D37A615-ACDC-4425-9162-B1855CBACD8D}" destId="{6A9D6172-8008-4AC2-8245-D61FE33453D9}" srcOrd="4" destOrd="0" presId="urn:microsoft.com/office/officeart/2018/2/layout/IconVerticalSolidList"/>
+    <dgm:cxn modelId="{35596232-CA6A-4E5A-87F8-6F52674F5856}" type="presParOf" srcId="{6A9D6172-8008-4AC2-8245-D61FE33453D9}" destId="{B868CA88-B91F-4E8D-9852-9CEB24D3D808}" srcOrd="0" destOrd="0" presId="urn:microsoft.com/office/officeart/2018/2/layout/IconVerticalSolidList"/>
+    <dgm:cxn modelId="{5AEAA11C-8AD8-4147-ADAD-6E95C30F0915}" type="presParOf" srcId="{6A9D6172-8008-4AC2-8245-D61FE33453D9}" destId="{DFC9FAAA-2FBB-40DA-9EC0-778C0DDF9535}" srcOrd="1" destOrd="0" presId="urn:microsoft.com/office/officeart/2018/2/layout/IconVerticalSolidList"/>
+    <dgm:cxn modelId="{498F4799-4325-4DB4-B478-247873110655}" type="presParOf" srcId="{6A9D6172-8008-4AC2-8245-D61FE33453D9}" destId="{43E9CC4D-37A6-44A3-AA7C-A269DFA62684}" srcOrd="2" destOrd="0" presId="urn:microsoft.com/office/officeart/2018/2/layout/IconVerticalSolidList"/>
+    <dgm:cxn modelId="{4C3F19A2-3B4F-49AC-9E04-57A18A6E5758}" type="presParOf" srcId="{6A9D6172-8008-4AC2-8245-D61FE33453D9}" destId="{B304F934-4758-4138-A642-C506E9AE6E40}" srcOrd="3" destOrd="0" presId="urn:microsoft.com/office/officeart/2018/2/layout/IconVerticalSolidList"/>
+    <dgm:cxn modelId="{8F298AB3-4875-4C73-849D-EE12959ECF9C}" type="presParOf" srcId="{8D37A615-ACDC-4425-9162-B1855CBACD8D}" destId="{322C4BE8-0C8D-4784-A3E4-A6BD679BC7D9}" srcOrd="5" destOrd="0" presId="urn:microsoft.com/office/officeart/2018/2/layout/IconVerticalSolidList"/>
+    <dgm:cxn modelId="{72283FB2-A0C2-48D5-AAFB-E69C38721928}" type="presParOf" srcId="{8D37A615-ACDC-4425-9162-B1855CBACD8D}" destId="{9CD64B91-B532-4C47-819B-DFCBA35D21E3}" srcOrd="6" destOrd="0" presId="urn:microsoft.com/office/officeart/2018/2/layout/IconVerticalSolidList"/>
+    <dgm:cxn modelId="{0420545A-5445-40C9-8B73-9EAC47AF0444}" type="presParOf" srcId="{9CD64B91-B532-4C47-819B-DFCBA35D21E3}" destId="{BE167F3C-D255-4165-8E41-CEE8FC629C7E}" srcOrd="0" destOrd="0" presId="urn:microsoft.com/office/officeart/2018/2/layout/IconVerticalSolidList"/>
+    <dgm:cxn modelId="{0D2DF0AA-AE3D-4B8E-AACC-9EB852F6C732}" type="presParOf" srcId="{9CD64B91-B532-4C47-819B-DFCBA35D21E3}" destId="{2252B938-A734-4502-A52D-2B742D175018}" srcOrd="1" destOrd="0" presId="urn:microsoft.com/office/officeart/2018/2/layout/IconVerticalSolidList"/>
+    <dgm:cxn modelId="{BFC52F6C-3BCF-413C-BDB7-1C17745BB1D1}" type="presParOf" srcId="{9CD64B91-B532-4C47-819B-DFCBA35D21E3}" destId="{6E5A043B-BEA2-4D1B-805E-5EBBBBC89482}" srcOrd="2" destOrd="0" presId="urn:microsoft.com/office/officeart/2018/2/layout/IconVerticalSolidList"/>
+    <dgm:cxn modelId="{CB0500BD-A017-4045-A586-950522CB1168}" type="presParOf" srcId="{9CD64B91-B532-4C47-819B-DFCBA35D21E3}" destId="{8E9EF99B-2EE3-4D20-BFF5-651608C79EEC}" srcOrd="3" destOrd="0" presId="urn:microsoft.com/office/officeart/2018/2/layout/IconVerticalSolidList"/>
+    <dgm:cxn modelId="{E0E3A2C0-74D2-4809-A26F-B89BDA9407C1}" type="presParOf" srcId="{8D37A615-ACDC-4425-9162-B1855CBACD8D}" destId="{54F35EA9-C4F0-45AB-9022-F661D76975A3}" srcOrd="7" destOrd="0" presId="urn:microsoft.com/office/officeart/2018/2/layout/IconVerticalSolidList"/>
+    <dgm:cxn modelId="{E47467F5-F865-4AF8-81FE-A158933967E3}" type="presParOf" srcId="{8D37A615-ACDC-4425-9162-B1855CBACD8D}" destId="{599AEA94-FD88-4E51-9297-94899BC5D2BA}" srcOrd="8" destOrd="0" presId="urn:microsoft.com/office/officeart/2018/2/layout/IconVerticalSolidList"/>
+    <dgm:cxn modelId="{FC8C848B-C2B5-451D-9F41-EB00DA31E505}" type="presParOf" srcId="{599AEA94-FD88-4E51-9297-94899BC5D2BA}" destId="{6095570C-A5A1-4AA9-B164-F88846749480}" srcOrd="0" destOrd="0" presId="urn:microsoft.com/office/officeart/2018/2/layout/IconVerticalSolidList"/>
+    <dgm:cxn modelId="{D8135C39-EC4F-4EFA-BA44-FE8E5D32B21D}" type="presParOf" srcId="{599AEA94-FD88-4E51-9297-94899BC5D2BA}" destId="{F1E900D3-EE18-4AB1-84D4-FEEEEDE70914}" srcOrd="1" destOrd="0" presId="urn:microsoft.com/office/officeart/2018/2/layout/IconVerticalSolidList"/>
+    <dgm:cxn modelId="{73AE45E1-7A5B-40E7-A2F9-E44E7EFB14B4}" type="presParOf" srcId="{599AEA94-FD88-4E51-9297-94899BC5D2BA}" destId="{BEDBBA72-F8A3-4017-B6DE-8FBDCEB9D600}" srcOrd="2" destOrd="0" presId="urn:microsoft.com/office/officeart/2018/2/layout/IconVerticalSolidList"/>
+    <dgm:cxn modelId="{B7F6882D-59EB-4C49-9BA9-79CD3B530C0E}" type="presParOf" srcId="{599AEA94-FD88-4E51-9297-94899BC5D2BA}" destId="{2CC980F5-A79F-4B8C-83EB-1FCBD0AAF31A}" srcOrd="3" destOrd="0" presId="urn:microsoft.com/office/officeart/2018/2/layout/IconVerticalSolidList"/>
+    <dgm:cxn modelId="{50375916-E977-48C1-9A6A-F15609DB0C96}" type="presParOf" srcId="{8D37A615-ACDC-4425-9162-B1855CBACD8D}" destId="{002D4571-3DB2-49ED-904E-AB2524749CB6}" srcOrd="9" destOrd="0" presId="urn:microsoft.com/office/officeart/2018/2/layout/IconVerticalSolidList"/>
+    <dgm:cxn modelId="{B4E9F615-321D-4136-9111-8DE105D5E2A4}" type="presParOf" srcId="{8D37A615-ACDC-4425-9162-B1855CBACD8D}" destId="{643EE0F8-A8AB-4BF8-BC0D-05A3E1616228}" srcOrd="10" destOrd="0" presId="urn:microsoft.com/office/officeart/2018/2/layout/IconVerticalSolidList"/>
+    <dgm:cxn modelId="{0072EDE4-DD86-4DC8-BD8D-739E6A13BC16}" type="presParOf" srcId="{643EE0F8-A8AB-4BF8-BC0D-05A3E1616228}" destId="{B5C9C074-0B69-4175-95CA-4E28A50B4587}" srcOrd="0" destOrd="0" presId="urn:microsoft.com/office/officeart/2018/2/layout/IconVerticalSolidList"/>
+    <dgm:cxn modelId="{72762C4B-9E59-454D-8605-0BC0BBF9836A}" type="presParOf" srcId="{643EE0F8-A8AB-4BF8-BC0D-05A3E1616228}" destId="{FF083712-F4F8-41AC-803C-F3F30A76FCC3}" srcOrd="1" destOrd="0" presId="urn:microsoft.com/office/officeart/2018/2/layout/IconVerticalSolidList"/>
+    <dgm:cxn modelId="{EBB48DAD-78F8-44CA-A221-55B49DDB4EF5}" type="presParOf" srcId="{643EE0F8-A8AB-4BF8-BC0D-05A3E1616228}" destId="{03784E90-23F6-499A-AC42-8B9C55AF7CC5}" srcOrd="2" destOrd="0" presId="urn:microsoft.com/office/officeart/2018/2/layout/IconVerticalSolidList"/>
+    <dgm:cxn modelId="{49A7F304-87FA-42B5-8FA0-10594ACE31E1}" type="presParOf" srcId="{643EE0F8-A8AB-4BF8-BC0D-05A3E1616228}" destId="{22712B7A-70ED-4685-BAEF-03E92D550A29}" srcOrd="3" destOrd="0" presId="urn:microsoft.com/office/officeart/2018/2/layout/IconVerticalSolidList"/>
+    <dgm:cxn modelId="{76B7173E-55CE-47D9-9C21-64651EEA6F13}" type="presParOf" srcId="{8D37A615-ACDC-4425-9162-B1855CBACD8D}" destId="{241C31E3-2A41-4699-B201-D5DA371235FC}" srcOrd="11" destOrd="0" presId="urn:microsoft.com/office/officeart/2018/2/layout/IconVerticalSolidList"/>
+    <dgm:cxn modelId="{0D483591-C706-4908-B236-0DE6EDF1A10C}" type="presParOf" srcId="{8D37A615-ACDC-4425-9162-B1855CBACD8D}" destId="{8F55D1D2-D980-4700-B2EC-37851340450F}" srcOrd="12" destOrd="0" presId="urn:microsoft.com/office/officeart/2018/2/layout/IconVerticalSolidList"/>
+    <dgm:cxn modelId="{EB0E1B5D-D6D3-4609-A8CD-18A7C4AEF41D}" type="presParOf" srcId="{8F55D1D2-D980-4700-B2EC-37851340450F}" destId="{A14EC728-927C-4E6B-9325-F626ADD48A23}" srcOrd="0" destOrd="0" presId="urn:microsoft.com/office/officeart/2018/2/layout/IconVerticalSolidList"/>
+    <dgm:cxn modelId="{71FF9DBE-7C2C-4723-96F3-97ECF02DE049}" type="presParOf" srcId="{8F55D1D2-D980-4700-B2EC-37851340450F}" destId="{E9C3AABC-A869-4BA9-A30E-FD301139FF31}" srcOrd="1" destOrd="0" presId="urn:microsoft.com/office/officeart/2018/2/layout/IconVerticalSolidList"/>
+    <dgm:cxn modelId="{9BFDD2AB-00B9-49EC-A901-9661D06B0AD1}" type="presParOf" srcId="{8F55D1D2-D980-4700-B2EC-37851340450F}" destId="{FC8A5027-E812-4034-8381-4D5DD7C33B6D}" srcOrd="2" destOrd="0" presId="urn:microsoft.com/office/officeart/2018/2/layout/IconVerticalSolidList"/>
+    <dgm:cxn modelId="{0E3D1726-5F31-464A-89D2-99986DE341B8}" type="presParOf" srcId="{8F55D1D2-D980-4700-B2EC-37851340450F}" destId="{E0707784-161D-4FE0-A2E5-76333C6DB759}" srcOrd="3" destOrd="0" presId="urn:microsoft.com/office/officeart/2018/2/layout/IconVerticalSolidList"/>
   </dgm:cxnLst>
   <dgm:bg/>
   <dgm:whole/>
   <dgm:extLst>
     <a:ext uri="http://schemas.microsoft.com/office/drawing/2008/diagram">
-      <dsp:dataModelExt xmlns:dsp="http://schemas.microsoft.com/office/drawing/2008/diagram" relId="rId6" minVer="http://schemas.openxmlformats.org/drawingml/2006/diagram"/>
+      <dsp:dataModelExt xmlns:dsp="http://schemas.microsoft.com/office/drawing/2008/diagram" relId="rId9" minVer="http://schemas.openxmlformats.org/drawingml/2006/diagram"/>
     </a:ext>
   </dgm:extLst>
 </dgm:dataModel>
@@ -2529,61 +2572,135 @@
       <dsp:cNvGrpSpPr/>
     </dsp:nvGrpSpPr>
     <dsp:grpSpPr/>
-    <dsp:sp modelId="{922FAB3C-8DC6-4B4E-81BA-6DD29440B0AC}">
+    <dsp:sp modelId="{28C20E6D-C74B-40CE-9EE4-5BF582043D3B}">
       <dsp:nvSpPr>
         <dsp:cNvPr id="0" name=""/>
         <dsp:cNvSpPr/>
       </dsp:nvSpPr>
       <dsp:spPr>
         <a:xfrm>
-          <a:off x="2177141" y="1608"/>
-          <a:ext cx="2960916" cy="679818"/>
+          <a:off x="0" y="331"/>
+          <a:ext cx="5217539" cy="456483"/>
         </a:xfrm>
-        <a:prstGeom prst="rect">
-          <a:avLst/>
+        <a:prstGeom prst="roundRect">
+          <a:avLst>
+            <a:gd name="adj" fmla="val 10000"/>
+          </a:avLst>
         </a:prstGeom>
         <a:solidFill>
-          <a:schemeClr val="accent1">
+          <a:schemeClr val="bg1">
+            <a:lumMod val="95000"/>
             <a:hueOff val="0"/>
             <a:satOff val="0"/>
             <a:lumOff val="0"/>
             <a:alphaOff val="0"/>
           </a:schemeClr>
         </a:solidFill>
-        <a:ln w="25400" cap="rnd" cmpd="sng" algn="ctr">
-          <a:solidFill>
-            <a:schemeClr val="lt1">
-              <a:hueOff val="0"/>
-              <a:satOff val="0"/>
-              <a:lumOff val="0"/>
-              <a:alphaOff val="0"/>
-            </a:schemeClr>
-          </a:solidFill>
+        <a:ln>
+          <a:noFill/>
+        </a:ln>
+        <a:effectLst/>
+      </dsp:spPr>
+      <dsp:style>
+        <a:lnRef idx="0">
+          <a:scrgbClr r="0" g="0" b="0"/>
+        </a:lnRef>
+        <a:fillRef idx="1">
+          <a:scrgbClr r="0" g="0" b="0"/>
+        </a:fillRef>
+        <a:effectRef idx="0">
+          <a:scrgbClr r="0" g="0" b="0"/>
+        </a:effectRef>
+        <a:fontRef idx="minor"/>
+      </dsp:style>
+    </dsp:sp>
+    <dsp:sp modelId="{2494CCE2-667F-4900-A3F2-EE05F7D3B311}">
+      <dsp:nvSpPr>
+        <dsp:cNvPr id="0" name=""/>
+        <dsp:cNvSpPr/>
+      </dsp:nvSpPr>
+      <dsp:spPr>
+        <a:xfrm>
+          <a:off x="138086" y="103040"/>
+          <a:ext cx="251065" cy="251065"/>
+        </a:xfrm>
+        <a:prstGeom prst="rect">
+          <a:avLst/>
+        </a:prstGeom>
+        <a:blipFill>
+          <a:blip xmlns:r="http://schemas.openxmlformats.org/officeDocument/2006/relationships" r:embed="rId1">
+            <a:extLst>
+              <a:ext uri="{28A0092B-C50C-407E-A947-70E740481C1C}">
+                <a14:useLocalDpi xmlns:a14="http://schemas.microsoft.com/office/drawing/2010/main" val="0"/>
+              </a:ext>
+              <a:ext uri="{96DAC541-7B7A-43D3-8B79-37D633B846F1}">
+                <asvg:svgBlip xmlns:asvg="http://schemas.microsoft.com/office/drawing/2016/SVG/main" r:embed="rId2"/>
+              </a:ext>
+            </a:extLst>
+          </a:blip>
+          <a:stretch>
+            <a:fillRect/>
+          </a:stretch>
+        </a:blipFill>
+        <a:ln w="19050" cap="rnd" cmpd="sng" algn="ctr">
+          <a:noFill/>
           <a:prstDash val="solid"/>
         </a:ln>
         <a:effectLst/>
       </dsp:spPr>
       <dsp:style>
-        <a:lnRef idx="3">
+        <a:lnRef idx="2">
           <a:scrgbClr r="0" g="0" b="0"/>
         </a:lnRef>
         <a:fillRef idx="1">
           <a:scrgbClr r="0" g="0" b="0"/>
         </a:fillRef>
-        <a:effectRef idx="1">
+        <a:effectRef idx="0">
           <a:scrgbClr r="0" g="0" b="0"/>
         </a:effectRef>
         <a:fontRef idx="minor">
           <a:schemeClr val="lt1"/>
         </a:fontRef>
       </dsp:style>
+    </dsp:sp>
+    <dsp:sp modelId="{76C0B008-7206-407D-9B14-1249BB4B3B10}">
+      <dsp:nvSpPr>
+        <dsp:cNvPr id="0" name=""/>
+        <dsp:cNvSpPr/>
+      </dsp:nvSpPr>
+      <dsp:spPr>
+        <a:xfrm>
+          <a:off x="527238" y="331"/>
+          <a:ext cx="4690300" cy="456483"/>
+        </a:xfrm>
+        <a:prstGeom prst="rect">
+          <a:avLst/>
+        </a:prstGeom>
+        <a:noFill/>
+        <a:ln>
+          <a:noFill/>
+        </a:ln>
+        <a:effectLst/>
+      </dsp:spPr>
+      <dsp:style>
+        <a:lnRef idx="0">
+          <a:scrgbClr r="0" g="0" b="0"/>
+        </a:lnRef>
+        <a:fillRef idx="0">
+          <a:scrgbClr r="0" g="0" b="0"/>
+        </a:fillRef>
+        <a:effectRef idx="0">
+          <a:scrgbClr r="0" g="0" b="0"/>
+        </a:effectRef>
+        <a:fontRef idx="minor"/>
+      </dsp:style>
       <dsp:txBody>
-        <a:bodyPr spcFirstLastPara="0" vert="horz" wrap="square" lIns="15240" tIns="15240" rIns="15240" bIns="15240" numCol="1" spcCol="1270" rtlCol="0" anchor="ctr" anchorCtr="0">
+        <a:bodyPr spcFirstLastPara="0" vert="horz" wrap="square" lIns="48311" tIns="48311" rIns="48311" bIns="48311" numCol="1" spcCol="1270" rtlCol="0" anchor="ctr" anchorCtr="0">
           <a:noAutofit/>
         </a:bodyPr>
         <a:lstStyle/>
         <a:p>
-          <a:pPr marL="0" lvl="0" indent="0" algn="ctr" defTabSz="1066800">
+          <a:pPr marL="0" lvl="0" indent="0" algn="l" defTabSz="711200">
             <a:lnSpc>
               <a:spcPct val="90000"/>
             </a:lnSpc>
@@ -2594,74 +2711,145 @@
               <a:spcPct val="35000"/>
             </a:spcAft>
             <a:buNone/>
-            <a:defRPr b="1"/>
           </a:pPr>
           <a:r>
-            <a:rPr lang="de-DE" sz="2400" kern="1200" noProof="0" dirty="0"/>
-            <a:t>Einführung</a:t>
+            <a:rPr lang="de-DE" sz="1600" kern="1200" noProof="0"/>
+            <a:t>Datenbank</a:t>
           </a:r>
         </a:p>
       </dsp:txBody>
       <dsp:txXfrm>
-        <a:off x="2177141" y="1608"/>
-        <a:ext cx="2960916" cy="679818"/>
+        <a:off x="527238" y="331"/>
+        <a:ext cx="4690300" cy="456483"/>
       </dsp:txXfrm>
     </dsp:sp>
-    <dsp:sp modelId="{C483AB77-D90E-4834-8F4B-1826FF0CA448}">
+    <dsp:sp modelId="{AFF28488-4ABA-409F-A6FA-20AB31B56E40}">
       <dsp:nvSpPr>
         <dsp:cNvPr id="0" name=""/>
         <dsp:cNvSpPr/>
       </dsp:nvSpPr>
       <dsp:spPr>
         <a:xfrm>
-          <a:off x="2177141" y="1111168"/>
-          <a:ext cx="2960916" cy="679818"/>
+          <a:off x="0" y="570935"/>
+          <a:ext cx="5217539" cy="456483"/>
         </a:xfrm>
-        <a:prstGeom prst="rect">
-          <a:avLst/>
+        <a:prstGeom prst="roundRect">
+          <a:avLst>
+            <a:gd name="adj" fmla="val 10000"/>
+          </a:avLst>
         </a:prstGeom>
         <a:solidFill>
-          <a:schemeClr val="accent1">
+          <a:schemeClr val="bg1">
+            <a:lumMod val="95000"/>
             <a:hueOff val="0"/>
             <a:satOff val="0"/>
             <a:lumOff val="0"/>
             <a:alphaOff val="0"/>
           </a:schemeClr>
         </a:solidFill>
-        <a:ln w="25400" cap="rnd" cmpd="sng" algn="ctr">
-          <a:solidFill>
-            <a:schemeClr val="lt1">
-              <a:hueOff val="0"/>
-              <a:satOff val="0"/>
-              <a:lumOff val="0"/>
-              <a:alphaOff val="0"/>
-            </a:schemeClr>
-          </a:solidFill>
+        <a:ln>
+          <a:noFill/>
+        </a:ln>
+        <a:effectLst/>
+      </dsp:spPr>
+      <dsp:style>
+        <a:lnRef idx="0">
+          <a:scrgbClr r="0" g="0" b="0"/>
+        </a:lnRef>
+        <a:fillRef idx="1">
+          <a:scrgbClr r="0" g="0" b="0"/>
+        </a:fillRef>
+        <a:effectRef idx="0">
+          <a:scrgbClr r="0" g="0" b="0"/>
+        </a:effectRef>
+        <a:fontRef idx="minor"/>
+      </dsp:style>
+    </dsp:sp>
+    <dsp:sp modelId="{0AFC1970-7CD3-47C8-A804-01BDAD36ADAD}">
+      <dsp:nvSpPr>
+        <dsp:cNvPr id="0" name=""/>
+        <dsp:cNvSpPr/>
+      </dsp:nvSpPr>
+      <dsp:spPr>
+        <a:xfrm>
+          <a:off x="138086" y="673644"/>
+          <a:ext cx="251065" cy="251065"/>
+        </a:xfrm>
+        <a:prstGeom prst="rect">
+          <a:avLst/>
+        </a:prstGeom>
+        <a:blipFill>
+          <a:blip xmlns:r="http://schemas.openxmlformats.org/officeDocument/2006/relationships" r:embed="rId3">
+            <a:extLst>
+              <a:ext uri="{96DAC541-7B7A-43D3-8B79-37D633B846F1}">
+                <asvg:svgBlip xmlns:asvg="http://schemas.microsoft.com/office/drawing/2016/SVG/main" r:embed="rId4"/>
+              </a:ext>
+            </a:extLst>
+          </a:blip>
+          <a:srcRect/>
+          <a:stretch>
+            <a:fillRect/>
+          </a:stretch>
+        </a:blipFill>
+        <a:ln w="19050" cap="rnd" cmpd="sng" algn="ctr">
+          <a:noFill/>
           <a:prstDash val="solid"/>
         </a:ln>
         <a:effectLst/>
       </dsp:spPr>
       <dsp:style>
-        <a:lnRef idx="3">
+        <a:lnRef idx="2">
           <a:scrgbClr r="0" g="0" b="0"/>
         </a:lnRef>
         <a:fillRef idx="1">
           <a:scrgbClr r="0" g="0" b="0"/>
         </a:fillRef>
-        <a:effectRef idx="1">
+        <a:effectRef idx="0">
           <a:scrgbClr r="0" g="0" b="0"/>
         </a:effectRef>
         <a:fontRef idx="minor">
           <a:schemeClr val="lt1"/>
         </a:fontRef>
       </dsp:style>
+    </dsp:sp>
+    <dsp:sp modelId="{5D59035D-6466-40C8-A337-F390A8C40203}">
+      <dsp:nvSpPr>
+        <dsp:cNvPr id="0" name=""/>
+        <dsp:cNvSpPr/>
+      </dsp:nvSpPr>
+      <dsp:spPr>
+        <a:xfrm>
+          <a:off x="527238" y="570935"/>
+          <a:ext cx="4690300" cy="456483"/>
+        </a:xfrm>
+        <a:prstGeom prst="rect">
+          <a:avLst/>
+        </a:prstGeom>
+        <a:noFill/>
+        <a:ln>
+          <a:noFill/>
+        </a:ln>
+        <a:effectLst/>
+      </dsp:spPr>
+      <dsp:style>
+        <a:lnRef idx="0">
+          <a:scrgbClr r="0" g="0" b="0"/>
+        </a:lnRef>
+        <a:fillRef idx="0">
+          <a:scrgbClr r="0" g="0" b="0"/>
+        </a:fillRef>
+        <a:effectRef idx="0">
+          <a:scrgbClr r="0" g="0" b="0"/>
+        </a:effectRef>
+        <a:fontRef idx="minor"/>
+      </dsp:style>
       <dsp:txBody>
-        <a:bodyPr spcFirstLastPara="0" vert="horz" wrap="square" lIns="15240" tIns="15240" rIns="15240" bIns="15240" numCol="1" spcCol="1270" rtlCol="0" anchor="ctr" anchorCtr="0">
+        <a:bodyPr spcFirstLastPara="0" vert="horz" wrap="square" lIns="48311" tIns="48311" rIns="48311" bIns="48311" numCol="1" spcCol="1270" rtlCol="0" anchor="ctr" anchorCtr="0">
           <a:noAutofit/>
         </a:bodyPr>
         <a:lstStyle/>
         <a:p>
-          <a:pPr marL="0" lvl="0" indent="0" algn="ctr" defTabSz="1066800">
+          <a:pPr marL="0" lvl="0" indent="0" algn="l" defTabSz="711200">
             <a:lnSpc>
               <a:spcPct val="90000"/>
             </a:lnSpc>
@@ -2672,74 +2860,147 @@
               <a:spcPct val="35000"/>
             </a:spcAft>
             <a:buNone/>
-            <a:defRPr b="1"/>
           </a:pPr>
           <a:r>
-            <a:rPr lang="de-DE" sz="2400" kern="1200" noProof="0" dirty="0"/>
-            <a:t>Datenbank</a:t>
+            <a:rPr lang="de-DE" sz="1600" kern="1200" noProof="0"/>
+            <a:t>CI/CD</a:t>
           </a:r>
         </a:p>
       </dsp:txBody>
       <dsp:txXfrm>
-        <a:off x="2177141" y="1111168"/>
-        <a:ext cx="2960916" cy="679818"/>
+        <a:off x="527238" y="570935"/>
+        <a:ext cx="4690300" cy="456483"/>
       </dsp:txXfrm>
     </dsp:sp>
-    <dsp:sp modelId="{D07A68CE-9D6F-4E41-9D4F-EBA802447EC3}">
+    <dsp:sp modelId="{B868CA88-B91F-4E8D-9852-9CEB24D3D808}">
       <dsp:nvSpPr>
         <dsp:cNvPr id="0" name=""/>
         <dsp:cNvSpPr/>
       </dsp:nvSpPr>
       <dsp:spPr>
         <a:xfrm>
-          <a:off x="2177141" y="2220728"/>
-          <a:ext cx="2960916" cy="679818"/>
+          <a:off x="0" y="1141540"/>
+          <a:ext cx="5217539" cy="456483"/>
         </a:xfrm>
-        <a:prstGeom prst="rect">
-          <a:avLst/>
+        <a:prstGeom prst="roundRect">
+          <a:avLst>
+            <a:gd name="adj" fmla="val 10000"/>
+          </a:avLst>
         </a:prstGeom>
         <a:solidFill>
-          <a:schemeClr val="accent1">
+          <a:schemeClr val="bg1">
+            <a:lumMod val="95000"/>
             <a:hueOff val="0"/>
             <a:satOff val="0"/>
             <a:lumOff val="0"/>
             <a:alphaOff val="0"/>
           </a:schemeClr>
         </a:solidFill>
-        <a:ln w="25400" cap="rnd" cmpd="sng" algn="ctr">
-          <a:solidFill>
-            <a:schemeClr val="lt1">
-              <a:hueOff val="0"/>
-              <a:satOff val="0"/>
-              <a:lumOff val="0"/>
-              <a:alphaOff val="0"/>
-            </a:schemeClr>
-          </a:solidFill>
+        <a:ln>
+          <a:noFill/>
+        </a:ln>
+        <a:effectLst/>
+      </dsp:spPr>
+      <dsp:style>
+        <a:lnRef idx="0">
+          <a:scrgbClr r="0" g="0" b="0"/>
+        </a:lnRef>
+        <a:fillRef idx="1">
+          <a:scrgbClr r="0" g="0" b="0"/>
+        </a:fillRef>
+        <a:effectRef idx="0">
+          <a:scrgbClr r="0" g="0" b="0"/>
+        </a:effectRef>
+        <a:fontRef idx="minor"/>
+      </dsp:style>
+    </dsp:sp>
+    <dsp:sp modelId="{DFC9FAAA-2FBB-40DA-9EC0-778C0DDF9535}">
+      <dsp:nvSpPr>
+        <dsp:cNvPr id="0" name=""/>
+        <dsp:cNvSpPr/>
+      </dsp:nvSpPr>
+      <dsp:spPr>
+        <a:xfrm>
+          <a:off x="138086" y="1244249"/>
+          <a:ext cx="251065" cy="251065"/>
+        </a:xfrm>
+        <a:prstGeom prst="rect">
+          <a:avLst/>
+        </a:prstGeom>
+        <a:blipFill>
+          <a:blip xmlns:r="http://schemas.openxmlformats.org/officeDocument/2006/relationships" r:embed="rId5">
+            <a:extLst>
+              <a:ext uri="{28A0092B-C50C-407E-A947-70E740481C1C}">
+                <a14:useLocalDpi xmlns:a14="http://schemas.microsoft.com/office/drawing/2010/main" val="0"/>
+              </a:ext>
+              <a:ext uri="{96DAC541-7B7A-43D3-8B79-37D633B846F1}">
+                <asvg:svgBlip xmlns:asvg="http://schemas.microsoft.com/office/drawing/2016/SVG/main" r:embed="rId6"/>
+              </a:ext>
+            </a:extLst>
+          </a:blip>
+          <a:stretch>
+            <a:fillRect/>
+          </a:stretch>
+        </a:blipFill>
+        <a:ln w="19050" cap="rnd" cmpd="sng" algn="ctr">
+          <a:noFill/>
           <a:prstDash val="solid"/>
         </a:ln>
         <a:effectLst/>
       </dsp:spPr>
       <dsp:style>
-        <a:lnRef idx="3">
+        <a:lnRef idx="2">
           <a:scrgbClr r="0" g="0" b="0"/>
         </a:lnRef>
         <a:fillRef idx="1">
           <a:scrgbClr r="0" g="0" b="0"/>
         </a:fillRef>
-        <a:effectRef idx="1">
+        <a:effectRef idx="0">
           <a:scrgbClr r="0" g="0" b="0"/>
         </a:effectRef>
         <a:fontRef idx="minor">
           <a:schemeClr val="lt1"/>
         </a:fontRef>
       </dsp:style>
+    </dsp:sp>
+    <dsp:sp modelId="{B304F934-4758-4138-A642-C506E9AE6E40}">
+      <dsp:nvSpPr>
+        <dsp:cNvPr id="0" name=""/>
+        <dsp:cNvSpPr/>
+      </dsp:nvSpPr>
+      <dsp:spPr>
+        <a:xfrm>
+          <a:off x="527238" y="1141540"/>
+          <a:ext cx="4690300" cy="456483"/>
+        </a:xfrm>
+        <a:prstGeom prst="rect">
+          <a:avLst/>
+        </a:prstGeom>
+        <a:noFill/>
+        <a:ln>
+          <a:noFill/>
+        </a:ln>
+        <a:effectLst/>
+      </dsp:spPr>
+      <dsp:style>
+        <a:lnRef idx="0">
+          <a:scrgbClr r="0" g="0" b="0"/>
+        </a:lnRef>
+        <a:fillRef idx="0">
+          <a:scrgbClr r="0" g="0" b="0"/>
+        </a:fillRef>
+        <a:effectRef idx="0">
+          <a:scrgbClr r="0" g="0" b="0"/>
+        </a:effectRef>
+        <a:fontRef idx="minor"/>
+      </dsp:style>
       <dsp:txBody>
-        <a:bodyPr spcFirstLastPara="0" vert="horz" wrap="square" lIns="15240" tIns="15240" rIns="15240" bIns="15240" numCol="1" spcCol="1270" rtlCol="0" anchor="ctr" anchorCtr="0">
+        <a:bodyPr spcFirstLastPara="0" vert="horz" wrap="square" lIns="48311" tIns="48311" rIns="48311" bIns="48311" numCol="1" spcCol="1270" rtlCol="0" anchor="ctr" anchorCtr="0">
           <a:noAutofit/>
         </a:bodyPr>
         <a:lstStyle/>
         <a:p>
-          <a:pPr marL="0" lvl="0" indent="0" algn="ctr" defTabSz="1066800">
+          <a:pPr marL="0" lvl="0" indent="0" algn="l" defTabSz="711200">
             <a:lnSpc>
               <a:spcPct val="90000"/>
             </a:lnSpc>
@@ -2750,74 +3011,145 @@
               <a:spcPct val="35000"/>
             </a:spcAft>
             <a:buNone/>
-            <a:defRPr b="1"/>
           </a:pPr>
           <a:r>
-            <a:rPr lang="de-DE" sz="2400" kern="1200" noProof="0" dirty="0"/>
-            <a:t>CI/CD</a:t>
+            <a:rPr lang="de-DE" sz="1600" kern="1200" noProof="0"/>
+            <a:t>Test der Webseite</a:t>
           </a:r>
         </a:p>
       </dsp:txBody>
       <dsp:txXfrm>
-        <a:off x="2177141" y="2220728"/>
-        <a:ext cx="2960916" cy="679818"/>
+        <a:off x="527238" y="1141540"/>
+        <a:ext cx="4690300" cy="456483"/>
       </dsp:txXfrm>
     </dsp:sp>
-    <dsp:sp modelId="{CCA35A53-8902-4E8E-B56F-6A8F3DDF35D5}">
+    <dsp:sp modelId="{BE167F3C-D255-4165-8E41-CEE8FC629C7E}">
       <dsp:nvSpPr>
         <dsp:cNvPr id="0" name=""/>
         <dsp:cNvSpPr/>
       </dsp:nvSpPr>
       <dsp:spPr>
         <a:xfrm>
-          <a:off x="2177141" y="3330287"/>
-          <a:ext cx="2960916" cy="679818"/>
+          <a:off x="0" y="1712144"/>
+          <a:ext cx="5217539" cy="456483"/>
         </a:xfrm>
-        <a:prstGeom prst="rect">
-          <a:avLst/>
+        <a:prstGeom prst="roundRect">
+          <a:avLst>
+            <a:gd name="adj" fmla="val 10000"/>
+          </a:avLst>
         </a:prstGeom>
         <a:solidFill>
-          <a:schemeClr val="accent1">
+          <a:schemeClr val="bg1">
+            <a:lumMod val="95000"/>
             <a:hueOff val="0"/>
             <a:satOff val="0"/>
             <a:lumOff val="0"/>
             <a:alphaOff val="0"/>
           </a:schemeClr>
         </a:solidFill>
-        <a:ln w="25400" cap="rnd" cmpd="sng" algn="ctr">
-          <a:solidFill>
-            <a:schemeClr val="lt1">
-              <a:hueOff val="0"/>
-              <a:satOff val="0"/>
-              <a:lumOff val="0"/>
-              <a:alphaOff val="0"/>
-            </a:schemeClr>
-          </a:solidFill>
+        <a:ln>
+          <a:noFill/>
+        </a:ln>
+        <a:effectLst/>
+      </dsp:spPr>
+      <dsp:style>
+        <a:lnRef idx="0">
+          <a:scrgbClr r="0" g="0" b="0"/>
+        </a:lnRef>
+        <a:fillRef idx="1">
+          <a:scrgbClr r="0" g="0" b="0"/>
+        </a:fillRef>
+        <a:effectRef idx="0">
+          <a:scrgbClr r="0" g="0" b="0"/>
+        </a:effectRef>
+        <a:fontRef idx="minor"/>
+      </dsp:style>
+    </dsp:sp>
+    <dsp:sp modelId="{2252B938-A734-4502-A52D-2B742D175018}">
+      <dsp:nvSpPr>
+        <dsp:cNvPr id="0" name=""/>
+        <dsp:cNvSpPr/>
+      </dsp:nvSpPr>
+      <dsp:spPr>
+        <a:xfrm>
+          <a:off x="138086" y="1814853"/>
+          <a:ext cx="251065" cy="251065"/>
+        </a:xfrm>
+        <a:prstGeom prst="rect">
+          <a:avLst/>
+        </a:prstGeom>
+        <a:blipFill>
+          <a:blip xmlns:r="http://schemas.openxmlformats.org/officeDocument/2006/relationships" r:embed="rId7">
+            <a:extLst>
+              <a:ext uri="{96DAC541-7B7A-43D3-8B79-37D633B846F1}">
+                <asvg:svgBlip xmlns:asvg="http://schemas.microsoft.com/office/drawing/2016/SVG/main" r:embed="rId8"/>
+              </a:ext>
+            </a:extLst>
+          </a:blip>
+          <a:srcRect/>
+          <a:stretch>
+            <a:fillRect/>
+          </a:stretch>
+        </a:blipFill>
+        <a:ln w="19050" cap="rnd" cmpd="sng" algn="ctr">
+          <a:noFill/>
           <a:prstDash val="solid"/>
         </a:ln>
         <a:effectLst/>
       </dsp:spPr>
       <dsp:style>
-        <a:lnRef idx="3">
+        <a:lnRef idx="2">
           <a:scrgbClr r="0" g="0" b="0"/>
         </a:lnRef>
         <a:fillRef idx="1">
           <a:scrgbClr r="0" g="0" b="0"/>
         </a:fillRef>
-        <a:effectRef idx="1">
+        <a:effectRef idx="0">
           <a:scrgbClr r="0" g="0" b="0"/>
         </a:effectRef>
         <a:fontRef idx="minor">
           <a:schemeClr val="lt1"/>
         </a:fontRef>
       </dsp:style>
+    </dsp:sp>
+    <dsp:sp modelId="{8E9EF99B-2EE3-4D20-BFF5-651608C79EEC}">
+      <dsp:nvSpPr>
+        <dsp:cNvPr id="0" name=""/>
+        <dsp:cNvSpPr/>
+      </dsp:nvSpPr>
+      <dsp:spPr>
+        <a:xfrm>
+          <a:off x="527238" y="1712144"/>
+          <a:ext cx="4690300" cy="456483"/>
+        </a:xfrm>
+        <a:prstGeom prst="rect">
+          <a:avLst/>
+        </a:prstGeom>
+        <a:noFill/>
+        <a:ln>
+          <a:noFill/>
+        </a:ln>
+        <a:effectLst/>
+      </dsp:spPr>
+      <dsp:style>
+        <a:lnRef idx="0">
+          <a:scrgbClr r="0" g="0" b="0"/>
+        </a:lnRef>
+        <a:fillRef idx="0">
+          <a:scrgbClr r="0" g="0" b="0"/>
+        </a:fillRef>
+        <a:effectRef idx="0">
+          <a:scrgbClr r="0" g="0" b="0"/>
+        </a:effectRef>
+        <a:fontRef idx="minor"/>
+      </dsp:style>
       <dsp:txBody>
-        <a:bodyPr spcFirstLastPara="0" vert="horz" wrap="square" lIns="15240" tIns="15240" rIns="15240" bIns="15240" numCol="1" spcCol="1270" rtlCol="0" anchor="ctr" anchorCtr="0">
+        <a:bodyPr spcFirstLastPara="0" vert="horz" wrap="square" lIns="48311" tIns="48311" rIns="48311" bIns="48311" numCol="1" spcCol="1270" rtlCol="0" anchor="ctr" anchorCtr="0">
           <a:noAutofit/>
         </a:bodyPr>
         <a:lstStyle/>
         <a:p>
-          <a:pPr marL="0" lvl="0" indent="0" algn="ctr" defTabSz="1066800">
+          <a:pPr marL="0" lvl="0" indent="0" algn="l" defTabSz="711200">
             <a:lnSpc>
               <a:spcPct val="90000"/>
             </a:lnSpc>
@@ -2828,74 +3160,148 @@
               <a:spcPct val="35000"/>
             </a:spcAft>
             <a:buNone/>
-            <a:defRPr b="1"/>
           </a:pPr>
           <a:r>
-            <a:rPr lang="de-DE" sz="2400" kern="1200" noProof="0" dirty="0"/>
-            <a:t>Test der Webseite</a:t>
+            <a:rPr lang="de-DE" sz="1600" kern="1200" noProof="0" dirty="0"/>
+            <a:t>Webseite</a:t>
           </a:r>
         </a:p>
       </dsp:txBody>
       <dsp:txXfrm>
-        <a:off x="2177141" y="3330287"/>
-        <a:ext cx="2960916" cy="679818"/>
+        <a:off x="527238" y="1712144"/>
+        <a:ext cx="4690300" cy="456483"/>
       </dsp:txXfrm>
     </dsp:sp>
-    <dsp:sp modelId="{D0F1789C-5031-4ED2-8612-D54DCD69DF19}">
+    <dsp:sp modelId="{6095570C-A5A1-4AA9-B164-F88846749480}">
       <dsp:nvSpPr>
         <dsp:cNvPr id="0" name=""/>
         <dsp:cNvSpPr/>
       </dsp:nvSpPr>
       <dsp:spPr>
         <a:xfrm>
-          <a:off x="2177141" y="4439847"/>
-          <a:ext cx="2960916" cy="679818"/>
+          <a:off x="0" y="2282749"/>
+          <a:ext cx="5217539" cy="456483"/>
         </a:xfrm>
-        <a:prstGeom prst="rect">
-          <a:avLst/>
+        <a:prstGeom prst="roundRect">
+          <a:avLst>
+            <a:gd name="adj" fmla="val 10000"/>
+          </a:avLst>
         </a:prstGeom>
         <a:solidFill>
-          <a:schemeClr val="accent1">
+          <a:schemeClr val="bg1">
+            <a:lumMod val="95000"/>
             <a:hueOff val="0"/>
             <a:satOff val="0"/>
             <a:lumOff val="0"/>
             <a:alphaOff val="0"/>
           </a:schemeClr>
         </a:solidFill>
-        <a:ln w="25400" cap="rnd" cmpd="sng" algn="ctr">
-          <a:solidFill>
-            <a:schemeClr val="lt1">
-              <a:hueOff val="0"/>
-              <a:satOff val="0"/>
-              <a:lumOff val="0"/>
-              <a:alphaOff val="0"/>
-            </a:schemeClr>
-          </a:solidFill>
+        <a:ln>
+          <a:noFill/>
+        </a:ln>
+        <a:effectLst/>
+      </dsp:spPr>
+      <dsp:style>
+        <a:lnRef idx="0">
+          <a:scrgbClr r="0" g="0" b="0"/>
+        </a:lnRef>
+        <a:fillRef idx="1">
+          <a:scrgbClr r="0" g="0" b="0"/>
+        </a:fillRef>
+        <a:effectRef idx="0">
+          <a:scrgbClr r="0" g="0" b="0"/>
+        </a:effectRef>
+        <a:fontRef idx="minor"/>
+      </dsp:style>
+    </dsp:sp>
+    <dsp:sp modelId="{F1E900D3-EE18-4AB1-84D4-FEEEEDE70914}">
+      <dsp:nvSpPr>
+        <dsp:cNvPr id="0" name=""/>
+        <dsp:cNvSpPr/>
+      </dsp:nvSpPr>
+      <dsp:spPr>
+        <a:xfrm>
+          <a:off x="138086" y="2385457"/>
+          <a:ext cx="251065" cy="251065"/>
+        </a:xfrm>
+        <a:prstGeom prst="rect">
+          <a:avLst/>
+        </a:prstGeom>
+        <a:blipFill>
+          <a:blip xmlns:r="http://schemas.openxmlformats.org/officeDocument/2006/relationships" r:embed="rId9">
+            <a:extLst>
+              <a:ext uri="{28A0092B-C50C-407E-A947-70E740481C1C}">
+                <a14:useLocalDpi xmlns:a14="http://schemas.microsoft.com/office/drawing/2010/main" val="0"/>
+              </a:ext>
+              <a:ext uri="{96DAC541-7B7A-43D3-8B79-37D633B846F1}">
+                <asvg:svgBlip xmlns:asvg="http://schemas.microsoft.com/office/drawing/2016/SVG/main" r:embed="rId10"/>
+              </a:ext>
+            </a:extLst>
+          </a:blip>
+          <a:srcRect/>
+          <a:stretch>
+            <a:fillRect/>
+          </a:stretch>
+        </a:blipFill>
+        <a:ln w="19050" cap="rnd" cmpd="sng" algn="ctr">
+          <a:noFill/>
           <a:prstDash val="solid"/>
         </a:ln>
         <a:effectLst/>
       </dsp:spPr>
       <dsp:style>
-        <a:lnRef idx="3">
+        <a:lnRef idx="2">
           <a:scrgbClr r="0" g="0" b="0"/>
         </a:lnRef>
         <a:fillRef idx="1">
           <a:scrgbClr r="0" g="0" b="0"/>
         </a:fillRef>
-        <a:effectRef idx="1">
+        <a:effectRef idx="0">
           <a:scrgbClr r="0" g="0" b="0"/>
         </a:effectRef>
         <a:fontRef idx="minor">
           <a:schemeClr val="lt1"/>
         </a:fontRef>
       </dsp:style>
+    </dsp:sp>
+    <dsp:sp modelId="{2CC980F5-A79F-4B8C-83EB-1FCBD0AAF31A}">
+      <dsp:nvSpPr>
+        <dsp:cNvPr id="0" name=""/>
+        <dsp:cNvSpPr/>
+      </dsp:nvSpPr>
+      <dsp:spPr>
+        <a:xfrm>
+          <a:off x="527238" y="2282749"/>
+          <a:ext cx="4690300" cy="456483"/>
+        </a:xfrm>
+        <a:prstGeom prst="rect">
+          <a:avLst/>
+        </a:prstGeom>
+        <a:noFill/>
+        <a:ln>
+          <a:noFill/>
+        </a:ln>
+        <a:effectLst/>
+      </dsp:spPr>
+      <dsp:style>
+        <a:lnRef idx="0">
+          <a:scrgbClr r="0" g="0" b="0"/>
+        </a:lnRef>
+        <a:fillRef idx="0">
+          <a:scrgbClr r="0" g="0" b="0"/>
+        </a:fillRef>
+        <a:effectRef idx="0">
+          <a:scrgbClr r="0" g="0" b="0"/>
+        </a:effectRef>
+        <a:fontRef idx="minor"/>
+      </dsp:style>
       <dsp:txBody>
-        <a:bodyPr spcFirstLastPara="0" vert="horz" wrap="square" lIns="15240" tIns="15240" rIns="15240" bIns="15240" numCol="1" spcCol="1270" rtlCol="0" anchor="ctr" anchorCtr="0">
+        <a:bodyPr spcFirstLastPara="0" vert="horz" wrap="square" lIns="48311" tIns="48311" rIns="48311" bIns="48311" numCol="1" spcCol="1270" rtlCol="0" anchor="ctr" anchorCtr="0">
           <a:noAutofit/>
         </a:bodyPr>
         <a:lstStyle/>
         <a:p>
-          <a:pPr marL="0" lvl="0" indent="0" algn="ctr" defTabSz="1066800">
+          <a:pPr marL="0" lvl="0" indent="0" algn="l" defTabSz="711200">
             <a:lnSpc>
               <a:spcPct val="90000"/>
             </a:lnSpc>
@@ -2906,26 +3312,319 @@
               <a:spcPct val="35000"/>
             </a:spcAft>
             <a:buNone/>
-            <a:defRPr b="1"/>
           </a:pPr>
           <a:r>
-            <a:rPr lang="de-DE" sz="2400" kern="1200" noProof="0" dirty="0" err="1"/>
-            <a:t>Lessons</a:t>
+            <a:rPr lang="de-DE" sz="1600" kern="1200" noProof="0" dirty="0"/>
+            <a:t>Was war geplant</a:t>
           </a:r>
-          <a:r>
-            <a:rPr lang="de-DE" sz="2400" kern="1200" noProof="0" dirty="0"/>
-            <a:t> </a:t>
-          </a:r>
-          <a:r>
-            <a:rPr lang="de-DE" sz="2400" kern="1200" noProof="0" dirty="0" err="1"/>
-            <a:t>Learned</a:t>
-          </a:r>
-          <a:endParaRPr lang="de-DE" sz="2400" kern="1200" noProof="0" dirty="0"/>
         </a:p>
       </dsp:txBody>
       <dsp:txXfrm>
-        <a:off x="2177141" y="4439847"/>
-        <a:ext cx="2960916" cy="679818"/>
+        <a:off x="527238" y="2282749"/>
+        <a:ext cx="4690300" cy="456483"/>
+      </dsp:txXfrm>
+    </dsp:sp>
+    <dsp:sp modelId="{B5C9C074-0B69-4175-95CA-4E28A50B4587}">
+      <dsp:nvSpPr>
+        <dsp:cNvPr id="0" name=""/>
+        <dsp:cNvSpPr/>
+      </dsp:nvSpPr>
+      <dsp:spPr>
+        <a:xfrm>
+          <a:off x="0" y="2853353"/>
+          <a:ext cx="5217539" cy="456483"/>
+        </a:xfrm>
+        <a:prstGeom prst="roundRect">
+          <a:avLst>
+            <a:gd name="adj" fmla="val 10000"/>
+          </a:avLst>
+        </a:prstGeom>
+        <a:solidFill>
+          <a:schemeClr val="bg1">
+            <a:lumMod val="95000"/>
+            <a:hueOff val="0"/>
+            <a:satOff val="0"/>
+            <a:lumOff val="0"/>
+            <a:alphaOff val="0"/>
+          </a:schemeClr>
+        </a:solidFill>
+        <a:ln>
+          <a:noFill/>
+        </a:ln>
+        <a:effectLst/>
+      </dsp:spPr>
+      <dsp:style>
+        <a:lnRef idx="0">
+          <a:scrgbClr r="0" g="0" b="0"/>
+        </a:lnRef>
+        <a:fillRef idx="1">
+          <a:scrgbClr r="0" g="0" b="0"/>
+        </a:fillRef>
+        <a:effectRef idx="0">
+          <a:scrgbClr r="0" g="0" b="0"/>
+        </a:effectRef>
+        <a:fontRef idx="minor"/>
+      </dsp:style>
+    </dsp:sp>
+    <dsp:sp modelId="{FF083712-F4F8-41AC-803C-F3F30A76FCC3}">
+      <dsp:nvSpPr>
+        <dsp:cNvPr id="0" name=""/>
+        <dsp:cNvSpPr/>
+      </dsp:nvSpPr>
+      <dsp:spPr>
+        <a:xfrm>
+          <a:off x="138086" y="2956062"/>
+          <a:ext cx="251065" cy="251065"/>
+        </a:xfrm>
+        <a:prstGeom prst="rect">
+          <a:avLst/>
+        </a:prstGeom>
+        <a:blipFill>
+          <a:blip xmlns:r="http://schemas.openxmlformats.org/officeDocument/2006/relationships" r:embed="rId11">
+            <a:extLst>
+              <a:ext uri="{28A0092B-C50C-407E-A947-70E740481C1C}">
+                <a14:useLocalDpi xmlns:a14="http://schemas.microsoft.com/office/drawing/2010/main" val="0"/>
+              </a:ext>
+              <a:ext uri="{96DAC541-7B7A-43D3-8B79-37D633B846F1}">
+                <asvg:svgBlip xmlns:asvg="http://schemas.microsoft.com/office/drawing/2016/SVG/main" r:embed="rId12"/>
+              </a:ext>
+            </a:extLst>
+          </a:blip>
+          <a:srcRect/>
+          <a:stretch>
+            <a:fillRect/>
+          </a:stretch>
+        </a:blipFill>
+        <a:ln w="19050" cap="rnd" cmpd="sng" algn="ctr">
+          <a:noFill/>
+          <a:prstDash val="solid"/>
+        </a:ln>
+        <a:effectLst/>
+      </dsp:spPr>
+      <dsp:style>
+        <a:lnRef idx="2">
+          <a:scrgbClr r="0" g="0" b="0"/>
+        </a:lnRef>
+        <a:fillRef idx="1">
+          <a:scrgbClr r="0" g="0" b="0"/>
+        </a:fillRef>
+        <a:effectRef idx="0">
+          <a:scrgbClr r="0" g="0" b="0"/>
+        </a:effectRef>
+        <a:fontRef idx="minor">
+          <a:schemeClr val="lt1"/>
+        </a:fontRef>
+      </dsp:style>
+    </dsp:sp>
+    <dsp:sp modelId="{22712B7A-70ED-4685-BAEF-03E92D550A29}">
+      <dsp:nvSpPr>
+        <dsp:cNvPr id="0" name=""/>
+        <dsp:cNvSpPr/>
+      </dsp:nvSpPr>
+      <dsp:spPr>
+        <a:xfrm>
+          <a:off x="527238" y="2853353"/>
+          <a:ext cx="4690300" cy="456483"/>
+        </a:xfrm>
+        <a:prstGeom prst="rect">
+          <a:avLst/>
+        </a:prstGeom>
+        <a:noFill/>
+        <a:ln>
+          <a:noFill/>
+        </a:ln>
+        <a:effectLst/>
+      </dsp:spPr>
+      <dsp:style>
+        <a:lnRef idx="0">
+          <a:scrgbClr r="0" g="0" b="0"/>
+        </a:lnRef>
+        <a:fillRef idx="0">
+          <a:scrgbClr r="0" g="0" b="0"/>
+        </a:fillRef>
+        <a:effectRef idx="0">
+          <a:scrgbClr r="0" g="0" b="0"/>
+        </a:effectRef>
+        <a:fontRef idx="minor"/>
+      </dsp:style>
+      <dsp:txBody>
+        <a:bodyPr spcFirstLastPara="0" vert="horz" wrap="square" lIns="48311" tIns="48311" rIns="48311" bIns="48311" numCol="1" spcCol="1270" rtlCol="0" anchor="ctr" anchorCtr="0">
+          <a:noAutofit/>
+        </a:bodyPr>
+        <a:lstStyle/>
+        <a:p>
+          <a:pPr marL="0" lvl="0" indent="0" algn="l" defTabSz="711200">
+            <a:lnSpc>
+              <a:spcPct val="90000"/>
+            </a:lnSpc>
+            <a:spcBef>
+              <a:spcPct val="0"/>
+            </a:spcBef>
+            <a:spcAft>
+              <a:spcPct val="35000"/>
+            </a:spcAft>
+            <a:buNone/>
+          </a:pPr>
+          <a:r>
+            <a:rPr lang="de-DE" sz="1600" kern="1200" noProof="0" dirty="0"/>
+            <a:t>Ausblick</a:t>
+          </a:r>
+        </a:p>
+      </dsp:txBody>
+      <dsp:txXfrm>
+        <a:off x="527238" y="2853353"/>
+        <a:ext cx="4690300" cy="456483"/>
+      </dsp:txXfrm>
+    </dsp:sp>
+    <dsp:sp modelId="{A14EC728-927C-4E6B-9325-F626ADD48A23}">
+      <dsp:nvSpPr>
+        <dsp:cNvPr id="0" name=""/>
+        <dsp:cNvSpPr/>
+      </dsp:nvSpPr>
+      <dsp:spPr>
+        <a:xfrm>
+          <a:off x="0" y="3423957"/>
+          <a:ext cx="5217539" cy="456483"/>
+        </a:xfrm>
+        <a:prstGeom prst="roundRect">
+          <a:avLst>
+            <a:gd name="adj" fmla="val 10000"/>
+          </a:avLst>
+        </a:prstGeom>
+        <a:solidFill>
+          <a:schemeClr val="bg1">
+            <a:lumMod val="95000"/>
+            <a:hueOff val="0"/>
+            <a:satOff val="0"/>
+            <a:lumOff val="0"/>
+            <a:alphaOff val="0"/>
+          </a:schemeClr>
+        </a:solidFill>
+        <a:ln>
+          <a:noFill/>
+        </a:ln>
+        <a:effectLst/>
+      </dsp:spPr>
+      <dsp:style>
+        <a:lnRef idx="0">
+          <a:scrgbClr r="0" g="0" b="0"/>
+        </a:lnRef>
+        <a:fillRef idx="1">
+          <a:scrgbClr r="0" g="0" b="0"/>
+        </a:fillRef>
+        <a:effectRef idx="0">
+          <a:scrgbClr r="0" g="0" b="0"/>
+        </a:effectRef>
+        <a:fontRef idx="minor"/>
+      </dsp:style>
+    </dsp:sp>
+    <dsp:sp modelId="{E9C3AABC-A869-4BA9-A30E-FD301139FF31}">
+      <dsp:nvSpPr>
+        <dsp:cNvPr id="0" name=""/>
+        <dsp:cNvSpPr/>
+      </dsp:nvSpPr>
+      <dsp:spPr>
+        <a:xfrm>
+          <a:off x="138086" y="3526666"/>
+          <a:ext cx="251065" cy="251065"/>
+        </a:xfrm>
+        <a:prstGeom prst="rect">
+          <a:avLst/>
+        </a:prstGeom>
+        <a:blipFill>
+          <a:blip xmlns:r="http://schemas.openxmlformats.org/officeDocument/2006/relationships" r:embed="rId13">
+            <a:extLst>
+              <a:ext uri="{28A0092B-C50C-407E-A947-70E740481C1C}">
+                <a14:useLocalDpi xmlns:a14="http://schemas.microsoft.com/office/drawing/2010/main" val="0"/>
+              </a:ext>
+              <a:ext uri="{96DAC541-7B7A-43D3-8B79-37D633B846F1}">
+                <asvg:svgBlip xmlns:asvg="http://schemas.microsoft.com/office/drawing/2016/SVG/main" r:embed="rId14"/>
+              </a:ext>
+            </a:extLst>
+          </a:blip>
+          <a:stretch>
+            <a:fillRect/>
+          </a:stretch>
+        </a:blipFill>
+        <a:ln w="19050" cap="rnd" cmpd="sng" algn="ctr">
+          <a:noFill/>
+          <a:prstDash val="solid"/>
+        </a:ln>
+        <a:effectLst/>
+      </dsp:spPr>
+      <dsp:style>
+        <a:lnRef idx="2">
+          <a:scrgbClr r="0" g="0" b="0"/>
+        </a:lnRef>
+        <a:fillRef idx="1">
+          <a:scrgbClr r="0" g="0" b="0"/>
+        </a:fillRef>
+        <a:effectRef idx="0">
+          <a:scrgbClr r="0" g="0" b="0"/>
+        </a:effectRef>
+        <a:fontRef idx="minor">
+          <a:schemeClr val="lt1"/>
+        </a:fontRef>
+      </dsp:style>
+    </dsp:sp>
+    <dsp:sp modelId="{E0707784-161D-4FE0-A2E5-76333C6DB759}">
+      <dsp:nvSpPr>
+        <dsp:cNvPr id="0" name=""/>
+        <dsp:cNvSpPr/>
+      </dsp:nvSpPr>
+      <dsp:spPr>
+        <a:xfrm>
+          <a:off x="527238" y="3423957"/>
+          <a:ext cx="4690300" cy="456483"/>
+        </a:xfrm>
+        <a:prstGeom prst="rect">
+          <a:avLst/>
+        </a:prstGeom>
+        <a:noFill/>
+        <a:ln>
+          <a:noFill/>
+        </a:ln>
+        <a:effectLst/>
+      </dsp:spPr>
+      <dsp:style>
+        <a:lnRef idx="0">
+          <a:scrgbClr r="0" g="0" b="0"/>
+        </a:lnRef>
+        <a:fillRef idx="0">
+          <a:scrgbClr r="0" g="0" b="0"/>
+        </a:fillRef>
+        <a:effectRef idx="0">
+          <a:scrgbClr r="0" g="0" b="0"/>
+        </a:effectRef>
+        <a:fontRef idx="minor"/>
+      </dsp:style>
+      <dsp:txBody>
+        <a:bodyPr spcFirstLastPara="0" vert="horz" wrap="square" lIns="48311" tIns="48311" rIns="48311" bIns="48311" numCol="1" spcCol="1270" rtlCol="0" anchor="ctr" anchorCtr="0">
+          <a:noAutofit/>
+        </a:bodyPr>
+        <a:lstStyle/>
+        <a:p>
+          <a:pPr marL="0" lvl="0" indent="0" algn="l" defTabSz="711200">
+            <a:lnSpc>
+              <a:spcPct val="90000"/>
+            </a:lnSpc>
+            <a:spcBef>
+              <a:spcPct val="0"/>
+            </a:spcBef>
+            <a:spcAft>
+              <a:spcPct val="35000"/>
+            </a:spcAft>
+            <a:buNone/>
+          </a:pPr>
+          <a:r>
+            <a:rPr lang="de-DE" sz="1600" kern="1200" noProof="0"/>
+            <a:t>Lessons Learned</a:t>
+          </a:r>
+        </a:p>
+      </dsp:txBody>
+      <dsp:txXfrm>
+        <a:off x="527238" y="3423957"/>
+        <a:ext cx="4690300" cy="456483"/>
       </dsp:txXfrm>
     </dsp:sp>
   </dsp:spTree>
@@ -3254,101 +3953,49 @@
 </file>
 
 <file path=ppt/diagrams/layout1.xml><?xml version="1.0" encoding="utf-8"?>
-<dgm:layoutDef xmlns:dgm="http://schemas.openxmlformats.org/drawingml/2006/diagram" xmlns:a="http://schemas.openxmlformats.org/drawingml/2006/main" uniqueId="urn:microsoft.com/office/officeart/2009/3/layout/HorizontalOrganizationChart">
-  <dgm:title val=""/>
-  <dgm:desc val=""/>
+<dgm:layoutDef xmlns:dgm="http://schemas.openxmlformats.org/drawingml/2006/diagram" xmlns:a="http://schemas.openxmlformats.org/drawingml/2006/main" uniqueId="urn:microsoft.com/office/officeart/2018/2/layout/IconVerticalSolidList">
+  <dgm:title val="Icon Vertical Solid List"/>
+  <dgm:desc val="Use to show a series of visuals from top to bottom with Level 1 or Level 1 and Level 2 text grouped in a shape. Works best with icons or small pictures with lengthier descriptions."/>
   <dgm:catLst>
-    <dgm:cat type="hierarchy" pri="4300"/>
+    <dgm:cat type="icon" pri="500"/>
   </dgm:catLst>
-  <dgm:sampData>
+  <dgm:sampData useDef="1">
     <dgm:dataModel>
-      <dgm:ptLst>
-        <dgm:pt modelId="0" type="doc"/>
-        <dgm:pt modelId="1">
-          <dgm:prSet phldr="1"/>
-        </dgm:pt>
-        <dgm:pt modelId="2" type="asst">
-          <dgm:prSet phldr="1"/>
-        </dgm:pt>
-        <dgm:pt modelId="3">
-          <dgm:prSet phldr="1"/>
-        </dgm:pt>
-        <dgm:pt modelId="4">
-          <dgm:prSet phldr="1"/>
-        </dgm:pt>
-        <dgm:pt modelId="5">
-          <dgm:prSet phldr="1"/>
-        </dgm:pt>
-      </dgm:ptLst>
-      <dgm:cxnLst>
-        <dgm:cxn modelId="5" srcId="0" destId="1" srcOrd="0" destOrd="0"/>
-        <dgm:cxn modelId="6" srcId="1" destId="2" srcOrd="0" destOrd="0"/>
-        <dgm:cxn modelId="7" srcId="1" destId="3" srcOrd="1" destOrd="0"/>
-        <dgm:cxn modelId="8" srcId="1" destId="4" srcOrd="2" destOrd="0"/>
-        <dgm:cxn modelId="9" srcId="1" destId="5" srcOrd="3" destOrd="0"/>
-      </dgm:cxnLst>
+      <dgm:ptLst/>
       <dgm:bg/>
       <dgm:whole/>
     </dgm:dataModel>
   </dgm:sampData>
-  <dgm:styleData>
+  <dgm:styleData useDef="1">
     <dgm:dataModel>
-      <dgm:ptLst>
-        <dgm:pt modelId="0" type="doc"/>
-        <dgm:pt modelId="1"/>
-        <dgm:pt modelId="12"/>
-        <dgm:pt modelId="13"/>
-      </dgm:ptLst>
-      <dgm:cxnLst>
-        <dgm:cxn modelId="2" srcId="0" destId="1" srcOrd="0" destOrd="0"/>
-        <dgm:cxn modelId="16" srcId="1" destId="12" srcOrd="1" destOrd="0"/>
-        <dgm:cxn modelId="17" srcId="1" destId="13" srcOrd="2" destOrd="0"/>
-      </dgm:cxnLst>
+      <dgm:ptLst/>
       <dgm:bg/>
       <dgm:whole/>
     </dgm:dataModel>
   </dgm:styleData>
-  <dgm:clrData>
+  <dgm:clrData useDef="1">
     <dgm:dataModel>
-      <dgm:ptLst>
-        <dgm:pt modelId="0" type="doc"/>
-        <dgm:pt modelId="1"/>
-        <dgm:pt modelId="11" type="asst"/>
-        <dgm:pt modelId="12"/>
-        <dgm:pt modelId="13"/>
-        <dgm:pt modelId="14"/>
-      </dgm:ptLst>
-      <dgm:cxnLst>
-        <dgm:cxn modelId="2" srcId="0" destId="1" srcOrd="0" destOrd="0"/>
-        <dgm:cxn modelId="15" srcId="1" destId="11" srcOrd="0" destOrd="0"/>
-        <dgm:cxn modelId="16" srcId="1" destId="12" srcOrd="1" destOrd="0"/>
-        <dgm:cxn modelId="17" srcId="1" destId="13" srcOrd="2" destOrd="0"/>
-        <dgm:cxn modelId="18" srcId="1" destId="14" srcOrd="2" destOrd="0"/>
-      </dgm:cxnLst>
+      <dgm:ptLst/>
       <dgm:bg/>
       <dgm:whole/>
     </dgm:dataModel>
   </dgm:clrData>
-  <dgm:layoutNode name="hierChild1">
+  <dgm:layoutNode name="root">
     <dgm:varLst>
-      <dgm:orgChart val="1"/>
-      <dgm:chPref val="1"/>
       <dgm:dir/>
-      <dgm:animOne val="branch"/>
-      <dgm:animLvl val="lvl"/>
-      <dgm:resizeHandles/>
+      <dgm:resizeHandles val="exact"/>
     </dgm:varLst>
     <dgm:choose name="Name0">
-      <dgm:if name="Name1" func="var" arg="dir" op="equ" val="norm">
-        <dgm:alg type="hierChild">
+      <dgm:if name="Name1" axis="self" func="var" arg="dir" op="equ" val="norm">
+        <dgm:alg type="lin">
           <dgm:param type="linDir" val="fromT"/>
-          <dgm:param type="chAlign" val="l"/>
+          <dgm:param type="nodeHorzAlign" val="l"/>
         </dgm:alg>
       </dgm:if>
       <dgm:else name="Name2">
-        <dgm:alg type="hierChild">
+        <dgm:alg type="lin">
           <dgm:param type="linDir" val="fromT"/>
-          <dgm:param type="chAlign" val="r"/>
+          <dgm:param type="nodeHorzAlign" val="r"/>
         </dgm:alg>
       </dgm:else>
     </dgm:choose>
@@ -3356,1084 +4003,246 @@
       <dgm:adjLst/>
     </dgm:shape>
     <dgm:presOf/>
-    <dgm:constrLst>
-      <dgm:constr type="w" for="des" forName="rootComposite1" refType="w" fact="10"/>
-      <dgm:constr type="h" for="des" forName="rootComposite1" refType="w" refFor="des" refForName="rootComposite1" fact="0.305"/>
-      <dgm:constr type="w" for="des" forName="rootComposite" refType="w" fact="10"/>
-      <dgm:constr type="h" for="des" forName="rootComposite" refType="w" refFor="des" refForName="rootComposite1" fact="0.305"/>
-      <dgm:constr type="w" for="des" forName="rootComposite3" refType="w" fact="10"/>
-      <dgm:constr type="h" for="des" forName="rootComposite3" refType="w" refFor="des" refForName="rootComposite1" fact="0.305"/>
-      <dgm:constr type="primFontSz" for="des" ptType="node" op="equ"/>
-      <dgm:constr type="sp" for="des" op="equ"/>
-      <dgm:constr type="sp" for="des" forName="hierRoot1" refType="w" refFor="des" refForName="rootComposite1" fact="0.2"/>
-      <dgm:constr type="sp" for="des" forName="hierRoot2" refType="sp" refFor="des" refForName="hierRoot1"/>
-      <dgm:constr type="sp" for="des" forName="hierRoot3" refType="sp" refFor="des" refForName="hierRoot1"/>
-      <dgm:constr type="sibSp" refType="w" refFor="des" refForName="rootComposite1" fact="0.125"/>
-      <dgm:constr type="sibSp" for="des" forName="hierChild2" refType="sibSp"/>
-      <dgm:constr type="sibSp" for="des" forName="hierChild3" refType="sibSp"/>
-      <dgm:constr type="sibSp" for="des" forName="hierChild4" refType="sibSp"/>
-      <dgm:constr type="sibSp" for="des" forName="hierChild5" refType="sibSp"/>
-      <dgm:constr type="sibSp" for="des" forName="hierChild6" refType="sibSp"/>
-      <dgm:constr type="sibSp" for="des" forName="hierChild7" refType="sibSp"/>
-      <dgm:constr type="secSibSp" refType="w" refFor="des" refForName="rootComposite1" fact="0.125"/>
-      <dgm:constr type="secSibSp" for="des" forName="hierChild2" refType="secSibSp"/>
-      <dgm:constr type="secSibSp" for="des" forName="hierChild3" refType="secSibSp"/>
-      <dgm:constr type="secSibSp" for="des" forName="hierChild4" refType="secSibSp"/>
-      <dgm:constr type="secSibSp" for="des" forName="hierChild5" refType="secSibSp"/>
-      <dgm:constr type="secSibSp" for="des" forName="hierChild6" refType="secSibSp"/>
-      <dgm:constr type="secSibSp" for="des" forName="hierChild7" refType="secSibSp"/>
-    </dgm:constrLst>
-    <dgm:ruleLst/>
-    <dgm:forEach name="Name3" axis="ch">
-      <dgm:forEach name="Name4" axis="self" ptType="node">
-        <dgm:layoutNode name="hierRoot1">
-          <dgm:varLst>
-            <dgm:hierBranch val="init"/>
-          </dgm:varLst>
-          <dgm:choose name="Name5">
-            <dgm:if name="Name6" func="var" arg="hierBranch" op="equ" val="l">
-              <dgm:choose name="Name7">
-                <dgm:if name="Name8" func="var" arg="dir" op="equ" val="norm">
-                  <dgm:alg type="hierRoot">
-                    <dgm:param type="hierAlign" val="lT"/>
-                  </dgm:alg>
-                  <dgm:constrLst>
-                    <dgm:constr type="alignOff" val="0.75"/>
-                  </dgm:constrLst>
-                </dgm:if>
-                <dgm:else name="Name9">
-                  <dgm:alg type="hierRoot">
-                    <dgm:param type="hierAlign" val="rT"/>
-                  </dgm:alg>
-                  <dgm:constrLst>
-                    <dgm:constr type="alignOff" val="0.75"/>
-                  </dgm:constrLst>
-                </dgm:else>
-              </dgm:choose>
-            </dgm:if>
-            <dgm:if name="Name10" func="var" arg="hierBranch" op="equ" val="r">
-              <dgm:choose name="Name11">
-                <dgm:if name="Name12" func="var" arg="dir" op="equ" val="norm">
-                  <dgm:alg type="hierRoot">
-                    <dgm:param type="hierAlign" val="lB"/>
-                  </dgm:alg>
-                  <dgm:constrLst>
-                    <dgm:constr type="alignOff" val="0.75"/>
-                  </dgm:constrLst>
-                </dgm:if>
-                <dgm:else name="Name13">
-                  <dgm:alg type="hierRoot">
-                    <dgm:param type="hierAlign" val="rB"/>
-                  </dgm:alg>
-                  <dgm:constrLst>
-                    <dgm:constr type="alignOff" val="0.75"/>
-                  </dgm:constrLst>
-                </dgm:else>
-              </dgm:choose>
-            </dgm:if>
-            <dgm:if name="Name14" func="var" arg="hierBranch" op="equ" val="hang">
-              <dgm:choose name="Name15">
-                <dgm:if name="Name16" func="var" arg="dir" op="equ" val="norm">
-                  <dgm:alg type="hierRoot">
-                    <dgm:param type="hierAlign" val="lCtrCh"/>
-                  </dgm:alg>
-                  <dgm:constrLst>
-                    <dgm:constr type="alignOff" val="0.65"/>
-                  </dgm:constrLst>
-                </dgm:if>
-                <dgm:else name="Name17">
-                  <dgm:alg type="hierRoot">
-                    <dgm:param type="hierAlign" val="rCtrCh"/>
-                  </dgm:alg>
-                  <dgm:constrLst>
-                    <dgm:constr type="alignOff" val="0.65"/>
-                  </dgm:constrLst>
-                </dgm:else>
-              </dgm:choose>
-            </dgm:if>
-            <dgm:else name="Name18">
-              <dgm:choose name="Name19">
-                <dgm:if name="Name20" func="var" arg="dir" op="equ" val="norm">
-                  <dgm:alg type="hierRoot">
-                    <dgm:param type="hierAlign" val="lCtrCh"/>
-                  </dgm:alg>
-                  <dgm:constrLst>
-                    <dgm:constr type="alignOff"/>
-                    <dgm:constr type="bendDist" for="des" ptType="parTrans" refType="sp" fact="0.5"/>
-                  </dgm:constrLst>
-                </dgm:if>
-                <dgm:else name="Name21">
-                  <dgm:alg type="hierRoot">
-                    <dgm:param type="hierAlign" val="rCtrCh"/>
-                  </dgm:alg>
-                  <dgm:constrLst>
-                    <dgm:constr type="alignOff"/>
-                    <dgm:constr type="bendDist" for="des" ptType="parTrans" refType="sp" fact="0.5"/>
-                  </dgm:constrLst>
-                </dgm:else>
-              </dgm:choose>
-            </dgm:else>
-          </dgm:choose>
+    <dgm:choose name="Name3">
+      <dgm:if name="Name4" axis="ch" ptType="node" func="cnt" op="lte" val="3">
+        <dgm:constrLst>
+          <dgm:constr type="h" for="ch" forName="compNode" refType="h" fact="0.3"/>
+          <dgm:constr type="w" for="ch" forName="compNode" refType="w"/>
+          <dgm:constr type="h" for="ch" forName="sibTrans" refType="h" refFor="ch" refForName="compNode" fact="0.25"/>
+          <dgm:constr type="primFontSz" for="des" forName="parTx" val="25"/>
+          <dgm:constr type="primFontSz" for="des" forName="desTx" refType="primFontSz" refFor="des" refForName="parTx" op="lte" fact="0.75"/>
+          <dgm:constr type="h" for="des" forName="compNode" op="equ"/>
+          <dgm:constr type="h" for="des" forName="bgRect" op="equ"/>
+          <dgm:constr type="h" for="des" forName="iconRect" op="equ"/>
+          <dgm:constr type="w" for="des" forName="iconRect" op="equ"/>
+          <dgm:constr type="h" for="des" forName="spaceRect" op="equ"/>
+          <dgm:constr type="h" for="des" forName="parTx" op="equ"/>
+          <dgm:constr type="h" for="des" forName="desTx" op="equ"/>
+        </dgm:constrLst>
+      </dgm:if>
+      <dgm:if name="Name5" axis="ch" ptType="node" func="cnt" op="lte" val="4">
+        <dgm:constrLst>
+          <dgm:constr type="h" for="ch" forName="compNode" refType="h" fact="0.3"/>
+          <dgm:constr type="w" for="ch" forName="compNode" refType="w"/>
+          <dgm:constr type="h" for="ch" forName="sibTrans" refType="h" refFor="ch" refForName="compNode" fact="0.25"/>
+          <dgm:constr type="primFontSz" for="des" forName="parTx" val="22"/>
+          <dgm:constr type="primFontSz" for="des" forName="desTx" refType="primFontSz" refFor="des" refForName="parTx" op="lte" fact="0.75"/>
+          <dgm:constr type="h" for="des" forName="compNode" op="equ"/>
+          <dgm:constr type="h" for="des" forName="bgRect" op="equ"/>
+          <dgm:constr type="h" for="des" forName="iconRect" op="equ"/>
+          <dgm:constr type="w" for="des" forName="iconRect" op="equ"/>
+          <dgm:constr type="h" for="des" forName="spaceRect" op="equ"/>
+          <dgm:constr type="h" for="des" forName="parTx" op="equ"/>
+          <dgm:constr type="h" for="des" forName="desTx" op="equ"/>
+        </dgm:constrLst>
+      </dgm:if>
+      <dgm:if name="Name6" axis="ch" ptType="node" func="cnt" op="lte" val="6">
+        <dgm:constrLst>
+          <dgm:constr type="h" for="ch" forName="compNode" refType="h" fact="0.3"/>
+          <dgm:constr type="w" for="ch" forName="compNode" refType="w"/>
+          <dgm:constr type="h" for="ch" forName="sibTrans" refType="h" refFor="ch" refForName="compNode" fact="0.25"/>
+          <dgm:constr type="primFontSz" for="des" forName="parTx" val="19"/>
+          <dgm:constr type="primFontSz" for="des" forName="desTx" refType="primFontSz" refFor="des" refForName="parTx" op="lte" fact="0.75"/>
+          <dgm:constr type="h" for="des" forName="compNode" op="equ"/>
+          <dgm:constr type="h" for="des" forName="bgRect" op="equ"/>
+          <dgm:constr type="h" for="des" forName="iconRect" op="equ"/>
+          <dgm:constr type="w" for="des" forName="iconRect" op="equ"/>
+          <dgm:constr type="h" for="des" forName="spaceRect" op="equ"/>
+          <dgm:constr type="h" for="des" forName="parTx" op="equ"/>
+          <dgm:constr type="h" for="des" forName="desTx" op="equ"/>
+        </dgm:constrLst>
+      </dgm:if>
+      <dgm:else name="Name7">
+        <dgm:constrLst>
+          <dgm:constr type="h" for="ch" forName="compNode" refType="h" fact="0.3"/>
+          <dgm:constr type="w" for="ch" forName="compNode" refType="w"/>
+          <dgm:constr type="h" for="ch" forName="sibTrans" refType="h" refFor="ch" refForName="compNode" fact="0.25"/>
+          <dgm:constr type="primFontSz" for="des" forName="parTx" val="16"/>
+          <dgm:constr type="primFontSz" for="des" forName="desTx" refType="primFontSz" refFor="des" refForName="parTx" op="lte" fact="0.75"/>
+          <dgm:constr type="h" for="des" forName="compNode" op="equ"/>
+          <dgm:constr type="h" for="des" forName="bgRect" op="equ"/>
+          <dgm:constr type="h" for="des" forName="iconRect" op="equ"/>
+          <dgm:constr type="w" for="des" forName="iconRect" op="equ"/>
+          <dgm:constr type="h" for="des" forName="spaceRect" op="equ"/>
+          <dgm:constr type="h" for="des" forName="parTx" op="equ"/>
+          <dgm:constr type="h" for="des" forName="desTx" op="equ"/>
+        </dgm:constrLst>
+      </dgm:else>
+    </dgm:choose>
+    <dgm:ruleLst>
+      <dgm:rule type="h" for="ch" forName="compNode" val="0" fact="NaN" max="NaN"/>
+    </dgm:ruleLst>
+    <dgm:forEach name="Name8" axis="ch" ptType="node">
+      <dgm:layoutNode name="compNode">
+        <dgm:alg type="composite"/>
+        <dgm:shape xmlns:r="http://schemas.openxmlformats.org/officeDocument/2006/relationships" r:blip="">
+          <dgm:adjLst/>
+        </dgm:shape>
+        <dgm:presOf axis="self"/>
+        <dgm:choose name="Name9">
+          <dgm:if name="Name10" axis="ch" ptType="node" func="cnt" op="gte" val="1">
+            <dgm:constrLst>
+              <dgm:constr type="w" for="ch" forName="bgRect" refType="w"/>
+              <dgm:constr type="h" for="ch" forName="bgRect" refType="h"/>
+              <dgm:constr type="l" for="ch" forName="bgRect"/>
+              <dgm:constr type="t" for="ch" forName="bgRect"/>
+              <dgm:constr type="h" for="ch" forName="iconRect" refType="h" fact="0.55"/>
+              <dgm:constr type="w" for="ch" forName="iconRect" refType="h" refFor="ch" refForName="iconRect"/>
+              <dgm:constr type="l" for="ch" forName="iconRect" refType="h" refFor="ch" refForName="iconRect" fact="0.55"/>
+              <dgm:constr type="ctrY" for="ch" forName="iconRect" refType="ctrY" refFor="ch" refForName="bgRect"/>
+              <dgm:constr type="w" for="ch" forName="spaceRect" refType="l" refFor="ch" refForName="iconRect"/>
+              <dgm:constr type="h" for="ch" forName="spaceRect" refType="h"/>
+              <dgm:constr type="l" for="ch" forName="spaceRect" refType="r" refFor="ch" refForName="iconRect"/>
+              <dgm:constr type="t" for="ch" forName="spaceRect"/>
+              <dgm:constr type="w" for="ch" forName="parTx" refType="w" fact="0.45"/>
+              <dgm:constr type="h" for="ch" forName="parTx" refType="h"/>
+              <dgm:constr type="l" for="ch" forName="parTx" refType="r" refFor="ch" refForName="spaceRect"/>
+              <dgm:constr type="t" for="ch" forName="parTx"/>
+              <dgm:constr type="h" for="ch" forName="desTx" refType="h"/>
+              <dgm:constr type="l" for="ch" forName="desTx" refType="r" refFor="ch" refForName="parTx"/>
+              <dgm:constr type="t" for="ch" forName="desTx"/>
+            </dgm:constrLst>
+          </dgm:if>
+          <dgm:else name="Name11">
+            <dgm:constrLst>
+              <dgm:constr type="w" for="ch" forName="bgRect" refType="w"/>
+              <dgm:constr type="h" for="ch" forName="bgRect" refType="h"/>
+              <dgm:constr type="l" for="ch" forName="bgRect"/>
+              <dgm:constr type="t" for="ch" forName="bgRect"/>
+              <dgm:constr type="h" for="ch" forName="iconRect" refType="h" fact="0.55"/>
+              <dgm:constr type="w" for="ch" forName="iconRect" refType="h" refFor="ch" refForName="iconRect"/>
+              <dgm:constr type="l" for="ch" forName="iconRect" refType="h" refFor="ch" refForName="iconRect" fact="0.55"/>
+              <dgm:constr type="ctrY" for="ch" forName="iconRect" refType="ctrY" refFor="ch" refForName="bgRect"/>
+              <dgm:constr type="w" for="ch" forName="spaceRect" refType="l" refFor="ch" refForName="iconRect"/>
+              <dgm:constr type="h" for="ch" forName="spaceRect" refType="h"/>
+              <dgm:constr type="l" for="ch" forName="spaceRect" refType="r" refFor="ch" refForName="iconRect"/>
+              <dgm:constr type="t" for="ch" forName="spaceRect"/>
+              <dgm:constr type="h" for="ch" forName="parTx" refType="h"/>
+              <dgm:constr type="l" for="ch" forName="parTx" refType="r" refFor="ch" refForName="spaceRect"/>
+              <dgm:constr type="t" for="ch" forName="parTx"/>
+            </dgm:constrLst>
+          </dgm:else>
+        </dgm:choose>
+        <dgm:ruleLst>
+          <dgm:rule type="h" val="INF" fact="NaN" max="NaN"/>
+        </dgm:ruleLst>
+        <dgm:layoutNode name="bgRect" styleLbl="bgShp">
+          <dgm:alg type="sp"/>
+          <dgm:shape xmlns:r="http://schemas.openxmlformats.org/officeDocument/2006/relationships" type="roundRect" r:blip="">
+            <dgm:adjLst>
+              <dgm:adj idx="1" val="0.1"/>
+            </dgm:adjLst>
+          </dgm:shape>
+          <dgm:presOf/>
+          <dgm:constrLst/>
+          <dgm:ruleLst/>
+        </dgm:layoutNode>
+        <dgm:layoutNode name="iconRect" styleLbl="node1">
+          <dgm:alg type="sp"/>
+          <dgm:shape xmlns:r="http://schemas.openxmlformats.org/officeDocument/2006/relationships" type="rect" r:blip="" blipPhldr="1">
+            <dgm:adjLst/>
+          </dgm:shape>
+          <dgm:presOf/>
+          <dgm:constrLst/>
+          <dgm:ruleLst/>
+        </dgm:layoutNode>
+        <dgm:layoutNode name="spaceRect">
+          <dgm:alg type="sp"/>
           <dgm:shape xmlns:r="http://schemas.openxmlformats.org/officeDocument/2006/relationships" r:blip="">
             <dgm:adjLst/>
           </dgm:shape>
           <dgm:presOf/>
+          <dgm:constrLst/>
           <dgm:ruleLst/>
-          <dgm:layoutNode name="rootComposite1">
-            <dgm:alg type="composite"/>
-            <dgm:shape xmlns:r="http://schemas.openxmlformats.org/officeDocument/2006/relationships" r:blip="">
-              <dgm:adjLst/>
-            </dgm:shape>
-            <dgm:presOf axis="self" ptType="node" cnt="1"/>
-            <dgm:choose name="Name22">
-              <dgm:if name="Name23" func="var" arg="hierBranch" op="equ" val="init">
-                <dgm:constrLst>
-                  <dgm:constr type="l" for="ch" forName="rootText1"/>
-                  <dgm:constr type="t" for="ch" forName="rootText1"/>
-                  <dgm:constr type="w" for="ch" forName="rootText1" refType="w"/>
-                  <dgm:constr type="h" for="ch" forName="rootText1" refType="h"/>
-                  <dgm:constr type="l" for="ch" forName="rootConnector1"/>
-                  <dgm:constr type="t" for="ch" forName="rootConnector1"/>
-                  <dgm:constr type="w" for="ch" forName="rootConnector1" refType="w" refFor="ch" refForName="rootText1" fact="0.2"/>
-                  <dgm:constr type="h" for="ch" forName="rootConnector1" refType="h" refFor="ch" refForName="rootText1"/>
-                </dgm:constrLst>
-              </dgm:if>
-              <dgm:if name="Name24" func="var" arg="hierBranch" op="equ" val="l">
-                <dgm:constrLst>
-                  <dgm:constr type="l" for="ch" forName="rootText1"/>
-                  <dgm:constr type="t" for="ch" forName="rootText1"/>
-                  <dgm:constr type="w" for="ch" forName="rootText1" refType="w"/>
-                  <dgm:constr type="h" for="ch" forName="rootText1" refType="h"/>
-                  <dgm:constr type="r" for="ch" forName="rootConnector1" refType="w"/>
-                  <dgm:constr type="t" for="ch" forName="rootConnector1"/>
-                  <dgm:constr type="w" for="ch" forName="rootConnector1" refType="w" refFor="ch" refForName="rootText1" fact="0.2"/>
-                  <dgm:constr type="h" for="ch" forName="rootConnector1" refType="h" refFor="ch" refForName="rootText1"/>
-                </dgm:constrLst>
-              </dgm:if>
-              <dgm:if name="Name25" func="var" arg="hierBranch" op="equ" val="r">
-                <dgm:constrLst>
-                  <dgm:constr type="l" for="ch" forName="rootText1"/>
-                  <dgm:constr type="t" for="ch" forName="rootText1"/>
-                  <dgm:constr type="w" for="ch" forName="rootText1" refType="w"/>
-                  <dgm:constr type="h" for="ch" forName="rootText1" refType="h"/>
-                  <dgm:constr type="l" for="ch" forName="rootConnector1"/>
-                  <dgm:constr type="t" for="ch" forName="rootConnector1"/>
-                  <dgm:constr type="w" for="ch" forName="rootConnector1" refType="w" refFor="ch" refForName="rootText1" fact="0.2"/>
-                  <dgm:constr type="h" for="ch" forName="rootConnector1" refType="h" refFor="ch" refForName="rootText1"/>
-                </dgm:constrLst>
-              </dgm:if>
-              <dgm:else name="Name26">
-                <dgm:constrLst>
-                  <dgm:constr type="l" for="ch" forName="rootText1"/>
-                  <dgm:constr type="t" for="ch" forName="rootText1"/>
-                  <dgm:constr type="w" for="ch" forName="rootText1" refType="w"/>
-                  <dgm:constr type="h" for="ch" forName="rootText1" refType="h"/>
-                  <dgm:constr type="r" for="ch" forName="rootConnector1" refType="w"/>
-                  <dgm:constr type="t" for="ch" forName="rootConnector1"/>
-                  <dgm:constr type="w" for="ch" forName="rootConnector1" refType="w" refFor="ch" refForName="rootText1" fact="0.2"/>
-                  <dgm:constr type="h" for="ch" forName="rootConnector1" refType="h" refFor="ch" refForName="rootText1"/>
-                </dgm:constrLst>
-              </dgm:else>
-            </dgm:choose>
-            <dgm:ruleLst/>
-            <dgm:layoutNode name="rootText1" styleLbl="node0">
-              <dgm:varLst>
-                <dgm:chPref val="3"/>
-              </dgm:varLst>
-              <dgm:alg type="tx"/>
+        </dgm:layoutNode>
+        <dgm:layoutNode name="parTx" styleLbl="revTx">
+          <dgm:varLst>
+            <dgm:chMax val="0"/>
+            <dgm:chPref val="0"/>
+          </dgm:varLst>
+          <dgm:alg type="tx">
+            <dgm:param type="txAnchorVert" val="mid"/>
+            <dgm:param type="parTxLTRAlign" val="l"/>
+            <dgm:param type="shpTxLTRAlignCh" val="l"/>
+            <dgm:param type="parTxRTLAlign" val="r"/>
+            <dgm:param type="shpTxRTLAlignCh" val="r"/>
+          </dgm:alg>
+          <dgm:shape xmlns:r="http://schemas.openxmlformats.org/officeDocument/2006/relationships" type="rect" r:blip="">
+            <dgm:adjLst/>
+          </dgm:shape>
+          <dgm:presOf axis="self" ptType="node"/>
+          <dgm:constrLst>
+            <dgm:constr type="lMarg" refType="h" fact="0.3"/>
+            <dgm:constr type="rMarg" refType="h" fact="0.3"/>
+            <dgm:constr type="tMarg" refType="h" fact="0.3"/>
+            <dgm:constr type="bMarg" refType="h" fact="0.3"/>
+          </dgm:constrLst>
+          <dgm:ruleLst>
+            <dgm:rule type="primFontSz" val="14" fact="NaN" max="NaN"/>
+            <dgm:rule type="h" val="INF" fact="NaN" max="NaN"/>
+          </dgm:ruleLst>
+        </dgm:layoutNode>
+        <dgm:choose name="Name12">
+          <dgm:if name="Name13" axis="ch" ptType="node" func="cnt" op="gte" val="1">
+            <dgm:layoutNode name="desTx" styleLbl="revTx">
+              <dgm:varLst/>
+              <dgm:alg type="tx">
+                <dgm:param type="txAnchorVertCh" val="mid"/>
+                <dgm:param type="parTxLTRAlign" val="l"/>
+                <dgm:param type="shpTxLTRAlignCh" val="l"/>
+                <dgm:param type="parTxRTLAlign" val="r"/>
+                <dgm:param type="shpTxRTLAlignCh" val="r"/>
+                <dgm:param type="stBulletLvl" val="0"/>
+              </dgm:alg>
               <dgm:shape xmlns:r="http://schemas.openxmlformats.org/officeDocument/2006/relationships" type="rect" r:blip="">
                 <dgm:adjLst/>
               </dgm:shape>
-              <dgm:presOf axis="self" ptType="node" cnt="1"/>
+              <dgm:presOf axis="des" ptType="node"/>
               <dgm:constrLst>
-                <dgm:constr type="primFontSz" val="65"/>
-                <dgm:constr type="lMarg" refType="primFontSz" fact="0.05"/>
-                <dgm:constr type="rMarg" refType="primFontSz" fact="0.05"/>
-                <dgm:constr type="tMarg" refType="primFontSz" fact="0.05"/>
-                <dgm:constr type="bMarg" refType="primFontSz" fact="0.05"/>
+                <dgm:constr type="primFontSz" val="18"/>
+                <dgm:constr type="secFontSz" refType="primFontSz"/>
+                <dgm:constr type="lMarg" refType="h" fact="0.3"/>
+                <dgm:constr type="rMarg" refType="h" fact="0.3"/>
+                <dgm:constr type="tMarg" refType="h" fact="0.3"/>
+                <dgm:constr type="bMarg" refType="h" fact="0.3"/>
               </dgm:constrLst>
               <dgm:ruleLst>
-                <dgm:rule type="primFontSz" val="5" fact="NaN" max="NaN"/>
+                <dgm:rule type="primFontSz" val="11" fact="NaN" max="NaN"/>
               </dgm:ruleLst>
             </dgm:layoutNode>
-            <dgm:layoutNode name="rootConnector1" moveWith="rootText1">
-              <dgm:alg type="sp"/>
-              <dgm:shape xmlns:r="http://schemas.openxmlformats.org/officeDocument/2006/relationships" type="rect" r:blip="" hideGeom="1">
-                <dgm:adjLst/>
-              </dgm:shape>
-              <dgm:presOf axis="self" ptType="node" cnt="1"/>
-              <dgm:constrLst/>
-              <dgm:ruleLst/>
-            </dgm:layoutNode>
-          </dgm:layoutNode>
-          <dgm:layoutNode name="hierChild2">
-            <dgm:choose name="Name27">
-              <dgm:if name="Name28" func="var" arg="hierBranch" op="equ" val="l">
-                <dgm:choose name="Name29">
-                  <dgm:if name="Name30" func="var" arg="dir" op="equ" val="norm">
-                    <dgm:alg type="hierChild">
-                      <dgm:param type="chAlign" val="t"/>
-                      <dgm:param type="linDir" val="fromL"/>
-                    </dgm:alg>
-                  </dgm:if>
-                  <dgm:else name="Name31">
-                    <dgm:alg type="hierChild">
-                      <dgm:param type="chAlign" val="t"/>
-                      <dgm:param type="linDir" val="fromR"/>
-                    </dgm:alg>
-                  </dgm:else>
-                </dgm:choose>
-              </dgm:if>
-              <dgm:if name="Name32" func="var" arg="hierBranch" op="equ" val="r">
-                <dgm:choose name="Name33">
-                  <dgm:if name="Name34" func="var" arg="dir" op="equ" val="norm">
-                    <dgm:alg type="hierChild">
-                      <dgm:param type="chAlign" val="b"/>
-                      <dgm:param type="linDir" val="fromL"/>
-                    </dgm:alg>
-                  </dgm:if>
-                  <dgm:else name="Name35">
-                    <dgm:alg type="hierChild">
-                      <dgm:param type="chAlign" val="b"/>
-                      <dgm:param type="linDir" val="fromR"/>
-                    </dgm:alg>
-                  </dgm:else>
-                </dgm:choose>
-              </dgm:if>
-              <dgm:if name="Name36" func="var" arg="hierBranch" op="equ" val="hang">
-                <dgm:choose name="Name37">
-                  <dgm:if name="Name38" func="var" arg="dir" op="equ" val="norm">
-                    <dgm:alg type="hierChild">
-                      <dgm:param type="chAlign" val="l"/>
-                      <dgm:param type="linDir" val="fromT"/>
-                      <dgm:param type="secChAlign" val="t"/>
-                      <dgm:param type="secLinDir" val="fromL"/>
-                    </dgm:alg>
-                  </dgm:if>
-                  <dgm:else name="Name39">
-                    <dgm:alg type="hierChild">
-                      <dgm:param type="chAlign" val="r"/>
-                      <dgm:param type="linDir" val="fromT"/>
-                      <dgm:param type="secChAlign" val="t"/>
-                      <dgm:param type="secLinDir" val="fromR"/>
-                    </dgm:alg>
-                  </dgm:else>
-                </dgm:choose>
-              </dgm:if>
-              <dgm:else name="Name40">
-                <dgm:choose name="Name41">
-                  <dgm:if name="Name42" func="var" arg="dir" op="equ" val="norm">
-                    <dgm:alg type="hierChild">
-                      <dgm:param type="linDir" val="fromT"/>
-                      <dgm:param type="chAlign" val="l"/>
-                    </dgm:alg>
-                  </dgm:if>
-                  <dgm:else name="Name43">
-                    <dgm:alg type="hierChild">
-                      <dgm:param type="linDir" val="fromT"/>
-                      <dgm:param type="chAlign" val="r"/>
-                    </dgm:alg>
-                  </dgm:else>
-                </dgm:choose>
-              </dgm:else>
-            </dgm:choose>
-            <dgm:shape xmlns:r="http://schemas.openxmlformats.org/officeDocument/2006/relationships" r:blip="">
-              <dgm:adjLst/>
-            </dgm:shape>
-            <dgm:presOf/>
-            <dgm:constrLst/>
-            <dgm:ruleLst/>
-            <dgm:forEach name="rep2a" axis="ch" ptType="nonAsst">
-              <dgm:forEach name="Name44" axis="precedSib" ptType="parTrans" st="-1" cnt="1">
-                <dgm:choose name="Name45">
-                  <dgm:if name="Name46" func="var" arg="hierBranch" op="equ" val="hang">
-                    <dgm:layoutNode name="Name47">
-                      <dgm:choose name="Name48">
-                        <dgm:if name="Name49" func="var" arg="dir" op="equ" val="norm">
-                          <dgm:alg type="conn">
-                            <dgm:param type="connRout" val="bend"/>
-                            <dgm:param type="dim" val="1D"/>
-                            <dgm:param type="endSty" val="noArr"/>
-                            <dgm:param type="begPts" val="midR"/>
-                            <dgm:param type="endPts" val="bCtr tCtr"/>
-                          </dgm:alg>
-                        </dgm:if>
-                        <dgm:else name="Name50">
-                          <dgm:alg type="conn">
-                            <dgm:param type="connRout" val="bend"/>
-                            <dgm:param type="dim" val="1D"/>
-                            <dgm:param type="endSty" val="noArr"/>
-                            <dgm:param type="begPts" val="midL"/>
-                            <dgm:param type="endPts" val="bCtr tCtr"/>
-                          </dgm:alg>
-                        </dgm:else>
-                      </dgm:choose>
-                      <dgm:shape xmlns:r="http://schemas.openxmlformats.org/officeDocument/2006/relationships" type="conn" r:blip="" zOrderOff="-99999">
-                        <dgm:adjLst/>
-                      </dgm:shape>
-                      <dgm:presOf axis="self"/>
-                      <dgm:constrLst>
-                        <dgm:constr type="begPad"/>
-                        <dgm:constr type="endPad"/>
-                      </dgm:constrLst>
-                      <dgm:ruleLst/>
-                    </dgm:layoutNode>
-                  </dgm:if>
-                  <dgm:if name="Name51" func="var" arg="hierBranch" op="equ" val="l">
-                    <dgm:layoutNode name="Name52">
-                      <dgm:choose name="Name53">
-                        <dgm:if name="Name54" func="var" arg="dir" op="equ" val="norm">
-                          <dgm:alg type="conn">
-                            <dgm:param type="connRout" val="bend"/>
-                            <dgm:param type="dim" val="1D"/>
-                            <dgm:param type="endSty" val="noArr"/>
-                            <dgm:param type="begPts" val="midR"/>
-                            <dgm:param type="endPts" val="tCtr"/>
-                          </dgm:alg>
-                        </dgm:if>
-                        <dgm:else name="Name55">
-                          <dgm:alg type="conn">
-                            <dgm:param type="connRout" val="bend"/>
-                            <dgm:param type="dim" val="1D"/>
-                            <dgm:param type="endSty" val="noArr"/>
-                            <dgm:param type="begPts" val="midL"/>
-                            <dgm:param type="endPts" val="tCtr"/>
-                          </dgm:alg>
-                        </dgm:else>
-                      </dgm:choose>
-                      <dgm:shape xmlns:r="http://schemas.openxmlformats.org/officeDocument/2006/relationships" type="conn" r:blip="" zOrderOff="-99999">
-                        <dgm:adjLst/>
-                      </dgm:shape>
-                      <dgm:presOf axis="self"/>
-                      <dgm:constrLst>
-                        <dgm:constr type="begPad"/>
-                        <dgm:constr type="endPad"/>
-                      </dgm:constrLst>
-                      <dgm:ruleLst/>
-                    </dgm:layoutNode>
-                  </dgm:if>
-                  <dgm:if name="Name56" func="var" arg="hierBranch" op="equ" val="r">
-                    <dgm:layoutNode name="Name57">
-                      <dgm:choose name="Name58">
-                        <dgm:if name="Name59" func="var" arg="dir" op="equ" val="norm">
-                          <dgm:alg type="conn">
-                            <dgm:param type="connRout" val="bend"/>
-                            <dgm:param type="dim" val="1D"/>
-                            <dgm:param type="endSty" val="noArr"/>
-                            <dgm:param type="begPts" val="midR"/>
-                            <dgm:param type="endPts" val="bCtr"/>
-                          </dgm:alg>
-                        </dgm:if>
-                        <dgm:else name="Name60">
-                          <dgm:alg type="conn">
-                            <dgm:param type="connRout" val="bend"/>
-                            <dgm:param type="dim" val="1D"/>
-                            <dgm:param type="endSty" val="noArr"/>
-                            <dgm:param type="begPts" val="midL"/>
-                            <dgm:param type="endPts" val="bCtr"/>
-                          </dgm:alg>
-                        </dgm:else>
-                      </dgm:choose>
-                      <dgm:shape xmlns:r="http://schemas.openxmlformats.org/officeDocument/2006/relationships" type="conn" r:blip="" zOrderOff="-99999">
-                        <dgm:adjLst/>
-                      </dgm:shape>
-                      <dgm:presOf axis="self"/>
-                      <dgm:constrLst>
-                        <dgm:constr type="begPad"/>
-                        <dgm:constr type="endPad"/>
-                      </dgm:constrLst>
-                      <dgm:ruleLst/>
-                    </dgm:layoutNode>
-                  </dgm:if>
-                  <dgm:else name="Name61">
-                    <dgm:choose name="Name62">
-                      <dgm:if name="Name63" func="var" arg="dir" op="equ" val="norm">
-                        <dgm:layoutNode name="Name64">
-                          <dgm:alg type="conn">
-                            <dgm:param type="connRout" val="bend"/>
-                            <dgm:param type="dim" val="1D"/>
-                            <dgm:param type="endSty" val="noArr"/>
-                            <dgm:param type="begPts" val="midR"/>
-                            <dgm:param type="endPts" val="midL"/>
-                            <dgm:param type="bendPt" val="end"/>
-                          </dgm:alg>
-                          <dgm:shape xmlns:r="http://schemas.openxmlformats.org/officeDocument/2006/relationships" type="conn" r:blip="" zOrderOff="-99999">
-                            <dgm:adjLst/>
-                          </dgm:shape>
-                          <dgm:presOf axis="self"/>
-                          <dgm:constrLst>
-                            <dgm:constr type="begPad"/>
-                            <dgm:constr type="endPad"/>
-                          </dgm:constrLst>
-                          <dgm:ruleLst/>
-                        </dgm:layoutNode>
-                      </dgm:if>
-                      <dgm:else name="Name65">
-                        <dgm:layoutNode name="Name66">
-                          <dgm:alg type="conn">
-                            <dgm:param type="connRout" val="bend"/>
-                            <dgm:param type="dim" val="1D"/>
-                            <dgm:param type="endSty" val="noArr"/>
-                            <dgm:param type="begPts" val="midL"/>
-                            <dgm:param type="endPts" val="midR"/>
-                            <dgm:param type="bendPt" val="end"/>
-                          </dgm:alg>
-                          <dgm:shape xmlns:r="http://schemas.openxmlformats.org/officeDocument/2006/relationships" type="conn" r:blip="" zOrderOff="-99999">
-                            <dgm:adjLst/>
-                          </dgm:shape>
-                          <dgm:presOf axis="self"/>
-                          <dgm:constrLst>
-                            <dgm:constr type="begPad"/>
-                            <dgm:constr type="endPad"/>
-                          </dgm:constrLst>
-                          <dgm:ruleLst/>
-                        </dgm:layoutNode>
-                      </dgm:else>
-                    </dgm:choose>
-                  </dgm:else>
-                </dgm:choose>
-              </dgm:forEach>
-              <dgm:layoutNode name="hierRoot2">
-                <dgm:varLst>
-                  <dgm:hierBranch val="init"/>
-                </dgm:varLst>
-                <dgm:choose name="Name67">
-                  <dgm:if name="Name68" func="var" arg="hierBranch" op="equ" val="l">
-                    <dgm:choose name="Name69">
-                      <dgm:if name="Name70" func="var" arg="dir" op="equ" val="norm">
-                        <dgm:alg type="hierRoot">
-                          <dgm:param type="hierAlign" val="lT"/>
-                        </dgm:alg>
-                        <dgm:constrLst>
-                          <dgm:constr type="alignOff" val="0.75"/>
-                        </dgm:constrLst>
-                      </dgm:if>
-                      <dgm:else name="Name71">
-                        <dgm:alg type="hierRoot">
-                          <dgm:param type="hierAlign" val="rT"/>
-                        </dgm:alg>
-                        <dgm:constrLst>
-                          <dgm:constr type="alignOff" val="0.75"/>
-                        </dgm:constrLst>
-                      </dgm:else>
-                    </dgm:choose>
-                  </dgm:if>
-                  <dgm:if name="Name72" func="var" arg="hierBranch" op="equ" val="r">
-                    <dgm:choose name="Name73">
-                      <dgm:if name="Name74" func="var" arg="dir" op="equ" val="norm">
-                        <dgm:alg type="hierRoot">
-                          <dgm:param type="hierAlign" val="lB"/>
-                        </dgm:alg>
-                        <dgm:constrLst>
-                          <dgm:constr type="alignOff" val="0.75"/>
-                        </dgm:constrLst>
-                      </dgm:if>
-                      <dgm:else name="Name75">
-                        <dgm:alg type="hierRoot">
-                          <dgm:param type="hierAlign" val="rB"/>
-                        </dgm:alg>
-                        <dgm:constrLst>
-                          <dgm:constr type="alignOff" val="0.75"/>
-                        </dgm:constrLst>
-                      </dgm:else>
-                    </dgm:choose>
-                  </dgm:if>
-                  <dgm:if name="Name76" func="var" arg="hierBranch" op="equ" val="hang">
-                    <dgm:choose name="Name77">
-                      <dgm:if name="Name78" func="var" arg="dir" op="equ" val="norm">
-                        <dgm:alg type="hierRoot">
-                          <dgm:param type="hierAlign" val="lCtrCh"/>
-                        </dgm:alg>
-                        <dgm:constrLst>
-                          <dgm:constr type="alignOff" val="0.65"/>
-                        </dgm:constrLst>
-                      </dgm:if>
-                      <dgm:else name="Name79">
-                        <dgm:alg type="hierRoot">
-                          <dgm:param type="hierAlign" val="rCtrCh"/>
-                        </dgm:alg>
-                        <dgm:constrLst>
-                          <dgm:constr type="alignOff" val="0.65"/>
-                        </dgm:constrLst>
-                      </dgm:else>
-                    </dgm:choose>
-                  </dgm:if>
-                  <dgm:else name="Name80">
-                    <dgm:choose name="Name81">
-                      <dgm:if name="Name82" func="var" arg="dir" op="equ" val="norm">
-                        <dgm:alg type="hierRoot">
-                          <dgm:param type="hierAlign" val="lCtrCh"/>
-                        </dgm:alg>
-                        <dgm:constrLst>
-                          <dgm:constr type="alignOff"/>
-                          <dgm:constr type="bendDist" for="des" ptType="parTrans" refType="sp" fact="0.5"/>
-                        </dgm:constrLst>
-                      </dgm:if>
-                      <dgm:else name="Name83">
-                        <dgm:alg type="hierRoot">
-                          <dgm:param type="hierAlign" val="rCtrCh"/>
-                        </dgm:alg>
-                        <dgm:constrLst>
-                          <dgm:constr type="alignOff"/>
-                          <dgm:constr type="bendDist" for="des" ptType="parTrans" refType="sp" fact="0.5"/>
-                        </dgm:constrLst>
-                      </dgm:else>
-                    </dgm:choose>
-                  </dgm:else>
-                </dgm:choose>
-                <dgm:shape xmlns:r="http://schemas.openxmlformats.org/officeDocument/2006/relationships" r:blip="">
-                  <dgm:adjLst/>
-                </dgm:shape>
-                <dgm:presOf/>
-                <dgm:ruleLst/>
-                <dgm:layoutNode name="rootComposite">
-                  <dgm:alg type="composite"/>
-                  <dgm:shape xmlns:r="http://schemas.openxmlformats.org/officeDocument/2006/relationships" r:blip="">
-                    <dgm:adjLst/>
-                  </dgm:shape>
-                  <dgm:presOf axis="self" ptType="node" cnt="1"/>
-                  <dgm:choose name="Name84">
-                    <dgm:if name="Name85" func="var" arg="hierBranch" op="equ" val="init">
-                      <dgm:constrLst>
-                        <dgm:constr type="l" for="ch" forName="rootText"/>
-                        <dgm:constr type="t" for="ch" forName="rootText"/>
-                        <dgm:constr type="w" for="ch" forName="rootText" refType="w"/>
-                        <dgm:constr type="h" for="ch" forName="rootText" refType="h"/>
-                        <dgm:constr type="l" for="ch" forName="rootConnector"/>
-                        <dgm:constr type="t" for="ch" forName="rootConnector"/>
-                        <dgm:constr type="w" for="ch" forName="rootConnector" refType="w" refFor="ch" refForName="rootText" fact="0.2"/>
-                        <dgm:constr type="h" for="ch" forName="rootConnector" refType="h" refFor="ch" refForName="rootText"/>
-                      </dgm:constrLst>
-                    </dgm:if>
-                    <dgm:if name="Name86" func="var" arg="hierBranch" op="equ" val="l">
-                      <dgm:constrLst>
-                        <dgm:constr type="l" for="ch" forName="rootText"/>
-                        <dgm:constr type="t" for="ch" forName="rootText"/>
-                        <dgm:constr type="w" for="ch" forName="rootText" refType="w"/>
-                        <dgm:constr type="h" for="ch" forName="rootText" refType="h"/>
-                        <dgm:constr type="r" for="ch" forName="rootConnector" refType="w"/>
-                        <dgm:constr type="t" for="ch" forName="rootConnector"/>
-                        <dgm:constr type="w" for="ch" forName="rootConnector" refType="w" refFor="ch" refForName="rootText" fact="0.2"/>
-                        <dgm:constr type="h" for="ch" forName="rootConnector" refType="h" refFor="ch" refForName="rootText"/>
-                      </dgm:constrLst>
-                    </dgm:if>
-                    <dgm:if name="Name87" func="var" arg="hierBranch" op="equ" val="r">
-                      <dgm:constrLst>
-                        <dgm:constr type="l" for="ch" forName="rootText"/>
-                        <dgm:constr type="t" for="ch" forName="rootText"/>
-                        <dgm:constr type="w" for="ch" forName="rootText" refType="w"/>
-                        <dgm:constr type="h" for="ch" forName="rootText" refType="h"/>
-                        <dgm:constr type="l" for="ch" forName="rootConnector"/>
-                        <dgm:constr type="t" for="ch" forName="rootConnector"/>
-                        <dgm:constr type="w" for="ch" forName="rootConnector" refType="w" refFor="ch" refForName="rootText" fact="0.2"/>
-                        <dgm:constr type="h" for="ch" forName="rootConnector" refType="h" refFor="ch" refForName="rootText"/>
-                      </dgm:constrLst>
-                    </dgm:if>
-                    <dgm:else name="Name88">
-                      <dgm:constrLst>
-                        <dgm:constr type="l" for="ch" forName="rootText"/>
-                        <dgm:constr type="t" for="ch" forName="rootText"/>
-                        <dgm:constr type="w" for="ch" forName="rootText" refType="w"/>
-                        <dgm:constr type="h" for="ch" forName="rootText" refType="h"/>
-                        <dgm:constr type="r" for="ch" forName="rootConnector" refType="w"/>
-                        <dgm:constr type="t" for="ch" forName="rootConnector"/>
-                        <dgm:constr type="w" for="ch" forName="rootConnector" refType="w" refFor="ch" refForName="rootText" fact="0.2"/>
-                        <dgm:constr type="h" for="ch" forName="rootConnector" refType="h" refFor="ch" refForName="rootText"/>
-                      </dgm:constrLst>
-                    </dgm:else>
-                  </dgm:choose>
-                  <dgm:ruleLst/>
-                  <dgm:layoutNode name="rootText">
-                    <dgm:varLst>
-                      <dgm:chPref val="3"/>
-                    </dgm:varLst>
-                    <dgm:alg type="tx"/>
-                    <dgm:shape xmlns:r="http://schemas.openxmlformats.org/officeDocument/2006/relationships" type="rect" r:blip="">
-                      <dgm:adjLst/>
-                    </dgm:shape>
-                    <dgm:presOf axis="self" ptType="node" cnt="1"/>
-                    <dgm:constrLst>
-                      <dgm:constr type="primFontSz" val="65"/>
-                      <dgm:constr type="lMarg" refType="primFontSz" fact="0.05"/>
-                      <dgm:constr type="rMarg" refType="primFontSz" fact="0.05"/>
-                      <dgm:constr type="tMarg" refType="primFontSz" fact="0.05"/>
-                      <dgm:constr type="bMarg" refType="primFontSz" fact="0.05"/>
-                    </dgm:constrLst>
-                    <dgm:ruleLst>
-                      <dgm:rule type="primFontSz" val="5" fact="NaN" max="NaN"/>
-                    </dgm:ruleLst>
-                  </dgm:layoutNode>
-                  <dgm:layoutNode name="rootConnector" moveWith="rootText">
-                    <dgm:alg type="sp"/>
-                    <dgm:shape xmlns:r="http://schemas.openxmlformats.org/officeDocument/2006/relationships" type="rect" r:blip="" hideGeom="1">
-                      <dgm:adjLst/>
-                    </dgm:shape>
-                    <dgm:presOf axis="self" ptType="node" cnt="1"/>
-                    <dgm:constrLst/>
-                    <dgm:ruleLst/>
-                  </dgm:layoutNode>
-                </dgm:layoutNode>
-                <dgm:layoutNode name="hierChild4">
-                  <dgm:choose name="Name89">
-                    <dgm:if name="Name90" func="var" arg="hierBranch" op="equ" val="l">
-                      <dgm:choose name="Name91">
-                        <dgm:if name="Name92" func="var" arg="dir" op="equ" val="norm">
-                          <dgm:alg type="hierChild">
-                            <dgm:param type="chAlign" val="t"/>
-                            <dgm:param type="linDir" val="fromL"/>
-                          </dgm:alg>
-                        </dgm:if>
-                        <dgm:else name="Name93">
-                          <dgm:alg type="hierChild">
-                            <dgm:param type="chAlign" val="t"/>
-                            <dgm:param type="linDir" val="fromR"/>
-                          </dgm:alg>
-                        </dgm:else>
-                      </dgm:choose>
-                    </dgm:if>
-                    <dgm:if name="Name94" func="var" arg="hierBranch" op="equ" val="r">
-                      <dgm:choose name="Name95">
-                        <dgm:if name="Name96" func="var" arg="dir" op="equ" val="norm">
-                          <dgm:alg type="hierChild">
-                            <dgm:param type="chAlign" val="b"/>
-                            <dgm:param type="linDir" val="fromL"/>
-                          </dgm:alg>
-                        </dgm:if>
-                        <dgm:else name="Name97">
-                          <dgm:alg type="hierChild">
-                            <dgm:param type="chAlign" val="b"/>
-                            <dgm:param type="linDir" val="fromR"/>
-                          </dgm:alg>
-                        </dgm:else>
-                      </dgm:choose>
-                    </dgm:if>
-                    <dgm:if name="Name98" func="var" arg="hierBranch" op="equ" val="hang">
-                      <dgm:choose name="Name99">
-                        <dgm:if name="Name100" func="var" arg="dir" op="equ" val="norm">
-                          <dgm:alg type="hierChild">
-                            <dgm:param type="chAlign" val="l"/>
-                            <dgm:param type="linDir" val="fromT"/>
-                            <dgm:param type="secChAlign" val="t"/>
-                            <dgm:param type="secLinDir" val="fromL"/>
-                          </dgm:alg>
-                        </dgm:if>
-                        <dgm:else name="Name101">
-                          <dgm:alg type="hierChild">
-                            <dgm:param type="chAlign" val="r"/>
-                            <dgm:param type="linDir" val="fromT"/>
-                            <dgm:param type="secChAlign" val="t"/>
-                            <dgm:param type="secLinDir" val="fromR"/>
-                          </dgm:alg>
-                        </dgm:else>
-                      </dgm:choose>
-                    </dgm:if>
-                    <dgm:else name="Name102">
-                      <dgm:choose name="Name103">
-                        <dgm:if name="Name104" func="var" arg="dir" op="equ" val="norm">
-                          <dgm:alg type="hierChild">
-                            <dgm:param type="linDir" val="fromT"/>
-                            <dgm:param type="chAlign" val="l"/>
-                          </dgm:alg>
-                        </dgm:if>
-                        <dgm:else name="Name105">
-                          <dgm:alg type="hierChild">
-                            <dgm:param type="linDir" val="fromT"/>
-                            <dgm:param type="chAlign" val="r"/>
-                          </dgm:alg>
-                        </dgm:else>
-                      </dgm:choose>
-                    </dgm:else>
-                  </dgm:choose>
-                  <dgm:shape xmlns:r="http://schemas.openxmlformats.org/officeDocument/2006/relationships" r:blip="">
-                    <dgm:adjLst/>
-                  </dgm:shape>
-                  <dgm:presOf/>
-                  <dgm:constrLst/>
-                  <dgm:ruleLst/>
-                  <dgm:forEach name="Name106" ref="rep2a"/>
-                </dgm:layoutNode>
-                <dgm:layoutNode name="hierChild5">
-                  <dgm:choose name="Name107">
-                    <dgm:if name="Name108" func="var" arg="dir" op="equ" val="norm">
-                      <dgm:alg type="hierChild">
-                        <dgm:param type="chAlign" val="l"/>
-                        <dgm:param type="linDir" val="fromT"/>
-                        <dgm:param type="secChAlign" val="t"/>
-                        <dgm:param type="secLinDir" val="fromL"/>
-                      </dgm:alg>
-                    </dgm:if>
-                    <dgm:else name="Name109">
-                      <dgm:alg type="hierChild">
-                        <dgm:param type="chAlign" val="r"/>
-                        <dgm:param type="linDir" val="fromT"/>
-                        <dgm:param type="secChAlign" val="t"/>
-                        <dgm:param type="secLinDir" val="fromR"/>
-                      </dgm:alg>
-                    </dgm:else>
-                  </dgm:choose>
-                  <dgm:shape xmlns:r="http://schemas.openxmlformats.org/officeDocument/2006/relationships" r:blip="">
-                    <dgm:adjLst/>
-                  </dgm:shape>
-                  <dgm:presOf/>
-                  <dgm:constrLst/>
-                  <dgm:ruleLst/>
-                  <dgm:forEach name="Name110" ref="rep2b"/>
-                </dgm:layoutNode>
-              </dgm:layoutNode>
-            </dgm:forEach>
-          </dgm:layoutNode>
-          <dgm:layoutNode name="hierChild3">
-            <dgm:choose name="Name111">
-              <dgm:if name="Name112" func="var" arg="dir" op="equ" val="norm">
-                <dgm:alg type="hierChild">
-                  <dgm:param type="chAlign" val="l"/>
-                  <dgm:param type="linDir" val="fromT"/>
-                  <dgm:param type="secChAlign" val="t"/>
-                  <dgm:param type="secLinDir" val="fromL"/>
-                </dgm:alg>
-              </dgm:if>
-              <dgm:else name="Name113">
-                <dgm:alg type="hierChild">
-                  <dgm:param type="chAlign" val="r"/>
-                  <dgm:param type="linDir" val="fromT"/>
-                  <dgm:param type="secChAlign" val="t"/>
-                  <dgm:param type="secLinDir" val="fromR"/>
-                </dgm:alg>
-              </dgm:else>
-            </dgm:choose>
-            <dgm:shape xmlns:r="http://schemas.openxmlformats.org/officeDocument/2006/relationships" r:blip="">
-              <dgm:adjLst/>
-            </dgm:shape>
-            <dgm:presOf/>
-            <dgm:constrLst/>
-            <dgm:ruleLst/>
-            <dgm:forEach name="rep2b" axis="ch" ptType="asst">
-              <dgm:forEach name="Name114" axis="precedSib" ptType="parTrans" st="-1" cnt="1">
-                <dgm:layoutNode name="Name115">
-                  <dgm:choose name="Name116">
-                    <dgm:if name="Name117" func="var" arg="dir" op="equ" val="norm">
-                      <dgm:alg type="conn">
-                        <dgm:param type="connRout" val="bend"/>
-                        <dgm:param type="dim" val="1D"/>
-                        <dgm:param type="endSty" val="noArr"/>
-                        <dgm:param type="begPts" val="midR"/>
-                        <dgm:param type="endPts" val="bCtr tCtr"/>
-                      </dgm:alg>
-                    </dgm:if>
-                    <dgm:else name="Name118">
-                      <dgm:alg type="conn">
-                        <dgm:param type="connRout" val="bend"/>
-                        <dgm:param type="dim" val="1D"/>
-                        <dgm:param type="endSty" val="noArr"/>
-                        <dgm:param type="begPts" val="midL"/>
-                        <dgm:param type="endPts" val="bCtr tCtr"/>
-                      </dgm:alg>
-                    </dgm:else>
-                  </dgm:choose>
-                  <dgm:shape xmlns:r="http://schemas.openxmlformats.org/officeDocument/2006/relationships" type="conn" r:blip="" zOrderOff="-99999">
-                    <dgm:adjLst/>
-                  </dgm:shape>
-                  <dgm:presOf axis="self"/>
-                  <dgm:constrLst>
-                    <dgm:constr type="begPad"/>
-                    <dgm:constr type="endPad"/>
-                  </dgm:constrLst>
-                  <dgm:ruleLst/>
-                </dgm:layoutNode>
-              </dgm:forEach>
-              <dgm:layoutNode name="hierRoot3">
-                <dgm:varLst>
-                  <dgm:hierBranch val="init"/>
-                </dgm:varLst>
-                <dgm:choose name="Name119">
-                  <dgm:if name="Name120" func="var" arg="hierBranch" op="equ" val="l">
-                    <dgm:choose name="Name121">
-                      <dgm:if name="Name122" func="var" arg="dir" op="equ" val="norm">
-                        <dgm:alg type="hierRoot">
-                          <dgm:param type="hierAlign" val="lT"/>
-                        </dgm:alg>
-                        <dgm:constrLst>
-                          <dgm:constr type="alignOff" val="0.75"/>
-                        </dgm:constrLst>
-                      </dgm:if>
-                      <dgm:else name="Name123">
-                        <dgm:alg type="hierRoot">
-                          <dgm:param type="hierAlign" val="rT"/>
-                        </dgm:alg>
-                        <dgm:constrLst>
-                          <dgm:constr type="alignOff" val="0.75"/>
-                        </dgm:constrLst>
-                      </dgm:else>
-                    </dgm:choose>
-                  </dgm:if>
-                  <dgm:if name="Name124" func="var" arg="hierBranch" op="equ" val="r">
-                    <dgm:choose name="Name125">
-                      <dgm:if name="Name126" func="var" arg="dir" op="equ" val="norm">
-                        <dgm:alg type="hierRoot">
-                          <dgm:param type="hierAlign" val="lB"/>
-                        </dgm:alg>
-                        <dgm:constrLst>
-                          <dgm:constr type="alignOff" val="0.75"/>
-                        </dgm:constrLst>
-                      </dgm:if>
-                      <dgm:else name="Name127">
-                        <dgm:alg type="hierRoot">
-                          <dgm:param type="hierAlign" val="rB"/>
-                        </dgm:alg>
-                        <dgm:constrLst>
-                          <dgm:constr type="alignOff" val="0.75"/>
-                        </dgm:constrLst>
-                      </dgm:else>
-                    </dgm:choose>
-                  </dgm:if>
-                  <dgm:if name="Name128" func="var" arg="hierBranch" op="equ" val="hang">
-                    <dgm:choose name="Name129">
-                      <dgm:if name="Name130" func="var" arg="dir" op="equ" val="norm">
-                        <dgm:alg type="hierRoot">
-                          <dgm:param type="hierAlign" val="lCtrCh"/>
-                        </dgm:alg>
-                        <dgm:constrLst>
-                          <dgm:constr type="alignOff" val="0.65"/>
-                        </dgm:constrLst>
-                      </dgm:if>
-                      <dgm:else name="Name131">
-                        <dgm:alg type="hierRoot">
-                          <dgm:param type="hierAlign" val="rCtrCh"/>
-                        </dgm:alg>
-                        <dgm:constrLst>
-                          <dgm:constr type="alignOff" val="0.65"/>
-                        </dgm:constrLst>
-                      </dgm:else>
-                    </dgm:choose>
-                  </dgm:if>
-                  <dgm:else name="Name132">
-                    <dgm:choose name="Name133">
-                      <dgm:if name="Name134" func="var" arg="dir" op="equ" val="norm">
-                        <dgm:alg type="hierRoot">
-                          <dgm:param type="hierAlign" val="lCtrCh"/>
-                        </dgm:alg>
-                        <dgm:constrLst>
-                          <dgm:constr type="alignOff"/>
-                          <dgm:constr type="bendDist" for="des" ptType="parTrans" refType="sp" fact="0.5"/>
-                        </dgm:constrLst>
-                      </dgm:if>
-                      <dgm:else name="Name135">
-                        <dgm:alg type="hierRoot">
-                          <dgm:param type="hierAlign" val="rCtrCh"/>
-                        </dgm:alg>
-                        <dgm:constrLst>
-                          <dgm:constr type="alignOff"/>
-                          <dgm:constr type="bendDist" for="des" ptType="parTrans" refType="sp" fact="0.5"/>
-                        </dgm:constrLst>
-                      </dgm:else>
-                    </dgm:choose>
-                  </dgm:else>
-                </dgm:choose>
-                <dgm:shape xmlns:r="http://schemas.openxmlformats.org/officeDocument/2006/relationships" r:blip="">
-                  <dgm:adjLst/>
-                </dgm:shape>
-                <dgm:presOf/>
-                <dgm:ruleLst/>
-                <dgm:layoutNode name="rootComposite3">
-                  <dgm:alg type="composite"/>
-                  <dgm:shape xmlns:r="http://schemas.openxmlformats.org/officeDocument/2006/relationships" r:blip="">
-                    <dgm:adjLst/>
-                  </dgm:shape>
-                  <dgm:presOf axis="self" ptType="node" cnt="1"/>
-                  <dgm:choose name="Name136">
-                    <dgm:if name="Name137" func="var" arg="hierBranch" op="equ" val="init">
-                      <dgm:constrLst>
-                        <dgm:constr type="l" for="ch" forName="rootText3"/>
-                        <dgm:constr type="t" for="ch" forName="rootText3"/>
-                        <dgm:constr type="w" for="ch" forName="rootText3" refType="w"/>
-                        <dgm:constr type="h" for="ch" forName="rootText3" refType="h"/>
-                        <dgm:constr type="l" for="ch" forName="rootConnector3"/>
-                        <dgm:constr type="t" for="ch" forName="rootConnector3"/>
-                        <dgm:constr type="w" for="ch" forName="rootConnector3" refType="w" refFor="ch" refForName="rootText3" fact="0.2"/>
-                        <dgm:constr type="h" for="ch" forName="rootConnector3" refType="h" refFor="ch" refForName="rootText3"/>
-                      </dgm:constrLst>
-                    </dgm:if>
-                    <dgm:if name="Name138" func="var" arg="hierBranch" op="equ" val="l">
-                      <dgm:constrLst>
-                        <dgm:constr type="l" for="ch" forName="rootText3"/>
-                        <dgm:constr type="t" for="ch" forName="rootText3"/>
-                        <dgm:constr type="w" for="ch" forName="rootText3" refType="w"/>
-                        <dgm:constr type="h" for="ch" forName="rootText3" refType="h"/>
-                        <dgm:constr type="r" for="ch" forName="rootConnector3" refType="w"/>
-                        <dgm:constr type="t" for="ch" forName="rootConnector3"/>
-                        <dgm:constr type="w" for="ch" forName="rootConnector3" refType="w" refFor="ch" refForName="rootText3" fact="0.2"/>
-                        <dgm:constr type="h" for="ch" forName="rootConnector3" refType="h" refFor="ch" refForName="rootText3"/>
-                      </dgm:constrLst>
-                    </dgm:if>
-                    <dgm:if name="Name139" func="var" arg="hierBranch" op="equ" val="r">
-                      <dgm:constrLst>
-                        <dgm:constr type="l" for="ch" forName="rootText3"/>
-                        <dgm:constr type="t" for="ch" forName="rootText3"/>
-                        <dgm:constr type="w" for="ch" forName="rootText3" refType="w"/>
-                        <dgm:constr type="h" for="ch" forName="rootText3" refType="h"/>
-                        <dgm:constr type="l" for="ch" forName="rootConnector3"/>
-                        <dgm:constr type="t" for="ch" forName="rootConnector3"/>
-                        <dgm:constr type="w" for="ch" forName="rootConnector3" refType="w" refFor="ch" refForName="rootText3" fact="0.2"/>
-                        <dgm:constr type="h" for="ch" forName="rootConnector3" refType="h" refFor="ch" refForName="rootText3"/>
-                      </dgm:constrLst>
-                    </dgm:if>
-                    <dgm:else name="Name140">
-                      <dgm:constrLst>
-                        <dgm:constr type="l" for="ch" forName="rootText3"/>
-                        <dgm:constr type="t" for="ch" forName="rootText3"/>
-                        <dgm:constr type="w" for="ch" forName="rootText3" refType="w"/>
-                        <dgm:constr type="h" for="ch" forName="rootText3" refType="h"/>
-                        <dgm:constr type="r" for="ch" forName="rootConnector3" refType="w"/>
-                        <dgm:constr type="t" for="ch" forName="rootConnector3"/>
-                        <dgm:constr type="w" for="ch" forName="rootConnector3" refType="w" refFor="ch" refForName="rootText3" fact="0.2"/>
-                        <dgm:constr type="h" for="ch" forName="rootConnector3" refType="h" refFor="ch" refForName="rootText3"/>
-                      </dgm:constrLst>
-                    </dgm:else>
-                  </dgm:choose>
-                  <dgm:ruleLst/>
-                  <dgm:layoutNode name="rootText3">
-                    <dgm:varLst>
-                      <dgm:chPref val="3"/>
-                    </dgm:varLst>
-                    <dgm:alg type="tx"/>
-                    <dgm:shape xmlns:r="http://schemas.openxmlformats.org/officeDocument/2006/relationships" type="rect" r:blip="">
-                      <dgm:adjLst/>
-                    </dgm:shape>
-                    <dgm:presOf axis="self" ptType="node" cnt="1"/>
-                    <dgm:constrLst>
-                      <dgm:constr type="primFontSz" val="65"/>
-                      <dgm:constr type="lMarg" refType="primFontSz" fact="0.05"/>
-                      <dgm:constr type="rMarg" refType="primFontSz" fact="0.05"/>
-                      <dgm:constr type="tMarg" refType="primFontSz" fact="0.05"/>
-                      <dgm:constr type="bMarg" refType="primFontSz" fact="0.05"/>
-                    </dgm:constrLst>
-                    <dgm:ruleLst>
-                      <dgm:rule type="primFontSz" val="5" fact="NaN" max="NaN"/>
-                    </dgm:ruleLst>
-                  </dgm:layoutNode>
-                  <dgm:layoutNode name="rootConnector3" moveWith="rootText1">
-                    <dgm:alg type="sp"/>
-                    <dgm:shape xmlns:r="http://schemas.openxmlformats.org/officeDocument/2006/relationships" type="rect" r:blip="" hideGeom="1">
-                      <dgm:adjLst/>
-                    </dgm:shape>
-                    <dgm:presOf axis="self" ptType="node" cnt="1"/>
-                    <dgm:constrLst/>
-                    <dgm:ruleLst/>
-                  </dgm:layoutNode>
-                </dgm:layoutNode>
-                <dgm:layoutNode name="hierChild6">
-                  <dgm:choose name="Name141">
-                    <dgm:if name="Name142" func="var" arg="hierBranch" op="equ" val="l">
-                      <dgm:choose name="Name143">
-                        <dgm:if name="Name144" func="var" arg="dir" op="equ" val="norm">
-                          <dgm:alg type="hierChild">
-                            <dgm:param type="chAlign" val="t"/>
-                            <dgm:param type="linDir" val="fromL"/>
-                          </dgm:alg>
-                        </dgm:if>
-                        <dgm:else name="Name145">
-                          <dgm:alg type="hierChild">
-                            <dgm:param type="chAlign" val="t"/>
-                            <dgm:param type="linDir" val="fromR"/>
-                          </dgm:alg>
-                        </dgm:else>
-                      </dgm:choose>
-                    </dgm:if>
-                    <dgm:if name="Name146" func="var" arg="hierBranch" op="equ" val="r">
-                      <dgm:choose name="Name147">
-                        <dgm:if name="Name148" func="var" arg="dir" op="equ" val="norm">
-                          <dgm:alg type="hierChild">
-                            <dgm:param type="chAlign" val="b"/>
-                            <dgm:param type="linDir" val="fromL"/>
-                          </dgm:alg>
-                        </dgm:if>
-                        <dgm:else name="Name149">
-                          <dgm:alg type="hierChild">
-                            <dgm:param type="chAlign" val="b"/>
-                            <dgm:param type="linDir" val="fromR"/>
-                          </dgm:alg>
-                        </dgm:else>
-                      </dgm:choose>
-                    </dgm:if>
-                    <dgm:if name="Name150" func="var" arg="hierBranch" op="equ" val="hang">
-                      <dgm:choose name="Name151">
-                        <dgm:if name="Name152" func="var" arg="dir" op="equ" val="norm">
-                          <dgm:alg type="hierChild">
-                            <dgm:param type="chAlign" val="l"/>
-                            <dgm:param type="linDir" val="fromT"/>
-                            <dgm:param type="secChAlign" val="t"/>
-                            <dgm:param type="secLinDir" val="fromL"/>
-                          </dgm:alg>
-                        </dgm:if>
-                        <dgm:else name="Name153">
-                          <dgm:alg type="hierChild">
-                            <dgm:param type="chAlign" val="r"/>
-                            <dgm:param type="linDir" val="fromT"/>
-                            <dgm:param type="secChAlign" val="t"/>
-                            <dgm:param type="secLinDir" val="fromR"/>
-                          </dgm:alg>
-                        </dgm:else>
-                      </dgm:choose>
-                    </dgm:if>
-                    <dgm:else name="Name154">
-                      <dgm:choose name="Name155">
-                        <dgm:if name="Name156" func="var" arg="dir" op="equ" val="norm">
-                          <dgm:alg type="hierChild">
-                            <dgm:param type="linDir" val="fromT"/>
-                            <dgm:param type="chAlign" val="l"/>
-                          </dgm:alg>
-                        </dgm:if>
-                        <dgm:else name="Name157">
-                          <dgm:alg type="hierChild">
-                            <dgm:param type="linDir" val="fromT"/>
-                            <dgm:param type="chAlign" val="r"/>
-                          </dgm:alg>
-                        </dgm:else>
-                      </dgm:choose>
-                    </dgm:else>
-                  </dgm:choose>
-                  <dgm:shape xmlns:r="http://schemas.openxmlformats.org/officeDocument/2006/relationships" r:blip="">
-                    <dgm:adjLst/>
-                  </dgm:shape>
-                  <dgm:presOf/>
-                  <dgm:constrLst/>
-                  <dgm:ruleLst/>
-                  <dgm:forEach name="Name158" ref="rep2a"/>
-                </dgm:layoutNode>
-                <dgm:layoutNode name="hierChild7">
-                  <dgm:choose name="Name159">
-                    <dgm:if name="Name160" func="var" arg="dir" op="equ" val="norm">
-                      <dgm:alg type="hierChild">
-                        <dgm:param type="chAlign" val="l"/>
-                        <dgm:param type="linDir" val="fromT"/>
-                        <dgm:param type="secChAlign" val="t"/>
-                        <dgm:param type="secLinDir" val="fromL"/>
-                      </dgm:alg>
-                    </dgm:if>
-                    <dgm:else name="Name161">
-                      <dgm:alg type="hierChild">
-                        <dgm:param type="chAlign" val="r"/>
-                        <dgm:param type="linDir" val="fromT"/>
-                        <dgm:param type="secChAlign" val="t"/>
-                        <dgm:param type="secLinDir" val="fromR"/>
-                      </dgm:alg>
-                    </dgm:else>
-                  </dgm:choose>
-                  <dgm:shape xmlns:r="http://schemas.openxmlformats.org/officeDocument/2006/relationships" r:blip="">
-                    <dgm:adjLst/>
-                  </dgm:shape>
-                  <dgm:presOf/>
-                  <dgm:constrLst/>
-                  <dgm:ruleLst/>
-                  <dgm:forEach name="Name162" ref="rep2b"/>
-                </dgm:layoutNode>
-              </dgm:layoutNode>
-            </dgm:forEach>
-          </dgm:layoutNode>
+          </dgm:if>
+          <dgm:else name="Name14"/>
+        </dgm:choose>
+      </dgm:layoutNode>
+      <dgm:forEach name="Name15" axis="followSib" ptType="sibTrans" cnt="1">
+        <dgm:layoutNode name="sibTrans">
+          <dgm:alg type="sp"/>
+          <dgm:shape xmlns:r="http://schemas.openxmlformats.org/officeDocument/2006/relationships" r:blip="">
+            <dgm:adjLst/>
+          </dgm:shape>
+          <dgm:presOf axis="self"/>
+          <dgm:constrLst/>
+          <dgm:ruleLst/>
         </dgm:layoutNode>
       </dgm:forEach>
     </dgm:forEach>
   </dgm:layoutNode>
+  <dgm:extLst>
+    <a:ext uri="{68A01E43-0DF5-4B5B-8FA6-DAF915123BFB}">
+      <dgm1612:lstStyle xmlns:dgm1612="http://schemas.microsoft.com/office/drawing/2016/12/diagram">
+        <a:lvl1pPr>
+          <a:lnSpc>
+            <a:spcPct val="100000"/>
+          </a:lnSpc>
+        </a:lvl1pPr>
+        <a:lvl2pPr>
+          <a:lnSpc>
+            <a:spcPct val="100000"/>
+          </a:lnSpc>
+        </a:lvl2pPr>
+      </dgm1612:lstStyle>
+    </a:ext>
+  </dgm:extLst>
 </dgm:layoutDef>
 </file>
 
@@ -4721,11 +4530,11 @@
 </file>
 
 <file path=ppt/diagrams/quickStyle1.xml><?xml version="1.0" encoding="utf-8"?>
-<dgm:styleDef xmlns:dgm="http://schemas.openxmlformats.org/drawingml/2006/diagram" xmlns:a="http://schemas.openxmlformats.org/drawingml/2006/main" uniqueId="urn:microsoft.com/office/officeart/2005/8/quickstyle/simple2">
+<dgm:styleDef xmlns:dgm="http://schemas.openxmlformats.org/drawingml/2006/diagram" xmlns:a="http://schemas.openxmlformats.org/drawingml/2006/main" uniqueId="urn:microsoft.com/office/officeart/2005/8/quickstyle/simple1">
   <dgm:title val=""/>
   <dgm:desc val=""/>
   <dgm:catLst>
-    <dgm:cat type="simple" pri="10200"/>
+    <dgm:cat type="simple" pri="10100"/>
   </dgm:catLst>
   <dgm:scene3d>
     <a:camera prst="orthographicFront"/>
@@ -4739,13 +4548,13 @@
     <dgm:sp3d/>
     <dgm:txPr/>
     <dgm:style>
-      <a:lnRef idx="3">
+      <a:lnRef idx="2">
         <a:scrgbClr r="0" g="0" b="0"/>
       </a:lnRef>
       <a:fillRef idx="1">
         <a:scrgbClr r="0" g="0" b="0"/>
       </a:fillRef>
-      <a:effectRef idx="1">
+      <a:effectRef idx="0">
         <a:scrgbClr r="0" g="0" b="0"/>
       </a:effectRef>
       <a:fontRef idx="minor">
@@ -4761,13 +4570,13 @@
     <dgm:sp3d/>
     <dgm:txPr/>
     <dgm:style>
-      <a:lnRef idx="3">
+      <a:lnRef idx="2">
         <a:scrgbClr r="0" g="0" b="0"/>
       </a:lnRef>
       <a:fillRef idx="1">
         <a:scrgbClr r="0" g="0" b="0"/>
       </a:fillRef>
-      <a:effectRef idx="1">
+      <a:effectRef idx="0">
         <a:scrgbClr r="0" g="0" b="0"/>
       </a:effectRef>
       <a:fontRef idx="minor">
@@ -4783,7 +4592,7 @@
     <dgm:sp3d/>
     <dgm:txPr/>
     <dgm:style>
-      <a:lnRef idx="3">
+      <a:lnRef idx="2">
         <a:scrgbClr r="0" g="0" b="0"/>
       </a:lnRef>
       <a:fillRef idx="1">
@@ -4811,7 +4620,7 @@
       <a:fillRef idx="1">
         <a:scrgbClr r="0" g="0" b="0"/>
       </a:fillRef>
-      <a:effectRef idx="1">
+      <a:effectRef idx="0">
         <a:scrgbClr r="0" g="0" b="0"/>
       </a:effectRef>
       <a:fontRef idx="minor">
@@ -4827,13 +4636,13 @@
     <dgm:sp3d/>
     <dgm:txPr/>
     <dgm:style>
-      <a:lnRef idx="3">
+      <a:lnRef idx="2">
         <a:scrgbClr r="0" g="0" b="0"/>
       </a:lnRef>
       <a:fillRef idx="1">
         <a:scrgbClr r="0" g="0" b="0"/>
       </a:fillRef>
-      <a:effectRef idx="1">
+      <a:effectRef idx="0">
         <a:scrgbClr r="0" g="0" b="0"/>
       </a:effectRef>
       <a:fontRef idx="minor">
@@ -4849,13 +4658,13 @@
     <dgm:sp3d/>
     <dgm:txPr/>
     <dgm:style>
-      <a:lnRef idx="3">
+      <a:lnRef idx="2">
         <a:scrgbClr r="0" g="0" b="0"/>
       </a:lnRef>
       <a:fillRef idx="1">
         <a:scrgbClr r="0" g="0" b="0"/>
       </a:fillRef>
-      <a:effectRef idx="1">
+      <a:effectRef idx="0">
         <a:scrgbClr r="0" g="0" b="0"/>
       </a:effectRef>
       <a:fontRef idx="minor">
@@ -4871,13 +4680,13 @@
     <dgm:sp3d/>
     <dgm:txPr/>
     <dgm:style>
-      <a:lnRef idx="3">
+      <a:lnRef idx="2">
         <a:scrgbClr r="0" g="0" b="0"/>
       </a:lnRef>
       <a:fillRef idx="1">
         <a:scrgbClr r="0" g="0" b="0"/>
       </a:fillRef>
-      <a:effectRef idx="1">
+      <a:effectRef idx="0">
         <a:scrgbClr r="0" g="0" b="0"/>
       </a:effectRef>
       <a:fontRef idx="minor">
@@ -4893,13 +4702,13 @@
     <dgm:sp3d/>
     <dgm:txPr/>
     <dgm:style>
-      <a:lnRef idx="3">
+      <a:lnRef idx="2">
         <a:scrgbClr r="0" g="0" b="0"/>
       </a:lnRef>
       <a:fillRef idx="1">
         <a:scrgbClr r="0" g="0" b="0"/>
       </a:fillRef>
-      <a:effectRef idx="1">
+      <a:effectRef idx="0">
         <a:scrgbClr r="0" g="0" b="0"/>
       </a:effectRef>
       <a:fontRef idx="minor">
@@ -4915,13 +4724,13 @@
     <dgm:sp3d/>
     <dgm:txPr/>
     <dgm:style>
-      <a:lnRef idx="3">
+      <a:lnRef idx="2">
         <a:scrgbClr r="0" g="0" b="0"/>
       </a:lnRef>
       <a:fillRef idx="1">
         <a:scrgbClr r="0" g="0" b="0"/>
       </a:fillRef>
-      <a:effectRef idx="1">
+      <a:effectRef idx="0">
         <a:scrgbClr r="0" g="0" b="0"/>
       </a:effectRef>
       <a:fontRef idx="minor"/>
@@ -4935,13 +4744,13 @@
     <dgm:sp3d/>
     <dgm:txPr/>
     <dgm:style>
-      <a:lnRef idx="3">
+      <a:lnRef idx="2">
         <a:scrgbClr r="0" g="0" b="0"/>
       </a:lnRef>
       <a:fillRef idx="1">
         <a:scrgbClr r="0" g="0" b="0"/>
       </a:fillRef>
-      <a:effectRef idx="1">
+      <a:effectRef idx="0">
         <a:scrgbClr r="0" g="0" b="0"/>
       </a:effectRef>
       <a:fontRef idx="minor"/>
@@ -4955,13 +4764,13 @@
     <dgm:sp3d/>
     <dgm:txPr/>
     <dgm:style>
-      <a:lnRef idx="3">
+      <a:lnRef idx="2">
         <a:scrgbClr r="0" g="0" b="0"/>
       </a:lnRef>
       <a:fillRef idx="1">
         <a:scrgbClr r="0" g="0" b="0"/>
       </a:fillRef>
-      <a:effectRef idx="1">
+      <a:effectRef idx="0">
         <a:scrgbClr r="0" g="0" b="0"/>
       </a:effectRef>
       <a:fontRef idx="minor"/>
@@ -4981,7 +4790,7 @@
       <a:fillRef idx="1">
         <a:scrgbClr r="0" g="0" b="0"/>
       </a:fillRef>
-      <a:effectRef idx="1">
+      <a:effectRef idx="0">
         <a:scrgbClr r="0" g="0" b="0"/>
       </a:effectRef>
       <a:fontRef idx="minor">
@@ -5003,7 +4812,7 @@
       <a:fillRef idx="1">
         <a:scrgbClr r="0" g="0" b="0"/>
       </a:fillRef>
-      <a:effectRef idx="1">
+      <a:effectRef idx="0">
         <a:scrgbClr r="0" g="0" b="0"/>
       </a:effectRef>
       <a:fontRef idx="minor">
@@ -5025,7 +4834,7 @@
       <a:fillRef idx="1">
         <a:scrgbClr r="0" g="0" b="0"/>
       </a:fillRef>
-      <a:effectRef idx="1">
+      <a:effectRef idx="0">
         <a:scrgbClr r="0" g="0" b="0"/>
       </a:effectRef>
       <a:fontRef idx="minor">
@@ -5067,7 +4876,7 @@
       <a:fillRef idx="1">
         <a:scrgbClr r="0" g="0" b="0"/>
       </a:fillRef>
-      <a:effectRef idx="1">
+      <a:effectRef idx="0">
         <a:scrgbClr r="0" g="0" b="0"/>
       </a:effectRef>
       <a:fontRef idx="minor"/>
@@ -5081,13 +4890,13 @@
     <dgm:sp3d/>
     <dgm:txPr/>
     <dgm:style>
-      <a:lnRef idx="3">
+      <a:lnRef idx="2">
         <a:scrgbClr r="0" g="0" b="0"/>
       </a:lnRef>
       <a:fillRef idx="1">
         <a:scrgbClr r="0" g="0" b="0"/>
       </a:fillRef>
-      <a:effectRef idx="1">
+      <a:effectRef idx="0">
         <a:scrgbClr r="0" g="0" b="0"/>
       </a:effectRef>
       <a:fontRef idx="minor">
@@ -5103,13 +4912,13 @@
     <dgm:sp3d/>
     <dgm:txPr/>
     <dgm:style>
-      <a:lnRef idx="3">
+      <a:lnRef idx="2">
         <a:scrgbClr r="0" g="0" b="0"/>
       </a:lnRef>
       <a:fillRef idx="1">
         <a:scrgbClr r="0" g="0" b="0"/>
       </a:fillRef>
-      <a:effectRef idx="1">
+      <a:effectRef idx="0">
         <a:scrgbClr r="0" g="0" b="0"/>
       </a:effectRef>
       <a:fontRef idx="minor">
@@ -5125,13 +4934,13 @@
     <dgm:sp3d/>
     <dgm:txPr/>
     <dgm:style>
-      <a:lnRef idx="3">
+      <a:lnRef idx="2">
         <a:scrgbClr r="0" g="0" b="0"/>
       </a:lnRef>
       <a:fillRef idx="1">
         <a:scrgbClr r="0" g="0" b="0"/>
       </a:fillRef>
-      <a:effectRef idx="1">
+      <a:effectRef idx="0">
         <a:scrgbClr r="0" g="0" b="0"/>
       </a:effectRef>
       <a:fontRef idx="minor">
@@ -5147,13 +4956,13 @@
     <dgm:sp3d/>
     <dgm:txPr/>
     <dgm:style>
-      <a:lnRef idx="3">
+      <a:lnRef idx="2">
         <a:scrgbClr r="0" g="0" b="0"/>
       </a:lnRef>
       <a:fillRef idx="1">
         <a:scrgbClr r="0" g="0" b="0"/>
       </a:fillRef>
-      <a:effectRef idx="1">
+      <a:effectRef idx="0">
         <a:scrgbClr r="0" g="0" b="0"/>
       </a:effectRef>
       <a:fontRef idx="minor">
@@ -5169,13 +4978,13 @@
     <dgm:sp3d/>
     <dgm:txPr/>
     <dgm:style>
-      <a:lnRef idx="3">
+      <a:lnRef idx="2">
         <a:scrgbClr r="0" g="0" b="0"/>
       </a:lnRef>
       <a:fillRef idx="1">
         <a:scrgbClr r="0" g="0" b="0"/>
       </a:fillRef>
-      <a:effectRef idx="1">
+      <a:effectRef idx="0">
         <a:scrgbClr r="0" g="0" b="0"/>
       </a:effectRef>
       <a:fontRef idx="minor">
@@ -5191,13 +5000,13 @@
     <dgm:sp3d/>
     <dgm:txPr/>
     <dgm:style>
-      <a:lnRef idx="3">
+      <a:lnRef idx="2">
         <a:scrgbClr r="0" g="0" b="0"/>
       </a:lnRef>
       <a:fillRef idx="1">
         <a:scrgbClr r="0" g="0" b="0"/>
       </a:fillRef>
-      <a:effectRef idx="1">
+      <a:effectRef idx="0">
         <a:scrgbClr r="0" g="0" b="0"/>
       </a:effectRef>
       <a:fontRef idx="minor">
@@ -5213,13 +5022,13 @@
     <dgm:sp3d/>
     <dgm:txPr/>
     <dgm:style>
-      <a:lnRef idx="3">
+      <a:lnRef idx="2">
         <a:scrgbClr r="0" g="0" b="0"/>
       </a:lnRef>
       <a:fillRef idx="1">
         <a:scrgbClr r="0" g="0" b="0"/>
       </a:fillRef>
-      <a:effectRef idx="1">
+      <a:effectRef idx="0">
         <a:scrgbClr r="0" g="0" b="0"/>
       </a:effectRef>
       <a:fontRef idx="minor">
@@ -5235,13 +5044,13 @@
     <dgm:sp3d/>
     <dgm:txPr/>
     <dgm:style>
-      <a:lnRef idx="3">
+      <a:lnRef idx="2">
         <a:scrgbClr r="0" g="0" b="0"/>
       </a:lnRef>
       <a:fillRef idx="1">
         <a:scrgbClr r="0" g="0" b="0"/>
       </a:fillRef>
-      <a:effectRef idx="1">
+      <a:effectRef idx="0">
         <a:scrgbClr r="0" g="0" b="0"/>
       </a:effectRef>
       <a:fontRef idx="minor">
@@ -5257,13 +5066,13 @@
     <dgm:sp3d/>
     <dgm:txPr/>
     <dgm:style>
-      <a:lnRef idx="3">
+      <a:lnRef idx="2">
         <a:scrgbClr r="0" g="0" b="0"/>
       </a:lnRef>
       <a:fillRef idx="1">
         <a:scrgbClr r="0" g="0" b="0"/>
       </a:fillRef>
-      <a:effectRef idx="1">
+      <a:effectRef idx="0">
         <a:scrgbClr r="0" g="0" b="0"/>
       </a:effectRef>
       <a:fontRef idx="minor">
@@ -5719,13 +5528,13 @@
     <dgm:sp3d/>
     <dgm:txPr/>
     <dgm:style>
-      <a:lnRef idx="3">
+      <a:lnRef idx="2">
         <a:scrgbClr r="0" g="0" b="0"/>
       </a:lnRef>
       <a:fillRef idx="1">
         <a:scrgbClr r="0" g="0" b="0"/>
       </a:fillRef>
-      <a:effectRef idx="1">
+      <a:effectRef idx="0">
         <a:scrgbClr r="0" g="0" b="0"/>
       </a:effectRef>
       <a:fontRef idx="minor"/>
@@ -6882,7 +6691,7 @@
           <a:p>
             <a:fld id="{A4FF6716-91C8-43B5-8A44-D65BE93BEAF4}" type="datetimeFigureOut">
               <a:rPr lang="de-DE" smtClean="0"/>
-              <a:t>31.07.2020</a:t>
+              <a:t>02.08.2020</a:t>
             </a:fld>
             <a:endParaRPr lang="de-DE"/>
           </a:p>
@@ -7060,7 +6869,7 @@
           <a:p>
             <a:fld id="{78F9EC6D-9C59-4223-964A-334E089F8126}" type="datetimeFigureOut">
               <a:rPr lang="de-DE" noProof="0" smtClean="0"/>
-              <a:t>31.07.2020</a:t>
+              <a:t>02.08.2020</a:t>
             </a:fld>
             <a:endParaRPr lang="de-DE" noProof="0"/>
           </a:p>
@@ -7477,7 +7286,7 @@
           <a:p>
             <a:fld id="{76EB2DAB-85D8-4EA8-8EA4-376013B7B13D}" type="slidenum">
               <a:rPr lang="de-DE" noProof="0" smtClean="0"/>
-              <a:t>12</a:t>
+              <a:t>11</a:t>
             </a:fld>
             <a:endParaRPr lang="de-DE" noProof="0"/>
           </a:p>
@@ -8265,10 +8074,10 @@
       </p:grpSpPr>
       <p:grpSp>
         <p:nvGrpSpPr>
-          <p:cNvPr id="58" name="Group 33">
+          <p:cNvPr id="117" name="Group 104">
             <a:extLst>
               <a:ext uri="{FF2B5EF4-FFF2-40B4-BE49-F238E27FC236}">
-                <a16:creationId xmlns:a16="http://schemas.microsoft.com/office/drawing/2014/main" id="{7664F850-BA8B-47AE-B11A-225CAB8969F1}"/>
+                <a16:creationId xmlns:a16="http://schemas.microsoft.com/office/drawing/2014/main" id="{0884F175-9D23-496E-80AC-F3D2FD541092}"/>
               </a:ext>
               <a:ext uri="{C183D7F6-B498-43B3-948B-1728B52AA6E4}">
                 <adec:decorative xmlns:adec="http://schemas.microsoft.com/office/drawing/2017/decorative" val="1"/>
@@ -8296,10 +8105,10 @@
         </p:grpSpPr>
         <p:cxnSp>
           <p:nvCxnSpPr>
-            <p:cNvPr id="35" name="Straight Connector 34">
+            <p:cNvPr id="106" name="Straight Connector 105">
               <a:extLst>
                 <a:ext uri="{FF2B5EF4-FFF2-40B4-BE49-F238E27FC236}">
-                  <a16:creationId xmlns:a16="http://schemas.microsoft.com/office/drawing/2014/main" id="{634FC909-7343-4DEC-920F-098F56B476F0}"/>
+                  <a16:creationId xmlns:a16="http://schemas.microsoft.com/office/drawing/2014/main" id="{22D4B7B8-5AFE-4B32-A805-72EC571E6F07}"/>
                 </a:ext>
                 <a:ext uri="{C183D7F6-B498-43B3-948B-1728B52AA6E4}">
                   <adec:decorative xmlns:adec="http://schemas.microsoft.com/office/drawing/2017/decorative" val="1"/>
@@ -8348,10 +8157,10 @@
         </p:cxnSp>
         <p:cxnSp>
           <p:nvCxnSpPr>
-            <p:cNvPr id="36" name="Straight Connector 35">
+            <p:cNvPr id="107" name="Straight Connector 106">
               <a:extLst>
                 <a:ext uri="{FF2B5EF4-FFF2-40B4-BE49-F238E27FC236}">
-                  <a16:creationId xmlns:a16="http://schemas.microsoft.com/office/drawing/2014/main" id="{24F22DB2-7E27-4CF7-8B17-254ECB9AE771}"/>
+                  <a16:creationId xmlns:a16="http://schemas.microsoft.com/office/drawing/2014/main" id="{757D13B2-7A74-4788-8689-5EDB2DA868FF}"/>
                 </a:ext>
                 <a:ext uri="{C183D7F6-B498-43B3-948B-1728B52AA6E4}">
                   <adec:decorative xmlns:adec="http://schemas.microsoft.com/office/drawing/2017/decorative" val="1"/>
@@ -8400,10 +8209,10 @@
         </p:cxnSp>
         <p:sp>
           <p:nvSpPr>
-            <p:cNvPr id="37" name="Rectangle 23">
+            <p:cNvPr id="108" name="Rectangle 23">
               <a:extLst>
                 <a:ext uri="{FF2B5EF4-FFF2-40B4-BE49-F238E27FC236}">
-                  <a16:creationId xmlns:a16="http://schemas.microsoft.com/office/drawing/2014/main" id="{C6E593B3-91A3-4687-8B8D-FE37A3714FD2}"/>
+                  <a16:creationId xmlns:a16="http://schemas.microsoft.com/office/drawing/2014/main" id="{66964837-B2CC-483D-BEDA-4BB1901BCC72}"/>
                 </a:ext>
                 <a:ext uri="{C183D7F6-B498-43B3-948B-1728B52AA6E4}">
                   <adec:decorative xmlns:adec="http://schemas.microsoft.com/office/drawing/2017/decorative" val="1"/>
@@ -8478,10 +8287,10 @@
         </p:sp>
         <p:sp>
           <p:nvSpPr>
-            <p:cNvPr id="38" name="Rectangle 25">
+            <p:cNvPr id="109" name="Rectangle 25">
               <a:extLst>
                 <a:ext uri="{FF2B5EF4-FFF2-40B4-BE49-F238E27FC236}">
-                  <a16:creationId xmlns:a16="http://schemas.microsoft.com/office/drawing/2014/main" id="{0C25B431-5C97-4B8D-B0A3-BFB8133C7173}"/>
+                  <a16:creationId xmlns:a16="http://schemas.microsoft.com/office/drawing/2014/main" id="{77D4E216-8B6C-4A3B-AF75-3016320F62A8}"/>
                 </a:ext>
                 <a:ext uri="{C183D7F6-B498-43B3-948B-1728B52AA6E4}">
                   <adec:decorative xmlns:adec="http://schemas.microsoft.com/office/drawing/2017/decorative" val="1"/>
@@ -8556,10 +8365,10 @@
         </p:sp>
         <p:sp>
           <p:nvSpPr>
-            <p:cNvPr id="39" name="Isosceles Triangle 38">
+            <p:cNvPr id="110" name="Isosceles Triangle 109">
               <a:extLst>
                 <a:ext uri="{FF2B5EF4-FFF2-40B4-BE49-F238E27FC236}">
-                  <a16:creationId xmlns:a16="http://schemas.microsoft.com/office/drawing/2014/main" id="{CA37B366-497E-4CB8-A678-A770CE2BD873}"/>
+                  <a16:creationId xmlns:a16="http://schemas.microsoft.com/office/drawing/2014/main" id="{CDD4EA12-82D2-47D7-8742-8F4746AA6FA2}"/>
                 </a:ext>
                 <a:ext uri="{C183D7F6-B498-43B3-948B-1728B52AA6E4}">
                   <adec:decorative xmlns:adec="http://schemas.microsoft.com/office/drawing/2017/decorative" val="1"/>
@@ -8612,10 +8421,10 @@
         </p:sp>
         <p:sp>
           <p:nvSpPr>
-            <p:cNvPr id="40" name="Rectangle 27">
+            <p:cNvPr id="111" name="Rectangle 27">
               <a:extLst>
                 <a:ext uri="{FF2B5EF4-FFF2-40B4-BE49-F238E27FC236}">
-                  <a16:creationId xmlns:a16="http://schemas.microsoft.com/office/drawing/2014/main" id="{CF707EDC-52B2-4D5C-8EC3-71C66EE8B3F4}"/>
+                  <a16:creationId xmlns:a16="http://schemas.microsoft.com/office/drawing/2014/main" id="{115B7F7E-4C23-429B-A947-A5B436DB2D3B}"/>
                 </a:ext>
                 <a:ext uri="{C183D7F6-B498-43B3-948B-1728B52AA6E4}">
                   <adec:decorative xmlns:adec="http://schemas.microsoft.com/office/drawing/2017/decorative" val="1"/>
@@ -8691,10 +8500,10 @@
         </p:sp>
         <p:sp>
           <p:nvSpPr>
-            <p:cNvPr id="41" name="Rectangle 28">
+            <p:cNvPr id="112" name="Rectangle 28">
               <a:extLst>
                 <a:ext uri="{FF2B5EF4-FFF2-40B4-BE49-F238E27FC236}">
-                  <a16:creationId xmlns:a16="http://schemas.microsoft.com/office/drawing/2014/main" id="{BF8E2DE7-7466-4EDF-8D69-BCA91A88D360}"/>
+                  <a16:creationId xmlns:a16="http://schemas.microsoft.com/office/drawing/2014/main" id="{A6B03A29-0A21-40D4-87E4-3C41D6F54C57}"/>
                 </a:ext>
                 <a:ext uri="{C183D7F6-B498-43B3-948B-1728B52AA6E4}">
                   <adec:decorative xmlns:adec="http://schemas.microsoft.com/office/drawing/2017/decorative" val="1"/>
@@ -8771,10 +8580,10 @@
         </p:sp>
         <p:sp>
           <p:nvSpPr>
-            <p:cNvPr id="42" name="Rectangle 29">
+            <p:cNvPr id="113" name="Rectangle 29">
               <a:extLst>
                 <a:ext uri="{FF2B5EF4-FFF2-40B4-BE49-F238E27FC236}">
-                  <a16:creationId xmlns:a16="http://schemas.microsoft.com/office/drawing/2014/main" id="{229C2E15-76CD-409E-9D6B-10DAD8881EAB}"/>
+                  <a16:creationId xmlns:a16="http://schemas.microsoft.com/office/drawing/2014/main" id="{6C871F60-4E5A-449A-B6D8-1F58C12EE3C5}"/>
                 </a:ext>
                 <a:ext uri="{C183D7F6-B498-43B3-948B-1728B52AA6E4}">
                   <adec:decorative xmlns:adec="http://schemas.microsoft.com/office/drawing/2017/decorative" val="1"/>
@@ -8849,10 +8658,10 @@
         </p:sp>
         <p:sp>
           <p:nvSpPr>
-            <p:cNvPr id="43" name="Isosceles Triangle 42">
+            <p:cNvPr id="114" name="Isosceles Triangle 113">
               <a:extLst>
                 <a:ext uri="{FF2B5EF4-FFF2-40B4-BE49-F238E27FC236}">
-                  <a16:creationId xmlns:a16="http://schemas.microsoft.com/office/drawing/2014/main" id="{89A24369-AC96-4A98-AD98-47A7217ECCE5}"/>
+                  <a16:creationId xmlns:a16="http://schemas.microsoft.com/office/drawing/2014/main" id="{3182795B-2BFA-4D7B-BE85-701A73E25350}"/>
                 </a:ext>
                 <a:ext uri="{C183D7F6-B498-43B3-948B-1728B52AA6E4}">
                   <adec:decorative xmlns:adec="http://schemas.microsoft.com/office/drawing/2017/decorative" val="1"/>
@@ -8905,10 +8714,10 @@
         </p:sp>
         <p:sp>
           <p:nvSpPr>
-            <p:cNvPr id="44" name="Isosceles Triangle 43">
+            <p:cNvPr id="115" name="Isosceles Triangle 114">
               <a:extLst>
                 <a:ext uri="{FF2B5EF4-FFF2-40B4-BE49-F238E27FC236}">
-                  <a16:creationId xmlns:a16="http://schemas.microsoft.com/office/drawing/2014/main" id="{7D0DF9A3-4628-42F6-B0A4-44D97617E0E5}"/>
+                  <a16:creationId xmlns:a16="http://schemas.microsoft.com/office/drawing/2014/main" id="{810B9E5C-2AE2-4B4E-916F-F954F2AA8A93}"/>
                 </a:ext>
                 <a:ext uri="{C183D7F6-B498-43B3-948B-1728B52AA6E4}">
                   <adec:decorative xmlns:adec="http://schemas.microsoft.com/office/drawing/2017/decorative" val="1"/>
@@ -8962,879 +8771,6 @@
       </p:grpSp>
       <p:sp>
         <p:nvSpPr>
-          <p:cNvPr id="60" name="Rectangle 45">
-            <a:extLst>
-              <a:ext uri="{FF2B5EF4-FFF2-40B4-BE49-F238E27FC236}">
-                <a16:creationId xmlns:a16="http://schemas.microsoft.com/office/drawing/2014/main" id="{7459C506-5F4B-4B75-9218-C7C3F87FA8D3}"/>
-              </a:ext>
-              <a:ext uri="{C183D7F6-B498-43B3-948B-1728B52AA6E4}">
-                <adec:decorative xmlns:adec="http://schemas.microsoft.com/office/drawing/2017/decorative" val="1"/>
-              </a:ext>
-            </a:extLst>
-          </p:cNvPr>
-          <p:cNvSpPr>
-            <a:spLocks noGrp="1" noRot="1" noChangeAspect="1" noMove="1" noResize="1" noEditPoints="1" noAdjustHandles="1" noChangeArrowheads="1" noChangeShapeType="1" noTextEdit="1"/>
-          </p:cNvSpPr>
-          <p:nvPr>
-            <p:extLst>
-              <p:ext uri="{386F3935-93C4-4BCD-93E2-E3B085C9AB24}">
-                <p16:designElem xmlns:p16="http://schemas.microsoft.com/office/powerpoint/2015/main" val="1"/>
-              </p:ext>
-            </p:extLst>
-          </p:nvPr>
-        </p:nvSpPr>
-        <p:spPr>
-          <a:xfrm>
-            <a:off x="0" y="0"/>
-            <a:ext cx="12192000" cy="6858000"/>
-          </a:xfrm>
-          <a:prstGeom prst="rect">
-            <a:avLst/>
-          </a:prstGeom>
-          <a:ln>
-            <a:noFill/>
-          </a:ln>
-        </p:spPr>
-        <p:style>
-          <a:lnRef idx="2">
-            <a:schemeClr val="accent1">
-              <a:shade val="50000"/>
-            </a:schemeClr>
-          </a:lnRef>
-          <a:fillRef idx="1">
-            <a:schemeClr val="accent1"/>
-          </a:fillRef>
-          <a:effectRef idx="0">
-            <a:schemeClr val="accent1"/>
-          </a:effectRef>
-          <a:fontRef idx="minor">
-            <a:schemeClr val="lt1"/>
-          </a:fontRef>
-        </p:style>
-        <p:txBody>
-          <a:bodyPr rtlCol="0" anchor="ctr"/>
-          <a:lstStyle/>
-          <a:p>
-            <a:pPr algn="ctr"/>
-            <a:endParaRPr lang="en-US"/>
-          </a:p>
-        </p:txBody>
-      </p:sp>
-      <p:grpSp>
-        <p:nvGrpSpPr>
-          <p:cNvPr id="62" name="Group 47">
-            <a:extLst>
-              <a:ext uri="{FF2B5EF4-FFF2-40B4-BE49-F238E27FC236}">
-                <a16:creationId xmlns:a16="http://schemas.microsoft.com/office/drawing/2014/main" id="{BC659EEB-C3AE-4544-8263-417009DCDF41}"/>
-              </a:ext>
-              <a:ext uri="{C183D7F6-B498-43B3-948B-1728B52AA6E4}">
-                <adec:decorative xmlns:adec="http://schemas.microsoft.com/office/drawing/2017/decorative" val="1"/>
-              </a:ext>
-            </a:extLst>
-          </p:cNvPr>
-          <p:cNvGrpSpPr>
-            <a:grpSpLocks noGrp="1" noUngrp="1" noRot="1" noChangeAspect="1" noMove="1" noResize="1"/>
-          </p:cNvGrpSpPr>
-          <p:nvPr>
-            <p:extLst>
-              <p:ext uri="{386F3935-93C4-4BCD-93E2-E3B085C9AB24}">
-                <p16:designElem xmlns:p16="http://schemas.microsoft.com/office/powerpoint/2015/main" val="1"/>
-              </p:ext>
-            </p:extLst>
-          </p:nvPr>
-        </p:nvGrpSpPr>
-        <p:grpSpPr>
-          <a:xfrm>
-            <a:off x="0" y="-8467"/>
-            <a:ext cx="12192000" cy="6866467"/>
-            <a:chOff x="0" y="-8467"/>
-            <a:chExt cx="12192000" cy="6866467"/>
-          </a:xfrm>
-        </p:grpSpPr>
-        <p:cxnSp>
-          <p:nvCxnSpPr>
-            <p:cNvPr id="49" name="Straight Connector 48">
-              <a:extLst>
-                <a:ext uri="{FF2B5EF4-FFF2-40B4-BE49-F238E27FC236}">
-                  <a16:creationId xmlns:a16="http://schemas.microsoft.com/office/drawing/2014/main" id="{D99DB6C6-36F9-4576-A558-95153EADBE41}"/>
-                </a:ext>
-                <a:ext uri="{C183D7F6-B498-43B3-948B-1728B52AA6E4}">
-                  <adec:decorative xmlns:adec="http://schemas.microsoft.com/office/drawing/2017/decorative" val="1"/>
-                </a:ext>
-              </a:extLst>
-            </p:cNvPr>
-            <p:cNvCxnSpPr/>
-            <p:nvPr>
-              <p:extLst>
-                <p:ext uri="{386F3935-93C4-4BCD-93E2-E3B085C9AB24}">
-                  <p16:designElem xmlns:p16="http://schemas.microsoft.com/office/powerpoint/2015/main" val="1"/>
-                </p:ext>
-              </p:extLst>
-            </p:nvPr>
-          </p:nvCxnSpPr>
-          <p:spPr>
-            <a:xfrm flipH="1">
-              <a:off x="7425267" y="3681413"/>
-              <a:ext cx="4763558" cy="3176587"/>
-            </a:xfrm>
-            <a:prstGeom prst="line">
-              <a:avLst/>
-            </a:prstGeom>
-            <a:ln w="9525">
-              <a:solidFill>
-                <a:schemeClr val="bg1">
-                  <a:lumMod val="85000"/>
-                </a:schemeClr>
-              </a:solidFill>
-            </a:ln>
-          </p:spPr>
-          <p:style>
-            <a:lnRef idx="2">
-              <a:schemeClr val="accent1"/>
-            </a:lnRef>
-            <a:fillRef idx="0">
-              <a:schemeClr val="accent1"/>
-            </a:fillRef>
-            <a:effectRef idx="1">
-              <a:schemeClr val="accent1"/>
-            </a:effectRef>
-            <a:fontRef idx="minor">
-              <a:schemeClr val="tx1"/>
-            </a:fontRef>
-          </p:style>
-        </p:cxnSp>
-        <p:sp>
-          <p:nvSpPr>
-            <p:cNvPr id="50" name="Rectangle 23">
-              <a:extLst>
-                <a:ext uri="{FF2B5EF4-FFF2-40B4-BE49-F238E27FC236}">
-                  <a16:creationId xmlns:a16="http://schemas.microsoft.com/office/drawing/2014/main" id="{694E7916-EDE4-4B50-A4A1-6B28FDD4D9B9}"/>
-                </a:ext>
-                <a:ext uri="{C183D7F6-B498-43B3-948B-1728B52AA6E4}">
-                  <adec:decorative xmlns:adec="http://schemas.microsoft.com/office/drawing/2017/decorative" val="1"/>
-                </a:ext>
-              </a:extLst>
-            </p:cNvPr>
-            <p:cNvSpPr/>
-            <p:nvPr>
-              <p:extLst>
-                <p:ext uri="{386F3935-93C4-4BCD-93E2-E3B085C9AB24}">
-                  <p16:designElem xmlns:p16="http://schemas.microsoft.com/office/powerpoint/2015/main" val="1"/>
-                </p:ext>
-              </p:extLst>
-            </p:nvPr>
-          </p:nvSpPr>
-          <p:spPr>
-            <a:xfrm>
-              <a:off x="9181476" y="-8467"/>
-              <a:ext cx="3007349" cy="6866467"/>
-            </a:xfrm>
-            <a:custGeom>
-              <a:avLst/>
-              <a:gdLst/>
-              <a:ahLst/>
-              <a:cxnLst/>
-              <a:rect l="l" t="t" r="r" b="b"/>
-              <a:pathLst>
-                <a:path w="3007349" h="6866467">
-                  <a:moveTo>
-                    <a:pt x="2045532" y="0"/>
-                  </a:moveTo>
-                  <a:lnTo>
-                    <a:pt x="3007349" y="0"/>
-                  </a:lnTo>
-                  <a:lnTo>
-                    <a:pt x="3007349" y="6866467"/>
-                  </a:lnTo>
-                  <a:lnTo>
-                    <a:pt x="0" y="6866467"/>
-                  </a:lnTo>
-                  <a:lnTo>
-                    <a:pt x="2045532" y="0"/>
-                  </a:lnTo>
-                  <a:close/>
-                </a:path>
-              </a:pathLst>
-            </a:custGeom>
-            <a:solidFill>
-              <a:schemeClr val="accent1">
-                <a:alpha val="30000"/>
-              </a:schemeClr>
-            </a:solidFill>
-            <a:ln>
-              <a:noFill/>
-            </a:ln>
-            <a:effectLst/>
-          </p:spPr>
-          <p:style>
-            <a:lnRef idx="1">
-              <a:schemeClr val="accent1"/>
-            </a:lnRef>
-            <a:fillRef idx="3">
-              <a:schemeClr val="accent1"/>
-            </a:fillRef>
-            <a:effectRef idx="2">
-              <a:schemeClr val="accent1"/>
-            </a:effectRef>
-            <a:fontRef idx="minor">
-              <a:schemeClr val="lt1"/>
-            </a:fontRef>
-          </p:style>
-        </p:sp>
-        <p:sp>
-          <p:nvSpPr>
-            <p:cNvPr id="51" name="Rectangle 25">
-              <a:extLst>
-                <a:ext uri="{FF2B5EF4-FFF2-40B4-BE49-F238E27FC236}">
-                  <a16:creationId xmlns:a16="http://schemas.microsoft.com/office/drawing/2014/main" id="{6F6CB7BB-4370-4173-97F8-F636C0F149F1}"/>
-                </a:ext>
-                <a:ext uri="{C183D7F6-B498-43B3-948B-1728B52AA6E4}">
-                  <adec:decorative xmlns:adec="http://schemas.microsoft.com/office/drawing/2017/decorative" val="1"/>
-                </a:ext>
-              </a:extLst>
-            </p:cNvPr>
-            <p:cNvSpPr/>
-            <p:nvPr>
-              <p:extLst>
-                <p:ext uri="{386F3935-93C4-4BCD-93E2-E3B085C9AB24}">
-                  <p16:designElem xmlns:p16="http://schemas.microsoft.com/office/powerpoint/2015/main" val="1"/>
-                </p:ext>
-              </p:extLst>
-            </p:nvPr>
-          </p:nvSpPr>
-          <p:spPr>
-            <a:xfrm>
-              <a:off x="9603442" y="-8467"/>
-              <a:ext cx="2588558" cy="6866467"/>
-            </a:xfrm>
-            <a:custGeom>
-              <a:avLst/>
-              <a:gdLst/>
-              <a:ahLst/>
-              <a:cxnLst/>
-              <a:rect l="l" t="t" r="r" b="b"/>
-              <a:pathLst>
-                <a:path w="2573311" h="6866467">
-                  <a:moveTo>
-                    <a:pt x="0" y="0"/>
-                  </a:moveTo>
-                  <a:lnTo>
-                    <a:pt x="2573311" y="0"/>
-                  </a:lnTo>
-                  <a:lnTo>
-                    <a:pt x="2573311" y="6866467"/>
-                  </a:lnTo>
-                  <a:lnTo>
-                    <a:pt x="1202336" y="6866467"/>
-                  </a:lnTo>
-                  <a:lnTo>
-                    <a:pt x="0" y="0"/>
-                  </a:lnTo>
-                  <a:close/>
-                </a:path>
-              </a:pathLst>
-            </a:custGeom>
-            <a:solidFill>
-              <a:schemeClr val="accent1">
-                <a:alpha val="20000"/>
-              </a:schemeClr>
-            </a:solidFill>
-            <a:ln>
-              <a:noFill/>
-            </a:ln>
-            <a:effectLst/>
-          </p:spPr>
-          <p:style>
-            <a:lnRef idx="1">
-              <a:schemeClr val="accent1"/>
-            </a:lnRef>
-            <a:fillRef idx="3">
-              <a:schemeClr val="accent1"/>
-            </a:fillRef>
-            <a:effectRef idx="2">
-              <a:schemeClr val="accent1"/>
-            </a:effectRef>
-            <a:fontRef idx="minor">
-              <a:schemeClr val="lt1"/>
-            </a:fontRef>
-          </p:style>
-        </p:sp>
-        <p:sp>
-          <p:nvSpPr>
-            <p:cNvPr id="52" name="Isosceles Triangle 51">
-              <a:extLst>
-                <a:ext uri="{FF2B5EF4-FFF2-40B4-BE49-F238E27FC236}">
-                  <a16:creationId xmlns:a16="http://schemas.microsoft.com/office/drawing/2014/main" id="{B0F590BB-1F51-4138-A2D4-2E483C84FB07}"/>
-                </a:ext>
-                <a:ext uri="{C183D7F6-B498-43B3-948B-1728B52AA6E4}">
-                  <adec:decorative xmlns:adec="http://schemas.microsoft.com/office/drawing/2017/decorative" val="1"/>
-                </a:ext>
-              </a:extLst>
-            </p:cNvPr>
-            <p:cNvSpPr/>
-            <p:nvPr>
-              <p:extLst>
-                <p:ext uri="{386F3935-93C4-4BCD-93E2-E3B085C9AB24}">
-                  <p16:designElem xmlns:p16="http://schemas.microsoft.com/office/powerpoint/2015/main" val="1"/>
-                </p:ext>
-              </p:extLst>
-            </p:nvPr>
-          </p:nvSpPr>
-          <p:spPr>
-            <a:xfrm>
-              <a:off x="8932333" y="3048000"/>
-              <a:ext cx="3259667" cy="3810000"/>
-            </a:xfrm>
-            <a:prstGeom prst="triangle">
-              <a:avLst>
-                <a:gd name="adj" fmla="val 100000"/>
-              </a:avLst>
-            </a:prstGeom>
-            <a:solidFill>
-              <a:schemeClr val="accent2">
-                <a:alpha val="72000"/>
-              </a:schemeClr>
-            </a:solidFill>
-            <a:ln>
-              <a:noFill/>
-            </a:ln>
-            <a:effectLst/>
-          </p:spPr>
-          <p:style>
-            <a:lnRef idx="1">
-              <a:schemeClr val="accent1"/>
-            </a:lnRef>
-            <a:fillRef idx="3">
-              <a:schemeClr val="accent1"/>
-            </a:fillRef>
-            <a:effectRef idx="2">
-              <a:schemeClr val="accent1"/>
-            </a:effectRef>
-            <a:fontRef idx="minor">
-              <a:schemeClr val="lt1"/>
-            </a:fontRef>
-          </p:style>
-        </p:sp>
-        <p:sp>
-          <p:nvSpPr>
-            <p:cNvPr id="53" name="Rectangle 27">
-              <a:extLst>
-                <a:ext uri="{FF2B5EF4-FFF2-40B4-BE49-F238E27FC236}">
-                  <a16:creationId xmlns:a16="http://schemas.microsoft.com/office/drawing/2014/main" id="{4A492863-9797-45A2-BAB3-514F10C5F254}"/>
-                </a:ext>
-                <a:ext uri="{C183D7F6-B498-43B3-948B-1728B52AA6E4}">
-                  <adec:decorative xmlns:adec="http://schemas.microsoft.com/office/drawing/2017/decorative" val="1"/>
-                </a:ext>
-              </a:extLst>
-            </p:cNvPr>
-            <p:cNvSpPr/>
-            <p:nvPr>
-              <p:extLst>
-                <p:ext uri="{386F3935-93C4-4BCD-93E2-E3B085C9AB24}">
-                  <p16:designElem xmlns:p16="http://schemas.microsoft.com/office/powerpoint/2015/main" val="1"/>
-                </p:ext>
-              </p:extLst>
-            </p:nvPr>
-          </p:nvSpPr>
-          <p:spPr>
-            <a:xfrm>
-              <a:off x="9334500" y="-8467"/>
-              <a:ext cx="2854326" cy="6866467"/>
-            </a:xfrm>
-            <a:custGeom>
-              <a:avLst/>
-              <a:gdLst/>
-              <a:ahLst/>
-              <a:cxnLst/>
-              <a:rect l="l" t="t" r="r" b="b"/>
-              <a:pathLst>
-                <a:path w="2858013" h="6866467">
-                  <a:moveTo>
-                    <a:pt x="0" y="0"/>
-                  </a:moveTo>
-                  <a:lnTo>
-                    <a:pt x="2858013" y="0"/>
-                  </a:lnTo>
-                  <a:lnTo>
-                    <a:pt x="2858013" y="6866467"/>
-                  </a:lnTo>
-                  <a:lnTo>
-                    <a:pt x="2473942" y="6866467"/>
-                  </a:lnTo>
-                  <a:lnTo>
-                    <a:pt x="0" y="0"/>
-                  </a:lnTo>
-                  <a:close/>
-                </a:path>
-              </a:pathLst>
-            </a:custGeom>
-            <a:solidFill>
-              <a:schemeClr val="accent2">
-                <a:lumMod val="75000"/>
-                <a:alpha val="70000"/>
-              </a:schemeClr>
-            </a:solidFill>
-            <a:ln>
-              <a:noFill/>
-            </a:ln>
-            <a:effectLst/>
-          </p:spPr>
-          <p:style>
-            <a:lnRef idx="1">
-              <a:schemeClr val="accent1"/>
-            </a:lnRef>
-            <a:fillRef idx="3">
-              <a:schemeClr val="accent1"/>
-            </a:fillRef>
-            <a:effectRef idx="2">
-              <a:schemeClr val="accent1"/>
-            </a:effectRef>
-            <a:fontRef idx="minor">
-              <a:schemeClr val="lt1"/>
-            </a:fontRef>
-          </p:style>
-        </p:sp>
-        <p:sp>
-          <p:nvSpPr>
-            <p:cNvPr id="54" name="Rectangle 28">
-              <a:extLst>
-                <a:ext uri="{FF2B5EF4-FFF2-40B4-BE49-F238E27FC236}">
-                  <a16:creationId xmlns:a16="http://schemas.microsoft.com/office/drawing/2014/main" id="{7C1E33F6-6D0F-4ECF-92F4-6F71D8BAF3D9}"/>
-                </a:ext>
-                <a:ext uri="{C183D7F6-B498-43B3-948B-1728B52AA6E4}">
-                  <adec:decorative xmlns:adec="http://schemas.microsoft.com/office/drawing/2017/decorative" val="1"/>
-                </a:ext>
-              </a:extLst>
-            </p:cNvPr>
-            <p:cNvSpPr/>
-            <p:nvPr>
-              <p:extLst>
-                <p:ext uri="{386F3935-93C4-4BCD-93E2-E3B085C9AB24}">
-                  <p16:designElem xmlns:p16="http://schemas.microsoft.com/office/powerpoint/2015/main" val="1"/>
-                </p:ext>
-              </p:extLst>
-            </p:nvPr>
-          </p:nvSpPr>
-          <p:spPr>
-            <a:xfrm>
-              <a:off x="10898730" y="-8467"/>
-              <a:ext cx="1290094" cy="6866467"/>
-            </a:xfrm>
-            <a:custGeom>
-              <a:avLst/>
-              <a:gdLst/>
-              <a:ahLst/>
-              <a:cxnLst/>
-              <a:rect l="l" t="t" r="r" b="b"/>
-              <a:pathLst>
-                <a:path w="1290094" h="6858000">
-                  <a:moveTo>
-                    <a:pt x="1019735" y="0"/>
-                  </a:moveTo>
-                  <a:lnTo>
-                    <a:pt x="1290094" y="0"/>
-                  </a:lnTo>
-                  <a:lnTo>
-                    <a:pt x="1290094" y="6858000"/>
-                  </a:lnTo>
-                  <a:lnTo>
-                    <a:pt x="0" y="6858000"/>
-                  </a:lnTo>
-                  <a:lnTo>
-                    <a:pt x="1019735" y="0"/>
-                  </a:lnTo>
-                  <a:close/>
-                </a:path>
-              </a:pathLst>
-            </a:custGeom>
-            <a:solidFill>
-              <a:schemeClr val="accent1">
-                <a:lumMod val="60000"/>
-                <a:lumOff val="40000"/>
-                <a:alpha val="70000"/>
-              </a:schemeClr>
-            </a:solidFill>
-            <a:ln>
-              <a:noFill/>
-            </a:ln>
-            <a:effectLst/>
-          </p:spPr>
-          <p:style>
-            <a:lnRef idx="1">
-              <a:schemeClr val="accent1"/>
-            </a:lnRef>
-            <a:fillRef idx="3">
-              <a:schemeClr val="accent1"/>
-            </a:fillRef>
-            <a:effectRef idx="2">
-              <a:schemeClr val="accent1"/>
-            </a:effectRef>
-            <a:fontRef idx="minor">
-              <a:schemeClr val="lt1"/>
-            </a:fontRef>
-          </p:style>
-        </p:sp>
-        <p:sp>
-          <p:nvSpPr>
-            <p:cNvPr id="55" name="Rectangle 29">
-              <a:extLst>
-                <a:ext uri="{FF2B5EF4-FFF2-40B4-BE49-F238E27FC236}">
-                  <a16:creationId xmlns:a16="http://schemas.microsoft.com/office/drawing/2014/main" id="{73EEEA64-7411-474B-BD0E-60C24B3F4E56}"/>
-                </a:ext>
-                <a:ext uri="{C183D7F6-B498-43B3-948B-1728B52AA6E4}">
-                  <adec:decorative xmlns:adec="http://schemas.microsoft.com/office/drawing/2017/decorative" val="1"/>
-                </a:ext>
-              </a:extLst>
-            </p:cNvPr>
-            <p:cNvSpPr/>
-            <p:nvPr>
-              <p:extLst>
-                <p:ext uri="{386F3935-93C4-4BCD-93E2-E3B085C9AB24}">
-                  <p16:designElem xmlns:p16="http://schemas.microsoft.com/office/powerpoint/2015/main" val="1"/>
-                </p:ext>
-              </p:extLst>
-            </p:nvPr>
-          </p:nvSpPr>
-          <p:spPr>
-            <a:xfrm>
-              <a:off x="10938999" y="-8467"/>
-              <a:ext cx="1249825" cy="6866467"/>
-            </a:xfrm>
-            <a:custGeom>
-              <a:avLst/>
-              <a:gdLst/>
-              <a:ahLst/>
-              <a:cxnLst/>
-              <a:rect l="l" t="t" r="r" b="b"/>
-              <a:pathLst>
-                <a:path w="1249825" h="6858000">
-                  <a:moveTo>
-                    <a:pt x="0" y="0"/>
-                  </a:moveTo>
-                  <a:lnTo>
-                    <a:pt x="1249825" y="0"/>
-                  </a:lnTo>
-                  <a:lnTo>
-                    <a:pt x="1249825" y="6858000"/>
-                  </a:lnTo>
-                  <a:lnTo>
-                    <a:pt x="1109382" y="6858000"/>
-                  </a:lnTo>
-                  <a:lnTo>
-                    <a:pt x="0" y="0"/>
-                  </a:lnTo>
-                  <a:close/>
-                </a:path>
-              </a:pathLst>
-            </a:custGeom>
-            <a:solidFill>
-              <a:schemeClr val="accent1">
-                <a:alpha val="65000"/>
-              </a:schemeClr>
-            </a:solidFill>
-            <a:ln>
-              <a:noFill/>
-            </a:ln>
-            <a:effectLst/>
-          </p:spPr>
-          <p:style>
-            <a:lnRef idx="1">
-              <a:schemeClr val="accent1"/>
-            </a:lnRef>
-            <a:fillRef idx="3">
-              <a:schemeClr val="accent1"/>
-            </a:fillRef>
-            <a:effectRef idx="2">
-              <a:schemeClr val="accent1"/>
-            </a:effectRef>
-            <a:fontRef idx="minor">
-              <a:schemeClr val="lt1"/>
-            </a:fontRef>
-          </p:style>
-        </p:sp>
-        <p:sp>
-          <p:nvSpPr>
-            <p:cNvPr id="56" name="Isosceles Triangle 55">
-              <a:extLst>
-                <a:ext uri="{FF2B5EF4-FFF2-40B4-BE49-F238E27FC236}">
-                  <a16:creationId xmlns:a16="http://schemas.microsoft.com/office/drawing/2014/main" id="{4F82A6DD-92BB-4443-B5A5-05240DD5580E}"/>
-                </a:ext>
-                <a:ext uri="{C183D7F6-B498-43B3-948B-1728B52AA6E4}">
-                  <adec:decorative xmlns:adec="http://schemas.microsoft.com/office/drawing/2017/decorative" val="1"/>
-                </a:ext>
-              </a:extLst>
-            </p:cNvPr>
-            <p:cNvSpPr/>
-            <p:nvPr>
-              <p:extLst>
-                <p:ext uri="{386F3935-93C4-4BCD-93E2-E3B085C9AB24}">
-                  <p16:designElem xmlns:p16="http://schemas.microsoft.com/office/powerpoint/2015/main" val="1"/>
-                </p:ext>
-              </p:extLst>
-            </p:nvPr>
-          </p:nvSpPr>
-          <p:spPr>
-            <a:xfrm>
-              <a:off x="10371666" y="3589867"/>
-              <a:ext cx="1817159" cy="3268133"/>
-            </a:xfrm>
-            <a:prstGeom prst="triangle">
-              <a:avLst>
-                <a:gd name="adj" fmla="val 100000"/>
-              </a:avLst>
-            </a:prstGeom>
-            <a:solidFill>
-              <a:schemeClr val="accent1">
-                <a:alpha val="80000"/>
-              </a:schemeClr>
-            </a:solidFill>
-            <a:ln>
-              <a:noFill/>
-            </a:ln>
-            <a:effectLst/>
-          </p:spPr>
-          <p:style>
-            <a:lnRef idx="1">
-              <a:schemeClr val="accent1"/>
-            </a:lnRef>
-            <a:fillRef idx="3">
-              <a:schemeClr val="accent1"/>
-            </a:fillRef>
-            <a:effectRef idx="2">
-              <a:schemeClr val="accent1"/>
-            </a:effectRef>
-            <a:fontRef idx="minor">
-              <a:schemeClr val="lt1"/>
-            </a:fontRef>
-          </p:style>
-        </p:sp>
-        <p:sp>
-          <p:nvSpPr>
-            <p:cNvPr id="57" name="Isosceles Triangle 56">
-              <a:extLst>
-                <a:ext uri="{FF2B5EF4-FFF2-40B4-BE49-F238E27FC236}">
-                  <a16:creationId xmlns:a16="http://schemas.microsoft.com/office/drawing/2014/main" id="{79832BCB-1DCF-46AC-9FFA-170791668D8C}"/>
-                </a:ext>
-                <a:ext uri="{C183D7F6-B498-43B3-948B-1728B52AA6E4}">
-                  <adec:decorative xmlns:adec="http://schemas.microsoft.com/office/drawing/2017/decorative" val="1"/>
-                </a:ext>
-              </a:extLst>
-            </p:cNvPr>
-            <p:cNvSpPr/>
-            <p:nvPr>
-              <p:extLst>
-                <p:ext uri="{386F3935-93C4-4BCD-93E2-E3B085C9AB24}">
-                  <p16:designElem xmlns:p16="http://schemas.microsoft.com/office/powerpoint/2015/main" val="1"/>
-                </p:ext>
-              </p:extLst>
-            </p:nvPr>
-          </p:nvSpPr>
-          <p:spPr>
-            <a:xfrm>
-              <a:off x="0" y="4013200"/>
-              <a:ext cx="448733" cy="2844800"/>
-            </a:xfrm>
-            <a:prstGeom prst="triangle">
-              <a:avLst>
-                <a:gd name="adj" fmla="val 0"/>
-              </a:avLst>
-            </a:prstGeom>
-            <a:solidFill>
-              <a:schemeClr val="accent1">
-                <a:alpha val="85000"/>
-              </a:schemeClr>
-            </a:solidFill>
-            <a:ln>
-              <a:noFill/>
-            </a:ln>
-            <a:effectLst/>
-          </p:spPr>
-          <p:style>
-            <a:lnRef idx="1">
-              <a:schemeClr val="accent1"/>
-            </a:lnRef>
-            <a:fillRef idx="3">
-              <a:schemeClr val="accent1"/>
-            </a:fillRef>
-            <a:effectRef idx="2">
-              <a:schemeClr val="accent1"/>
-            </a:effectRef>
-            <a:fontRef idx="minor">
-              <a:schemeClr val="lt1"/>
-            </a:fontRef>
-          </p:style>
-        </p:sp>
-      </p:grpSp>
-      <p:sp useBgFill="1">
-        <p:nvSpPr>
-          <p:cNvPr id="59" name="Rectangle 58">
-            <a:extLst>
-              <a:ext uri="{FF2B5EF4-FFF2-40B4-BE49-F238E27FC236}">
-                <a16:creationId xmlns:a16="http://schemas.microsoft.com/office/drawing/2014/main" id="{4E74DA95-CD7A-4D5E-9D27-67A759CE708D}"/>
-              </a:ext>
-              <a:ext uri="{C183D7F6-B498-43B3-948B-1728B52AA6E4}">
-                <adec:decorative xmlns:adec="http://schemas.microsoft.com/office/drawing/2017/decorative" val="1"/>
-              </a:ext>
-            </a:extLst>
-          </p:cNvPr>
-          <p:cNvSpPr>
-            <a:spLocks noGrp="1" noRot="1" noChangeAspect="1" noMove="1" noResize="1" noEditPoints="1" noAdjustHandles="1" noChangeArrowheads="1" noChangeShapeType="1" noTextEdit="1"/>
-          </p:cNvSpPr>
-          <p:nvPr>
-            <p:extLst>
-              <p:ext uri="{386F3935-93C4-4BCD-93E2-E3B085C9AB24}">
-                <p16:designElem xmlns:p16="http://schemas.microsoft.com/office/powerpoint/2015/main" val="1"/>
-              </p:ext>
-            </p:extLst>
-          </p:nvPr>
-        </p:nvSpPr>
-        <p:spPr>
-          <a:xfrm>
-            <a:off x="477012" y="480060"/>
-            <a:ext cx="11237976" cy="5897880"/>
-          </a:xfrm>
-          <a:prstGeom prst="rect">
-            <a:avLst/>
-          </a:prstGeom>
-          <a:ln w="22225">
-            <a:solidFill>
-              <a:srgbClr val="FFFFFF"/>
-            </a:solidFill>
-          </a:ln>
-        </p:spPr>
-        <p:style>
-          <a:lnRef idx="2">
-            <a:schemeClr val="accent1">
-              <a:shade val="50000"/>
-            </a:schemeClr>
-          </a:lnRef>
-          <a:fillRef idx="1">
-            <a:schemeClr val="accent1"/>
-          </a:fillRef>
-          <a:effectRef idx="0">
-            <a:schemeClr val="accent1"/>
-          </a:effectRef>
-          <a:fontRef idx="minor">
-            <a:schemeClr val="lt1"/>
-          </a:fontRef>
-        </p:style>
-        <p:txBody>
-          <a:bodyPr rtlCol="0" anchor="ctr"/>
-          <a:lstStyle/>
-          <a:p>
-            <a:pPr algn="ctr"/>
-            <a:endParaRPr lang="en-US"/>
-          </a:p>
-        </p:txBody>
-      </p:sp>
-      <p:pic>
-        <p:nvPicPr>
-          <p:cNvPr id="28" name="Grafik 27" descr="Ein Bild, das Zeichnung enthält.&#10;&#10;Automatisch generierte Beschreibung">
-            <a:extLst>
-              <a:ext uri="{FF2B5EF4-FFF2-40B4-BE49-F238E27FC236}">
-                <a16:creationId xmlns:a16="http://schemas.microsoft.com/office/drawing/2014/main" id="{64D1AE4A-7657-46A0-9DC0-6DD36F81E2CF}"/>
-              </a:ext>
-            </a:extLst>
-          </p:cNvPr>
-          <p:cNvPicPr>
-            <a:picLocks noChangeAspect="1"/>
-          </p:cNvPicPr>
-          <p:nvPr/>
-        </p:nvPicPr>
-        <p:blipFill>
-          <a:blip r:embed="rId3"/>
-          <a:stretch>
-            <a:fillRect/>
-          </a:stretch>
-        </p:blipFill>
-        <p:spPr>
-          <a:xfrm>
-            <a:off x="1124262" y="2131232"/>
-            <a:ext cx="4650004" cy="2604002"/>
-          </a:xfrm>
-          <a:prstGeom prst="rect">
-            <a:avLst/>
-          </a:prstGeom>
-        </p:spPr>
-      </p:pic>
-      <p:cxnSp>
-        <p:nvCxnSpPr>
-          <p:cNvPr id="61" name="Straight Connector 60">
-            <a:extLst>
-              <a:ext uri="{FF2B5EF4-FFF2-40B4-BE49-F238E27FC236}">
-                <a16:creationId xmlns:a16="http://schemas.microsoft.com/office/drawing/2014/main" id="{14AA3B5C-0C55-4FFF-9C45-8F9F7C074A4E}"/>
-              </a:ext>
-              <a:ext uri="{C183D7F6-B498-43B3-948B-1728B52AA6E4}">
-                <adec:decorative xmlns:adec="http://schemas.microsoft.com/office/drawing/2017/decorative" val="1"/>
-              </a:ext>
-            </a:extLst>
-          </p:cNvPr>
-          <p:cNvCxnSpPr>
-            <a:cxnSpLocks noGrp="1" noRot="1" noChangeAspect="1" noMove="1" noResize="1" noEditPoints="1" noAdjustHandles="1" noChangeArrowheads="1" noChangeShapeType="1"/>
-          </p:cNvCxnSpPr>
-          <p:nvPr>
-            <p:extLst>
-              <p:ext uri="{386F3935-93C4-4BCD-93E2-E3B085C9AB24}">
-                <p16:designElem xmlns:p16="http://schemas.microsoft.com/office/powerpoint/2015/main" val="1"/>
-              </p:ext>
-            </p:extLst>
-          </p:nvPr>
-        </p:nvCxnSpPr>
-        <p:spPr>
-          <a:xfrm>
-            <a:off x="6081305" y="1650669"/>
-            <a:ext cx="0" cy="3431969"/>
-          </a:xfrm>
-          <a:prstGeom prst="line">
-            <a:avLst/>
-          </a:prstGeom>
-        </p:spPr>
-        <p:style>
-          <a:lnRef idx="1">
-            <a:schemeClr val="accent1"/>
-          </a:lnRef>
-          <a:fillRef idx="0">
-            <a:schemeClr val="accent1"/>
-          </a:fillRef>
-          <a:effectRef idx="0">
-            <a:schemeClr val="accent1"/>
-          </a:effectRef>
-          <a:fontRef idx="minor">
-            <a:schemeClr val="tx1"/>
-          </a:fontRef>
-        </p:style>
-      </p:cxnSp>
-      <p:pic>
-        <p:nvPicPr>
-          <p:cNvPr id="29" name="Grafik 28" descr="Ein Bild, das Uhr, Schild, Personen enthält.&#10;&#10;Automatisch generierte Beschreibung">
-            <a:extLst>
-              <a:ext uri="{FF2B5EF4-FFF2-40B4-BE49-F238E27FC236}">
-                <a16:creationId xmlns:a16="http://schemas.microsoft.com/office/drawing/2014/main" id="{56B0F0D8-3AAF-4369-A145-675C5491757B}"/>
-              </a:ext>
-            </a:extLst>
-          </p:cNvPr>
-          <p:cNvPicPr>
-            <a:picLocks noChangeAspect="1"/>
-          </p:cNvPicPr>
-          <p:nvPr/>
-        </p:nvPicPr>
-        <p:blipFill rotWithShape="1">
-          <a:blip r:embed="rId4"/>
-          <a:srcRect l="5317" r="-2" b="-2"/>
-          <a:stretch/>
-        </p:blipFill>
-        <p:spPr>
-          <a:xfrm>
-            <a:off x="6414367" y="2524675"/>
-            <a:ext cx="4650004" cy="1817115"/>
-          </a:xfrm>
-          <a:prstGeom prst="rect">
-            <a:avLst/>
-          </a:prstGeom>
-        </p:spPr>
-      </p:pic>
-      <p:sp>
-        <p:nvSpPr>
           <p:cNvPr id="30" name="Titel 1">
             <a:extLst>
               <a:ext uri="{FF2B5EF4-FFF2-40B4-BE49-F238E27FC236}">
@@ -9849,13 +8785,12 @@
         </p:nvSpPr>
         <p:spPr>
           <a:xfrm>
-            <a:off x="2442758" y="731520"/>
-            <a:ext cx="7306484" cy="1088571"/>
+            <a:off x="4056462" y="1330315"/>
+            <a:ext cx="5217540" cy="773137"/>
           </a:xfrm>
           <a:prstGeom prst="rect">
             <a:avLst/>
           </a:prstGeom>
-          <a:noFill/>
         </p:spPr>
         <p:txBody>
           <a:bodyPr vert="horz" lIns="91440" tIns="45720" rIns="91440" bIns="45720" rtlCol="0" anchor="t">
@@ -9934,18 +8869,107 @@
             </a:lvl9pPr>
           </a:lstStyle>
           <a:p>
-            <a:pPr algn="ctr"/>
+            <a:pPr algn="ctr">
+              <a:spcAft>
+                <a:spcPts val="600"/>
+              </a:spcAft>
+            </a:pPr>
             <a:r>
-              <a:rPr lang="de-DE" sz="4400" b="1" dirty="0">
-                <a:solidFill>
-                  <a:srgbClr val="EC6708"/>
-                </a:solidFill>
-              </a:rPr>
+              <a:rPr lang="en-US" b="1" dirty="0" err="1"/>
               <a:t>Abschlusspräsentation</a:t>
             </a:r>
+            <a:endParaRPr lang="en-US" b="1" dirty="0"/>
           </a:p>
         </p:txBody>
       </p:sp>
+      <p:pic>
+        <p:nvPicPr>
+          <p:cNvPr id="29" name="Grafik 28" descr="Ein Bild, das Uhr, Schild, Personen enthält.&#10;&#10;Automatisch generierte Beschreibung">
+            <a:extLst>
+              <a:ext uri="{FF2B5EF4-FFF2-40B4-BE49-F238E27FC236}">
+                <a16:creationId xmlns:a16="http://schemas.microsoft.com/office/drawing/2014/main" id="{56B0F0D8-3AAF-4369-A145-675C5491757B}"/>
+              </a:ext>
+            </a:extLst>
+          </p:cNvPr>
+          <p:cNvPicPr>
+            <a:picLocks noChangeAspect="1"/>
+          </p:cNvPicPr>
+          <p:nvPr/>
+        </p:nvPicPr>
+        <p:blipFill rotWithShape="1">
+          <a:blip r:embed="rId3"/>
+          <a:srcRect l="11452" r="8322" b="2"/>
+          <a:stretch/>
+        </p:blipFill>
+        <p:spPr>
+          <a:xfrm>
+            <a:off x="258291" y="208298"/>
+            <a:ext cx="3150527" cy="1452982"/>
+          </a:xfrm>
+          <a:prstGeom prst="rect">
+            <a:avLst/>
+          </a:prstGeom>
+        </p:spPr>
+      </p:pic>
+      <p:pic>
+        <p:nvPicPr>
+          <p:cNvPr id="28" name="Grafik 27" descr="Ein Bild, das Zeichnung enthält.&#10;&#10;Automatisch generierte Beschreibung">
+            <a:extLst>
+              <a:ext uri="{FF2B5EF4-FFF2-40B4-BE49-F238E27FC236}">
+                <a16:creationId xmlns:a16="http://schemas.microsoft.com/office/drawing/2014/main" id="{64D1AE4A-7657-46A0-9DC0-6DD36F81E2CF}"/>
+              </a:ext>
+            </a:extLst>
+          </p:cNvPr>
+          <p:cNvPicPr>
+            <a:picLocks noChangeAspect="1"/>
+          </p:cNvPicPr>
+          <p:nvPr/>
+        </p:nvPicPr>
+        <p:blipFill rotWithShape="1">
+          <a:blip r:embed="rId4"/>
+          <a:srcRect l="1829" r="1782" b="3"/>
+          <a:stretch/>
+        </p:blipFill>
+        <p:spPr>
+          <a:xfrm>
+            <a:off x="197792" y="1661280"/>
+            <a:ext cx="3119662" cy="1812404"/>
+          </a:xfrm>
+          <a:prstGeom prst="rect">
+            <a:avLst/>
+          </a:prstGeom>
+        </p:spPr>
+      </p:pic>
+      <p:graphicFrame>
+        <p:nvGraphicFramePr>
+          <p:cNvPr id="31" name="Inhaltsplatzhalter 3" descr="Symbol für SmartArt-Platzhalter ">
+            <a:extLst>
+              <a:ext uri="{FF2B5EF4-FFF2-40B4-BE49-F238E27FC236}">
+                <a16:creationId xmlns:a16="http://schemas.microsoft.com/office/drawing/2014/main" id="{6B6953B8-1C32-4ADD-BEF9-CE2F829CC895}"/>
+              </a:ext>
+            </a:extLst>
+          </p:cNvPr>
+          <p:cNvGraphicFramePr>
+            <a:graphicFrameLocks/>
+          </p:cNvGraphicFramePr>
+          <p:nvPr>
+            <p:extLst>
+              <p:ext uri="{D42A27DB-BD31-4B8C-83A1-F6EECF244321}">
+                <p14:modId xmlns:p14="http://schemas.microsoft.com/office/powerpoint/2010/main" val="783312789"/>
+              </p:ext>
+            </p:extLst>
+          </p:nvPr>
+        </p:nvGraphicFramePr>
+        <p:xfrm>
+          <a:off x="4056462" y="2160589"/>
+          <a:ext cx="5217539" cy="3880773"/>
+        </p:xfrm>
+        <a:graphic>
+          <a:graphicData uri="http://schemas.openxmlformats.org/drawingml/2006/diagram">
+            <dgm:relIds xmlns:dgm="http://schemas.openxmlformats.org/drawingml/2006/diagram" xmlns:r="http://schemas.openxmlformats.org/officeDocument/2006/relationships" r:dm="rId5" r:lo="rId6" r:qs="rId7" r:cs="rId8"/>
+          </a:graphicData>
+        </a:graphic>
+      </p:graphicFrame>
     </p:spTree>
     <p:extLst>
       <p:ext uri="{BB962C8B-B14F-4D97-AF65-F5344CB8AC3E}">
@@ -9960,269 +8984,6 @@
 </file>
 
 <file path=ppt/slides/slide10.xml><?xml version="1.0" encoding="utf-8"?>
-<p:sld xmlns:a="http://schemas.openxmlformats.org/drawingml/2006/main" xmlns:r="http://schemas.openxmlformats.org/officeDocument/2006/relationships" xmlns:p="http://schemas.openxmlformats.org/presentationml/2006/main">
-  <p:cSld>
-    <p:spTree>
-      <p:nvGrpSpPr>
-        <p:cNvPr id="1" name=""/>
-        <p:cNvGrpSpPr/>
-        <p:nvPr/>
-      </p:nvGrpSpPr>
-      <p:grpSpPr>
-        <a:xfrm>
-          <a:off x="0" y="0"/>
-          <a:ext cx="0" cy="0"/>
-          <a:chOff x="0" y="0"/>
-          <a:chExt cx="0" cy="0"/>
-        </a:xfrm>
-      </p:grpSpPr>
-      <p:sp>
-        <p:nvSpPr>
-          <p:cNvPr id="2" name="Titel 1">
-            <a:extLst>
-              <a:ext uri="{FF2B5EF4-FFF2-40B4-BE49-F238E27FC236}">
-                <a16:creationId xmlns:a16="http://schemas.microsoft.com/office/drawing/2014/main" id="{21C31C1B-A82A-446F-A615-26B2886445DA}"/>
-              </a:ext>
-            </a:extLst>
-          </p:cNvPr>
-          <p:cNvSpPr txBox="1">
-            <a:spLocks/>
-          </p:cNvSpPr>
-          <p:nvPr/>
-        </p:nvSpPr>
-        <p:spPr>
-          <a:xfrm>
-            <a:off x="1590732" y="106001"/>
-            <a:ext cx="4178300" cy="835025"/>
-          </a:xfrm>
-          <a:prstGeom prst="rect">
-            <a:avLst/>
-          </a:prstGeom>
-          <a:noFill/>
-        </p:spPr>
-        <p:txBody>
-          <a:bodyPr vert="horz" lIns="91440" tIns="45720" rIns="91440" bIns="45720" rtlCol="0" anchor="t">
-            <a:normAutofit/>
-          </a:bodyPr>
-          <a:lstStyle>
-            <a:lvl1pPr algn="l" defTabSz="457200" rtl="0" eaLnBrk="1" latinLnBrk="0" hangingPunct="1">
-              <a:spcBef>
-                <a:spcPct val="0"/>
-              </a:spcBef>
-              <a:buNone/>
-              <a:defRPr sz="3600" kern="1200">
-                <a:solidFill>
-                  <a:schemeClr val="accent1"/>
-                </a:solidFill>
-                <a:latin typeface="+mj-lt"/>
-                <a:ea typeface="+mj-ea"/>
-                <a:cs typeface="+mj-cs"/>
-              </a:defRPr>
-            </a:lvl1pPr>
-            <a:lvl2pPr eaLnBrk="1" hangingPunct="1">
-              <a:defRPr>
-                <a:solidFill>
-                  <a:schemeClr val="tx2"/>
-                </a:solidFill>
-              </a:defRPr>
-            </a:lvl2pPr>
-            <a:lvl3pPr eaLnBrk="1" hangingPunct="1">
-              <a:defRPr>
-                <a:solidFill>
-                  <a:schemeClr val="tx2"/>
-                </a:solidFill>
-              </a:defRPr>
-            </a:lvl3pPr>
-            <a:lvl4pPr eaLnBrk="1" hangingPunct="1">
-              <a:defRPr>
-                <a:solidFill>
-                  <a:schemeClr val="tx2"/>
-                </a:solidFill>
-              </a:defRPr>
-            </a:lvl4pPr>
-            <a:lvl5pPr eaLnBrk="1" hangingPunct="1">
-              <a:defRPr>
-                <a:solidFill>
-                  <a:schemeClr val="tx2"/>
-                </a:solidFill>
-              </a:defRPr>
-            </a:lvl5pPr>
-            <a:lvl6pPr eaLnBrk="1" hangingPunct="1">
-              <a:defRPr>
-                <a:solidFill>
-                  <a:schemeClr val="tx2"/>
-                </a:solidFill>
-              </a:defRPr>
-            </a:lvl6pPr>
-            <a:lvl7pPr eaLnBrk="1" hangingPunct="1">
-              <a:defRPr>
-                <a:solidFill>
-                  <a:schemeClr val="tx2"/>
-                </a:solidFill>
-              </a:defRPr>
-            </a:lvl7pPr>
-            <a:lvl8pPr eaLnBrk="1" hangingPunct="1">
-              <a:defRPr>
-                <a:solidFill>
-                  <a:schemeClr val="tx2"/>
-                </a:solidFill>
-              </a:defRPr>
-            </a:lvl8pPr>
-            <a:lvl9pPr eaLnBrk="1" hangingPunct="1">
-              <a:defRPr>
-                <a:solidFill>
-                  <a:schemeClr val="tx2"/>
-                </a:solidFill>
-              </a:defRPr>
-            </a:lvl9pPr>
-          </a:lstStyle>
-          <a:p>
-            <a:r>
-              <a:rPr lang="de-DE" dirty="0">
-                <a:solidFill>
-                  <a:srgbClr val="EC6708"/>
-                </a:solidFill>
-              </a:rPr>
-              <a:t>Ausblick</a:t>
-            </a:r>
-          </a:p>
-        </p:txBody>
-      </p:sp>
-      <p:sp>
-        <p:nvSpPr>
-          <p:cNvPr id="3" name="Rechteck 2">
-            <a:extLst>
-              <a:ext uri="{FF2B5EF4-FFF2-40B4-BE49-F238E27FC236}">
-                <a16:creationId xmlns:a16="http://schemas.microsoft.com/office/drawing/2014/main" id="{EC75702D-80D2-4048-8520-D81D4E78B69B}"/>
-              </a:ext>
-            </a:extLst>
-          </p:cNvPr>
-          <p:cNvSpPr/>
-          <p:nvPr/>
-        </p:nvSpPr>
-        <p:spPr>
-          <a:xfrm>
-            <a:off x="1771649" y="1913572"/>
-            <a:ext cx="8162925" cy="2308324"/>
-          </a:xfrm>
-          <a:prstGeom prst="rect">
-            <a:avLst/>
-          </a:prstGeom>
-        </p:spPr>
-        <p:txBody>
-          <a:bodyPr wrap="square">
-            <a:spAutoFit/>
-          </a:bodyPr>
-          <a:lstStyle/>
-          <a:p>
-            <a:pPr marL="285750" indent="-285750">
-              <a:buFont typeface="Arial" panose="020B0604020202020204" pitchFamily="34" charset="0"/>
-              <a:buChar char="•"/>
-            </a:pPr>
-            <a:r>
-              <a:rPr lang="de-DE" dirty="0"/>
-              <a:t>Schnittstelle zur Packstation</a:t>
-            </a:r>
-          </a:p>
-          <a:p>
-            <a:pPr marL="285750" indent="-285750">
-              <a:buFont typeface="Arial" panose="020B0604020202020204" pitchFamily="34" charset="0"/>
-              <a:buChar char="•"/>
-            </a:pPr>
-            <a:r>
-              <a:rPr lang="de-DE" dirty="0"/>
-              <a:t>Interaktion mit der Rechnung noch nicht möglich (Rabatt)</a:t>
-            </a:r>
-          </a:p>
-          <a:p>
-            <a:pPr marL="285750" indent="-285750">
-              <a:buFont typeface="Arial" panose="020B0604020202020204" pitchFamily="34" charset="0"/>
-              <a:buChar char="•"/>
-            </a:pPr>
-            <a:r>
-              <a:rPr lang="de-DE" dirty="0"/>
-              <a:t>Reservierung</a:t>
-            </a:r>
-          </a:p>
-          <a:p>
-            <a:pPr marL="285750" indent="-285750">
-              <a:buFont typeface="Arial" panose="020B0604020202020204" pitchFamily="34" charset="0"/>
-              <a:buChar char="•"/>
-            </a:pPr>
-            <a:r>
-              <a:rPr lang="de-DE" dirty="0"/>
-              <a:t>Userverwalten</a:t>
-            </a:r>
-          </a:p>
-          <a:p>
-            <a:pPr marL="285750" indent="-285750">
-              <a:buFont typeface="Arial" panose="020B0604020202020204" pitchFamily="34" charset="0"/>
-              <a:buChar char="•"/>
-            </a:pPr>
-            <a:r>
-              <a:rPr lang="de-DE" dirty="0"/>
-              <a:t>Interne Mitarbeiter  Verwaltung (</a:t>
-            </a:r>
-            <a:r>
-              <a:rPr lang="de-DE" dirty="0" err="1"/>
-              <a:t>Notifications</a:t>
-            </a:r>
-            <a:r>
-              <a:rPr lang="de-DE" dirty="0"/>
-              <a:t>, </a:t>
-            </a:r>
-            <a:r>
-              <a:rPr lang="de-DE" dirty="0" err="1"/>
-              <a:t>ToDos</a:t>
-            </a:r>
-            <a:r>
-              <a:rPr lang="de-DE" dirty="0"/>
-              <a:t>,…</a:t>
-            </a:r>
-          </a:p>
-          <a:p>
-            <a:pPr marL="285750" indent="-285750">
-              <a:buFont typeface="Arial" panose="020B0604020202020204" pitchFamily="34" charset="0"/>
-              <a:buChar char="•"/>
-            </a:pPr>
-            <a:r>
-              <a:rPr lang="de-DE" dirty="0"/>
-              <a:t>Webseite finalisieren</a:t>
-            </a:r>
-          </a:p>
-          <a:p>
-            <a:pPr marL="285750" indent="-285750">
-              <a:buFont typeface="Arial" panose="020B0604020202020204" pitchFamily="34" charset="0"/>
-              <a:buChar char="•"/>
-            </a:pPr>
-            <a:endParaRPr lang="de-DE" dirty="0"/>
-          </a:p>
-          <a:p>
-            <a:pPr marL="285750" indent="-285750">
-              <a:buFont typeface="Arial" panose="020B0604020202020204" pitchFamily="34" charset="0"/>
-              <a:buChar char="•"/>
-            </a:pPr>
-            <a:r>
-              <a:rPr lang="de-DE" dirty="0"/>
-              <a:t>…</a:t>
-            </a:r>
-          </a:p>
-        </p:txBody>
-      </p:sp>
-    </p:spTree>
-    <p:extLst>
-      <p:ext uri="{BB962C8B-B14F-4D97-AF65-F5344CB8AC3E}">
-        <p14:creationId xmlns:p14="http://schemas.microsoft.com/office/powerpoint/2010/main" val="2711244225"/>
-      </p:ext>
-    </p:extLst>
-  </p:cSld>
-  <p:clrMapOvr>
-    <a:masterClrMapping/>
-  </p:clrMapOvr>
-</p:sld>
-</file>
-
-<file path=ppt/slides/slide11.xml><?xml version="1.0" encoding="utf-8"?>
 <p:sld xmlns:a="http://schemas.openxmlformats.org/drawingml/2006/main" xmlns:r="http://schemas.openxmlformats.org/officeDocument/2006/relationships" xmlns:p="http://schemas.openxmlformats.org/presentationml/2006/main">
   <p:cSld>
     <p:spTree>
@@ -10554,7 +9315,7 @@
 </p:sld>
 </file>
 
-<file path=ppt/slides/slide12.xml><?xml version="1.0" encoding="utf-8"?>
+<file path=ppt/slides/slide11.xml><?xml version="1.0" encoding="utf-8"?>
 <p:sld xmlns:a="http://schemas.openxmlformats.org/drawingml/2006/main" xmlns:r="http://schemas.openxmlformats.org/officeDocument/2006/relationships" xmlns:p="http://schemas.openxmlformats.org/presentationml/2006/main">
   <p:cSld>
     <p:bg>
@@ -10706,178 +9467,6 @@
 </file>
 
 <file path=ppt/slides/slide2.xml><?xml version="1.0" encoding="utf-8"?>
-<p:sld xmlns:a="http://schemas.openxmlformats.org/drawingml/2006/main" xmlns:r="http://schemas.openxmlformats.org/officeDocument/2006/relationships" xmlns:p="http://schemas.openxmlformats.org/presentationml/2006/main">
-  <p:cSld>
-    <p:spTree>
-      <p:nvGrpSpPr>
-        <p:cNvPr id="1" name=""/>
-        <p:cNvGrpSpPr/>
-        <p:nvPr/>
-      </p:nvGrpSpPr>
-      <p:grpSpPr>
-        <a:xfrm>
-          <a:off x="0" y="0"/>
-          <a:ext cx="0" cy="0"/>
-          <a:chOff x="0" y="0"/>
-          <a:chExt cx="0" cy="0"/>
-        </a:xfrm>
-      </p:grpSpPr>
-      <p:sp>
-        <p:nvSpPr>
-          <p:cNvPr id="3" name="Titel 1">
-            <a:extLst>
-              <a:ext uri="{FF2B5EF4-FFF2-40B4-BE49-F238E27FC236}">
-                <a16:creationId xmlns:a16="http://schemas.microsoft.com/office/drawing/2014/main" id="{D44DF139-8165-4382-B66E-06DCA7241970}"/>
-              </a:ext>
-            </a:extLst>
-          </p:cNvPr>
-          <p:cNvSpPr txBox="1">
-            <a:spLocks/>
-          </p:cNvSpPr>
-          <p:nvPr/>
-        </p:nvSpPr>
-        <p:spPr>
-          <a:xfrm>
-            <a:off x="1590732" y="106001"/>
-            <a:ext cx="2879668" cy="835025"/>
-          </a:xfrm>
-          <a:prstGeom prst="rect">
-            <a:avLst/>
-          </a:prstGeom>
-          <a:noFill/>
-        </p:spPr>
-        <p:txBody>
-          <a:bodyPr vert="horz" lIns="91440" tIns="45720" rIns="91440" bIns="45720" rtlCol="0" anchor="t">
-            <a:normAutofit/>
-          </a:bodyPr>
-          <a:lstStyle>
-            <a:lvl1pPr algn="l" defTabSz="457200" rtl="0" eaLnBrk="1" latinLnBrk="0" hangingPunct="1">
-              <a:spcBef>
-                <a:spcPct val="0"/>
-              </a:spcBef>
-              <a:buNone/>
-              <a:defRPr sz="3600" kern="1200">
-                <a:solidFill>
-                  <a:schemeClr val="accent1"/>
-                </a:solidFill>
-                <a:latin typeface="+mj-lt"/>
-                <a:ea typeface="+mj-ea"/>
-                <a:cs typeface="+mj-cs"/>
-              </a:defRPr>
-            </a:lvl1pPr>
-            <a:lvl2pPr eaLnBrk="1" hangingPunct="1">
-              <a:defRPr>
-                <a:solidFill>
-                  <a:schemeClr val="tx2"/>
-                </a:solidFill>
-              </a:defRPr>
-            </a:lvl2pPr>
-            <a:lvl3pPr eaLnBrk="1" hangingPunct="1">
-              <a:defRPr>
-                <a:solidFill>
-                  <a:schemeClr val="tx2"/>
-                </a:solidFill>
-              </a:defRPr>
-            </a:lvl3pPr>
-            <a:lvl4pPr eaLnBrk="1" hangingPunct="1">
-              <a:defRPr>
-                <a:solidFill>
-                  <a:schemeClr val="tx2"/>
-                </a:solidFill>
-              </a:defRPr>
-            </a:lvl4pPr>
-            <a:lvl5pPr eaLnBrk="1" hangingPunct="1">
-              <a:defRPr>
-                <a:solidFill>
-                  <a:schemeClr val="tx2"/>
-                </a:solidFill>
-              </a:defRPr>
-            </a:lvl5pPr>
-            <a:lvl6pPr eaLnBrk="1" hangingPunct="1">
-              <a:defRPr>
-                <a:solidFill>
-                  <a:schemeClr val="tx2"/>
-                </a:solidFill>
-              </a:defRPr>
-            </a:lvl6pPr>
-            <a:lvl7pPr eaLnBrk="1" hangingPunct="1">
-              <a:defRPr>
-                <a:solidFill>
-                  <a:schemeClr val="tx2"/>
-                </a:solidFill>
-              </a:defRPr>
-            </a:lvl7pPr>
-            <a:lvl8pPr eaLnBrk="1" hangingPunct="1">
-              <a:defRPr>
-                <a:solidFill>
-                  <a:schemeClr val="tx2"/>
-                </a:solidFill>
-              </a:defRPr>
-            </a:lvl8pPr>
-            <a:lvl9pPr eaLnBrk="1" hangingPunct="1">
-              <a:defRPr>
-                <a:solidFill>
-                  <a:schemeClr val="tx2"/>
-                </a:solidFill>
-              </a:defRPr>
-            </a:lvl9pPr>
-          </a:lstStyle>
-          <a:p>
-            <a:r>
-              <a:rPr lang="de-DE" dirty="0">
-                <a:solidFill>
-                  <a:srgbClr val="EC6708"/>
-                </a:solidFill>
-              </a:rPr>
-              <a:t>Datenbank</a:t>
-            </a:r>
-          </a:p>
-        </p:txBody>
-      </p:sp>
-      <p:graphicFrame>
-        <p:nvGraphicFramePr>
-          <p:cNvPr id="17" name="Inhaltsplatzhalter 3" descr="Symbol für SmartArt-Platzhalter ">
-            <a:extLst>
-              <a:ext uri="{FF2B5EF4-FFF2-40B4-BE49-F238E27FC236}">
-                <a16:creationId xmlns:a16="http://schemas.microsoft.com/office/drawing/2014/main" id="{89E570E6-EEE0-4489-92B9-53C9D4A4ED55}"/>
-              </a:ext>
-            </a:extLst>
-          </p:cNvPr>
-          <p:cNvGraphicFramePr>
-            <a:graphicFrameLocks/>
-          </p:cNvGraphicFramePr>
-          <p:nvPr>
-            <p:extLst>
-              <p:ext uri="{D42A27DB-BD31-4B8C-83A1-F6EECF244321}">
-                <p14:modId xmlns:p14="http://schemas.microsoft.com/office/powerpoint/2010/main" val="1535056496"/>
-              </p:ext>
-            </p:extLst>
-          </p:nvPr>
-        </p:nvGraphicFramePr>
-        <p:xfrm>
-          <a:off x="2438400" y="868362"/>
-          <a:ext cx="7315200" cy="5121275"/>
-        </p:xfrm>
-        <a:graphic>
-          <a:graphicData uri="http://schemas.openxmlformats.org/drawingml/2006/diagram">
-            <dgm:relIds xmlns:dgm="http://schemas.openxmlformats.org/drawingml/2006/diagram" xmlns:r="http://schemas.openxmlformats.org/officeDocument/2006/relationships" r:dm="rId2" r:lo="rId3" r:qs="rId4" r:cs="rId5"/>
-          </a:graphicData>
-        </a:graphic>
-      </p:graphicFrame>
-    </p:spTree>
-    <p:extLst>
-      <p:ext uri="{BB962C8B-B14F-4D97-AF65-F5344CB8AC3E}">
-        <p14:creationId xmlns:p14="http://schemas.microsoft.com/office/powerpoint/2010/main" val="225800467"/>
-      </p:ext>
-    </p:extLst>
-  </p:cSld>
-  <p:clrMapOvr>
-    <a:masterClrMapping/>
-  </p:clrMapOvr>
-</p:sld>
-</file>
-
-<file path=ppt/slides/slide3.xml><?xml version="1.0" encoding="utf-8"?>
 <p:sld xmlns:a="http://schemas.openxmlformats.org/drawingml/2006/main" xmlns:r="http://schemas.openxmlformats.org/officeDocument/2006/relationships" xmlns:p="http://schemas.openxmlformats.org/presentationml/2006/main">
   <p:cSld>
     <p:spTree>
@@ -11222,7 +9811,7 @@
 </p:sld>
 </file>
 
-<file path=ppt/slides/slide4.xml><?xml version="1.0" encoding="utf-8"?>
+<file path=ppt/slides/slide3.xml><?xml version="1.0" encoding="utf-8"?>
 <p:sld xmlns:a="http://schemas.openxmlformats.org/drawingml/2006/main" xmlns:r="http://schemas.openxmlformats.org/officeDocument/2006/relationships" xmlns:p="http://schemas.openxmlformats.org/presentationml/2006/main">
   <p:cSld>
     <p:spTree>
@@ -12361,7 +10950,7 @@
 </p:sld>
 </file>
 
-<file path=ppt/slides/slide5.xml><?xml version="1.0" encoding="utf-8"?>
+<file path=ppt/slides/slide4.xml><?xml version="1.0" encoding="utf-8"?>
 <p:sld xmlns:a="http://schemas.openxmlformats.org/drawingml/2006/main" xmlns:r="http://schemas.openxmlformats.org/officeDocument/2006/relationships" xmlns:p="http://schemas.openxmlformats.org/presentationml/2006/main">
   <p:cSld>
     <p:spTree>
@@ -12578,7 +11167,7 @@
 </p:sld>
 </file>
 
-<file path=ppt/slides/slide6.xml><?xml version="1.0" encoding="utf-8"?>
+<file path=ppt/slides/slide5.xml><?xml version="1.0" encoding="utf-8"?>
 <p:sld xmlns:a="http://schemas.openxmlformats.org/drawingml/2006/main" xmlns:r="http://schemas.openxmlformats.org/officeDocument/2006/relationships" xmlns:p="http://schemas.openxmlformats.org/presentationml/2006/main">
   <p:cSld>
     <p:spTree>
@@ -12917,7 +11506,7 @@
 </p:sld>
 </file>
 
-<file path=ppt/slides/slide7.xml><?xml version="1.0" encoding="utf-8"?>
+<file path=ppt/slides/slide6.xml><?xml version="1.0" encoding="utf-8"?>
 <p:sld xmlns:a="http://schemas.openxmlformats.org/drawingml/2006/main" xmlns:r="http://schemas.openxmlformats.org/officeDocument/2006/relationships" xmlns:p="http://schemas.openxmlformats.org/presentationml/2006/main">
   <p:cSld>
     <p:spTree>
@@ -13296,7 +11885,7 @@
 </p:sld>
 </file>
 
-<file path=ppt/slides/slide8.xml><?xml version="1.0" encoding="utf-8"?>
+<file path=ppt/slides/slide7.xml><?xml version="1.0" encoding="utf-8"?>
 <p:sld xmlns:a="http://schemas.openxmlformats.org/drawingml/2006/main" xmlns:r="http://schemas.openxmlformats.org/officeDocument/2006/relationships" xmlns:p="http://schemas.openxmlformats.org/presentationml/2006/main">
   <p:cSld>
     <p:spTree>
@@ -13438,7 +12027,7 @@
 </p:sld>
 </file>
 
-<file path=ppt/slides/slide9.xml><?xml version="1.0" encoding="utf-8"?>
+<file path=ppt/slides/slide8.xml><?xml version="1.0" encoding="utf-8"?>
 <p:sld xmlns:a="http://schemas.openxmlformats.org/drawingml/2006/main" xmlns:r="http://schemas.openxmlformats.org/officeDocument/2006/relationships" xmlns:p="http://schemas.openxmlformats.org/presentationml/2006/main">
   <p:cSld>
     <p:spTree>
@@ -13786,6 +12375,269 @@
     <p:extLst>
       <p:ext uri="{BB962C8B-B14F-4D97-AF65-F5344CB8AC3E}">
         <p14:creationId xmlns:p14="http://schemas.microsoft.com/office/powerpoint/2010/main" val="1473687653"/>
+      </p:ext>
+    </p:extLst>
+  </p:cSld>
+  <p:clrMapOvr>
+    <a:masterClrMapping/>
+  </p:clrMapOvr>
+</p:sld>
+</file>
+
+<file path=ppt/slides/slide9.xml><?xml version="1.0" encoding="utf-8"?>
+<p:sld xmlns:a="http://schemas.openxmlformats.org/drawingml/2006/main" xmlns:r="http://schemas.openxmlformats.org/officeDocument/2006/relationships" xmlns:p="http://schemas.openxmlformats.org/presentationml/2006/main">
+  <p:cSld>
+    <p:spTree>
+      <p:nvGrpSpPr>
+        <p:cNvPr id="1" name=""/>
+        <p:cNvGrpSpPr/>
+        <p:nvPr/>
+      </p:nvGrpSpPr>
+      <p:grpSpPr>
+        <a:xfrm>
+          <a:off x="0" y="0"/>
+          <a:ext cx="0" cy="0"/>
+          <a:chOff x="0" y="0"/>
+          <a:chExt cx="0" cy="0"/>
+        </a:xfrm>
+      </p:grpSpPr>
+      <p:sp>
+        <p:nvSpPr>
+          <p:cNvPr id="2" name="Titel 1">
+            <a:extLst>
+              <a:ext uri="{FF2B5EF4-FFF2-40B4-BE49-F238E27FC236}">
+                <a16:creationId xmlns:a16="http://schemas.microsoft.com/office/drawing/2014/main" id="{21C31C1B-A82A-446F-A615-26B2886445DA}"/>
+              </a:ext>
+            </a:extLst>
+          </p:cNvPr>
+          <p:cNvSpPr txBox="1">
+            <a:spLocks/>
+          </p:cNvSpPr>
+          <p:nvPr/>
+        </p:nvSpPr>
+        <p:spPr>
+          <a:xfrm>
+            <a:off x="1590732" y="106001"/>
+            <a:ext cx="4178300" cy="835025"/>
+          </a:xfrm>
+          <a:prstGeom prst="rect">
+            <a:avLst/>
+          </a:prstGeom>
+          <a:noFill/>
+        </p:spPr>
+        <p:txBody>
+          <a:bodyPr vert="horz" lIns="91440" tIns="45720" rIns="91440" bIns="45720" rtlCol="0" anchor="t">
+            <a:normAutofit/>
+          </a:bodyPr>
+          <a:lstStyle>
+            <a:lvl1pPr algn="l" defTabSz="457200" rtl="0" eaLnBrk="1" latinLnBrk="0" hangingPunct="1">
+              <a:spcBef>
+                <a:spcPct val="0"/>
+              </a:spcBef>
+              <a:buNone/>
+              <a:defRPr sz="3600" kern="1200">
+                <a:solidFill>
+                  <a:schemeClr val="accent1"/>
+                </a:solidFill>
+                <a:latin typeface="+mj-lt"/>
+                <a:ea typeface="+mj-ea"/>
+                <a:cs typeface="+mj-cs"/>
+              </a:defRPr>
+            </a:lvl1pPr>
+            <a:lvl2pPr eaLnBrk="1" hangingPunct="1">
+              <a:defRPr>
+                <a:solidFill>
+                  <a:schemeClr val="tx2"/>
+                </a:solidFill>
+              </a:defRPr>
+            </a:lvl2pPr>
+            <a:lvl3pPr eaLnBrk="1" hangingPunct="1">
+              <a:defRPr>
+                <a:solidFill>
+                  <a:schemeClr val="tx2"/>
+                </a:solidFill>
+              </a:defRPr>
+            </a:lvl3pPr>
+            <a:lvl4pPr eaLnBrk="1" hangingPunct="1">
+              <a:defRPr>
+                <a:solidFill>
+                  <a:schemeClr val="tx2"/>
+                </a:solidFill>
+              </a:defRPr>
+            </a:lvl4pPr>
+            <a:lvl5pPr eaLnBrk="1" hangingPunct="1">
+              <a:defRPr>
+                <a:solidFill>
+                  <a:schemeClr val="tx2"/>
+                </a:solidFill>
+              </a:defRPr>
+            </a:lvl5pPr>
+            <a:lvl6pPr eaLnBrk="1" hangingPunct="1">
+              <a:defRPr>
+                <a:solidFill>
+                  <a:schemeClr val="tx2"/>
+                </a:solidFill>
+              </a:defRPr>
+            </a:lvl6pPr>
+            <a:lvl7pPr eaLnBrk="1" hangingPunct="1">
+              <a:defRPr>
+                <a:solidFill>
+                  <a:schemeClr val="tx2"/>
+                </a:solidFill>
+              </a:defRPr>
+            </a:lvl7pPr>
+            <a:lvl8pPr eaLnBrk="1" hangingPunct="1">
+              <a:defRPr>
+                <a:solidFill>
+                  <a:schemeClr val="tx2"/>
+                </a:solidFill>
+              </a:defRPr>
+            </a:lvl8pPr>
+            <a:lvl9pPr eaLnBrk="1" hangingPunct="1">
+              <a:defRPr>
+                <a:solidFill>
+                  <a:schemeClr val="tx2"/>
+                </a:solidFill>
+              </a:defRPr>
+            </a:lvl9pPr>
+          </a:lstStyle>
+          <a:p>
+            <a:r>
+              <a:rPr lang="de-DE" dirty="0">
+                <a:solidFill>
+                  <a:srgbClr val="EC6708"/>
+                </a:solidFill>
+              </a:rPr>
+              <a:t>Ausblick</a:t>
+            </a:r>
+          </a:p>
+        </p:txBody>
+      </p:sp>
+      <p:sp>
+        <p:nvSpPr>
+          <p:cNvPr id="3" name="Rechteck 2">
+            <a:extLst>
+              <a:ext uri="{FF2B5EF4-FFF2-40B4-BE49-F238E27FC236}">
+                <a16:creationId xmlns:a16="http://schemas.microsoft.com/office/drawing/2014/main" id="{EC75702D-80D2-4048-8520-D81D4E78B69B}"/>
+              </a:ext>
+            </a:extLst>
+          </p:cNvPr>
+          <p:cNvSpPr/>
+          <p:nvPr/>
+        </p:nvSpPr>
+        <p:spPr>
+          <a:xfrm>
+            <a:off x="1771649" y="1913572"/>
+            <a:ext cx="8162925" cy="2308324"/>
+          </a:xfrm>
+          <a:prstGeom prst="rect">
+            <a:avLst/>
+          </a:prstGeom>
+        </p:spPr>
+        <p:txBody>
+          <a:bodyPr wrap="square">
+            <a:spAutoFit/>
+          </a:bodyPr>
+          <a:lstStyle/>
+          <a:p>
+            <a:pPr marL="285750" indent="-285750">
+              <a:buFont typeface="Arial" panose="020B0604020202020204" pitchFamily="34" charset="0"/>
+              <a:buChar char="•"/>
+            </a:pPr>
+            <a:r>
+              <a:rPr lang="de-DE" dirty="0"/>
+              <a:t>Schnittstelle zur Packstation</a:t>
+            </a:r>
+          </a:p>
+          <a:p>
+            <a:pPr marL="285750" indent="-285750">
+              <a:buFont typeface="Arial" panose="020B0604020202020204" pitchFamily="34" charset="0"/>
+              <a:buChar char="•"/>
+            </a:pPr>
+            <a:r>
+              <a:rPr lang="de-DE" dirty="0"/>
+              <a:t>Interaktion mit der Rechnung noch nicht möglich (Rabatt)</a:t>
+            </a:r>
+          </a:p>
+          <a:p>
+            <a:pPr marL="285750" indent="-285750">
+              <a:buFont typeface="Arial" panose="020B0604020202020204" pitchFamily="34" charset="0"/>
+              <a:buChar char="•"/>
+            </a:pPr>
+            <a:r>
+              <a:rPr lang="de-DE" dirty="0"/>
+              <a:t>Reservierung</a:t>
+            </a:r>
+          </a:p>
+          <a:p>
+            <a:pPr marL="285750" indent="-285750">
+              <a:buFont typeface="Arial" panose="020B0604020202020204" pitchFamily="34" charset="0"/>
+              <a:buChar char="•"/>
+            </a:pPr>
+            <a:r>
+              <a:rPr lang="de-DE" dirty="0"/>
+              <a:t>Userverwalten</a:t>
+            </a:r>
+          </a:p>
+          <a:p>
+            <a:pPr marL="285750" indent="-285750">
+              <a:buFont typeface="Arial" panose="020B0604020202020204" pitchFamily="34" charset="0"/>
+              <a:buChar char="•"/>
+            </a:pPr>
+            <a:r>
+              <a:rPr lang="de-DE" dirty="0"/>
+              <a:t>Interne Mitarbeiter  Verwaltung (</a:t>
+            </a:r>
+            <a:r>
+              <a:rPr lang="de-DE" dirty="0" err="1"/>
+              <a:t>Notifications</a:t>
+            </a:r>
+            <a:r>
+              <a:rPr lang="de-DE" dirty="0"/>
+              <a:t>, </a:t>
+            </a:r>
+            <a:r>
+              <a:rPr lang="de-DE" dirty="0" err="1"/>
+              <a:t>ToDos</a:t>
+            </a:r>
+            <a:r>
+              <a:rPr lang="de-DE" dirty="0"/>
+              <a:t>,…</a:t>
+            </a:r>
+          </a:p>
+          <a:p>
+            <a:pPr marL="285750" indent="-285750">
+              <a:buFont typeface="Arial" panose="020B0604020202020204" pitchFamily="34" charset="0"/>
+              <a:buChar char="•"/>
+            </a:pPr>
+            <a:r>
+              <a:rPr lang="de-DE" dirty="0"/>
+              <a:t>Webseite finalisieren</a:t>
+            </a:r>
+          </a:p>
+          <a:p>
+            <a:pPr marL="285750" indent="-285750">
+              <a:buFont typeface="Arial" panose="020B0604020202020204" pitchFamily="34" charset="0"/>
+              <a:buChar char="•"/>
+            </a:pPr>
+            <a:endParaRPr lang="de-DE" dirty="0"/>
+          </a:p>
+          <a:p>
+            <a:pPr marL="285750" indent="-285750">
+              <a:buFont typeface="Arial" panose="020B0604020202020204" pitchFamily="34" charset="0"/>
+              <a:buChar char="•"/>
+            </a:pPr>
+            <a:r>
+              <a:rPr lang="de-DE" dirty="0"/>
+              <a:t>…</a:t>
+            </a:r>
+          </a:p>
+        </p:txBody>
+      </p:sp>
+    </p:spTree>
+    <p:extLst>
+      <p:ext uri="{BB962C8B-B14F-4D97-AF65-F5344CB8AC3E}">
+        <p14:creationId xmlns:p14="http://schemas.microsoft.com/office/powerpoint/2010/main" val="2711244225"/>
       </p:ext>
     </p:extLst>
   </p:cSld>
@@ -14651,6 +13503,15 @@
 </file>
 
 <file path=customXml/item2.xml><?xml version="1.0" encoding="utf-8"?>
+<?mso-contentType ?>
+<FormTemplates xmlns="http://schemas.microsoft.com/sharepoint/v3/contenttype/forms">
+  <Display>DocumentLibraryForm</Display>
+  <Edit>DocumentLibraryForm</Edit>
+  <New>DocumentLibraryForm</New>
+</FormTemplates>
+</file>
+
+<file path=customXml/item3.xml><?xml version="1.0" encoding="utf-8"?>
 <ct:contentTypeSchema xmlns:ct="http://schemas.microsoft.com/office/2006/metadata/contentType" xmlns:ma="http://schemas.microsoft.com/office/2006/metadata/properties/metaAttributes" ct:_="" ma:_="" ma:contentTypeName="Document" ma:contentTypeID="0x01010079F111ED35F8CC479449609E8A0923A6" ma:contentTypeVersion="11" ma:contentTypeDescription="Create a new document." ma:contentTypeScope="" ma:versionID="1c2eb7a32e66fb6e4260f3771546a5e2">
   <xsd:schema xmlns:xsd="http://www.w3.org/2001/XMLSchema" xmlns:xs="http://www.w3.org/2001/XMLSchema" xmlns:p="http://schemas.microsoft.com/office/2006/metadata/properties" xmlns:ns2="71af3243-3dd4-4a8d-8c0d-dd76da1f02a5" xmlns:ns3="16c05727-aa75-4e4a-9b5f-8a80a1165891" targetNamespace="http://schemas.microsoft.com/office/2006/metadata/properties" ma:root="true" ma:fieldsID="04e1f6479c48b08974ba73b5ca973489" ns2:_="" ns3:_="">
     <xsd:import namespace="71af3243-3dd4-4a8d-8c0d-dd76da1f02a5"/>
@@ -14861,15 +13722,6 @@
 </ct:contentTypeSchema>
 </file>
 
-<file path=customXml/item3.xml><?xml version="1.0" encoding="utf-8"?>
-<?mso-contentType ?>
-<FormTemplates xmlns="http://schemas.microsoft.com/sharepoint/v3/contenttype/forms">
-  <Display>DocumentLibraryForm</Display>
-  <Edit>DocumentLibraryForm</Edit>
-  <New>DocumentLibraryForm</New>
-</FormTemplates>
-</file>
-
 <file path=customXml/itemProps1.xml><?xml version="1.0" encoding="utf-8"?>
 <ds:datastoreItem xmlns:ds="http://schemas.openxmlformats.org/officeDocument/2006/customXml" ds:itemID="{30541854-87B3-4953-A183-EF3BD285377B}">
   <ds:schemaRefs>
@@ -14888,6 +13740,14 @@
 </file>
 
 <file path=customXml/itemProps2.xml><?xml version="1.0" encoding="utf-8"?>
+<ds:datastoreItem xmlns:ds="http://schemas.openxmlformats.org/officeDocument/2006/customXml" ds:itemID="{DFB9BFA2-1FA5-44A1-B975-10D6BF58ECD0}">
+  <ds:schemaRefs>
+    <ds:schemaRef ds:uri="http://schemas.microsoft.com/sharepoint/v3/contenttype/forms"/>
+  </ds:schemaRefs>
+</ds:datastoreItem>
+</file>
+
+<file path=customXml/itemProps3.xml><?xml version="1.0" encoding="utf-8"?>
 <ds:datastoreItem xmlns:ds="http://schemas.openxmlformats.org/officeDocument/2006/customXml" ds:itemID="{E577E783-5AB8-45E6-9E56-AE40075231B2}">
   <ds:schemaRefs>
     <ds:schemaRef ds:uri="http://schemas.microsoft.com/office/2006/metadata/contentType"/>
@@ -14904,12 +13764,4 @@
     <ds:schemaRef ds:uri="http://schemas.microsoft.com/internal/obd"/>
   </ds:schemaRefs>
 </ds:datastoreItem>
-</file>
-
-<file path=customXml/itemProps3.xml><?xml version="1.0" encoding="utf-8"?>
-<ds:datastoreItem xmlns:ds="http://schemas.openxmlformats.org/officeDocument/2006/customXml" ds:itemID="{DFB9BFA2-1FA5-44A1-B975-10D6BF58ECD0}">
-  <ds:schemaRefs>
-    <ds:schemaRef ds:uri="http://schemas.microsoft.com/sharepoint/v3/contenttype/forms"/>
-  </ds:schemaRefs>
-</ds:datastoreItem>
 </file>
--- a/share/presentations/Java 2/RentATool_17.07.2020_Danny.pptx
+++ b/share/presentations/Java 2/RentATool_17.07.2020_Danny.pptx
@@ -15,8 +15,8 @@
     <p:sldId id="266" r:id="rId6"/>
     <p:sldId id="264" r:id="rId7"/>
     <p:sldId id="269" r:id="rId8"/>
-    <p:sldId id="267" r:id="rId9"/>
-    <p:sldId id="268" r:id="rId10"/>
+    <p:sldId id="274" r:id="rId9"/>
+    <p:sldId id="267" r:id="rId10"/>
     <p:sldId id="271" r:id="rId11"/>
     <p:sldId id="270" r:id="rId12"/>
     <p:sldId id="273" r:id="rId13"/>
@@ -129,8 +129,8 @@
             <p14:sldId id="266"/>
             <p14:sldId id="264"/>
             <p14:sldId id="269"/>
+            <p14:sldId id="274"/>
             <p14:sldId id="267"/>
-            <p14:sldId id="268"/>
             <p14:sldId id="271"/>
             <p14:sldId id="270"/>
             <p14:sldId id="273"/>
@@ -6691,7 +6691,7 @@
           <a:p>
             <a:fld id="{A4FF6716-91C8-43B5-8A44-D65BE93BEAF4}" type="datetimeFigureOut">
               <a:rPr lang="de-DE" smtClean="0"/>
-              <a:t>02.08.2020</a:t>
+              <a:t>05.08.2020</a:t>
             </a:fld>
             <a:endParaRPr lang="de-DE"/>
           </a:p>
@@ -6869,7 +6869,7 @@
           <a:p>
             <a:fld id="{78F9EC6D-9C59-4223-964A-334E089F8126}" type="datetimeFigureOut">
               <a:rPr lang="de-DE" noProof="0" smtClean="0"/>
-              <a:t>02.08.2020</a:t>
+              <a:t>05.08.2020</a:t>
             </a:fld>
             <a:endParaRPr lang="de-DE" noProof="0"/>
           </a:p>
@@ -8903,8 +8903,8 @@
         </p:blipFill>
         <p:spPr>
           <a:xfrm>
-            <a:off x="258291" y="208298"/>
-            <a:ext cx="3150527" cy="1452982"/>
+            <a:off x="448734" y="266075"/>
+            <a:ext cx="3119662" cy="1438747"/>
           </a:xfrm>
           <a:prstGeom prst="rect">
             <a:avLst/>
@@ -8932,7 +8932,7 @@
         </p:blipFill>
         <p:spPr>
           <a:xfrm>
-            <a:off x="197792" y="1661280"/>
+            <a:off x="448733" y="1704823"/>
             <a:ext cx="3119662" cy="1812404"/>
           </a:xfrm>
           <a:prstGeom prst="rect">
@@ -11184,6 +11184,208 @@
           <a:chExt cx="0" cy="0"/>
         </a:xfrm>
       </p:grpSpPr>
+      <p:sp>
+        <p:nvSpPr>
+          <p:cNvPr id="8" name="Titel 1">
+            <a:extLst>
+              <a:ext uri="{FF2B5EF4-FFF2-40B4-BE49-F238E27FC236}">
+                <a16:creationId xmlns:a16="http://schemas.microsoft.com/office/drawing/2014/main" id="{3931DEA3-6A3E-4EA3-8630-1339E3D8AF1D}"/>
+              </a:ext>
+            </a:extLst>
+          </p:cNvPr>
+          <p:cNvSpPr txBox="1">
+            <a:spLocks/>
+          </p:cNvSpPr>
+          <p:nvPr/>
+        </p:nvSpPr>
+        <p:spPr>
+          <a:xfrm>
+            <a:off x="1590732" y="106001"/>
+            <a:ext cx="4178300" cy="835025"/>
+          </a:xfrm>
+          <a:prstGeom prst="rect">
+            <a:avLst/>
+          </a:prstGeom>
+          <a:noFill/>
+        </p:spPr>
+        <p:txBody>
+          <a:bodyPr vert="horz" lIns="91440" tIns="45720" rIns="91440" bIns="45720" rtlCol="0" anchor="t">
+            <a:normAutofit/>
+          </a:bodyPr>
+          <a:lstStyle>
+            <a:lvl1pPr algn="l" defTabSz="457200" rtl="0" eaLnBrk="1" latinLnBrk="0" hangingPunct="1">
+              <a:spcBef>
+                <a:spcPct val="0"/>
+              </a:spcBef>
+              <a:buNone/>
+              <a:defRPr sz="3600" kern="1200">
+                <a:solidFill>
+                  <a:schemeClr val="accent1"/>
+                </a:solidFill>
+                <a:latin typeface="+mj-lt"/>
+                <a:ea typeface="+mj-ea"/>
+                <a:cs typeface="+mj-cs"/>
+              </a:defRPr>
+            </a:lvl1pPr>
+            <a:lvl2pPr eaLnBrk="1" hangingPunct="1">
+              <a:defRPr>
+                <a:solidFill>
+                  <a:schemeClr val="tx2"/>
+                </a:solidFill>
+              </a:defRPr>
+            </a:lvl2pPr>
+            <a:lvl3pPr eaLnBrk="1" hangingPunct="1">
+              <a:defRPr>
+                <a:solidFill>
+                  <a:schemeClr val="tx2"/>
+                </a:solidFill>
+              </a:defRPr>
+            </a:lvl3pPr>
+            <a:lvl4pPr eaLnBrk="1" hangingPunct="1">
+              <a:defRPr>
+                <a:solidFill>
+                  <a:schemeClr val="tx2"/>
+                </a:solidFill>
+              </a:defRPr>
+            </a:lvl4pPr>
+            <a:lvl5pPr eaLnBrk="1" hangingPunct="1">
+              <a:defRPr>
+                <a:solidFill>
+                  <a:schemeClr val="tx2"/>
+                </a:solidFill>
+              </a:defRPr>
+            </a:lvl5pPr>
+            <a:lvl6pPr eaLnBrk="1" hangingPunct="1">
+              <a:defRPr>
+                <a:solidFill>
+                  <a:schemeClr val="tx2"/>
+                </a:solidFill>
+              </a:defRPr>
+            </a:lvl6pPr>
+            <a:lvl7pPr eaLnBrk="1" hangingPunct="1">
+              <a:defRPr>
+                <a:solidFill>
+                  <a:schemeClr val="tx2"/>
+                </a:solidFill>
+              </a:defRPr>
+            </a:lvl7pPr>
+            <a:lvl8pPr eaLnBrk="1" hangingPunct="1">
+              <a:defRPr>
+                <a:solidFill>
+                  <a:schemeClr val="tx2"/>
+                </a:solidFill>
+              </a:defRPr>
+            </a:lvl8pPr>
+            <a:lvl9pPr eaLnBrk="1" hangingPunct="1">
+              <a:defRPr>
+                <a:solidFill>
+                  <a:schemeClr val="tx2"/>
+                </a:solidFill>
+              </a:defRPr>
+            </a:lvl9pPr>
+          </a:lstStyle>
+          <a:p>
+            <a:r>
+              <a:rPr lang="de-DE" dirty="0">
+                <a:solidFill>
+                  <a:srgbClr val="EC6708"/>
+                </a:solidFill>
+              </a:rPr>
+              <a:t>Test der Webseite</a:t>
+            </a:r>
+          </a:p>
+        </p:txBody>
+      </p:sp>
+      <p:pic>
+        <p:nvPicPr>
+          <p:cNvPr id="10" name="Grafik 9">
+            <a:extLst>
+              <a:ext uri="{FF2B5EF4-FFF2-40B4-BE49-F238E27FC236}">
+                <a16:creationId xmlns:a16="http://schemas.microsoft.com/office/drawing/2014/main" id="{ADCC4444-369B-455D-9E01-41E21597CCED}"/>
+              </a:ext>
+            </a:extLst>
+          </p:cNvPr>
+          <p:cNvPicPr>
+            <a:picLocks noChangeAspect="1"/>
+          </p:cNvPicPr>
+          <p:nvPr/>
+        </p:nvPicPr>
+        <p:blipFill>
+          <a:blip r:embed="rId2"/>
+          <a:stretch>
+            <a:fillRect/>
+          </a:stretch>
+        </p:blipFill>
+        <p:spPr>
+          <a:xfrm>
+            <a:off x="1223282" y="1900024"/>
+            <a:ext cx="9745435" cy="3057952"/>
+          </a:xfrm>
+          <a:prstGeom prst="rect">
+            <a:avLst/>
+          </a:prstGeom>
+        </p:spPr>
+      </p:pic>
+      <p:pic>
+        <p:nvPicPr>
+          <p:cNvPr id="11" name="Grafik 10" descr="Ein Bild, das Zeichnung enthält.&#10;&#10;Automatisch generierte Beschreibung">
+            <a:extLst>
+              <a:ext uri="{FF2B5EF4-FFF2-40B4-BE49-F238E27FC236}">
+                <a16:creationId xmlns:a16="http://schemas.microsoft.com/office/drawing/2014/main" id="{A73293D8-50A3-445F-A218-D2DF659D8E80}"/>
+              </a:ext>
+            </a:extLst>
+          </p:cNvPr>
+          <p:cNvPicPr>
+            <a:picLocks noChangeAspect="1"/>
+          </p:cNvPicPr>
+          <p:nvPr/>
+        </p:nvPicPr>
+        <p:blipFill>
+          <a:blip r:embed="rId3"/>
+          <a:stretch>
+            <a:fillRect/>
+          </a:stretch>
+        </p:blipFill>
+        <p:spPr>
+          <a:xfrm>
+            <a:off x="9712179" y="1355246"/>
+            <a:ext cx="1256538" cy="1888240"/>
+          </a:xfrm>
+          <a:prstGeom prst="rect">
+            <a:avLst/>
+          </a:prstGeom>
+        </p:spPr>
+      </p:pic>
+    </p:spTree>
+    <p:extLst>
+      <p:ext uri="{BB962C8B-B14F-4D97-AF65-F5344CB8AC3E}">
+        <p14:creationId xmlns:p14="http://schemas.microsoft.com/office/powerpoint/2010/main" val="3218013124"/>
+      </p:ext>
+    </p:extLst>
+  </p:cSld>
+  <p:clrMapOvr>
+    <a:masterClrMapping/>
+  </p:clrMapOvr>
+</p:sld>
+</file>
+
+<file path=ppt/slides/slide6.xml><?xml version="1.0" encoding="utf-8"?>
+<p:sld xmlns:a="http://schemas.openxmlformats.org/drawingml/2006/main" xmlns:r="http://schemas.openxmlformats.org/officeDocument/2006/relationships" xmlns:p="http://schemas.openxmlformats.org/presentationml/2006/main">
+  <p:cSld>
+    <p:spTree>
+      <p:nvGrpSpPr>
+        <p:cNvPr id="1" name=""/>
+        <p:cNvGrpSpPr/>
+        <p:nvPr/>
+      </p:nvGrpSpPr>
+      <p:grpSpPr>
+        <a:xfrm>
+          <a:off x="0" y="0"/>
+          <a:ext cx="0" cy="0"/>
+          <a:chOff x="0" y="0"/>
+          <a:chExt cx="0" cy="0"/>
+        </a:xfrm>
+      </p:grpSpPr>
       <p:pic>
         <p:nvPicPr>
           <p:cNvPr id="2" name="Grafik 1">
@@ -11206,8 +11408,8 @@
         </p:blipFill>
         <p:spPr>
           <a:xfrm>
-            <a:off x="500944" y="2367471"/>
-            <a:ext cx="5115023" cy="3131803"/>
+            <a:off x="504021" y="1123834"/>
+            <a:ext cx="3888492" cy="2380828"/>
           </a:xfrm>
           <a:prstGeom prst="rect">
             <a:avLst/>
@@ -11245,8 +11447,8 @@
         </p:blipFill>
         <p:spPr>
           <a:xfrm>
-            <a:off x="6407084" y="2367470"/>
-            <a:ext cx="5405997" cy="3131803"/>
+            <a:off x="7573064" y="1103375"/>
+            <a:ext cx="3888492" cy="2252682"/>
           </a:xfrm>
           <a:prstGeom prst="rect">
             <a:avLst/>
@@ -11397,7 +11599,7 @@
         </p:blipFill>
         <p:spPr>
           <a:xfrm>
-            <a:off x="4770590" y="1103375"/>
+            <a:off x="4984347" y="2406277"/>
             <a:ext cx="1996883" cy="736945"/>
           </a:xfrm>
           <a:prstGeom prst="rect">
@@ -11436,14 +11638,19 @@
         </p:blipFill>
         <p:spPr>
           <a:xfrm>
-            <a:off x="8592424" y="1840319"/>
+            <a:off x="7351418" y="974764"/>
             <a:ext cx="1419423" cy="293613"/>
           </a:xfrm>
           <a:prstGeom prst="rect">
             <a:avLst/>
           </a:prstGeom>
           <a:ln>
-            <a:noFill/>
+            <a:solidFill>
+              <a:schemeClr val="tx1">
+                <a:lumMod val="95000"/>
+                <a:lumOff val="5000"/>
+              </a:schemeClr>
+            </a:solidFill>
           </a:ln>
           <a:effectLst>
             <a:outerShdw blurRad="292100" dist="139700" dir="2700000" algn="tl" rotWithShape="0">
@@ -11475,14 +11682,19 @@
         </p:blipFill>
         <p:spPr>
           <a:xfrm>
-            <a:off x="2180155" y="1840320"/>
+            <a:off x="263165" y="952711"/>
             <a:ext cx="1419423" cy="293612"/>
           </a:xfrm>
           <a:prstGeom prst="rect">
             <a:avLst/>
           </a:prstGeom>
           <a:ln>
-            <a:noFill/>
+            <a:solidFill>
+              <a:schemeClr val="tx1">
+                <a:lumMod val="95000"/>
+                <a:lumOff val="5000"/>
+              </a:schemeClr>
+            </a:solidFill>
           </a:ln>
           <a:effectLst>
             <a:outerShdw blurRad="292100" dist="139700" dir="2700000" algn="tl" rotWithShape="0">
@@ -11493,42 +11705,12 @@
           </a:effectLst>
         </p:spPr>
       </p:pic>
-    </p:spTree>
-    <p:extLst>
-      <p:ext uri="{BB962C8B-B14F-4D97-AF65-F5344CB8AC3E}">
-        <p14:creationId xmlns:p14="http://schemas.microsoft.com/office/powerpoint/2010/main" val="550083334"/>
-      </p:ext>
-    </p:extLst>
-  </p:cSld>
-  <p:clrMapOvr>
-    <a:masterClrMapping/>
-  </p:clrMapOvr>
-</p:sld>
-</file>
-
-<file path=ppt/slides/slide6.xml><?xml version="1.0" encoding="utf-8"?>
-<p:sld xmlns:a="http://schemas.openxmlformats.org/drawingml/2006/main" xmlns:r="http://schemas.openxmlformats.org/officeDocument/2006/relationships" xmlns:p="http://schemas.openxmlformats.org/presentationml/2006/main">
-  <p:cSld>
-    <p:spTree>
-      <p:nvGrpSpPr>
-        <p:cNvPr id="1" name=""/>
-        <p:cNvGrpSpPr/>
-        <p:nvPr/>
-      </p:nvGrpSpPr>
-      <p:grpSpPr>
-        <a:xfrm>
-          <a:off x="0" y="0"/>
-          <a:ext cx="0" cy="0"/>
-          <a:chOff x="0" y="0"/>
-          <a:chExt cx="0" cy="0"/>
-        </a:xfrm>
-      </p:grpSpPr>
       <p:pic>
         <p:nvPicPr>
-          <p:cNvPr id="2" name="Grafik 1">
+          <p:cNvPr id="10" name="Grafik 9">
             <a:extLst>
               <a:ext uri="{FF2B5EF4-FFF2-40B4-BE49-F238E27FC236}">
-                <a16:creationId xmlns:a16="http://schemas.microsoft.com/office/drawing/2014/main" id="{95B4C2CE-488E-4560-A9EF-936D4F16C746}"/>
+                <a16:creationId xmlns:a16="http://schemas.microsoft.com/office/drawing/2014/main" id="{D880E7EF-D630-47DB-AC3C-6EE2C5B37901}"/>
               </a:ext>
             </a:extLst>
           </p:cNvPr>
@@ -11538,14 +11720,14 @@
           <p:nvPr/>
         </p:nvPicPr>
         <p:blipFill rotWithShape="1">
-          <a:blip r:embed="rId2"/>
+          <a:blip r:embed="rId6"/>
           <a:srcRect b="4979"/>
           <a:stretch/>
         </p:blipFill>
         <p:spPr>
           <a:xfrm>
-            <a:off x="601330" y="2157233"/>
-            <a:ext cx="5167702" cy="1774218"/>
+            <a:off x="1402410" y="4007491"/>
+            <a:ext cx="3888492" cy="1335029"/>
           </a:xfrm>
           <a:prstGeom prst="rect">
             <a:avLst/>
@@ -11564,10 +11746,10 @@
       </p:pic>
       <p:pic>
         <p:nvPicPr>
-          <p:cNvPr id="3" name="Grafik 2">
+          <p:cNvPr id="11" name="Grafik 10">
             <a:extLst>
               <a:ext uri="{FF2B5EF4-FFF2-40B4-BE49-F238E27FC236}">
-                <a16:creationId xmlns:a16="http://schemas.microsoft.com/office/drawing/2014/main" id="{4FA5816E-9989-4697-9230-1AEDFB619A47}"/>
+                <a16:creationId xmlns:a16="http://schemas.microsoft.com/office/drawing/2014/main" id="{639FF94E-8676-4852-B4D1-AF58A70E59AB}"/>
               </a:ext>
             </a:extLst>
           </p:cNvPr>
@@ -11577,15 +11759,15 @@
           <p:nvPr/>
         </p:nvPicPr>
         <p:blipFill>
-          <a:blip r:embed="rId3"/>
+          <a:blip r:embed="rId7"/>
           <a:stretch>
             <a:fillRect/>
           </a:stretch>
         </p:blipFill>
         <p:spPr>
           <a:xfrm>
-            <a:off x="953023" y="4537579"/>
-            <a:ext cx="4896533" cy="724001"/>
+            <a:off x="1402410" y="5399613"/>
+            <a:ext cx="3888493" cy="574952"/>
           </a:xfrm>
           <a:prstGeom prst="rect">
             <a:avLst/>
@@ -11604,10 +11786,10 @@
       </p:pic>
       <p:pic>
         <p:nvPicPr>
-          <p:cNvPr id="4" name="Grafik 3">
+          <p:cNvPr id="12" name="Grafik 11">
             <a:extLst>
               <a:ext uri="{FF2B5EF4-FFF2-40B4-BE49-F238E27FC236}">
-                <a16:creationId xmlns:a16="http://schemas.microsoft.com/office/drawing/2014/main" id="{D7936FE6-F4D6-4EFC-9E05-D4563B2BEF82}"/>
+                <a16:creationId xmlns:a16="http://schemas.microsoft.com/office/drawing/2014/main" id="{C74D65BA-F383-4A20-803B-0E0FF51D5A43}"/>
               </a:ext>
             </a:extLst>
           </p:cNvPr>
@@ -11617,15 +11799,15 @@
           <p:nvPr/>
         </p:nvPicPr>
         <p:blipFill>
-          <a:blip r:embed="rId4"/>
+          <a:blip r:embed="rId8"/>
           <a:stretch>
             <a:fillRect/>
           </a:stretch>
         </p:blipFill>
         <p:spPr>
           <a:xfrm>
-            <a:off x="6422970" y="2157233"/>
-            <a:ext cx="4896533" cy="1774218"/>
+            <a:off x="6962693" y="3982035"/>
+            <a:ext cx="4392513" cy="1591591"/>
           </a:xfrm>
           <a:prstGeom prst="rect">
             <a:avLst/>
@@ -11644,10 +11826,10 @@
       </p:pic>
       <p:pic>
         <p:nvPicPr>
-          <p:cNvPr id="5" name="Grafik 4">
+          <p:cNvPr id="13" name="Grafik 12">
             <a:extLst>
               <a:ext uri="{FF2B5EF4-FFF2-40B4-BE49-F238E27FC236}">
-                <a16:creationId xmlns:a16="http://schemas.microsoft.com/office/drawing/2014/main" id="{DB8A7E9E-CE01-4129-B537-81E42364E48C}"/>
+                <a16:creationId xmlns:a16="http://schemas.microsoft.com/office/drawing/2014/main" id="{D10FE47D-08D8-40AF-9BCD-2DFCDDB42B33}"/>
               </a:ext>
             </a:extLst>
           </p:cNvPr>
@@ -11657,15 +11839,15 @@
           <p:nvPr/>
         </p:nvPicPr>
         <p:blipFill>
-          <a:blip r:embed="rId5"/>
+          <a:blip r:embed="rId9"/>
           <a:stretch>
             <a:fillRect/>
           </a:stretch>
         </p:blipFill>
         <p:spPr>
           <a:xfrm>
-            <a:off x="6618259" y="4632891"/>
-            <a:ext cx="4505954" cy="504895"/>
+            <a:off x="6962693" y="5647986"/>
+            <a:ext cx="4392513" cy="492184"/>
           </a:xfrm>
           <a:prstGeom prst="rect">
             <a:avLst/>
@@ -11684,10 +11866,10 @@
       </p:pic>
       <p:pic>
         <p:nvPicPr>
-          <p:cNvPr id="6" name="Grafik 5">
+          <p:cNvPr id="14" name="Grafik 13">
             <a:extLst>
               <a:ext uri="{FF2B5EF4-FFF2-40B4-BE49-F238E27FC236}">
-                <a16:creationId xmlns:a16="http://schemas.microsoft.com/office/drawing/2014/main" id="{85D7C4A1-03EE-4CDB-92C1-8408923309F1}"/>
+                <a16:creationId xmlns:a16="http://schemas.microsoft.com/office/drawing/2014/main" id="{15937FEA-F438-4D66-8D33-65F91CE56FE3}"/>
               </a:ext>
             </a:extLst>
           </p:cNvPr>
@@ -11697,20 +11879,25 @@
           <p:nvPr/>
         </p:nvPicPr>
         <p:blipFill rotWithShape="1">
-          <a:blip r:embed="rId6"/>
+          <a:blip r:embed="rId10"/>
           <a:srcRect t="14110" b="45051"/>
           <a:stretch/>
         </p:blipFill>
         <p:spPr>
           <a:xfrm>
-            <a:off x="2572498" y="1676844"/>
+            <a:off x="1172058" y="3824683"/>
             <a:ext cx="1657581" cy="245097"/>
           </a:xfrm>
           <a:prstGeom prst="rect">
             <a:avLst/>
           </a:prstGeom>
           <a:ln>
-            <a:noFill/>
+            <a:solidFill>
+              <a:schemeClr val="tx1">
+                <a:lumMod val="95000"/>
+                <a:lumOff val="5000"/>
+              </a:schemeClr>
+            </a:solidFill>
           </a:ln>
           <a:effectLst>
             <a:outerShdw blurRad="292100" dist="139700" dir="2700000" algn="tl" rotWithShape="0">
@@ -11721,124 +11908,12 @@
           </a:effectLst>
         </p:spPr>
       </p:pic>
-      <p:sp>
-        <p:nvSpPr>
-          <p:cNvPr id="8" name="Titel 1">
+      <p:pic>
+        <p:nvPicPr>
+          <p:cNvPr id="15" name="Grafik 14">
             <a:extLst>
               <a:ext uri="{FF2B5EF4-FFF2-40B4-BE49-F238E27FC236}">
-                <a16:creationId xmlns:a16="http://schemas.microsoft.com/office/drawing/2014/main" id="{3931DEA3-6A3E-4EA3-8630-1339E3D8AF1D}"/>
-              </a:ext>
-            </a:extLst>
-          </p:cNvPr>
-          <p:cNvSpPr txBox="1">
-            <a:spLocks/>
-          </p:cNvSpPr>
-          <p:nvPr/>
-        </p:nvSpPr>
-        <p:spPr>
-          <a:xfrm>
-            <a:off x="1590732" y="106001"/>
-            <a:ext cx="4178300" cy="835025"/>
-          </a:xfrm>
-          <a:prstGeom prst="rect">
-            <a:avLst/>
-          </a:prstGeom>
-          <a:noFill/>
-        </p:spPr>
-        <p:txBody>
-          <a:bodyPr vert="horz" lIns="91440" tIns="45720" rIns="91440" bIns="45720" rtlCol="0" anchor="t">
-            <a:normAutofit/>
-          </a:bodyPr>
-          <a:lstStyle>
-            <a:lvl1pPr algn="l" defTabSz="457200" rtl="0" eaLnBrk="1" latinLnBrk="0" hangingPunct="1">
-              <a:spcBef>
-                <a:spcPct val="0"/>
-              </a:spcBef>
-              <a:buNone/>
-              <a:defRPr sz="3600" kern="1200">
-                <a:solidFill>
-                  <a:schemeClr val="accent1"/>
-                </a:solidFill>
-                <a:latin typeface="+mj-lt"/>
-                <a:ea typeface="+mj-ea"/>
-                <a:cs typeface="+mj-cs"/>
-              </a:defRPr>
-            </a:lvl1pPr>
-            <a:lvl2pPr eaLnBrk="1" hangingPunct="1">
-              <a:defRPr>
-                <a:solidFill>
-                  <a:schemeClr val="tx2"/>
-                </a:solidFill>
-              </a:defRPr>
-            </a:lvl2pPr>
-            <a:lvl3pPr eaLnBrk="1" hangingPunct="1">
-              <a:defRPr>
-                <a:solidFill>
-                  <a:schemeClr val="tx2"/>
-                </a:solidFill>
-              </a:defRPr>
-            </a:lvl3pPr>
-            <a:lvl4pPr eaLnBrk="1" hangingPunct="1">
-              <a:defRPr>
-                <a:solidFill>
-                  <a:schemeClr val="tx2"/>
-                </a:solidFill>
-              </a:defRPr>
-            </a:lvl4pPr>
-            <a:lvl5pPr eaLnBrk="1" hangingPunct="1">
-              <a:defRPr>
-                <a:solidFill>
-                  <a:schemeClr val="tx2"/>
-                </a:solidFill>
-              </a:defRPr>
-            </a:lvl5pPr>
-            <a:lvl6pPr eaLnBrk="1" hangingPunct="1">
-              <a:defRPr>
-                <a:solidFill>
-                  <a:schemeClr val="tx2"/>
-                </a:solidFill>
-              </a:defRPr>
-            </a:lvl6pPr>
-            <a:lvl7pPr eaLnBrk="1" hangingPunct="1">
-              <a:defRPr>
-                <a:solidFill>
-                  <a:schemeClr val="tx2"/>
-                </a:solidFill>
-              </a:defRPr>
-            </a:lvl7pPr>
-            <a:lvl8pPr eaLnBrk="1" hangingPunct="1">
-              <a:defRPr>
-                <a:solidFill>
-                  <a:schemeClr val="tx2"/>
-                </a:solidFill>
-              </a:defRPr>
-            </a:lvl8pPr>
-            <a:lvl9pPr eaLnBrk="1" hangingPunct="1">
-              <a:defRPr>
-                <a:solidFill>
-                  <a:schemeClr val="tx2"/>
-                </a:solidFill>
-              </a:defRPr>
-            </a:lvl9pPr>
-          </a:lstStyle>
-          <a:p>
-            <a:r>
-              <a:rPr lang="de-DE" dirty="0">
-                <a:solidFill>
-                  <a:srgbClr val="EC6708"/>
-                </a:solidFill>
-              </a:rPr>
-              <a:t>Test der Webseite</a:t>
-            </a:r>
-          </a:p>
-        </p:txBody>
-      </p:sp>
-      <p:pic>
-        <p:nvPicPr>
-          <p:cNvPr id="9" name="Grafik 8">
-            <a:extLst>
-              <a:ext uri="{FF2B5EF4-FFF2-40B4-BE49-F238E27FC236}">
-                <a16:creationId xmlns:a16="http://schemas.microsoft.com/office/drawing/2014/main" id="{FAB23912-D895-494A-8A84-4BC8BC7D2F4D}"/>
+                <a16:creationId xmlns:a16="http://schemas.microsoft.com/office/drawing/2014/main" id="{71FF43D2-2012-4E00-89A6-542F551A35AF}"/>
               </a:ext>
             </a:extLst>
           </p:cNvPr>
@@ -11848,20 +11923,25 @@
           <p:nvPr/>
         </p:nvPicPr>
         <p:blipFill rotWithShape="1">
-          <a:blip r:embed="rId7"/>
+          <a:blip r:embed="rId11"/>
           <a:srcRect t="17005"/>
           <a:stretch/>
         </p:blipFill>
         <p:spPr>
           <a:xfrm>
-            <a:off x="7961923" y="1676843"/>
+            <a:off x="6742657" y="3824683"/>
             <a:ext cx="1371791" cy="245097"/>
           </a:xfrm>
           <a:prstGeom prst="rect">
             <a:avLst/>
           </a:prstGeom>
           <a:ln>
-            <a:noFill/>
+            <a:solidFill>
+              <a:schemeClr val="tx1">
+                <a:lumMod val="95000"/>
+                <a:lumOff val="5000"/>
+              </a:schemeClr>
+            </a:solidFill>
           </a:ln>
           <a:effectLst>
             <a:outerShdw blurRad="292100" dist="139700" dir="2700000" algn="tl" rotWithShape="0">
@@ -11875,7 +11955,7 @@
     </p:spTree>
     <p:extLst>
       <p:ext uri="{BB962C8B-B14F-4D97-AF65-F5344CB8AC3E}">
-        <p14:creationId xmlns:p14="http://schemas.microsoft.com/office/powerpoint/2010/main" val="485698721"/>
+        <p14:creationId xmlns:p14="http://schemas.microsoft.com/office/powerpoint/2010/main" val="550083334"/>
       </p:ext>
     </p:extLst>
   </p:cSld>
@@ -13495,23 +13575,6 @@
 </file>
 
 <file path=customXml/item1.xml><?xml version="1.0" encoding="utf-8"?>
-<p:properties xmlns:p="http://schemas.microsoft.com/office/2006/metadata/properties" xmlns:xsi="http://www.w3.org/2001/XMLSchema-instance" xmlns:pc="http://schemas.microsoft.com/office/infopath/2007/PartnerControls">
-  <documentManagement>
-    <MediaServiceKeyPoints xmlns="71af3243-3dd4-4a8d-8c0d-dd76da1f02a5" xsi:nil="true"/>
-  </documentManagement>
-</p:properties>
-</file>
-
-<file path=customXml/item2.xml><?xml version="1.0" encoding="utf-8"?>
-<?mso-contentType ?>
-<FormTemplates xmlns="http://schemas.microsoft.com/sharepoint/v3/contenttype/forms">
-  <Display>DocumentLibraryForm</Display>
-  <Edit>DocumentLibraryForm</Edit>
-  <New>DocumentLibraryForm</New>
-</FormTemplates>
-</file>
-
-<file path=customXml/item3.xml><?xml version="1.0" encoding="utf-8"?>
 <ct:contentTypeSchema xmlns:ct="http://schemas.microsoft.com/office/2006/metadata/contentType" xmlns:ma="http://schemas.microsoft.com/office/2006/metadata/properties/metaAttributes" ct:_="" ma:_="" ma:contentTypeName="Document" ma:contentTypeID="0x01010079F111ED35F8CC479449609E8A0923A6" ma:contentTypeVersion="11" ma:contentTypeDescription="Create a new document." ma:contentTypeScope="" ma:versionID="1c2eb7a32e66fb6e4260f3771546a5e2">
   <xsd:schema xmlns:xsd="http://www.w3.org/2001/XMLSchema" xmlns:xs="http://www.w3.org/2001/XMLSchema" xmlns:p="http://schemas.microsoft.com/office/2006/metadata/properties" xmlns:ns2="71af3243-3dd4-4a8d-8c0d-dd76da1f02a5" xmlns:ns3="16c05727-aa75-4e4a-9b5f-8a80a1165891" targetNamespace="http://schemas.microsoft.com/office/2006/metadata/properties" ma:root="true" ma:fieldsID="04e1f6479c48b08974ba73b5ca973489" ns2:_="" ns3:_="">
     <xsd:import namespace="71af3243-3dd4-4a8d-8c0d-dd76da1f02a5"/>
@@ -13722,32 +13785,24 @@
 </ct:contentTypeSchema>
 </file>
 
-<file path=customXml/itemProps1.xml><?xml version="1.0" encoding="utf-8"?>
-<ds:datastoreItem xmlns:ds="http://schemas.openxmlformats.org/officeDocument/2006/customXml" ds:itemID="{30541854-87B3-4953-A183-EF3BD285377B}">
-  <ds:schemaRefs>
-    <ds:schemaRef ds:uri="http://schemas.openxmlformats.org/package/2006/metadata/core-properties"/>
-    <ds:schemaRef ds:uri="http://www.w3.org/XML/1998/namespace"/>
-    <ds:schemaRef ds:uri="http://purl.org/dc/terms/"/>
-    <ds:schemaRef ds:uri="71af3243-3dd4-4a8d-8c0d-dd76da1f02a5"/>
-    <ds:schemaRef ds:uri="16c05727-aa75-4e4a-9b5f-8a80a1165891"/>
-    <ds:schemaRef ds:uri="http://purl.org/dc/dcmitype/"/>
-    <ds:schemaRef ds:uri="http://schemas.microsoft.com/office/2006/documentManagement/types"/>
-    <ds:schemaRef ds:uri="http://schemas.microsoft.com/office/infopath/2007/PartnerControls"/>
-    <ds:schemaRef ds:uri="http://schemas.microsoft.com/office/2006/metadata/properties"/>
-    <ds:schemaRef ds:uri="http://purl.org/dc/elements/1.1/"/>
-  </ds:schemaRefs>
-</ds:datastoreItem>
+<file path=customXml/item2.xml><?xml version="1.0" encoding="utf-8"?>
+<?mso-contentType ?>
+<FormTemplates xmlns="http://schemas.microsoft.com/sharepoint/v3/contenttype/forms">
+  <Display>DocumentLibraryForm</Display>
+  <Edit>DocumentLibraryForm</Edit>
+  <New>DocumentLibraryForm</New>
+</FormTemplates>
 </file>
 
-<file path=customXml/itemProps2.xml><?xml version="1.0" encoding="utf-8"?>
-<ds:datastoreItem xmlns:ds="http://schemas.openxmlformats.org/officeDocument/2006/customXml" ds:itemID="{DFB9BFA2-1FA5-44A1-B975-10D6BF58ECD0}">
-  <ds:schemaRefs>
-    <ds:schemaRef ds:uri="http://schemas.microsoft.com/sharepoint/v3/contenttype/forms"/>
-  </ds:schemaRefs>
-</ds:datastoreItem>
+<file path=customXml/item3.xml><?xml version="1.0" encoding="utf-8"?>
+<p:properties xmlns:p="http://schemas.microsoft.com/office/2006/metadata/properties" xmlns:xsi="http://www.w3.org/2001/XMLSchema-instance" xmlns:pc="http://schemas.microsoft.com/office/infopath/2007/PartnerControls">
+  <documentManagement>
+    <MediaServiceKeyPoints xmlns="71af3243-3dd4-4a8d-8c0d-dd76da1f02a5" xsi:nil="true"/>
+  </documentManagement>
+</p:properties>
 </file>
 
-<file path=customXml/itemProps3.xml><?xml version="1.0" encoding="utf-8"?>
+<file path=customXml/itemProps1.xml><?xml version="1.0" encoding="utf-8"?>
 <ds:datastoreItem xmlns:ds="http://schemas.openxmlformats.org/officeDocument/2006/customXml" ds:itemID="{E577E783-5AB8-45E6-9E56-AE40075231B2}">
   <ds:schemaRefs>
     <ds:schemaRef ds:uri="http://schemas.microsoft.com/office/2006/metadata/contentType"/>
@@ -13764,4 +13819,29 @@
     <ds:schemaRef ds:uri="http://schemas.microsoft.com/internal/obd"/>
   </ds:schemaRefs>
 </ds:datastoreItem>
+</file>
+
+<file path=customXml/itemProps2.xml><?xml version="1.0" encoding="utf-8"?>
+<ds:datastoreItem xmlns:ds="http://schemas.openxmlformats.org/officeDocument/2006/customXml" ds:itemID="{DFB9BFA2-1FA5-44A1-B975-10D6BF58ECD0}">
+  <ds:schemaRefs>
+    <ds:schemaRef ds:uri="http://schemas.microsoft.com/sharepoint/v3/contenttype/forms"/>
+  </ds:schemaRefs>
+</ds:datastoreItem>
+</file>
+
+<file path=customXml/itemProps3.xml><?xml version="1.0" encoding="utf-8"?>
+<ds:datastoreItem xmlns:ds="http://schemas.openxmlformats.org/officeDocument/2006/customXml" ds:itemID="{30541854-87B3-4953-A183-EF3BD285377B}">
+  <ds:schemaRefs>
+    <ds:schemaRef ds:uri="http://schemas.openxmlformats.org/package/2006/metadata/core-properties"/>
+    <ds:schemaRef ds:uri="http://www.w3.org/XML/1998/namespace"/>
+    <ds:schemaRef ds:uri="http://purl.org/dc/terms/"/>
+    <ds:schemaRef ds:uri="71af3243-3dd4-4a8d-8c0d-dd76da1f02a5"/>
+    <ds:schemaRef ds:uri="16c05727-aa75-4e4a-9b5f-8a80a1165891"/>
+    <ds:schemaRef ds:uri="http://purl.org/dc/dcmitype/"/>
+    <ds:schemaRef ds:uri="http://schemas.microsoft.com/office/2006/documentManagement/types"/>
+    <ds:schemaRef ds:uri="http://schemas.microsoft.com/office/infopath/2007/PartnerControls"/>
+    <ds:schemaRef ds:uri="http://schemas.microsoft.com/office/2006/metadata/properties"/>
+    <ds:schemaRef ds:uri="http://purl.org/dc/elements/1.1/"/>
+  </ds:schemaRefs>
+</ds:datastoreItem>
 </file>
--- a/share/presentations/Java 2/RentATool_17.07.2020_Danny.pptx
+++ b/share/presentations/Java 2/RentATool_17.07.2020_Danny.pptx
@@ -151,6 +151,12 @@
     </p:ext>
   </p:extLst>
 </p:presentation>
+</file>
+
+<file path=ppt/commentAuthors.xml><?xml version="1.0" encoding="utf-8"?>
+<p:cmAuthorLst xmlns:a="http://schemas.openxmlformats.org/drawingml/2006/main" xmlns:r="http://schemas.openxmlformats.org/officeDocument/2006/relationships" xmlns:p="http://schemas.openxmlformats.org/presentationml/2006/main">
+  <p:cmAuthor id="2" name="Autor" initials="A" lastIdx="0" clrIdx="1"/>
+</p:cmAuthorLst>
 </file>
 
 <file path=ppt/revisionInfo.xml><?xml version="1.0" encoding="utf-8"?>
@@ -6691,7 +6697,7 @@
           <a:p>
             <a:fld id="{A4FF6716-91C8-43B5-8A44-D65BE93BEAF4}" type="datetimeFigureOut">
               <a:rPr lang="de-DE" smtClean="0"/>
-              <a:t>05.08.2020</a:t>
+              <a:t>06.08.2020</a:t>
             </a:fld>
             <a:endParaRPr lang="de-DE"/>
           </a:p>
@@ -6869,7 +6875,7 @@
           <a:p>
             <a:fld id="{78F9EC6D-9C59-4223-964A-334E089F8126}" type="datetimeFigureOut">
               <a:rPr lang="de-DE" noProof="0" smtClean="0"/>
-              <a:t>05.08.2020</a:t>
+              <a:t>06.08.2020</a:t>
             </a:fld>
             <a:endParaRPr lang="de-DE" noProof="0"/>
           </a:p>
@@ -7222,6 +7228,522 @@
 </file>
 
 <file path=ppt/notesSlides/notesSlide2.xml><?xml version="1.0" encoding="utf-8"?>
+<p:notes xmlns:a="http://schemas.openxmlformats.org/drawingml/2006/main" xmlns:r="http://schemas.openxmlformats.org/officeDocument/2006/relationships" xmlns:p="http://schemas.openxmlformats.org/presentationml/2006/main">
+  <p:cSld>
+    <p:spTree>
+      <p:nvGrpSpPr>
+        <p:cNvPr id="1" name=""/>
+        <p:cNvGrpSpPr/>
+        <p:nvPr/>
+      </p:nvGrpSpPr>
+      <p:grpSpPr>
+        <a:xfrm>
+          <a:off x="0" y="0"/>
+          <a:ext cx="0" cy="0"/>
+          <a:chOff x="0" y="0"/>
+          <a:chExt cx="0" cy="0"/>
+        </a:xfrm>
+      </p:grpSpPr>
+      <p:sp>
+        <p:nvSpPr>
+          <p:cNvPr id="2" name="Folienbildplatzhalter 1"/>
+          <p:cNvSpPr>
+            <a:spLocks noGrp="1" noRot="1" noChangeAspect="1"/>
+          </p:cNvSpPr>
+          <p:nvPr>
+            <p:ph type="sldImg"/>
+          </p:nvPr>
+        </p:nvSpPr>
+        <p:spPr/>
+      </p:sp>
+      <p:sp>
+        <p:nvSpPr>
+          <p:cNvPr id="3" name="Notizenplatzhalter 2"/>
+          <p:cNvSpPr>
+            <a:spLocks noGrp="1"/>
+          </p:cNvSpPr>
+          <p:nvPr>
+            <p:ph type="body" idx="1"/>
+          </p:nvPr>
+        </p:nvSpPr>
+        <p:spPr/>
+        <p:txBody>
+          <a:bodyPr/>
+          <a:lstStyle/>
+          <a:p>
+            <a:endParaRPr lang="de-DE"/>
+          </a:p>
+        </p:txBody>
+      </p:sp>
+      <p:sp>
+        <p:nvSpPr>
+          <p:cNvPr id="4" name="Foliennummernplatzhalter 3"/>
+          <p:cNvSpPr>
+            <a:spLocks noGrp="1"/>
+          </p:cNvSpPr>
+          <p:nvPr>
+            <p:ph type="sldNum" sz="quarter" idx="5"/>
+          </p:nvPr>
+        </p:nvSpPr>
+        <p:spPr/>
+        <p:txBody>
+          <a:bodyPr/>
+          <a:lstStyle/>
+          <a:p>
+            <a:fld id="{76EB2DAB-85D8-4EA8-8EA4-376013B7B13D}" type="slidenum">
+              <a:rPr lang="de-DE" noProof="0" smtClean="0"/>
+              <a:t>2</a:t>
+            </a:fld>
+            <a:endParaRPr lang="de-DE" noProof="0"/>
+          </a:p>
+        </p:txBody>
+      </p:sp>
+    </p:spTree>
+    <p:extLst>
+      <p:ext uri="{BB962C8B-B14F-4D97-AF65-F5344CB8AC3E}">
+        <p14:creationId xmlns:p14="http://schemas.microsoft.com/office/powerpoint/2010/main" val="1237571411"/>
+      </p:ext>
+    </p:extLst>
+  </p:cSld>
+  <p:clrMapOvr>
+    <a:masterClrMapping/>
+  </p:clrMapOvr>
+</p:notes>
+</file>
+
+<file path=ppt/notesSlides/notesSlide3.xml><?xml version="1.0" encoding="utf-8"?>
+<p:notes xmlns:a="http://schemas.openxmlformats.org/drawingml/2006/main" xmlns:r="http://schemas.openxmlformats.org/officeDocument/2006/relationships" xmlns:p="http://schemas.openxmlformats.org/presentationml/2006/main">
+  <p:cSld>
+    <p:spTree>
+      <p:nvGrpSpPr>
+        <p:cNvPr id="1" name=""/>
+        <p:cNvGrpSpPr/>
+        <p:nvPr/>
+      </p:nvGrpSpPr>
+      <p:grpSpPr>
+        <a:xfrm>
+          <a:off x="0" y="0"/>
+          <a:ext cx="0" cy="0"/>
+          <a:chOff x="0" y="0"/>
+          <a:chExt cx="0" cy="0"/>
+        </a:xfrm>
+      </p:grpSpPr>
+      <p:sp>
+        <p:nvSpPr>
+          <p:cNvPr id="2" name="Folienbildplatzhalter 1"/>
+          <p:cNvSpPr>
+            <a:spLocks noGrp="1" noRot="1" noChangeAspect="1"/>
+          </p:cNvSpPr>
+          <p:nvPr>
+            <p:ph type="sldImg"/>
+          </p:nvPr>
+        </p:nvSpPr>
+        <p:spPr/>
+      </p:sp>
+      <p:sp>
+        <p:nvSpPr>
+          <p:cNvPr id="3" name="Notizenplatzhalter 2"/>
+          <p:cNvSpPr>
+            <a:spLocks noGrp="1"/>
+          </p:cNvSpPr>
+          <p:nvPr>
+            <p:ph type="body" idx="1"/>
+          </p:nvPr>
+        </p:nvSpPr>
+        <p:spPr/>
+        <p:txBody>
+          <a:bodyPr/>
+          <a:lstStyle/>
+          <a:p>
+            <a:r>
+              <a:rPr lang="de-DE" dirty="0"/>
+              <a:t>Pull Request</a:t>
+            </a:r>
+          </a:p>
+          <a:p>
+            <a:r>
+              <a:rPr lang="de-DE" dirty="0"/>
+              <a:t>Server</a:t>
+            </a:r>
+          </a:p>
+          <a:p>
+            <a:endParaRPr lang="de-DE" dirty="0"/>
+          </a:p>
+        </p:txBody>
+      </p:sp>
+      <p:sp>
+        <p:nvSpPr>
+          <p:cNvPr id="4" name="Foliennummernplatzhalter 3"/>
+          <p:cNvSpPr>
+            <a:spLocks noGrp="1"/>
+          </p:cNvSpPr>
+          <p:nvPr>
+            <p:ph type="sldNum" sz="quarter" idx="5"/>
+          </p:nvPr>
+        </p:nvSpPr>
+        <p:spPr/>
+        <p:txBody>
+          <a:bodyPr/>
+          <a:lstStyle/>
+          <a:p>
+            <a:fld id="{76EB2DAB-85D8-4EA8-8EA4-376013B7B13D}" type="slidenum">
+              <a:rPr lang="de-DE" noProof="0" smtClean="0"/>
+              <a:t>3</a:t>
+            </a:fld>
+            <a:endParaRPr lang="de-DE" noProof="0"/>
+          </a:p>
+        </p:txBody>
+      </p:sp>
+    </p:spTree>
+    <p:extLst>
+      <p:ext uri="{BB962C8B-B14F-4D97-AF65-F5344CB8AC3E}">
+        <p14:creationId xmlns:p14="http://schemas.microsoft.com/office/powerpoint/2010/main" val="1675510891"/>
+      </p:ext>
+    </p:extLst>
+  </p:cSld>
+  <p:clrMapOvr>
+    <a:masterClrMapping/>
+  </p:clrMapOvr>
+</p:notes>
+</file>
+
+<file path=ppt/notesSlides/notesSlide4.xml><?xml version="1.0" encoding="utf-8"?>
+<p:notes xmlns:a="http://schemas.openxmlformats.org/drawingml/2006/main" xmlns:r="http://schemas.openxmlformats.org/officeDocument/2006/relationships" xmlns:p="http://schemas.openxmlformats.org/presentationml/2006/main">
+  <p:cSld>
+    <p:spTree>
+      <p:nvGrpSpPr>
+        <p:cNvPr id="1" name=""/>
+        <p:cNvGrpSpPr/>
+        <p:nvPr/>
+      </p:nvGrpSpPr>
+      <p:grpSpPr>
+        <a:xfrm>
+          <a:off x="0" y="0"/>
+          <a:ext cx="0" cy="0"/>
+          <a:chOff x="0" y="0"/>
+          <a:chExt cx="0" cy="0"/>
+        </a:xfrm>
+      </p:grpSpPr>
+      <p:sp>
+        <p:nvSpPr>
+          <p:cNvPr id="2" name="Folienbildplatzhalter 1"/>
+          <p:cNvSpPr>
+            <a:spLocks noGrp="1" noRot="1" noChangeAspect="1"/>
+          </p:cNvSpPr>
+          <p:nvPr>
+            <p:ph type="sldImg"/>
+          </p:nvPr>
+        </p:nvSpPr>
+        <p:spPr/>
+      </p:sp>
+      <p:sp>
+        <p:nvSpPr>
+          <p:cNvPr id="3" name="Notizenplatzhalter 2"/>
+          <p:cNvSpPr>
+            <a:spLocks noGrp="1"/>
+          </p:cNvSpPr>
+          <p:nvPr>
+            <p:ph type="body" idx="1"/>
+          </p:nvPr>
+        </p:nvSpPr>
+        <p:spPr/>
+        <p:txBody>
+          <a:bodyPr/>
+          <a:lstStyle/>
+          <a:p>
+            <a:endParaRPr lang="de-DE"/>
+          </a:p>
+        </p:txBody>
+      </p:sp>
+      <p:sp>
+        <p:nvSpPr>
+          <p:cNvPr id="4" name="Foliennummernplatzhalter 3"/>
+          <p:cNvSpPr>
+            <a:spLocks noGrp="1"/>
+          </p:cNvSpPr>
+          <p:nvPr>
+            <p:ph type="sldNum" sz="quarter" idx="5"/>
+          </p:nvPr>
+        </p:nvSpPr>
+        <p:spPr/>
+        <p:txBody>
+          <a:bodyPr/>
+          <a:lstStyle/>
+          <a:p>
+            <a:fld id="{76EB2DAB-85D8-4EA8-8EA4-376013B7B13D}" type="slidenum">
+              <a:rPr lang="de-DE" noProof="0" smtClean="0"/>
+              <a:t>4</a:t>
+            </a:fld>
+            <a:endParaRPr lang="de-DE" noProof="0"/>
+          </a:p>
+        </p:txBody>
+      </p:sp>
+    </p:spTree>
+    <p:extLst>
+      <p:ext uri="{BB962C8B-B14F-4D97-AF65-F5344CB8AC3E}">
+        <p14:creationId xmlns:p14="http://schemas.microsoft.com/office/powerpoint/2010/main" val="1993980337"/>
+      </p:ext>
+    </p:extLst>
+  </p:cSld>
+  <p:clrMapOvr>
+    <a:masterClrMapping/>
+  </p:clrMapOvr>
+</p:notes>
+</file>
+
+<file path=ppt/notesSlides/notesSlide5.xml><?xml version="1.0" encoding="utf-8"?>
+<p:notes xmlns:a="http://schemas.openxmlformats.org/drawingml/2006/main" xmlns:r="http://schemas.openxmlformats.org/officeDocument/2006/relationships" xmlns:p="http://schemas.openxmlformats.org/presentationml/2006/main">
+  <p:cSld>
+    <p:spTree>
+      <p:nvGrpSpPr>
+        <p:cNvPr id="1" name=""/>
+        <p:cNvGrpSpPr/>
+        <p:nvPr/>
+      </p:nvGrpSpPr>
+      <p:grpSpPr>
+        <a:xfrm>
+          <a:off x="0" y="0"/>
+          <a:ext cx="0" cy="0"/>
+          <a:chOff x="0" y="0"/>
+          <a:chExt cx="0" cy="0"/>
+        </a:xfrm>
+      </p:grpSpPr>
+      <p:sp>
+        <p:nvSpPr>
+          <p:cNvPr id="2" name="Folienbildplatzhalter 1"/>
+          <p:cNvSpPr>
+            <a:spLocks noGrp="1" noRot="1" noChangeAspect="1"/>
+          </p:cNvSpPr>
+          <p:nvPr>
+            <p:ph type="sldImg"/>
+          </p:nvPr>
+        </p:nvSpPr>
+        <p:spPr/>
+      </p:sp>
+      <p:sp>
+        <p:nvSpPr>
+          <p:cNvPr id="3" name="Notizenplatzhalter 2"/>
+          <p:cNvSpPr>
+            <a:spLocks noGrp="1"/>
+          </p:cNvSpPr>
+          <p:nvPr>
+            <p:ph type="body" idx="1"/>
+          </p:nvPr>
+        </p:nvSpPr>
+        <p:spPr/>
+        <p:txBody>
+          <a:bodyPr/>
+          <a:lstStyle/>
+          <a:p>
+            <a:endParaRPr lang="de-DE"/>
+          </a:p>
+        </p:txBody>
+      </p:sp>
+      <p:sp>
+        <p:nvSpPr>
+          <p:cNvPr id="4" name="Foliennummernplatzhalter 3"/>
+          <p:cNvSpPr>
+            <a:spLocks noGrp="1"/>
+          </p:cNvSpPr>
+          <p:nvPr>
+            <p:ph type="sldNum" sz="quarter" idx="5"/>
+          </p:nvPr>
+        </p:nvSpPr>
+        <p:spPr/>
+        <p:txBody>
+          <a:bodyPr/>
+          <a:lstStyle/>
+          <a:p>
+            <a:fld id="{76EB2DAB-85D8-4EA8-8EA4-376013B7B13D}" type="slidenum">
+              <a:rPr lang="de-DE" noProof="0" smtClean="0"/>
+              <a:t>5</a:t>
+            </a:fld>
+            <a:endParaRPr lang="de-DE" noProof="0"/>
+          </a:p>
+        </p:txBody>
+      </p:sp>
+    </p:spTree>
+    <p:extLst>
+      <p:ext uri="{BB962C8B-B14F-4D97-AF65-F5344CB8AC3E}">
+        <p14:creationId xmlns:p14="http://schemas.microsoft.com/office/powerpoint/2010/main" val="1719376825"/>
+      </p:ext>
+    </p:extLst>
+  </p:cSld>
+  <p:clrMapOvr>
+    <a:masterClrMapping/>
+  </p:clrMapOvr>
+</p:notes>
+</file>
+
+<file path=ppt/notesSlides/notesSlide6.xml><?xml version="1.0" encoding="utf-8"?>
+<p:notes xmlns:a="http://schemas.openxmlformats.org/drawingml/2006/main" xmlns:r="http://schemas.openxmlformats.org/officeDocument/2006/relationships" xmlns:p="http://schemas.openxmlformats.org/presentationml/2006/main">
+  <p:cSld>
+    <p:spTree>
+      <p:nvGrpSpPr>
+        <p:cNvPr id="1" name=""/>
+        <p:cNvGrpSpPr/>
+        <p:nvPr/>
+      </p:nvGrpSpPr>
+      <p:grpSpPr>
+        <a:xfrm>
+          <a:off x="0" y="0"/>
+          <a:ext cx="0" cy="0"/>
+          <a:chOff x="0" y="0"/>
+          <a:chExt cx="0" cy="0"/>
+        </a:xfrm>
+      </p:grpSpPr>
+      <p:sp>
+        <p:nvSpPr>
+          <p:cNvPr id="2" name="Folienbildplatzhalter 1"/>
+          <p:cNvSpPr>
+            <a:spLocks noGrp="1" noRot="1" noChangeAspect="1"/>
+          </p:cNvSpPr>
+          <p:nvPr>
+            <p:ph type="sldImg"/>
+          </p:nvPr>
+        </p:nvSpPr>
+        <p:spPr/>
+      </p:sp>
+      <p:sp>
+        <p:nvSpPr>
+          <p:cNvPr id="3" name="Notizenplatzhalter 2"/>
+          <p:cNvSpPr>
+            <a:spLocks noGrp="1"/>
+          </p:cNvSpPr>
+          <p:nvPr>
+            <p:ph type="body" idx="1"/>
+          </p:nvPr>
+        </p:nvSpPr>
+        <p:spPr/>
+        <p:txBody>
+          <a:bodyPr/>
+          <a:lstStyle/>
+          <a:p>
+            <a:endParaRPr lang="de-DE"/>
+          </a:p>
+        </p:txBody>
+      </p:sp>
+      <p:sp>
+        <p:nvSpPr>
+          <p:cNvPr id="4" name="Foliennummernplatzhalter 3"/>
+          <p:cNvSpPr>
+            <a:spLocks noGrp="1"/>
+          </p:cNvSpPr>
+          <p:nvPr>
+            <p:ph type="sldNum" sz="quarter" idx="5"/>
+          </p:nvPr>
+        </p:nvSpPr>
+        <p:spPr/>
+        <p:txBody>
+          <a:bodyPr/>
+          <a:lstStyle/>
+          <a:p>
+            <a:fld id="{76EB2DAB-85D8-4EA8-8EA4-376013B7B13D}" type="slidenum">
+              <a:rPr lang="de-DE" noProof="0" smtClean="0"/>
+              <a:t>6</a:t>
+            </a:fld>
+            <a:endParaRPr lang="de-DE" noProof="0"/>
+          </a:p>
+        </p:txBody>
+      </p:sp>
+    </p:spTree>
+    <p:extLst>
+      <p:ext uri="{BB962C8B-B14F-4D97-AF65-F5344CB8AC3E}">
+        <p14:creationId xmlns:p14="http://schemas.microsoft.com/office/powerpoint/2010/main" val="2149014374"/>
+      </p:ext>
+    </p:extLst>
+  </p:cSld>
+  <p:clrMapOvr>
+    <a:masterClrMapping/>
+  </p:clrMapOvr>
+</p:notes>
+</file>
+
+<file path=ppt/notesSlides/notesSlide7.xml><?xml version="1.0" encoding="utf-8"?>
+<p:notes xmlns:a="http://schemas.openxmlformats.org/drawingml/2006/main" xmlns:r="http://schemas.openxmlformats.org/officeDocument/2006/relationships" xmlns:p="http://schemas.openxmlformats.org/presentationml/2006/main">
+  <p:cSld>
+    <p:spTree>
+      <p:nvGrpSpPr>
+        <p:cNvPr id="1" name=""/>
+        <p:cNvGrpSpPr/>
+        <p:nvPr/>
+      </p:nvGrpSpPr>
+      <p:grpSpPr>
+        <a:xfrm>
+          <a:off x="0" y="0"/>
+          <a:ext cx="0" cy="0"/>
+          <a:chOff x="0" y="0"/>
+          <a:chExt cx="0" cy="0"/>
+        </a:xfrm>
+      </p:grpSpPr>
+      <p:sp>
+        <p:nvSpPr>
+          <p:cNvPr id="2" name="Folienbildplatzhalter 1"/>
+          <p:cNvSpPr>
+            <a:spLocks noGrp="1" noRot="1" noChangeAspect="1"/>
+          </p:cNvSpPr>
+          <p:nvPr>
+            <p:ph type="sldImg"/>
+          </p:nvPr>
+        </p:nvSpPr>
+        <p:spPr/>
+      </p:sp>
+      <p:sp>
+        <p:nvSpPr>
+          <p:cNvPr id="3" name="Notizenplatzhalter 2"/>
+          <p:cNvSpPr>
+            <a:spLocks noGrp="1"/>
+          </p:cNvSpPr>
+          <p:nvPr>
+            <p:ph type="body" idx="1"/>
+          </p:nvPr>
+        </p:nvSpPr>
+        <p:spPr/>
+        <p:txBody>
+          <a:bodyPr/>
+          <a:lstStyle/>
+          <a:p>
+            <a:endParaRPr lang="de-DE"/>
+          </a:p>
+        </p:txBody>
+      </p:sp>
+      <p:sp>
+        <p:nvSpPr>
+          <p:cNvPr id="4" name="Foliennummernplatzhalter 3"/>
+          <p:cNvSpPr>
+            <a:spLocks noGrp="1"/>
+          </p:cNvSpPr>
+          <p:nvPr>
+            <p:ph type="sldNum" sz="quarter" idx="5"/>
+          </p:nvPr>
+        </p:nvSpPr>
+        <p:spPr/>
+        <p:txBody>
+          <a:bodyPr/>
+          <a:lstStyle/>
+          <a:p>
+            <a:fld id="{76EB2DAB-85D8-4EA8-8EA4-376013B7B13D}" type="slidenum">
+              <a:rPr lang="de-DE" noProof="0" smtClean="0"/>
+              <a:t>7</a:t>
+            </a:fld>
+            <a:endParaRPr lang="de-DE" noProof="0"/>
+          </a:p>
+        </p:txBody>
+      </p:sp>
+    </p:spTree>
+    <p:extLst>
+      <p:ext uri="{BB962C8B-B14F-4D97-AF65-F5344CB8AC3E}">
+        <p14:creationId xmlns:p14="http://schemas.microsoft.com/office/powerpoint/2010/main" val="1117665960"/>
+      </p:ext>
+    </p:extLst>
+  </p:cSld>
+  <p:clrMapOvr>
+    <a:masterClrMapping/>
+  </p:clrMapOvr>
+</p:notes>
+</file>
+
+<file path=ppt/notesSlides/notesSlide8.xml><?xml version="1.0" encoding="utf-8"?>
 <p:notes xmlns:a="http://schemas.openxmlformats.org/drawingml/2006/main" xmlns:r="http://schemas.openxmlformats.org/officeDocument/2006/relationships" xmlns:p="http://schemas.openxmlformats.org/presentationml/2006/main">
   <p:cSld>
     <p:spTree>
@@ -9610,14 +10132,14 @@
           <p:nvPr/>
         </p:nvPicPr>
         <p:blipFill>
-          <a:blip r:embed="rId2"/>
+          <a:blip r:embed="rId3"/>
           <a:stretch>
             <a:fillRect/>
           </a:stretch>
         </p:blipFill>
         <p:spPr>
           <a:xfrm>
-            <a:off x="2529179" y="4017025"/>
+            <a:off x="2590139" y="4385273"/>
             <a:ext cx="2120374" cy="1160789"/>
           </a:xfrm>
           <a:prstGeom prst="rect">
@@ -9640,7 +10162,7 @@
           <p:nvPr/>
         </p:nvPicPr>
         <p:blipFill>
-          <a:blip r:embed="rId3"/>
+          <a:blip r:embed="rId4"/>
           <a:stretch>
             <a:fillRect/>
           </a:stretch>
@@ -9670,7 +10192,7 @@
           <p:nvPr/>
         </p:nvPicPr>
         <p:blipFill>
-          <a:blip r:embed="rId4">
+          <a:blip r:embed="rId5">
             <a:clrChange>
               <a:clrFrom>
                 <a:srgbClr val="FFFFFF"/>
@@ -9711,14 +10233,14 @@
           <p:nvPr/>
         </p:nvPicPr>
         <p:blipFill>
-          <a:blip r:embed="rId5"/>
+          <a:blip r:embed="rId6"/>
           <a:stretch>
             <a:fillRect/>
           </a:stretch>
         </p:blipFill>
         <p:spPr>
           <a:xfrm>
-            <a:off x="3227917" y="1258244"/>
+            <a:off x="3270184" y="1374081"/>
             <a:ext cx="900698" cy="1353508"/>
           </a:xfrm>
           <a:prstGeom prst="rect">
@@ -9741,10 +10263,10 @@
           <p:nvPr/>
         </p:nvPicPr>
         <p:blipFill>
-          <a:blip r:embed="rId6">
+          <a:blip r:embed="rId7">
             <a:extLst>
               <a:ext uri="{96DAC541-7B7A-43D3-8B79-37D633B846F1}">
-                <asvg:svgBlip xmlns:asvg="http://schemas.microsoft.com/office/drawing/2016/SVG/main" r:embed="rId7"/>
+                <asvg:svgBlip xmlns:asvg="http://schemas.microsoft.com/office/drawing/2016/SVG/main" r:embed="rId8"/>
               </a:ext>
             </a:extLst>
           </a:blip>
@@ -9754,7 +10276,7 @@
         </p:blipFill>
         <p:spPr>
           <a:xfrm rot="16200000">
-            <a:off x="3139017" y="2800539"/>
+            <a:off x="3199977" y="3168787"/>
             <a:ext cx="900698" cy="900698"/>
           </a:xfrm>
           <a:prstGeom prst="rect">
@@ -9777,10 +10299,10 @@
           <p:nvPr/>
         </p:nvPicPr>
         <p:blipFill>
-          <a:blip r:embed="rId6">
+          <a:blip r:embed="rId7">
             <a:extLst>
               <a:ext uri="{96DAC541-7B7A-43D3-8B79-37D633B846F1}">
-                <asvg:svgBlip xmlns:asvg="http://schemas.microsoft.com/office/drawing/2016/SVG/main" r:embed="rId7"/>
+                <asvg:svgBlip xmlns:asvg="http://schemas.microsoft.com/office/drawing/2016/SVG/main" r:embed="rId8"/>
               </a:ext>
             </a:extLst>
           </a:blip>
@@ -9790,7 +10312,7 @@
         </p:blipFill>
         <p:spPr>
           <a:xfrm rot="16200000">
-            <a:off x="7711492" y="2800539"/>
+            <a:off x="7711492" y="2528302"/>
             <a:ext cx="900698" cy="900698"/>
           </a:xfrm>
           <a:prstGeom prst="rect">
@@ -9798,6 +10320,123 @@
           </a:prstGeom>
         </p:spPr>
       </p:pic>
+      <p:sp>
+        <p:nvSpPr>
+          <p:cNvPr id="14" name="Titel 1">
+            <a:extLst>
+              <a:ext uri="{FF2B5EF4-FFF2-40B4-BE49-F238E27FC236}">
+                <a16:creationId xmlns:a16="http://schemas.microsoft.com/office/drawing/2014/main" id="{BF7FD39C-A579-4030-9FB8-EFB54C1BFA69}"/>
+              </a:ext>
+            </a:extLst>
+          </p:cNvPr>
+          <p:cNvSpPr txBox="1">
+            <a:spLocks/>
+          </p:cNvSpPr>
+          <p:nvPr/>
+        </p:nvSpPr>
+        <p:spPr>
+          <a:xfrm>
+            <a:off x="3270184" y="2727589"/>
+            <a:ext cx="783865" cy="376389"/>
+          </a:xfrm>
+          <a:prstGeom prst="rect">
+            <a:avLst/>
+          </a:prstGeom>
+          <a:noFill/>
+        </p:spPr>
+        <p:txBody>
+          <a:bodyPr vert="horz" lIns="91440" tIns="45720" rIns="91440" bIns="45720" rtlCol="0" anchor="t">
+            <a:normAutofit/>
+          </a:bodyPr>
+          <a:lstStyle>
+            <a:lvl1pPr algn="l" defTabSz="457200" rtl="0" eaLnBrk="1" latinLnBrk="0" hangingPunct="1">
+              <a:spcBef>
+                <a:spcPct val="0"/>
+              </a:spcBef>
+              <a:buNone/>
+              <a:defRPr sz="3600" kern="1200">
+                <a:solidFill>
+                  <a:schemeClr val="accent1"/>
+                </a:solidFill>
+                <a:latin typeface="+mj-lt"/>
+                <a:ea typeface="+mj-ea"/>
+                <a:cs typeface="+mj-cs"/>
+              </a:defRPr>
+            </a:lvl1pPr>
+            <a:lvl2pPr eaLnBrk="1" hangingPunct="1">
+              <a:defRPr>
+                <a:solidFill>
+                  <a:schemeClr val="tx2"/>
+                </a:solidFill>
+              </a:defRPr>
+            </a:lvl2pPr>
+            <a:lvl3pPr eaLnBrk="1" hangingPunct="1">
+              <a:defRPr>
+                <a:solidFill>
+                  <a:schemeClr val="tx2"/>
+                </a:solidFill>
+              </a:defRPr>
+            </a:lvl3pPr>
+            <a:lvl4pPr eaLnBrk="1" hangingPunct="1">
+              <a:defRPr>
+                <a:solidFill>
+                  <a:schemeClr val="tx2"/>
+                </a:solidFill>
+              </a:defRPr>
+            </a:lvl4pPr>
+            <a:lvl5pPr eaLnBrk="1" hangingPunct="1">
+              <a:defRPr>
+                <a:solidFill>
+                  <a:schemeClr val="tx2"/>
+                </a:solidFill>
+              </a:defRPr>
+            </a:lvl5pPr>
+            <a:lvl6pPr eaLnBrk="1" hangingPunct="1">
+              <a:defRPr>
+                <a:solidFill>
+                  <a:schemeClr val="tx2"/>
+                </a:solidFill>
+              </a:defRPr>
+            </a:lvl6pPr>
+            <a:lvl7pPr eaLnBrk="1" hangingPunct="1">
+              <a:defRPr>
+                <a:solidFill>
+                  <a:schemeClr val="tx2"/>
+                </a:solidFill>
+              </a:defRPr>
+            </a:lvl7pPr>
+            <a:lvl8pPr eaLnBrk="1" hangingPunct="1">
+              <a:defRPr>
+                <a:solidFill>
+                  <a:schemeClr val="tx2"/>
+                </a:solidFill>
+              </a:defRPr>
+            </a:lvl8pPr>
+            <a:lvl9pPr eaLnBrk="1" hangingPunct="1">
+              <a:defRPr>
+                <a:solidFill>
+                  <a:schemeClr val="tx2"/>
+                </a:solidFill>
+              </a:defRPr>
+            </a:lvl9pPr>
+          </a:lstStyle>
+          <a:p>
+            <a:r>
+              <a:rPr lang="de-DE" sz="1800" dirty="0" err="1">
+                <a:solidFill>
+                  <a:srgbClr val="EC6708"/>
+                </a:solidFill>
+              </a:rPr>
+              <a:t>Local</a:t>
+            </a:r>
+            <a:endParaRPr lang="de-DE" sz="1800" dirty="0">
+              <a:solidFill>
+                <a:srgbClr val="EC6708"/>
+              </a:solidFill>
+            </a:endParaRPr>
+          </a:p>
+        </p:txBody>
+      </p:sp>
     </p:spTree>
     <p:extLst>
       <p:ext uri="{BB962C8B-B14F-4D97-AF65-F5344CB8AC3E}">
@@ -9843,10 +10482,10 @@
           <p:nvPr/>
         </p:nvPicPr>
         <p:blipFill>
-          <a:blip r:embed="rId2">
+          <a:blip r:embed="rId3">
             <a:extLst>
               <a:ext uri="{96DAC541-7B7A-43D3-8B79-37D633B846F1}">
-                <asvg:svgBlip xmlns:asvg="http://schemas.microsoft.com/office/drawing/2016/SVG/main" r:embed="rId3"/>
+                <asvg:svgBlip xmlns:asvg="http://schemas.microsoft.com/office/drawing/2016/SVG/main" r:embed="rId4"/>
               </a:ext>
             </a:extLst>
           </a:blip>
@@ -9899,7 +10538,7 @@
             <p:nvPr/>
           </p:nvPicPr>
           <p:blipFill>
-            <a:blip r:embed="rId4">
+            <a:blip r:embed="rId5">
               <a:clrChange>
                 <a:clrFrom>
                   <a:srgbClr val="FFFFFF"/>
@@ -10054,10 +10693,10 @@
           <p:nvPr/>
         </p:nvPicPr>
         <p:blipFill>
-          <a:blip r:embed="rId5">
+          <a:blip r:embed="rId6">
             <a:extLst>
               <a:ext uri="{96DAC541-7B7A-43D3-8B79-37D633B846F1}">
-                <asvg:svgBlip xmlns:asvg="http://schemas.microsoft.com/office/drawing/2016/SVG/main" r:embed="rId6"/>
+                <asvg:svgBlip xmlns:asvg="http://schemas.microsoft.com/office/drawing/2016/SVG/main" r:embed="rId7"/>
               </a:ext>
             </a:extLst>
           </a:blip>
@@ -10255,7 +10894,7 @@
           <p:nvPr/>
         </p:nvPicPr>
         <p:blipFill>
-          <a:blip r:embed="rId7"/>
+          <a:blip r:embed="rId8"/>
           <a:stretch>
             <a:fillRect/>
           </a:stretch>
@@ -10285,7 +10924,7 @@
           <p:nvPr/>
         </p:nvPicPr>
         <p:blipFill>
-          <a:blip r:embed="rId8"/>
+          <a:blip r:embed="rId9"/>
           <a:stretch>
             <a:fillRect/>
           </a:stretch>
@@ -10315,10 +10954,10 @@
           <p:nvPr/>
         </p:nvPicPr>
         <p:blipFill>
-          <a:blip r:embed="rId5">
+          <a:blip r:embed="rId6">
             <a:extLst>
               <a:ext uri="{96DAC541-7B7A-43D3-8B79-37D633B846F1}">
-                <asvg:svgBlip xmlns:asvg="http://schemas.microsoft.com/office/drawing/2016/SVG/main" r:embed="rId6"/>
+                <asvg:svgBlip xmlns:asvg="http://schemas.microsoft.com/office/drawing/2016/SVG/main" r:embed="rId7"/>
               </a:ext>
             </a:extLst>
           </a:blip>
@@ -10351,10 +10990,10 @@
           <p:nvPr/>
         </p:nvPicPr>
         <p:blipFill>
-          <a:blip r:embed="rId2">
+          <a:blip r:embed="rId3">
             <a:extLst>
               <a:ext uri="{96DAC541-7B7A-43D3-8B79-37D633B846F1}">
-                <asvg:svgBlip xmlns:asvg="http://schemas.microsoft.com/office/drawing/2016/SVG/main" r:embed="rId3"/>
+                <asvg:svgBlip xmlns:asvg="http://schemas.microsoft.com/office/drawing/2016/SVG/main" r:embed="rId4"/>
               </a:ext>
             </a:extLst>
           </a:blip>
@@ -10635,10 +11274,10 @@
           <p:nvPr/>
         </p:nvPicPr>
         <p:blipFill>
-          <a:blip r:embed="rId9">
+          <a:blip r:embed="rId10">
             <a:extLst>
               <a:ext uri="{96DAC541-7B7A-43D3-8B79-37D633B846F1}">
-                <asvg:svgBlip xmlns:asvg="http://schemas.microsoft.com/office/drawing/2016/SVG/main" r:embed="rId10"/>
+                <asvg:svgBlip xmlns:asvg="http://schemas.microsoft.com/office/drawing/2016/SVG/main" r:embed="rId11"/>
               </a:ext>
             </a:extLst>
           </a:blip>
@@ -10783,10 +11422,10 @@
           <p:nvPr/>
         </p:nvPicPr>
         <p:blipFill>
-          <a:blip r:embed="rId11">
+          <a:blip r:embed="rId12">
             <a:extLst>
               <a:ext uri="{96DAC541-7B7A-43D3-8B79-37D633B846F1}">
-                <asvg:svgBlip xmlns:asvg="http://schemas.microsoft.com/office/drawing/2016/SVG/main" r:embed="rId12"/>
+                <asvg:svgBlip xmlns:asvg="http://schemas.microsoft.com/office/drawing/2016/SVG/main" r:embed="rId13"/>
               </a:ext>
             </a:extLst>
           </a:blip>
@@ -10819,10 +11458,10 @@
           <p:nvPr/>
         </p:nvPicPr>
         <p:blipFill>
-          <a:blip r:embed="rId13">
+          <a:blip r:embed="rId14">
             <a:extLst>
               <a:ext uri="{96DAC541-7B7A-43D3-8B79-37D633B846F1}">
-                <asvg:svgBlip xmlns:asvg="http://schemas.microsoft.com/office/drawing/2016/SVG/main" r:embed="rId14"/>
+                <asvg:svgBlip xmlns:asvg="http://schemas.microsoft.com/office/drawing/2016/SVG/main" r:embed="rId15"/>
               </a:ext>
             </a:extLst>
           </a:blip>
@@ -10875,10 +11514,10 @@
             <p:nvPr/>
           </p:nvPicPr>
           <p:blipFill>
-            <a:blip r:embed="rId15">
+            <a:blip r:embed="rId16">
               <a:extLst>
                 <a:ext uri="{96DAC541-7B7A-43D3-8B79-37D633B846F1}">
-                  <asvg:svgBlip xmlns:asvg="http://schemas.microsoft.com/office/drawing/2016/SVG/main" r:embed="rId16"/>
+                  <asvg:svgBlip xmlns:asvg="http://schemas.microsoft.com/office/drawing/2016/SVG/main" r:embed="rId17"/>
                 </a:ext>
               </a:extLst>
             </a:blip>
@@ -10911,7 +11550,7 @@
             <p:nvPr/>
           </p:nvPicPr>
           <p:blipFill rotWithShape="1">
-            <a:blip r:embed="rId17">
+            <a:blip r:embed="rId18">
               <a:clrChange>
                 <a:clrFrom>
                   <a:srgbClr val="FFFFFF"/>
@@ -11094,10 +11733,10 @@
           <p:nvPr/>
         </p:nvPicPr>
         <p:blipFill>
-          <a:blip r:embed="rId2">
+          <a:blip r:embed="rId3">
             <a:extLst>
               <a:ext uri="{96DAC541-7B7A-43D3-8B79-37D633B846F1}">
-                <asvg:svgBlip xmlns:asvg="http://schemas.microsoft.com/office/drawing/2016/SVG/main" r:embed="rId3"/>
+                <asvg:svgBlip xmlns:asvg="http://schemas.microsoft.com/office/drawing/2016/SVG/main" r:embed="rId4"/>
               </a:ext>
             </a:extLst>
           </a:blip>
@@ -11130,7 +11769,7 @@
           <p:nvPr/>
         </p:nvPicPr>
         <p:blipFill rotWithShape="1">
-          <a:blip r:embed="rId4"/>
+          <a:blip r:embed="rId5"/>
           <a:srcRect t="22829"/>
           <a:stretch/>
         </p:blipFill>
@@ -11184,6 +11823,36 @@
           <a:chExt cx="0" cy="0"/>
         </a:xfrm>
       </p:grpSpPr>
+      <p:pic>
+        <p:nvPicPr>
+          <p:cNvPr id="2" name="Grafik 1">
+            <a:extLst>
+              <a:ext uri="{FF2B5EF4-FFF2-40B4-BE49-F238E27FC236}">
+                <a16:creationId xmlns:a16="http://schemas.microsoft.com/office/drawing/2014/main" id="{C2AEEDD5-74C0-41D2-A120-F7A5FC3C32AC}"/>
+              </a:ext>
+            </a:extLst>
+          </p:cNvPr>
+          <p:cNvPicPr>
+            <a:picLocks noChangeAspect="1"/>
+          </p:cNvPicPr>
+          <p:nvPr/>
+        </p:nvPicPr>
+        <p:blipFill>
+          <a:blip r:embed="rId3"/>
+          <a:stretch>
+            <a:fillRect/>
+          </a:stretch>
+        </p:blipFill>
+        <p:spPr>
+          <a:xfrm>
+            <a:off x="1004177" y="790206"/>
+            <a:ext cx="10183646" cy="5277587"/>
+          </a:xfrm>
+          <a:prstGeom prst="rect">
+            <a:avLst/>
+          </a:prstGeom>
+        </p:spPr>
+      </p:pic>
       <p:sp>
         <p:nvSpPr>
           <p:cNvPr id="8" name="Titel 1">
@@ -11298,36 +11967,6 @@
       </p:sp>
       <p:pic>
         <p:nvPicPr>
-          <p:cNvPr id="10" name="Grafik 9">
-            <a:extLst>
-              <a:ext uri="{FF2B5EF4-FFF2-40B4-BE49-F238E27FC236}">
-                <a16:creationId xmlns:a16="http://schemas.microsoft.com/office/drawing/2014/main" id="{ADCC4444-369B-455D-9E01-41E21597CCED}"/>
-              </a:ext>
-            </a:extLst>
-          </p:cNvPr>
-          <p:cNvPicPr>
-            <a:picLocks noChangeAspect="1"/>
-          </p:cNvPicPr>
-          <p:nvPr/>
-        </p:nvPicPr>
-        <p:blipFill>
-          <a:blip r:embed="rId2"/>
-          <a:stretch>
-            <a:fillRect/>
-          </a:stretch>
-        </p:blipFill>
-        <p:spPr>
-          <a:xfrm>
-            <a:off x="1223282" y="1900024"/>
-            <a:ext cx="9745435" cy="3057952"/>
-          </a:xfrm>
-          <a:prstGeom prst="rect">
-            <a:avLst/>
-          </a:prstGeom>
-        </p:spPr>
-      </p:pic>
-      <p:pic>
-        <p:nvPicPr>
           <p:cNvPr id="11" name="Grafik 10" descr="Ein Bild, das Zeichnung enthält.&#10;&#10;Automatisch generierte Beschreibung">
             <a:extLst>
               <a:ext uri="{FF2B5EF4-FFF2-40B4-BE49-F238E27FC236}">
@@ -11341,14 +11980,25 @@
           <p:nvPr/>
         </p:nvPicPr>
         <p:blipFill>
-          <a:blip r:embed="rId3"/>
+          <a:blip r:embed="rId4">
+            <a:clrChange>
+              <a:clrFrom>
+                <a:srgbClr val="FFFFFF"/>
+              </a:clrFrom>
+              <a:clrTo>
+                <a:srgbClr val="FFFFFF">
+                  <a:alpha val="0"/>
+                </a:srgbClr>
+              </a:clrTo>
+            </a:clrChange>
+          </a:blip>
           <a:stretch>
             <a:fillRect/>
           </a:stretch>
         </p:blipFill>
         <p:spPr>
           <a:xfrm>
-            <a:off x="9712179" y="1355246"/>
+            <a:off x="8823905" y="1093450"/>
             <a:ext cx="1256538" cy="1888240"/>
           </a:xfrm>
           <a:prstGeom prst="rect">
@@ -11401,7 +12051,7 @@
           <p:nvPr/>
         </p:nvPicPr>
         <p:blipFill>
-          <a:blip r:embed="rId2"/>
+          <a:blip r:embed="rId3"/>
           <a:stretch>
             <a:fillRect/>
           </a:stretch>
@@ -11441,7 +12091,7 @@
           <p:nvPr/>
         </p:nvPicPr>
         <p:blipFill rotWithShape="1">
-          <a:blip r:embed="rId3"/>
+          <a:blip r:embed="rId4"/>
           <a:srcRect b="1683"/>
           <a:stretch/>
         </p:blipFill>
@@ -11592,7 +12242,7 @@
           <p:nvPr/>
         </p:nvPicPr>
         <p:blipFill>
-          <a:blip r:embed="rId4"/>
+          <a:blip r:embed="rId5"/>
           <a:stretch>
             <a:fillRect/>
           </a:stretch>
@@ -11632,7 +12282,7 @@
           <p:nvPr/>
         </p:nvPicPr>
         <p:blipFill rotWithShape="1">
-          <a:blip r:embed="rId5"/>
+          <a:blip r:embed="rId6"/>
           <a:srcRect b="47760"/>
           <a:stretch/>
         </p:blipFill>
@@ -11676,7 +12326,7 @@
           <p:nvPr/>
         </p:nvPicPr>
         <p:blipFill rotWithShape="1">
-          <a:blip r:embed="rId5"/>
+          <a:blip r:embed="rId6"/>
           <a:srcRect t="47761"/>
           <a:stretch/>
         </p:blipFill>
@@ -11720,7 +12370,7 @@
           <p:nvPr/>
         </p:nvPicPr>
         <p:blipFill rotWithShape="1">
-          <a:blip r:embed="rId6"/>
+          <a:blip r:embed="rId7"/>
           <a:srcRect b="4979"/>
           <a:stretch/>
         </p:blipFill>
@@ -11759,7 +12409,7 @@
           <p:nvPr/>
         </p:nvPicPr>
         <p:blipFill>
-          <a:blip r:embed="rId7"/>
+          <a:blip r:embed="rId8"/>
           <a:stretch>
             <a:fillRect/>
           </a:stretch>
@@ -11799,7 +12449,7 @@
           <p:nvPr/>
         </p:nvPicPr>
         <p:blipFill>
-          <a:blip r:embed="rId8"/>
+          <a:blip r:embed="rId9"/>
           <a:stretch>
             <a:fillRect/>
           </a:stretch>
@@ -11839,7 +12489,7 @@
           <p:nvPr/>
         </p:nvPicPr>
         <p:blipFill>
-          <a:blip r:embed="rId9"/>
+          <a:blip r:embed="rId10"/>
           <a:stretch>
             <a:fillRect/>
           </a:stretch>
@@ -11879,7 +12529,7 @@
           <p:nvPr/>
         </p:nvPicPr>
         <p:blipFill rotWithShape="1">
-          <a:blip r:embed="rId10"/>
+          <a:blip r:embed="rId11"/>
           <a:srcRect t="14110" b="45051"/>
           <a:stretch/>
         </p:blipFill>
@@ -11923,7 +12573,7 @@
           <p:nvPr/>
         </p:nvPicPr>
         <p:blipFill rotWithShape="1">
-          <a:blip r:embed="rId11"/>
+          <a:blip r:embed="rId12"/>
           <a:srcRect t="17005"/>
           <a:stretch/>
         </p:blipFill>
@@ -13575,6 +14225,23 @@
 </file>
 
 <file path=customXml/item1.xml><?xml version="1.0" encoding="utf-8"?>
+<p:properties xmlns:p="http://schemas.microsoft.com/office/2006/metadata/properties" xmlns:xsi="http://www.w3.org/2001/XMLSchema-instance" xmlns:pc="http://schemas.microsoft.com/office/infopath/2007/PartnerControls">
+  <documentManagement>
+    <MediaServiceKeyPoints xmlns="71af3243-3dd4-4a8d-8c0d-dd76da1f02a5" xsi:nil="true"/>
+  </documentManagement>
+</p:properties>
+</file>
+
+<file path=customXml/item2.xml><?xml version="1.0" encoding="utf-8"?>
+<?mso-contentType ?>
+<FormTemplates xmlns="http://schemas.microsoft.com/sharepoint/v3/contenttype/forms">
+  <Display>DocumentLibraryForm</Display>
+  <Edit>DocumentLibraryForm</Edit>
+  <New>DocumentLibraryForm</New>
+</FormTemplates>
+</file>
+
+<file path=customXml/item3.xml><?xml version="1.0" encoding="utf-8"?>
 <ct:contentTypeSchema xmlns:ct="http://schemas.microsoft.com/office/2006/metadata/contentType" xmlns:ma="http://schemas.microsoft.com/office/2006/metadata/properties/metaAttributes" ct:_="" ma:_="" ma:contentTypeName="Document" ma:contentTypeID="0x01010079F111ED35F8CC479449609E8A0923A6" ma:contentTypeVersion="11" ma:contentTypeDescription="Create a new document." ma:contentTypeScope="" ma:versionID="1c2eb7a32e66fb6e4260f3771546a5e2">
   <xsd:schema xmlns:xsd="http://www.w3.org/2001/XMLSchema" xmlns:xs="http://www.w3.org/2001/XMLSchema" xmlns:p="http://schemas.microsoft.com/office/2006/metadata/properties" xmlns:ns2="71af3243-3dd4-4a8d-8c0d-dd76da1f02a5" xmlns:ns3="16c05727-aa75-4e4a-9b5f-8a80a1165891" targetNamespace="http://schemas.microsoft.com/office/2006/metadata/properties" ma:root="true" ma:fieldsID="04e1f6479c48b08974ba73b5ca973489" ns2:_="" ns3:_="">
     <xsd:import namespace="71af3243-3dd4-4a8d-8c0d-dd76da1f02a5"/>
@@ -13785,24 +14452,32 @@
 </ct:contentTypeSchema>
 </file>
 
-<file path=customXml/item2.xml><?xml version="1.0" encoding="utf-8"?>
-<?mso-contentType ?>
-<FormTemplates xmlns="http://schemas.microsoft.com/sharepoint/v3/contenttype/forms">
-  <Display>DocumentLibraryForm</Display>
-  <Edit>DocumentLibraryForm</Edit>
-  <New>DocumentLibraryForm</New>
-</FormTemplates>
+<file path=customXml/itemProps1.xml><?xml version="1.0" encoding="utf-8"?>
+<ds:datastoreItem xmlns:ds="http://schemas.openxmlformats.org/officeDocument/2006/customXml" ds:itemID="{30541854-87B3-4953-A183-EF3BD285377B}">
+  <ds:schemaRefs>
+    <ds:schemaRef ds:uri="http://schemas.openxmlformats.org/package/2006/metadata/core-properties"/>
+    <ds:schemaRef ds:uri="http://www.w3.org/XML/1998/namespace"/>
+    <ds:schemaRef ds:uri="http://purl.org/dc/terms/"/>
+    <ds:schemaRef ds:uri="71af3243-3dd4-4a8d-8c0d-dd76da1f02a5"/>
+    <ds:schemaRef ds:uri="16c05727-aa75-4e4a-9b5f-8a80a1165891"/>
+    <ds:schemaRef ds:uri="http://purl.org/dc/dcmitype/"/>
+    <ds:schemaRef ds:uri="http://schemas.microsoft.com/office/2006/documentManagement/types"/>
+    <ds:schemaRef ds:uri="http://schemas.microsoft.com/office/infopath/2007/PartnerControls"/>
+    <ds:schemaRef ds:uri="http://schemas.microsoft.com/office/2006/metadata/properties"/>
+    <ds:schemaRef ds:uri="http://purl.org/dc/elements/1.1/"/>
+  </ds:schemaRefs>
+</ds:datastoreItem>
 </file>
 
-<file path=customXml/item3.xml><?xml version="1.0" encoding="utf-8"?>
-<p:properties xmlns:p="http://schemas.microsoft.com/office/2006/metadata/properties" xmlns:xsi="http://www.w3.org/2001/XMLSchema-instance" xmlns:pc="http://schemas.microsoft.com/office/infopath/2007/PartnerControls">
-  <documentManagement>
-    <MediaServiceKeyPoints xmlns="71af3243-3dd4-4a8d-8c0d-dd76da1f02a5" xsi:nil="true"/>
-  </documentManagement>
-</p:properties>
+<file path=customXml/itemProps2.xml><?xml version="1.0" encoding="utf-8"?>
+<ds:datastoreItem xmlns:ds="http://schemas.openxmlformats.org/officeDocument/2006/customXml" ds:itemID="{DFB9BFA2-1FA5-44A1-B975-10D6BF58ECD0}">
+  <ds:schemaRefs>
+    <ds:schemaRef ds:uri="http://schemas.microsoft.com/sharepoint/v3/contenttype/forms"/>
+  </ds:schemaRefs>
+</ds:datastoreItem>
 </file>
 
-<file path=customXml/itemProps1.xml><?xml version="1.0" encoding="utf-8"?>
+<file path=customXml/itemProps3.xml><?xml version="1.0" encoding="utf-8"?>
 <ds:datastoreItem xmlns:ds="http://schemas.openxmlformats.org/officeDocument/2006/customXml" ds:itemID="{E577E783-5AB8-45E6-9E56-AE40075231B2}">
   <ds:schemaRefs>
     <ds:schemaRef ds:uri="http://schemas.microsoft.com/office/2006/metadata/contentType"/>
@@ -13819,29 +14494,4 @@
     <ds:schemaRef ds:uri="http://schemas.microsoft.com/internal/obd"/>
   </ds:schemaRefs>
 </ds:datastoreItem>
-</file>
-
-<file path=customXml/itemProps2.xml><?xml version="1.0" encoding="utf-8"?>
-<ds:datastoreItem xmlns:ds="http://schemas.openxmlformats.org/officeDocument/2006/customXml" ds:itemID="{DFB9BFA2-1FA5-44A1-B975-10D6BF58ECD0}">
-  <ds:schemaRefs>
-    <ds:schemaRef ds:uri="http://schemas.microsoft.com/sharepoint/v3/contenttype/forms"/>
-  </ds:schemaRefs>
-</ds:datastoreItem>
-</file>
-
-<file path=customXml/itemProps3.xml><?xml version="1.0" encoding="utf-8"?>
-<ds:datastoreItem xmlns:ds="http://schemas.openxmlformats.org/officeDocument/2006/customXml" ds:itemID="{30541854-87B3-4953-A183-EF3BD285377B}">
-  <ds:schemaRefs>
-    <ds:schemaRef ds:uri="http://schemas.openxmlformats.org/package/2006/metadata/core-properties"/>
-    <ds:schemaRef ds:uri="http://www.w3.org/XML/1998/namespace"/>
-    <ds:schemaRef ds:uri="http://purl.org/dc/terms/"/>
-    <ds:schemaRef ds:uri="71af3243-3dd4-4a8d-8c0d-dd76da1f02a5"/>
-    <ds:schemaRef ds:uri="16c05727-aa75-4e4a-9b5f-8a80a1165891"/>
-    <ds:schemaRef ds:uri="http://purl.org/dc/dcmitype/"/>
-    <ds:schemaRef ds:uri="http://schemas.microsoft.com/office/2006/documentManagement/types"/>
-    <ds:schemaRef ds:uri="http://schemas.microsoft.com/office/infopath/2007/PartnerControls"/>
-    <ds:schemaRef ds:uri="http://schemas.microsoft.com/office/2006/metadata/properties"/>
-    <ds:schemaRef ds:uri="http://purl.org/dc/elements/1.1/"/>
-  </ds:schemaRefs>
-</ds:datastoreItem>
 </file>
--- a/share/presentations/Java 2/RentATool_17.07.2020_Danny.pptx
+++ b/share/presentations/Java 2/RentATool_17.07.2020_Danny.pptx
@@ -8091,6 +8091,44 @@
           </a:p>
         </p:txBody>
       </p:sp>
+      <p:sp>
+        <p:nvSpPr>
+          <p:cNvPr id="2" name="Rechteck 1">
+            <a:extLst>
+              <a:ext uri="{FF2B5EF4-FFF2-40B4-BE49-F238E27FC236}">
+                <a16:creationId xmlns:a16="http://schemas.microsoft.com/office/drawing/2014/main" id="{03E25B9D-FA45-4025-AE68-6B0C51CCCEF8}"/>
+              </a:ext>
+            </a:extLst>
+          </p:cNvPr>
+          <p:cNvSpPr/>
+          <p:nvPr userDrawn="1"/>
+        </p:nvSpPr>
+        <p:spPr>
+          <a:xfrm>
+            <a:off x="4767875" y="6583526"/>
+            <a:ext cx="4477125" cy="261610"/>
+          </a:xfrm>
+          <a:prstGeom prst="rect">
+            <a:avLst/>
+          </a:prstGeom>
+        </p:spPr>
+        <p:txBody>
+          <a:bodyPr wrap="square">
+            <a:spAutoFit/>
+          </a:bodyPr>
+          <a:lstStyle/>
+          <a:p>
+            <a:pPr algn="ctr"/>
+            <a:r>
+              <a:rPr lang="de-DE" sz="1100" dirty="0">
+                <a:hlinkClick r:id="rId4"/>
+              </a:rPr>
+              <a:t>https://github.com/fh-erfurt/RentATool</a:t>
+            </a:r>
+            <a:endParaRPr lang="de-DE" sz="1100" dirty="0"/>
+          </a:p>
+        </p:txBody>
+      </p:sp>
     </p:spTree>
     <p:extLst>
       <p:ext uri="{BB962C8B-B14F-4D97-AF65-F5344CB8AC3E}">
@@ -9425,7 +9463,7 @@
         </p:blipFill>
         <p:spPr>
           <a:xfrm>
-            <a:off x="448734" y="266075"/>
+            <a:off x="448734" y="430262"/>
             <a:ext cx="3119662" cy="1438747"/>
           </a:xfrm>
           <a:prstGeom prst="rect">
@@ -9454,7 +9492,7 @@
         </p:blipFill>
         <p:spPr>
           <a:xfrm>
-            <a:off x="448733" y="1704823"/>
+            <a:off x="448734" y="1869009"/>
             <a:ext cx="3119662" cy="1812404"/>
           </a:xfrm>
           <a:prstGeom prst="rect">
@@ -14225,23 +14263,6 @@
 </file>
 
 <file path=customXml/item1.xml><?xml version="1.0" encoding="utf-8"?>
-<p:properties xmlns:p="http://schemas.microsoft.com/office/2006/metadata/properties" xmlns:xsi="http://www.w3.org/2001/XMLSchema-instance" xmlns:pc="http://schemas.microsoft.com/office/infopath/2007/PartnerControls">
-  <documentManagement>
-    <MediaServiceKeyPoints xmlns="71af3243-3dd4-4a8d-8c0d-dd76da1f02a5" xsi:nil="true"/>
-  </documentManagement>
-</p:properties>
-</file>
-
-<file path=customXml/item2.xml><?xml version="1.0" encoding="utf-8"?>
-<?mso-contentType ?>
-<FormTemplates xmlns="http://schemas.microsoft.com/sharepoint/v3/contenttype/forms">
-  <Display>DocumentLibraryForm</Display>
-  <Edit>DocumentLibraryForm</Edit>
-  <New>DocumentLibraryForm</New>
-</FormTemplates>
-</file>
-
-<file path=customXml/item3.xml><?xml version="1.0" encoding="utf-8"?>
 <ct:contentTypeSchema xmlns:ct="http://schemas.microsoft.com/office/2006/metadata/contentType" xmlns:ma="http://schemas.microsoft.com/office/2006/metadata/properties/metaAttributes" ct:_="" ma:_="" ma:contentTypeName="Document" ma:contentTypeID="0x01010079F111ED35F8CC479449609E8A0923A6" ma:contentTypeVersion="11" ma:contentTypeDescription="Create a new document." ma:contentTypeScope="" ma:versionID="1c2eb7a32e66fb6e4260f3771546a5e2">
   <xsd:schema xmlns:xsd="http://www.w3.org/2001/XMLSchema" xmlns:xs="http://www.w3.org/2001/XMLSchema" xmlns:p="http://schemas.microsoft.com/office/2006/metadata/properties" xmlns:ns2="71af3243-3dd4-4a8d-8c0d-dd76da1f02a5" xmlns:ns3="16c05727-aa75-4e4a-9b5f-8a80a1165891" targetNamespace="http://schemas.microsoft.com/office/2006/metadata/properties" ma:root="true" ma:fieldsID="04e1f6479c48b08974ba73b5ca973489" ns2:_="" ns3:_="">
     <xsd:import namespace="71af3243-3dd4-4a8d-8c0d-dd76da1f02a5"/>
@@ -14452,32 +14473,24 @@
 </ct:contentTypeSchema>
 </file>
 
-<file path=customXml/itemProps1.xml><?xml version="1.0" encoding="utf-8"?>
-<ds:datastoreItem xmlns:ds="http://schemas.openxmlformats.org/officeDocument/2006/customXml" ds:itemID="{30541854-87B3-4953-A183-EF3BD285377B}">
-  <ds:schemaRefs>
-    <ds:schemaRef ds:uri="http://schemas.openxmlformats.org/package/2006/metadata/core-properties"/>
-    <ds:schemaRef ds:uri="http://www.w3.org/XML/1998/namespace"/>
-    <ds:schemaRef ds:uri="http://purl.org/dc/terms/"/>
-    <ds:schemaRef ds:uri="71af3243-3dd4-4a8d-8c0d-dd76da1f02a5"/>
-    <ds:schemaRef ds:uri="16c05727-aa75-4e4a-9b5f-8a80a1165891"/>
-    <ds:schemaRef ds:uri="http://purl.org/dc/dcmitype/"/>
-    <ds:schemaRef ds:uri="http://schemas.microsoft.com/office/2006/documentManagement/types"/>
-    <ds:schemaRef ds:uri="http://schemas.microsoft.com/office/infopath/2007/PartnerControls"/>
-    <ds:schemaRef ds:uri="http://schemas.microsoft.com/office/2006/metadata/properties"/>
-    <ds:schemaRef ds:uri="http://purl.org/dc/elements/1.1/"/>
-  </ds:schemaRefs>
-</ds:datastoreItem>
+<file path=customXml/item2.xml><?xml version="1.0" encoding="utf-8"?>
+<?mso-contentType ?>
+<FormTemplates xmlns="http://schemas.microsoft.com/sharepoint/v3/contenttype/forms">
+  <Display>DocumentLibraryForm</Display>
+  <Edit>DocumentLibraryForm</Edit>
+  <New>DocumentLibraryForm</New>
+</FormTemplates>
 </file>
 
-<file path=customXml/itemProps2.xml><?xml version="1.0" encoding="utf-8"?>
-<ds:datastoreItem xmlns:ds="http://schemas.openxmlformats.org/officeDocument/2006/customXml" ds:itemID="{DFB9BFA2-1FA5-44A1-B975-10D6BF58ECD0}">
-  <ds:schemaRefs>
-    <ds:schemaRef ds:uri="http://schemas.microsoft.com/sharepoint/v3/contenttype/forms"/>
-  </ds:schemaRefs>
-</ds:datastoreItem>
+<file path=customXml/item3.xml><?xml version="1.0" encoding="utf-8"?>
+<p:properties xmlns:p="http://schemas.microsoft.com/office/2006/metadata/properties" xmlns:xsi="http://www.w3.org/2001/XMLSchema-instance" xmlns:pc="http://schemas.microsoft.com/office/infopath/2007/PartnerControls">
+  <documentManagement>
+    <MediaServiceKeyPoints xmlns="71af3243-3dd4-4a8d-8c0d-dd76da1f02a5" xsi:nil="true"/>
+  </documentManagement>
+</p:properties>
 </file>
 
-<file path=customXml/itemProps3.xml><?xml version="1.0" encoding="utf-8"?>
+<file path=customXml/itemProps1.xml><?xml version="1.0" encoding="utf-8"?>
 <ds:datastoreItem xmlns:ds="http://schemas.openxmlformats.org/officeDocument/2006/customXml" ds:itemID="{E577E783-5AB8-45E6-9E56-AE40075231B2}">
   <ds:schemaRefs>
     <ds:schemaRef ds:uri="http://schemas.microsoft.com/office/2006/metadata/contentType"/>
@@ -14494,4 +14507,29 @@
     <ds:schemaRef ds:uri="http://schemas.microsoft.com/internal/obd"/>
   </ds:schemaRefs>
 </ds:datastoreItem>
+</file>
+
+<file path=customXml/itemProps2.xml><?xml version="1.0" encoding="utf-8"?>
+<ds:datastoreItem xmlns:ds="http://schemas.openxmlformats.org/officeDocument/2006/customXml" ds:itemID="{DFB9BFA2-1FA5-44A1-B975-10D6BF58ECD0}">
+  <ds:schemaRefs>
+    <ds:schemaRef ds:uri="http://schemas.microsoft.com/sharepoint/v3/contenttype/forms"/>
+  </ds:schemaRefs>
+</ds:datastoreItem>
+</file>
+
+<file path=customXml/itemProps3.xml><?xml version="1.0" encoding="utf-8"?>
+<ds:datastoreItem xmlns:ds="http://schemas.openxmlformats.org/officeDocument/2006/customXml" ds:itemID="{30541854-87B3-4953-A183-EF3BD285377B}">
+  <ds:schemaRefs>
+    <ds:schemaRef ds:uri="http://schemas.openxmlformats.org/package/2006/metadata/core-properties"/>
+    <ds:schemaRef ds:uri="http://www.w3.org/XML/1998/namespace"/>
+    <ds:schemaRef ds:uri="http://purl.org/dc/terms/"/>
+    <ds:schemaRef ds:uri="71af3243-3dd4-4a8d-8c0d-dd76da1f02a5"/>
+    <ds:schemaRef ds:uri="16c05727-aa75-4e4a-9b5f-8a80a1165891"/>
+    <ds:schemaRef ds:uri="http://purl.org/dc/dcmitype/"/>
+    <ds:schemaRef ds:uri="http://schemas.microsoft.com/office/2006/documentManagement/types"/>
+    <ds:schemaRef ds:uri="http://schemas.microsoft.com/office/infopath/2007/PartnerControls"/>
+    <ds:schemaRef ds:uri="http://schemas.microsoft.com/office/2006/metadata/properties"/>
+    <ds:schemaRef ds:uri="http://purl.org/dc/elements/1.1/"/>
+  </ds:schemaRefs>
+</ds:datastoreItem>
 </file>
--- a/share/presentations/Java 2/RentATool_17.07.2020_Danny.pptx
+++ b/share/presentations/Java 2/RentATool_17.07.2020_Danny.pptx
@@ -5,10 +5,10 @@
     <p:sldMasterId id="2147483978" r:id="rId4"/>
   </p:sldMasterIdLst>
   <p:notesMasterIdLst>
-    <p:notesMasterId r:id="rId16"/>
+    <p:notesMasterId r:id="rId17"/>
   </p:notesMasterIdLst>
   <p:handoutMasterIdLst>
-    <p:handoutMasterId r:id="rId17"/>
+    <p:handoutMasterId r:id="rId18"/>
   </p:handoutMasterIdLst>
   <p:sldIdLst>
     <p:sldId id="256" r:id="rId5"/>
@@ -21,7 +21,8 @@
     <p:sldId id="270" r:id="rId12"/>
     <p:sldId id="273" r:id="rId13"/>
     <p:sldId id="272" r:id="rId14"/>
-    <p:sldId id="261" r:id="rId15"/>
+    <p:sldId id="275" r:id="rId15"/>
+    <p:sldId id="261" r:id="rId16"/>
   </p:sldIdLst>
   <p:sldSz cx="12192000" cy="6858000"/>
   <p:notesSz cx="6858000" cy="9144000"/>
@@ -135,6 +136,7 @@
             <p14:sldId id="270"/>
             <p14:sldId id="273"/>
             <p14:sldId id="272"/>
+            <p14:sldId id="275"/>
             <p14:sldId id="261"/>
           </p14:sldIdLst>
         </p14:section>
@@ -916,753 +918,6 @@
 </dgm:colorsDef>
 </file>
 
-<file path=ppt/diagrams/colors2.xml><?xml version="1.0" encoding="utf-8"?>
-<dgm:colorsDef xmlns:dgm="http://schemas.openxmlformats.org/drawingml/2006/diagram" xmlns:a="http://schemas.openxmlformats.org/drawingml/2006/main" uniqueId="urn:microsoft.com/office/officeart/2005/8/colors/accent1_2">
-  <dgm:title val=""/>
-  <dgm:desc val=""/>
-  <dgm:catLst>
-    <dgm:cat type="accent1" pri="11200"/>
-  </dgm:catLst>
-  <dgm:styleLbl name="node0">
-    <dgm:fillClrLst meth="repeat">
-      <a:schemeClr val="accent1"/>
-    </dgm:fillClrLst>
-    <dgm:linClrLst meth="repeat">
-      <a:schemeClr val="lt1"/>
-    </dgm:linClrLst>
-    <dgm:effectClrLst/>
-    <dgm:txLinClrLst/>
-    <dgm:txFillClrLst/>
-    <dgm:txEffectClrLst/>
-  </dgm:styleLbl>
-  <dgm:styleLbl name="alignNode1">
-    <dgm:fillClrLst meth="repeat">
-      <a:schemeClr val="accent1"/>
-    </dgm:fillClrLst>
-    <dgm:linClrLst meth="repeat">
-      <a:schemeClr val="accent1"/>
-    </dgm:linClrLst>
-    <dgm:effectClrLst/>
-    <dgm:txLinClrLst/>
-    <dgm:txFillClrLst/>
-    <dgm:txEffectClrLst/>
-  </dgm:styleLbl>
-  <dgm:styleLbl name="node1">
-    <dgm:fillClrLst meth="repeat">
-      <a:schemeClr val="accent1"/>
-    </dgm:fillClrLst>
-    <dgm:linClrLst meth="repeat">
-      <a:schemeClr val="lt1"/>
-    </dgm:linClrLst>
-    <dgm:effectClrLst/>
-    <dgm:txLinClrLst/>
-    <dgm:txFillClrLst/>
-    <dgm:txEffectClrLst/>
-  </dgm:styleLbl>
-  <dgm:styleLbl name="lnNode1">
-    <dgm:fillClrLst meth="repeat">
-      <a:schemeClr val="accent1"/>
-    </dgm:fillClrLst>
-    <dgm:linClrLst meth="repeat">
-      <a:schemeClr val="lt1"/>
-    </dgm:linClrLst>
-    <dgm:effectClrLst/>
-    <dgm:txLinClrLst/>
-    <dgm:txFillClrLst/>
-    <dgm:txEffectClrLst/>
-  </dgm:styleLbl>
-  <dgm:styleLbl name="vennNode1">
-    <dgm:fillClrLst meth="repeat">
-      <a:schemeClr val="accent1">
-        <a:alpha val="50000"/>
-      </a:schemeClr>
-    </dgm:fillClrLst>
-    <dgm:linClrLst meth="repeat">
-      <a:schemeClr val="lt1"/>
-    </dgm:linClrLst>
-    <dgm:effectClrLst/>
-    <dgm:txLinClrLst/>
-    <dgm:txFillClrLst/>
-    <dgm:txEffectClrLst/>
-  </dgm:styleLbl>
-  <dgm:styleLbl name="node2">
-    <dgm:fillClrLst meth="repeat">
-      <a:schemeClr val="accent1"/>
-    </dgm:fillClrLst>
-    <dgm:linClrLst meth="repeat">
-      <a:schemeClr val="lt1"/>
-    </dgm:linClrLst>
-    <dgm:effectClrLst/>
-    <dgm:txLinClrLst/>
-    <dgm:txFillClrLst/>
-    <dgm:txEffectClrLst/>
-  </dgm:styleLbl>
-  <dgm:styleLbl name="node3">
-    <dgm:fillClrLst meth="repeat">
-      <a:schemeClr val="accent1"/>
-    </dgm:fillClrLst>
-    <dgm:linClrLst meth="repeat">
-      <a:schemeClr val="lt1"/>
-    </dgm:linClrLst>
-    <dgm:effectClrLst/>
-    <dgm:txLinClrLst/>
-    <dgm:txFillClrLst/>
-    <dgm:txEffectClrLst/>
-  </dgm:styleLbl>
-  <dgm:styleLbl name="node4">
-    <dgm:fillClrLst meth="repeat">
-      <a:schemeClr val="accent1"/>
-    </dgm:fillClrLst>
-    <dgm:linClrLst meth="repeat">
-      <a:schemeClr val="lt1"/>
-    </dgm:linClrLst>
-    <dgm:effectClrLst/>
-    <dgm:txLinClrLst/>
-    <dgm:txFillClrLst/>
-    <dgm:txEffectClrLst/>
-  </dgm:styleLbl>
-  <dgm:styleLbl name="fgImgPlace1">
-    <dgm:fillClrLst meth="repeat">
-      <a:schemeClr val="accent1">
-        <a:tint val="50000"/>
-      </a:schemeClr>
-    </dgm:fillClrLst>
-    <dgm:linClrLst meth="repeat">
-      <a:schemeClr val="lt1"/>
-    </dgm:linClrLst>
-    <dgm:effectClrLst/>
-    <dgm:txLinClrLst/>
-    <dgm:txFillClrLst meth="repeat">
-      <a:schemeClr val="lt1"/>
-    </dgm:txFillClrLst>
-    <dgm:txEffectClrLst/>
-  </dgm:styleLbl>
-  <dgm:styleLbl name="alignImgPlace1">
-    <dgm:fillClrLst meth="repeat">
-      <a:schemeClr val="accent1">
-        <a:tint val="50000"/>
-      </a:schemeClr>
-    </dgm:fillClrLst>
-    <dgm:linClrLst meth="repeat">
-      <a:schemeClr val="lt1"/>
-    </dgm:linClrLst>
-    <dgm:effectClrLst/>
-    <dgm:txLinClrLst/>
-    <dgm:txFillClrLst meth="repeat">
-      <a:schemeClr val="lt1"/>
-    </dgm:txFillClrLst>
-    <dgm:txEffectClrLst/>
-  </dgm:styleLbl>
-  <dgm:styleLbl name="bgImgPlace1">
-    <dgm:fillClrLst meth="repeat">
-      <a:schemeClr val="accent1">
-        <a:tint val="50000"/>
-      </a:schemeClr>
-    </dgm:fillClrLst>
-    <dgm:linClrLst meth="repeat">
-      <a:schemeClr val="lt1"/>
-    </dgm:linClrLst>
-    <dgm:effectClrLst/>
-    <dgm:txLinClrLst/>
-    <dgm:txFillClrLst meth="repeat">
-      <a:schemeClr val="lt1"/>
-    </dgm:txFillClrLst>
-    <dgm:txEffectClrLst/>
-  </dgm:styleLbl>
-  <dgm:styleLbl name="sibTrans2D1">
-    <dgm:fillClrLst meth="repeat">
-      <a:schemeClr val="accent1">
-        <a:tint val="60000"/>
-      </a:schemeClr>
-    </dgm:fillClrLst>
-    <dgm:linClrLst meth="repeat">
-      <a:schemeClr val="accent1">
-        <a:tint val="60000"/>
-      </a:schemeClr>
-    </dgm:linClrLst>
-    <dgm:effectClrLst/>
-    <dgm:txLinClrLst/>
-    <dgm:txFillClrLst/>
-    <dgm:txEffectClrLst/>
-  </dgm:styleLbl>
-  <dgm:styleLbl name="fgSibTrans2D1">
-    <dgm:fillClrLst meth="repeat">
-      <a:schemeClr val="accent1">
-        <a:tint val="60000"/>
-      </a:schemeClr>
-    </dgm:fillClrLst>
-    <dgm:linClrLst meth="repeat">
-      <a:schemeClr val="accent1">
-        <a:tint val="60000"/>
-      </a:schemeClr>
-    </dgm:linClrLst>
-    <dgm:effectClrLst/>
-    <dgm:txLinClrLst/>
-    <dgm:txFillClrLst/>
-    <dgm:txEffectClrLst/>
-  </dgm:styleLbl>
-  <dgm:styleLbl name="bgSibTrans2D1">
-    <dgm:fillClrLst meth="repeat">
-      <a:schemeClr val="accent1">
-        <a:tint val="60000"/>
-      </a:schemeClr>
-    </dgm:fillClrLst>
-    <dgm:linClrLst meth="repeat">
-      <a:schemeClr val="accent1">
-        <a:tint val="60000"/>
-      </a:schemeClr>
-    </dgm:linClrLst>
-    <dgm:effectClrLst/>
-    <dgm:txLinClrLst/>
-    <dgm:txFillClrLst/>
-    <dgm:txEffectClrLst/>
-  </dgm:styleLbl>
-  <dgm:styleLbl name="sibTrans1D1">
-    <dgm:fillClrLst meth="repeat">
-      <a:schemeClr val="accent1"/>
-    </dgm:fillClrLst>
-    <dgm:linClrLst meth="repeat">
-      <a:schemeClr val="accent1"/>
-    </dgm:linClrLst>
-    <dgm:effectClrLst/>
-    <dgm:txLinClrLst/>
-    <dgm:txFillClrLst meth="repeat">
-      <a:schemeClr val="tx1"/>
-    </dgm:txFillClrLst>
-    <dgm:txEffectClrLst/>
-  </dgm:styleLbl>
-  <dgm:styleLbl name="callout">
-    <dgm:fillClrLst meth="repeat">
-      <a:schemeClr val="accent1"/>
-    </dgm:fillClrLst>
-    <dgm:linClrLst meth="repeat">
-      <a:schemeClr val="accent1">
-        <a:tint val="50000"/>
-      </a:schemeClr>
-    </dgm:linClrLst>
-    <dgm:effectClrLst/>
-    <dgm:txLinClrLst/>
-    <dgm:txFillClrLst meth="repeat">
-      <a:schemeClr val="tx1"/>
-    </dgm:txFillClrLst>
-    <dgm:txEffectClrLst/>
-  </dgm:styleLbl>
-  <dgm:styleLbl name="asst0">
-    <dgm:fillClrLst meth="repeat">
-      <a:schemeClr val="accent1"/>
-    </dgm:fillClrLst>
-    <dgm:linClrLst meth="repeat">
-      <a:schemeClr val="lt1"/>
-    </dgm:linClrLst>
-    <dgm:effectClrLst/>
-    <dgm:txLinClrLst/>
-    <dgm:txFillClrLst/>
-    <dgm:txEffectClrLst/>
-  </dgm:styleLbl>
-  <dgm:styleLbl name="asst1">
-    <dgm:fillClrLst meth="repeat">
-      <a:schemeClr val="accent1"/>
-    </dgm:fillClrLst>
-    <dgm:linClrLst meth="repeat">
-      <a:schemeClr val="lt1"/>
-    </dgm:linClrLst>
-    <dgm:effectClrLst/>
-    <dgm:txLinClrLst/>
-    <dgm:txFillClrLst/>
-    <dgm:txEffectClrLst/>
-  </dgm:styleLbl>
-  <dgm:styleLbl name="asst2">
-    <dgm:fillClrLst meth="repeat">
-      <a:schemeClr val="accent1"/>
-    </dgm:fillClrLst>
-    <dgm:linClrLst meth="repeat">
-      <a:schemeClr val="lt1"/>
-    </dgm:linClrLst>
-    <dgm:effectClrLst/>
-    <dgm:txLinClrLst/>
-    <dgm:txFillClrLst/>
-    <dgm:txEffectClrLst/>
-  </dgm:styleLbl>
-  <dgm:styleLbl name="asst3">
-    <dgm:fillClrLst meth="repeat">
-      <a:schemeClr val="accent1"/>
-    </dgm:fillClrLst>
-    <dgm:linClrLst meth="repeat">
-      <a:schemeClr val="lt1"/>
-    </dgm:linClrLst>
-    <dgm:effectClrLst/>
-    <dgm:txLinClrLst/>
-    <dgm:txFillClrLst/>
-    <dgm:txEffectClrLst/>
-  </dgm:styleLbl>
-  <dgm:styleLbl name="asst4">
-    <dgm:fillClrLst meth="repeat">
-      <a:schemeClr val="accent1"/>
-    </dgm:fillClrLst>
-    <dgm:linClrLst meth="repeat">
-      <a:schemeClr val="lt1"/>
-    </dgm:linClrLst>
-    <dgm:effectClrLst/>
-    <dgm:txLinClrLst/>
-    <dgm:txFillClrLst/>
-    <dgm:txEffectClrLst/>
-  </dgm:styleLbl>
-  <dgm:styleLbl name="parChTrans2D1">
-    <dgm:fillClrLst meth="repeat">
-      <a:schemeClr val="accent1">
-        <a:tint val="60000"/>
-      </a:schemeClr>
-    </dgm:fillClrLst>
-    <dgm:linClrLst meth="repeat">
-      <a:schemeClr val="accent1">
-        <a:tint val="60000"/>
-      </a:schemeClr>
-    </dgm:linClrLst>
-    <dgm:effectClrLst/>
-    <dgm:txLinClrLst/>
-    <dgm:txFillClrLst meth="repeat">
-      <a:schemeClr val="lt1"/>
-    </dgm:txFillClrLst>
-    <dgm:txEffectClrLst/>
-  </dgm:styleLbl>
-  <dgm:styleLbl name="parChTrans2D2">
-    <dgm:fillClrLst meth="repeat">
-      <a:schemeClr val="accent1"/>
-    </dgm:fillClrLst>
-    <dgm:linClrLst meth="repeat">
-      <a:schemeClr val="accent1"/>
-    </dgm:linClrLst>
-    <dgm:effectClrLst/>
-    <dgm:txLinClrLst/>
-    <dgm:txFillClrLst meth="repeat">
-      <a:schemeClr val="lt1"/>
-    </dgm:txFillClrLst>
-    <dgm:txEffectClrLst/>
-  </dgm:styleLbl>
-  <dgm:styleLbl name="parChTrans2D3">
-    <dgm:fillClrLst meth="repeat">
-      <a:schemeClr val="accent1"/>
-    </dgm:fillClrLst>
-    <dgm:linClrLst meth="repeat">
-      <a:schemeClr val="accent1"/>
-    </dgm:linClrLst>
-    <dgm:effectClrLst/>
-    <dgm:txLinClrLst/>
-    <dgm:txFillClrLst meth="repeat">
-      <a:schemeClr val="lt1"/>
-    </dgm:txFillClrLst>
-    <dgm:txEffectClrLst/>
-  </dgm:styleLbl>
-  <dgm:styleLbl name="parChTrans2D4">
-    <dgm:fillClrLst meth="repeat">
-      <a:schemeClr val="accent1"/>
-    </dgm:fillClrLst>
-    <dgm:linClrLst meth="repeat">
-      <a:schemeClr val="accent1"/>
-    </dgm:linClrLst>
-    <dgm:effectClrLst/>
-    <dgm:txLinClrLst/>
-    <dgm:txFillClrLst meth="repeat">
-      <a:schemeClr val="lt1"/>
-    </dgm:txFillClrLst>
-    <dgm:txEffectClrLst/>
-  </dgm:styleLbl>
-  <dgm:styleLbl name="parChTrans1D1">
-    <dgm:fillClrLst meth="repeat">
-      <a:schemeClr val="accent1"/>
-    </dgm:fillClrLst>
-    <dgm:linClrLst meth="repeat">
-      <a:schemeClr val="accent1">
-        <a:shade val="60000"/>
-      </a:schemeClr>
-    </dgm:linClrLst>
-    <dgm:effectClrLst/>
-    <dgm:txLinClrLst/>
-    <dgm:txFillClrLst meth="repeat">
-      <a:schemeClr val="tx1"/>
-    </dgm:txFillClrLst>
-    <dgm:txEffectClrLst/>
-  </dgm:styleLbl>
-  <dgm:styleLbl name="parChTrans1D2">
-    <dgm:fillClrLst meth="repeat">
-      <a:schemeClr val="accent1"/>
-    </dgm:fillClrLst>
-    <dgm:linClrLst meth="repeat">
-      <a:schemeClr val="accent1">
-        <a:shade val="60000"/>
-      </a:schemeClr>
-    </dgm:linClrLst>
-    <dgm:effectClrLst/>
-    <dgm:txLinClrLst/>
-    <dgm:txFillClrLst meth="repeat">
-      <a:schemeClr val="tx1"/>
-    </dgm:txFillClrLst>
-    <dgm:txEffectClrLst/>
-  </dgm:styleLbl>
-  <dgm:styleLbl name="parChTrans1D3">
-    <dgm:fillClrLst meth="repeat">
-      <a:schemeClr val="accent1"/>
-    </dgm:fillClrLst>
-    <dgm:linClrLst meth="repeat">
-      <a:schemeClr val="accent1">
-        <a:shade val="80000"/>
-      </a:schemeClr>
-    </dgm:linClrLst>
-    <dgm:effectClrLst/>
-    <dgm:txLinClrLst/>
-    <dgm:txFillClrLst meth="repeat">
-      <a:schemeClr val="tx1"/>
-    </dgm:txFillClrLst>
-    <dgm:txEffectClrLst/>
-  </dgm:styleLbl>
-  <dgm:styleLbl name="parChTrans1D4">
-    <dgm:fillClrLst meth="repeat">
-      <a:schemeClr val="accent1"/>
-    </dgm:fillClrLst>
-    <dgm:linClrLst meth="repeat">
-      <a:schemeClr val="accent1">
-        <a:shade val="80000"/>
-      </a:schemeClr>
-    </dgm:linClrLst>
-    <dgm:effectClrLst/>
-    <dgm:txLinClrLst/>
-    <dgm:txFillClrLst meth="repeat">
-      <a:schemeClr val="tx1"/>
-    </dgm:txFillClrLst>
-    <dgm:txEffectClrLst/>
-  </dgm:styleLbl>
-  <dgm:styleLbl name="fgAcc1">
-    <dgm:fillClrLst meth="repeat">
-      <a:schemeClr val="lt1">
-        <a:alpha val="90000"/>
-      </a:schemeClr>
-    </dgm:fillClrLst>
-    <dgm:linClrLst meth="repeat">
-      <a:schemeClr val="accent1"/>
-    </dgm:linClrLst>
-    <dgm:effectClrLst/>
-    <dgm:txLinClrLst/>
-    <dgm:txFillClrLst meth="repeat">
-      <a:schemeClr val="dk1"/>
-    </dgm:txFillClrLst>
-    <dgm:txEffectClrLst/>
-  </dgm:styleLbl>
-  <dgm:styleLbl name="conFgAcc1">
-    <dgm:fillClrLst meth="repeat">
-      <a:schemeClr val="lt1">
-        <a:alpha val="90000"/>
-      </a:schemeClr>
-    </dgm:fillClrLst>
-    <dgm:linClrLst meth="repeat">
-      <a:schemeClr val="accent1"/>
-    </dgm:linClrLst>
-    <dgm:effectClrLst/>
-    <dgm:txLinClrLst/>
-    <dgm:txFillClrLst meth="repeat">
-      <a:schemeClr val="dk1"/>
-    </dgm:txFillClrLst>
-    <dgm:txEffectClrLst/>
-  </dgm:styleLbl>
-  <dgm:styleLbl name="alignAcc1">
-    <dgm:fillClrLst meth="repeat">
-      <a:schemeClr val="lt1">
-        <a:alpha val="90000"/>
-      </a:schemeClr>
-    </dgm:fillClrLst>
-    <dgm:linClrLst meth="repeat">
-      <a:schemeClr val="accent1"/>
-    </dgm:linClrLst>
-    <dgm:effectClrLst/>
-    <dgm:txLinClrLst/>
-    <dgm:txFillClrLst meth="repeat">
-      <a:schemeClr val="dk1"/>
-    </dgm:txFillClrLst>
-    <dgm:txEffectClrLst/>
-  </dgm:styleLbl>
-  <dgm:styleLbl name="trAlignAcc1">
-    <dgm:fillClrLst meth="repeat">
-      <a:schemeClr val="lt1">
-        <a:alpha val="40000"/>
-      </a:schemeClr>
-    </dgm:fillClrLst>
-    <dgm:linClrLst meth="repeat">
-      <a:schemeClr val="accent1"/>
-    </dgm:linClrLst>
-    <dgm:effectClrLst/>
-    <dgm:txLinClrLst/>
-    <dgm:txFillClrLst meth="repeat">
-      <a:schemeClr val="dk1"/>
-    </dgm:txFillClrLst>
-    <dgm:txEffectClrLst/>
-  </dgm:styleLbl>
-  <dgm:styleLbl name="bgAcc1">
-    <dgm:fillClrLst meth="repeat">
-      <a:schemeClr val="lt1">
-        <a:alpha val="90000"/>
-      </a:schemeClr>
-    </dgm:fillClrLst>
-    <dgm:linClrLst meth="repeat">
-      <a:schemeClr val="accent1"/>
-    </dgm:linClrLst>
-    <dgm:effectClrLst/>
-    <dgm:txLinClrLst/>
-    <dgm:txFillClrLst meth="repeat">
-      <a:schemeClr val="dk1"/>
-    </dgm:txFillClrLst>
-    <dgm:txEffectClrLst/>
-  </dgm:styleLbl>
-  <dgm:styleLbl name="solidFgAcc1">
-    <dgm:fillClrLst meth="repeat">
-      <a:schemeClr val="lt1"/>
-    </dgm:fillClrLst>
-    <dgm:linClrLst meth="repeat">
-      <a:schemeClr val="accent1"/>
-    </dgm:linClrLst>
-    <dgm:effectClrLst/>
-    <dgm:txLinClrLst/>
-    <dgm:txFillClrLst meth="repeat">
-      <a:schemeClr val="dk1"/>
-    </dgm:txFillClrLst>
-    <dgm:txEffectClrLst/>
-  </dgm:styleLbl>
-  <dgm:styleLbl name="solidAlignAcc1">
-    <dgm:fillClrLst meth="repeat">
-      <a:schemeClr val="lt1"/>
-    </dgm:fillClrLst>
-    <dgm:linClrLst meth="repeat">
-      <a:schemeClr val="accent1"/>
-    </dgm:linClrLst>
-    <dgm:effectClrLst/>
-    <dgm:txLinClrLst/>
-    <dgm:txFillClrLst meth="repeat">
-      <a:schemeClr val="dk1"/>
-    </dgm:txFillClrLst>
-    <dgm:txEffectClrLst/>
-  </dgm:styleLbl>
-  <dgm:styleLbl name="solidBgAcc1">
-    <dgm:fillClrLst meth="repeat">
-      <a:schemeClr val="lt1"/>
-    </dgm:fillClrLst>
-    <dgm:linClrLst meth="repeat">
-      <a:schemeClr val="accent1"/>
-    </dgm:linClrLst>
-    <dgm:effectClrLst/>
-    <dgm:txLinClrLst/>
-    <dgm:txFillClrLst meth="repeat">
-      <a:schemeClr val="dk1"/>
-    </dgm:txFillClrLst>
-    <dgm:txEffectClrLst/>
-  </dgm:styleLbl>
-  <dgm:styleLbl name="fgAccFollowNode1">
-    <dgm:fillClrLst meth="repeat">
-      <a:schemeClr val="accent1">
-        <a:alpha val="90000"/>
-        <a:tint val="40000"/>
-      </a:schemeClr>
-    </dgm:fillClrLst>
-    <dgm:linClrLst meth="repeat">
-      <a:schemeClr val="accent1">
-        <a:alpha val="90000"/>
-        <a:tint val="40000"/>
-      </a:schemeClr>
-    </dgm:linClrLst>
-    <dgm:effectClrLst/>
-    <dgm:txLinClrLst/>
-    <dgm:txFillClrLst meth="repeat">
-      <a:schemeClr val="dk1"/>
-    </dgm:txFillClrLst>
-    <dgm:txEffectClrLst/>
-  </dgm:styleLbl>
-  <dgm:styleLbl name="alignAccFollowNode1">
-    <dgm:fillClrLst meth="repeat">
-      <a:schemeClr val="accent1">
-        <a:alpha val="90000"/>
-        <a:tint val="40000"/>
-      </a:schemeClr>
-    </dgm:fillClrLst>
-    <dgm:linClrLst meth="repeat">
-      <a:schemeClr val="accent1">
-        <a:alpha val="90000"/>
-        <a:tint val="40000"/>
-      </a:schemeClr>
-    </dgm:linClrLst>
-    <dgm:effectClrLst/>
-    <dgm:txLinClrLst/>
-    <dgm:txFillClrLst meth="repeat">
-      <a:schemeClr val="dk1"/>
-    </dgm:txFillClrLst>
-    <dgm:txEffectClrLst/>
-  </dgm:styleLbl>
-  <dgm:styleLbl name="bgAccFollowNode1">
-    <dgm:fillClrLst meth="repeat">
-      <a:schemeClr val="accent1">
-        <a:alpha val="90000"/>
-        <a:tint val="40000"/>
-      </a:schemeClr>
-    </dgm:fillClrLst>
-    <dgm:linClrLst meth="repeat">
-      <a:schemeClr val="accent1">
-        <a:alpha val="90000"/>
-        <a:tint val="40000"/>
-      </a:schemeClr>
-    </dgm:linClrLst>
-    <dgm:effectClrLst/>
-    <dgm:txLinClrLst/>
-    <dgm:txFillClrLst meth="repeat">
-      <a:schemeClr val="dk1"/>
-    </dgm:txFillClrLst>
-    <dgm:txEffectClrLst/>
-  </dgm:styleLbl>
-  <dgm:styleLbl name="fgAcc0">
-    <dgm:fillClrLst meth="repeat">
-      <a:schemeClr val="lt1">
-        <a:alpha val="90000"/>
-      </a:schemeClr>
-    </dgm:fillClrLst>
-    <dgm:linClrLst meth="repeat">
-      <a:schemeClr val="accent1"/>
-    </dgm:linClrLst>
-    <dgm:effectClrLst/>
-    <dgm:txLinClrLst/>
-    <dgm:txFillClrLst meth="repeat">
-      <a:schemeClr val="dk1"/>
-    </dgm:txFillClrLst>
-    <dgm:txEffectClrLst/>
-  </dgm:styleLbl>
-  <dgm:styleLbl name="fgAcc2">
-    <dgm:fillClrLst meth="repeat">
-      <a:schemeClr val="lt1">
-        <a:alpha val="90000"/>
-      </a:schemeClr>
-    </dgm:fillClrLst>
-    <dgm:linClrLst meth="repeat">
-      <a:schemeClr val="accent1"/>
-    </dgm:linClrLst>
-    <dgm:effectClrLst/>
-    <dgm:txLinClrLst/>
-    <dgm:txFillClrLst meth="repeat">
-      <a:schemeClr val="dk1"/>
-    </dgm:txFillClrLst>
-    <dgm:txEffectClrLst/>
-  </dgm:styleLbl>
-  <dgm:styleLbl name="fgAcc3">
-    <dgm:fillClrLst meth="repeat">
-      <a:schemeClr val="lt1">
-        <a:alpha val="90000"/>
-      </a:schemeClr>
-    </dgm:fillClrLst>
-    <dgm:linClrLst meth="repeat">
-      <a:schemeClr val="accent1"/>
-    </dgm:linClrLst>
-    <dgm:effectClrLst/>
-    <dgm:txLinClrLst/>
-    <dgm:txFillClrLst meth="repeat">
-      <a:schemeClr val="dk1"/>
-    </dgm:txFillClrLst>
-    <dgm:txEffectClrLst/>
-  </dgm:styleLbl>
-  <dgm:styleLbl name="fgAcc4">
-    <dgm:fillClrLst meth="repeat">
-      <a:schemeClr val="lt1">
-        <a:alpha val="90000"/>
-      </a:schemeClr>
-    </dgm:fillClrLst>
-    <dgm:linClrLst meth="repeat">
-      <a:schemeClr val="accent1"/>
-    </dgm:linClrLst>
-    <dgm:effectClrLst/>
-    <dgm:txLinClrLst/>
-    <dgm:txFillClrLst meth="repeat">
-      <a:schemeClr val="dk1"/>
-    </dgm:txFillClrLst>
-    <dgm:txEffectClrLst/>
-  </dgm:styleLbl>
-  <dgm:styleLbl name="bgShp">
-    <dgm:fillClrLst meth="repeat">
-      <a:schemeClr val="accent1">
-        <a:tint val="40000"/>
-      </a:schemeClr>
-    </dgm:fillClrLst>
-    <dgm:linClrLst meth="repeat">
-      <a:schemeClr val="accent1"/>
-    </dgm:linClrLst>
-    <dgm:effectClrLst/>
-    <dgm:txLinClrLst/>
-    <dgm:txFillClrLst meth="repeat">
-      <a:schemeClr val="dk1"/>
-    </dgm:txFillClrLst>
-    <dgm:txEffectClrLst/>
-  </dgm:styleLbl>
-  <dgm:styleLbl name="dkBgShp">
-    <dgm:fillClrLst meth="repeat">
-      <a:schemeClr val="accent1">
-        <a:shade val="80000"/>
-      </a:schemeClr>
-    </dgm:fillClrLst>
-    <dgm:linClrLst meth="repeat">
-      <a:schemeClr val="accent1"/>
-    </dgm:linClrLst>
-    <dgm:effectClrLst/>
-    <dgm:txLinClrLst/>
-    <dgm:txFillClrLst meth="repeat">
-      <a:schemeClr val="lt1"/>
-    </dgm:txFillClrLst>
-    <dgm:txEffectClrLst/>
-  </dgm:styleLbl>
-  <dgm:styleLbl name="trBgShp">
-    <dgm:fillClrLst meth="repeat">
-      <a:schemeClr val="accent1">
-        <a:tint val="50000"/>
-        <a:alpha val="40000"/>
-      </a:schemeClr>
-    </dgm:fillClrLst>
-    <dgm:linClrLst meth="repeat">
-      <a:schemeClr val="accent1"/>
-    </dgm:linClrLst>
-    <dgm:effectClrLst/>
-    <dgm:txLinClrLst/>
-    <dgm:txFillClrLst meth="repeat">
-      <a:schemeClr val="lt1"/>
-    </dgm:txFillClrLst>
-    <dgm:txEffectClrLst/>
-  </dgm:styleLbl>
-  <dgm:styleLbl name="fgShp">
-    <dgm:fillClrLst meth="repeat">
-      <a:schemeClr val="accent1">
-        <a:tint val="60000"/>
-      </a:schemeClr>
-    </dgm:fillClrLst>
-    <dgm:linClrLst meth="repeat">
-      <a:schemeClr val="lt1"/>
-    </dgm:linClrLst>
-    <dgm:effectClrLst/>
-    <dgm:txLinClrLst/>
-    <dgm:txFillClrLst meth="repeat">
-      <a:schemeClr val="dk1"/>
-    </dgm:txFillClrLst>
-    <dgm:txEffectClrLst/>
-  </dgm:styleLbl>
-  <dgm:styleLbl name="revTx">
-    <dgm:fillClrLst meth="repeat">
-      <a:schemeClr val="lt1">
-        <a:alpha val="0"/>
-      </a:schemeClr>
-    </dgm:fillClrLst>
-    <dgm:linClrLst meth="repeat">
-      <a:schemeClr val="dk1">
-        <a:alpha val="0"/>
-      </a:schemeClr>
-    </dgm:linClrLst>
-    <dgm:effectClrLst/>
-    <dgm:txLinClrLst/>
-    <dgm:txFillClrLst meth="repeat">
-      <a:schemeClr val="tx1"/>
-    </dgm:txFillClrLst>
-    <dgm:txEffectClrLst/>
-  </dgm:styleLbl>
-</dgm:colorsDef>
-</file>
-
 <file path=ppt/diagrams/data1.xml><?xml version="1.0" encoding="utf-8"?>
 <dgm:dataModel xmlns:dgm="http://schemas.openxmlformats.org/drawingml/2006/diagram" xmlns:a="http://schemas.openxmlformats.org/drawingml/2006/main">
   <dgm:ptLst>
@@ -2322,249 +1577,6 @@
   <dgm:extLst>
     <a:ext uri="http://schemas.microsoft.com/office/drawing/2008/diagram">
       <dsp:dataModelExt xmlns:dsp="http://schemas.microsoft.com/office/drawing/2008/diagram" relId="rId9" minVer="http://schemas.openxmlformats.org/drawingml/2006/diagram"/>
-    </a:ext>
-  </dgm:extLst>
-</dgm:dataModel>
-</file>
-
-<file path=ppt/diagrams/data2.xml><?xml version="1.0" encoding="utf-8"?>
-<dgm:dataModel xmlns:dgm="http://schemas.openxmlformats.org/drawingml/2006/diagram" xmlns:a="http://schemas.openxmlformats.org/drawingml/2006/main">
-  <dgm:ptLst>
-    <dgm:pt modelId="{C2D72EC4-F752-4319-91BE-A5E74E5B5F9E}" type="doc">
-      <dgm:prSet loTypeId="urn:microsoft.com/office/officeart/2005/8/layout/chevron1" loCatId="process" qsTypeId="urn:microsoft.com/office/officeart/2005/8/quickstyle/simple1" qsCatId="simple" csTypeId="urn:microsoft.com/office/officeart/2005/8/colors/accent1_2" csCatId="accent1" phldr="1"/>
-      <dgm:spPr/>
-    </dgm:pt>
-    <dgm:pt modelId="{4F2F146D-8F2A-4AF8-A115-CC64FC64FBD1}">
-      <dgm:prSet phldrT="[Text]"/>
-      <dgm:spPr/>
-      <dgm:t>
-        <a:bodyPr/>
-        <a:lstStyle/>
-        <a:p>
-          <a:r>
-            <a:rPr lang="de-DE" dirty="0"/>
-            <a:t>Einführung Spring</a:t>
-          </a:r>
-        </a:p>
-      </dgm:t>
-    </dgm:pt>
-    <dgm:pt modelId="{3097C091-248E-47BD-B3D4-C7E228B9DA2E}" type="parTrans" cxnId="{2546161C-1E53-4C16-A4DE-1931D6EE3401}">
-      <dgm:prSet/>
-      <dgm:spPr/>
-      <dgm:t>
-        <a:bodyPr/>
-        <a:lstStyle/>
-        <a:p>
-          <a:endParaRPr lang="de-DE"/>
-        </a:p>
-      </dgm:t>
-    </dgm:pt>
-    <dgm:pt modelId="{D7128C17-3F5C-4405-B93B-D090035413E6}" type="sibTrans" cxnId="{2546161C-1E53-4C16-A4DE-1931D6EE3401}">
-      <dgm:prSet/>
-      <dgm:spPr/>
-      <dgm:t>
-        <a:bodyPr/>
-        <a:lstStyle/>
-        <a:p>
-          <a:endParaRPr lang="de-DE"/>
-        </a:p>
-      </dgm:t>
-    </dgm:pt>
-    <dgm:pt modelId="{44E1DBBA-9AC0-4037-9792-3961B2AFA622}">
-      <dgm:prSet phldrT="[Text]"/>
-      <dgm:spPr/>
-      <dgm:t>
-        <a:bodyPr/>
-        <a:lstStyle/>
-        <a:p>
-          <a:r>
-            <a:rPr lang="de-DE" dirty="0"/>
-            <a:t>Webservice oder Website</a:t>
-          </a:r>
-        </a:p>
-      </dgm:t>
-    </dgm:pt>
-    <dgm:pt modelId="{CE718CBF-702C-45F7-9AED-71B90C783883}" type="parTrans" cxnId="{7328A35E-1575-40AD-8C1D-77F807D66609}">
-      <dgm:prSet/>
-      <dgm:spPr/>
-      <dgm:t>
-        <a:bodyPr/>
-        <a:lstStyle/>
-        <a:p>
-          <a:endParaRPr lang="de-DE"/>
-        </a:p>
-      </dgm:t>
-    </dgm:pt>
-    <dgm:pt modelId="{1B9979D9-931E-4170-A165-ACD447BA9267}" type="sibTrans" cxnId="{7328A35E-1575-40AD-8C1D-77F807D66609}">
-      <dgm:prSet/>
-      <dgm:spPr/>
-      <dgm:t>
-        <a:bodyPr/>
-        <a:lstStyle/>
-        <a:p>
-          <a:endParaRPr lang="de-DE"/>
-        </a:p>
-      </dgm:t>
-    </dgm:pt>
-    <dgm:pt modelId="{AD0C67B8-9D83-4C84-B7F8-9D3CCD937FBF}">
-      <dgm:prSet phldrT="[Text]"/>
-      <dgm:spPr/>
-      <dgm:t>
-        <a:bodyPr/>
-        <a:lstStyle/>
-        <a:p>
-          <a:r>
-            <a:rPr lang="de-DE" dirty="0"/>
-            <a:t>???</a:t>
-          </a:r>
-        </a:p>
-      </dgm:t>
-    </dgm:pt>
-    <dgm:pt modelId="{556E8FD3-6190-45AB-89E7-78104503C4BD}" type="parTrans" cxnId="{3B328F37-99C6-4846-9D82-D2CE7011DD72}">
-      <dgm:prSet/>
-      <dgm:spPr/>
-      <dgm:t>
-        <a:bodyPr/>
-        <a:lstStyle/>
-        <a:p>
-          <a:endParaRPr lang="de-DE"/>
-        </a:p>
-      </dgm:t>
-    </dgm:pt>
-    <dgm:pt modelId="{2C028DEE-33F3-47DE-B5B9-C3898074F9B5}" type="sibTrans" cxnId="{3B328F37-99C6-4846-9D82-D2CE7011DD72}">
-      <dgm:prSet/>
-      <dgm:spPr/>
-      <dgm:t>
-        <a:bodyPr/>
-        <a:lstStyle/>
-        <a:p>
-          <a:endParaRPr lang="de-DE"/>
-        </a:p>
-      </dgm:t>
-    </dgm:pt>
-    <dgm:pt modelId="{AADBE193-0F0E-4384-83B6-118C17D7A104}">
-      <dgm:prSet phldrT="[Text]"/>
-      <dgm:spPr/>
-      <dgm:t>
-        <a:bodyPr/>
-        <a:lstStyle/>
-        <a:p>
-          <a:r>
-            <a:rPr lang="de-DE" dirty="0" err="1"/>
-            <a:t>Thymeleaf</a:t>
-          </a:r>
-          <a:endParaRPr lang="de-DE" dirty="0"/>
-        </a:p>
-      </dgm:t>
-    </dgm:pt>
-    <dgm:pt modelId="{ECB96C67-FE7A-40BC-926C-640443D6F334}" type="parTrans" cxnId="{E82C3054-A86E-4C33-B3DF-5CE5A473574C}">
-      <dgm:prSet/>
-      <dgm:spPr/>
-      <dgm:t>
-        <a:bodyPr/>
-        <a:lstStyle/>
-        <a:p>
-          <a:endParaRPr lang="de-DE"/>
-        </a:p>
-      </dgm:t>
-    </dgm:pt>
-    <dgm:pt modelId="{4CAAC3EE-8DB7-4A8E-A49D-E705CA1AB654}" type="sibTrans" cxnId="{E82C3054-A86E-4C33-B3DF-5CE5A473574C}">
-      <dgm:prSet/>
-      <dgm:spPr/>
-      <dgm:t>
-        <a:bodyPr/>
-        <a:lstStyle/>
-        <a:p>
-          <a:endParaRPr lang="de-DE"/>
-        </a:p>
-      </dgm:t>
-    </dgm:pt>
-    <dgm:pt modelId="{C2AD534B-2930-4DD9-9FBD-B09E862F74DD}" type="pres">
-      <dgm:prSet presAssocID="{C2D72EC4-F752-4319-91BE-A5E74E5B5F9E}" presName="Name0" presStyleCnt="0">
-        <dgm:presLayoutVars>
-          <dgm:dir/>
-          <dgm:animLvl val="lvl"/>
-          <dgm:resizeHandles val="exact"/>
-        </dgm:presLayoutVars>
-      </dgm:prSet>
-      <dgm:spPr/>
-    </dgm:pt>
-    <dgm:pt modelId="{2FE105B9-4BD3-4A1E-8C4D-8BD0A9A75643}" type="pres">
-      <dgm:prSet presAssocID="{4F2F146D-8F2A-4AF8-A115-CC64FC64FBD1}" presName="parTxOnly" presStyleLbl="node1" presStyleIdx="0" presStyleCnt="4">
-        <dgm:presLayoutVars>
-          <dgm:chMax val="0"/>
-          <dgm:chPref val="0"/>
-          <dgm:bulletEnabled val="1"/>
-        </dgm:presLayoutVars>
-      </dgm:prSet>
-      <dgm:spPr/>
-    </dgm:pt>
-    <dgm:pt modelId="{2CEFE862-40BB-437C-A350-B5259583DE5E}" type="pres">
-      <dgm:prSet presAssocID="{D7128C17-3F5C-4405-B93B-D090035413E6}" presName="parTxOnlySpace" presStyleCnt="0"/>
-      <dgm:spPr/>
-    </dgm:pt>
-    <dgm:pt modelId="{1B94AF60-52B8-4A02-922F-23FE568475EC}" type="pres">
-      <dgm:prSet presAssocID="{AADBE193-0F0E-4384-83B6-118C17D7A104}" presName="parTxOnly" presStyleLbl="node1" presStyleIdx="1" presStyleCnt="4" custLinFactNeighborX="16169">
-        <dgm:presLayoutVars>
-          <dgm:chMax val="0"/>
-          <dgm:chPref val="0"/>
-          <dgm:bulletEnabled val="1"/>
-        </dgm:presLayoutVars>
-      </dgm:prSet>
-      <dgm:spPr/>
-    </dgm:pt>
-    <dgm:pt modelId="{F4A68643-29BE-4DC5-8357-3E86F8581B0F}" type="pres">
-      <dgm:prSet presAssocID="{4CAAC3EE-8DB7-4A8E-A49D-E705CA1AB654}" presName="parTxOnlySpace" presStyleCnt="0"/>
-      <dgm:spPr/>
-    </dgm:pt>
-    <dgm:pt modelId="{A32CC01D-50EC-43F5-9EB4-BDE3B819DB4C}" type="pres">
-      <dgm:prSet presAssocID="{44E1DBBA-9AC0-4037-9792-3961B2AFA622}" presName="parTxOnly" presStyleLbl="node1" presStyleIdx="2" presStyleCnt="4">
-        <dgm:presLayoutVars>
-          <dgm:chMax val="0"/>
-          <dgm:chPref val="0"/>
-          <dgm:bulletEnabled val="1"/>
-        </dgm:presLayoutVars>
-      </dgm:prSet>
-      <dgm:spPr/>
-    </dgm:pt>
-    <dgm:pt modelId="{14CBF8B4-DD11-4BDF-86FC-AA15C67A4897}" type="pres">
-      <dgm:prSet presAssocID="{1B9979D9-931E-4170-A165-ACD447BA9267}" presName="parTxOnlySpace" presStyleCnt="0"/>
-      <dgm:spPr/>
-    </dgm:pt>
-    <dgm:pt modelId="{F4D1F037-EABE-44F7-83AF-9AA11A497827}" type="pres">
-      <dgm:prSet presAssocID="{AD0C67B8-9D83-4C84-B7F8-9D3CCD937FBF}" presName="parTxOnly" presStyleLbl="node1" presStyleIdx="3" presStyleCnt="4">
-        <dgm:presLayoutVars>
-          <dgm:chMax val="0"/>
-          <dgm:chPref val="0"/>
-          <dgm:bulletEnabled val="1"/>
-        </dgm:presLayoutVars>
-      </dgm:prSet>
-      <dgm:spPr/>
-    </dgm:pt>
-  </dgm:ptLst>
-  <dgm:cxnLst>
-    <dgm:cxn modelId="{2546161C-1E53-4C16-A4DE-1931D6EE3401}" srcId="{C2D72EC4-F752-4319-91BE-A5E74E5B5F9E}" destId="{4F2F146D-8F2A-4AF8-A115-CC64FC64FBD1}" srcOrd="0" destOrd="0" parTransId="{3097C091-248E-47BD-B3D4-C7E228B9DA2E}" sibTransId="{D7128C17-3F5C-4405-B93B-D090035413E6}"/>
-    <dgm:cxn modelId="{005B242B-1DC9-4243-B407-59F5C4EF09A2}" type="presOf" srcId="{4F2F146D-8F2A-4AF8-A115-CC64FC64FBD1}" destId="{2FE105B9-4BD3-4A1E-8C4D-8BD0A9A75643}" srcOrd="0" destOrd="0" presId="urn:microsoft.com/office/officeart/2005/8/layout/chevron1"/>
-    <dgm:cxn modelId="{3B328F37-99C6-4846-9D82-D2CE7011DD72}" srcId="{C2D72EC4-F752-4319-91BE-A5E74E5B5F9E}" destId="{AD0C67B8-9D83-4C84-B7F8-9D3CCD937FBF}" srcOrd="3" destOrd="0" parTransId="{556E8FD3-6190-45AB-89E7-78104503C4BD}" sibTransId="{2C028DEE-33F3-47DE-B5B9-C3898074F9B5}"/>
-    <dgm:cxn modelId="{7328A35E-1575-40AD-8C1D-77F807D66609}" srcId="{C2D72EC4-F752-4319-91BE-A5E74E5B5F9E}" destId="{44E1DBBA-9AC0-4037-9792-3961B2AFA622}" srcOrd="2" destOrd="0" parTransId="{CE718CBF-702C-45F7-9AED-71B90C783883}" sibTransId="{1B9979D9-931E-4170-A165-ACD447BA9267}"/>
-    <dgm:cxn modelId="{E73AC266-F65B-4C44-A5D2-4E8B140E78EB}" type="presOf" srcId="{AADBE193-0F0E-4384-83B6-118C17D7A104}" destId="{1B94AF60-52B8-4A02-922F-23FE568475EC}" srcOrd="0" destOrd="0" presId="urn:microsoft.com/office/officeart/2005/8/layout/chevron1"/>
-    <dgm:cxn modelId="{502FCF4C-1E8C-4C73-A5BB-528F77AE79ED}" type="presOf" srcId="{AD0C67B8-9D83-4C84-B7F8-9D3CCD937FBF}" destId="{F4D1F037-EABE-44F7-83AF-9AA11A497827}" srcOrd="0" destOrd="0" presId="urn:microsoft.com/office/officeart/2005/8/layout/chevron1"/>
-    <dgm:cxn modelId="{E82C3054-A86E-4C33-B3DF-5CE5A473574C}" srcId="{C2D72EC4-F752-4319-91BE-A5E74E5B5F9E}" destId="{AADBE193-0F0E-4384-83B6-118C17D7A104}" srcOrd="1" destOrd="0" parTransId="{ECB96C67-FE7A-40BC-926C-640443D6F334}" sibTransId="{4CAAC3EE-8DB7-4A8E-A49D-E705CA1AB654}"/>
-    <dgm:cxn modelId="{AD89749F-C364-4EAE-AE62-38A0E6E9C840}" type="presOf" srcId="{44E1DBBA-9AC0-4037-9792-3961B2AFA622}" destId="{A32CC01D-50EC-43F5-9EB4-BDE3B819DB4C}" srcOrd="0" destOrd="0" presId="urn:microsoft.com/office/officeart/2005/8/layout/chevron1"/>
-    <dgm:cxn modelId="{975A7DE5-D9AC-4CC9-97AF-5961CCE5A362}" type="presOf" srcId="{C2D72EC4-F752-4319-91BE-A5E74E5B5F9E}" destId="{C2AD534B-2930-4DD9-9FBD-B09E862F74DD}" srcOrd="0" destOrd="0" presId="urn:microsoft.com/office/officeart/2005/8/layout/chevron1"/>
-    <dgm:cxn modelId="{28FB32EA-6D63-486C-B961-506F82F43AE9}" type="presParOf" srcId="{C2AD534B-2930-4DD9-9FBD-B09E862F74DD}" destId="{2FE105B9-4BD3-4A1E-8C4D-8BD0A9A75643}" srcOrd="0" destOrd="0" presId="urn:microsoft.com/office/officeart/2005/8/layout/chevron1"/>
-    <dgm:cxn modelId="{4B8E0F30-8D79-454F-83A0-0F768BA9DF5B}" type="presParOf" srcId="{C2AD534B-2930-4DD9-9FBD-B09E862F74DD}" destId="{2CEFE862-40BB-437C-A350-B5259583DE5E}" srcOrd="1" destOrd="0" presId="urn:microsoft.com/office/officeart/2005/8/layout/chevron1"/>
-    <dgm:cxn modelId="{2306A3F7-263D-443E-87F3-3215786F565A}" type="presParOf" srcId="{C2AD534B-2930-4DD9-9FBD-B09E862F74DD}" destId="{1B94AF60-52B8-4A02-922F-23FE568475EC}" srcOrd="2" destOrd="0" presId="urn:microsoft.com/office/officeart/2005/8/layout/chevron1"/>
-    <dgm:cxn modelId="{23EB48D8-5AE3-4CF7-AFC3-EDAD8D98C8C2}" type="presParOf" srcId="{C2AD534B-2930-4DD9-9FBD-B09E862F74DD}" destId="{F4A68643-29BE-4DC5-8357-3E86F8581B0F}" srcOrd="3" destOrd="0" presId="urn:microsoft.com/office/officeart/2005/8/layout/chevron1"/>
-    <dgm:cxn modelId="{3A592F3C-28A2-4013-97E2-F070A1169545}" type="presParOf" srcId="{C2AD534B-2930-4DD9-9FBD-B09E862F74DD}" destId="{A32CC01D-50EC-43F5-9EB4-BDE3B819DB4C}" srcOrd="4" destOrd="0" presId="urn:microsoft.com/office/officeart/2005/8/layout/chevron1"/>
-    <dgm:cxn modelId="{D9D21E91-582C-44FA-8913-81456F2634ED}" type="presParOf" srcId="{C2AD534B-2930-4DD9-9FBD-B09E862F74DD}" destId="{14CBF8B4-DD11-4BDF-86FC-AA15C67A4897}" srcOrd="5" destOrd="0" presId="urn:microsoft.com/office/officeart/2005/8/layout/chevron1"/>
-    <dgm:cxn modelId="{D4A766F4-E1C3-4DC8-86DE-C523AF967698}" type="presParOf" srcId="{C2AD534B-2930-4DD9-9FBD-B09E862F74DD}" destId="{F4D1F037-EABE-44F7-83AF-9AA11A497827}" srcOrd="6" destOrd="0" presId="urn:microsoft.com/office/officeart/2005/8/layout/chevron1"/>
-  </dgm:cxnLst>
-  <dgm:bg/>
-  <dgm:whole/>
-  <dgm:extLst>
-    <a:ext uri="http://schemas.microsoft.com/office/drawing/2008/diagram">
-      <dsp:dataModelExt xmlns:dsp="http://schemas.microsoft.com/office/drawing/2008/diagram" relId="rId6" minVer="http://schemas.openxmlformats.org/drawingml/2006/diagram"/>
     </a:ext>
   </dgm:extLst>
 </dgm:dataModel>
@@ -3637,327 +2649,6 @@
 </dsp:drawing>
 </file>
 
-<file path=ppt/diagrams/drawing2.xml><?xml version="1.0" encoding="utf-8"?>
-<dsp:drawing xmlns:dgm="http://schemas.openxmlformats.org/drawingml/2006/diagram" xmlns:dsp="http://schemas.microsoft.com/office/drawing/2008/diagram" xmlns:a="http://schemas.openxmlformats.org/drawingml/2006/main">
-  <dsp:spTree>
-    <dsp:nvGrpSpPr>
-      <dsp:cNvPr id="0" name=""/>
-      <dsp:cNvGrpSpPr/>
-    </dsp:nvGrpSpPr>
-    <dsp:grpSpPr/>
-    <dsp:sp modelId="{2FE105B9-4BD3-4A1E-8C4D-8BD0A9A75643}">
-      <dsp:nvSpPr>
-        <dsp:cNvPr id="0" name=""/>
-        <dsp:cNvSpPr/>
-      </dsp:nvSpPr>
-      <dsp:spPr>
-        <a:xfrm>
-          <a:off x="3036" y="447854"/>
-          <a:ext cx="1767313" cy="706925"/>
-        </a:xfrm>
-        <a:prstGeom prst="chevron">
-          <a:avLst/>
-        </a:prstGeom>
-        <a:solidFill>
-          <a:schemeClr val="accent1">
-            <a:hueOff val="0"/>
-            <a:satOff val="0"/>
-            <a:lumOff val="0"/>
-            <a:alphaOff val="0"/>
-          </a:schemeClr>
-        </a:solidFill>
-        <a:ln w="19050" cap="rnd" cmpd="sng" algn="ctr">
-          <a:solidFill>
-            <a:schemeClr val="lt1">
-              <a:hueOff val="0"/>
-              <a:satOff val="0"/>
-              <a:lumOff val="0"/>
-              <a:alphaOff val="0"/>
-            </a:schemeClr>
-          </a:solidFill>
-          <a:prstDash val="solid"/>
-        </a:ln>
-        <a:effectLst/>
-      </dsp:spPr>
-      <dsp:style>
-        <a:lnRef idx="2">
-          <a:scrgbClr r="0" g="0" b="0"/>
-        </a:lnRef>
-        <a:fillRef idx="1">
-          <a:scrgbClr r="0" g="0" b="0"/>
-        </a:fillRef>
-        <a:effectRef idx="0">
-          <a:scrgbClr r="0" g="0" b="0"/>
-        </a:effectRef>
-        <a:fontRef idx="minor">
-          <a:schemeClr val="lt1"/>
-        </a:fontRef>
-      </dsp:style>
-      <dsp:txBody>
-        <a:bodyPr spcFirstLastPara="0" vert="horz" wrap="square" lIns="60008" tIns="20003" rIns="20003" bIns="20003" numCol="1" spcCol="1270" anchor="ctr" anchorCtr="0">
-          <a:noAutofit/>
-        </a:bodyPr>
-        <a:lstStyle/>
-        <a:p>
-          <a:pPr marL="0" lvl="0" indent="0" algn="ctr" defTabSz="666750">
-            <a:lnSpc>
-              <a:spcPct val="90000"/>
-            </a:lnSpc>
-            <a:spcBef>
-              <a:spcPct val="0"/>
-            </a:spcBef>
-            <a:spcAft>
-              <a:spcPct val="35000"/>
-            </a:spcAft>
-            <a:buNone/>
-          </a:pPr>
-          <a:r>
-            <a:rPr lang="de-DE" sz="1500" kern="1200" dirty="0"/>
-            <a:t>Einführung Spring</a:t>
-          </a:r>
-        </a:p>
-      </dsp:txBody>
-      <dsp:txXfrm>
-        <a:off x="356499" y="447854"/>
-        <a:ext cx="1060388" cy="706925"/>
-      </dsp:txXfrm>
-    </dsp:sp>
-    <dsp:sp modelId="{1B94AF60-52B8-4A02-922F-23FE568475EC}">
-      <dsp:nvSpPr>
-        <dsp:cNvPr id="0" name=""/>
-        <dsp:cNvSpPr/>
-      </dsp:nvSpPr>
-      <dsp:spPr>
-        <a:xfrm>
-          <a:off x="1622194" y="447854"/>
-          <a:ext cx="1767313" cy="706925"/>
-        </a:xfrm>
-        <a:prstGeom prst="chevron">
-          <a:avLst/>
-        </a:prstGeom>
-        <a:solidFill>
-          <a:schemeClr val="accent1">
-            <a:hueOff val="0"/>
-            <a:satOff val="0"/>
-            <a:lumOff val="0"/>
-            <a:alphaOff val="0"/>
-          </a:schemeClr>
-        </a:solidFill>
-        <a:ln w="19050" cap="rnd" cmpd="sng" algn="ctr">
-          <a:solidFill>
-            <a:schemeClr val="lt1">
-              <a:hueOff val="0"/>
-              <a:satOff val="0"/>
-              <a:lumOff val="0"/>
-              <a:alphaOff val="0"/>
-            </a:schemeClr>
-          </a:solidFill>
-          <a:prstDash val="solid"/>
-        </a:ln>
-        <a:effectLst/>
-      </dsp:spPr>
-      <dsp:style>
-        <a:lnRef idx="2">
-          <a:scrgbClr r="0" g="0" b="0"/>
-        </a:lnRef>
-        <a:fillRef idx="1">
-          <a:scrgbClr r="0" g="0" b="0"/>
-        </a:fillRef>
-        <a:effectRef idx="0">
-          <a:scrgbClr r="0" g="0" b="0"/>
-        </a:effectRef>
-        <a:fontRef idx="minor">
-          <a:schemeClr val="lt1"/>
-        </a:fontRef>
-      </dsp:style>
-      <dsp:txBody>
-        <a:bodyPr spcFirstLastPara="0" vert="horz" wrap="square" lIns="60008" tIns="20003" rIns="20003" bIns="20003" numCol="1" spcCol="1270" anchor="ctr" anchorCtr="0">
-          <a:noAutofit/>
-        </a:bodyPr>
-        <a:lstStyle/>
-        <a:p>
-          <a:pPr marL="0" lvl="0" indent="0" algn="ctr" defTabSz="666750">
-            <a:lnSpc>
-              <a:spcPct val="90000"/>
-            </a:lnSpc>
-            <a:spcBef>
-              <a:spcPct val="0"/>
-            </a:spcBef>
-            <a:spcAft>
-              <a:spcPct val="35000"/>
-            </a:spcAft>
-            <a:buNone/>
-          </a:pPr>
-          <a:r>
-            <a:rPr lang="de-DE" sz="1500" kern="1200" dirty="0" err="1"/>
-            <a:t>Thymeleaf</a:t>
-          </a:r>
-          <a:endParaRPr lang="de-DE" sz="1500" kern="1200" dirty="0"/>
-        </a:p>
-      </dsp:txBody>
-      <dsp:txXfrm>
-        <a:off x="1975657" y="447854"/>
-        <a:ext cx="1060388" cy="706925"/>
-      </dsp:txXfrm>
-    </dsp:sp>
-    <dsp:sp modelId="{A32CC01D-50EC-43F5-9EB4-BDE3B819DB4C}">
-      <dsp:nvSpPr>
-        <dsp:cNvPr id="0" name=""/>
-        <dsp:cNvSpPr/>
-      </dsp:nvSpPr>
-      <dsp:spPr>
-        <a:xfrm>
-          <a:off x="3184200" y="447854"/>
-          <a:ext cx="1767313" cy="706925"/>
-        </a:xfrm>
-        <a:prstGeom prst="chevron">
-          <a:avLst/>
-        </a:prstGeom>
-        <a:solidFill>
-          <a:schemeClr val="accent1">
-            <a:hueOff val="0"/>
-            <a:satOff val="0"/>
-            <a:lumOff val="0"/>
-            <a:alphaOff val="0"/>
-          </a:schemeClr>
-        </a:solidFill>
-        <a:ln w="19050" cap="rnd" cmpd="sng" algn="ctr">
-          <a:solidFill>
-            <a:schemeClr val="lt1">
-              <a:hueOff val="0"/>
-              <a:satOff val="0"/>
-              <a:lumOff val="0"/>
-              <a:alphaOff val="0"/>
-            </a:schemeClr>
-          </a:solidFill>
-          <a:prstDash val="solid"/>
-        </a:ln>
-        <a:effectLst/>
-      </dsp:spPr>
-      <dsp:style>
-        <a:lnRef idx="2">
-          <a:scrgbClr r="0" g="0" b="0"/>
-        </a:lnRef>
-        <a:fillRef idx="1">
-          <a:scrgbClr r="0" g="0" b="0"/>
-        </a:fillRef>
-        <a:effectRef idx="0">
-          <a:scrgbClr r="0" g="0" b="0"/>
-        </a:effectRef>
-        <a:fontRef idx="minor">
-          <a:schemeClr val="lt1"/>
-        </a:fontRef>
-      </dsp:style>
-      <dsp:txBody>
-        <a:bodyPr spcFirstLastPara="0" vert="horz" wrap="square" lIns="60008" tIns="20003" rIns="20003" bIns="20003" numCol="1" spcCol="1270" anchor="ctr" anchorCtr="0">
-          <a:noAutofit/>
-        </a:bodyPr>
-        <a:lstStyle/>
-        <a:p>
-          <a:pPr marL="0" lvl="0" indent="0" algn="ctr" defTabSz="666750">
-            <a:lnSpc>
-              <a:spcPct val="90000"/>
-            </a:lnSpc>
-            <a:spcBef>
-              <a:spcPct val="0"/>
-            </a:spcBef>
-            <a:spcAft>
-              <a:spcPct val="35000"/>
-            </a:spcAft>
-            <a:buNone/>
-          </a:pPr>
-          <a:r>
-            <a:rPr lang="de-DE" sz="1500" kern="1200" dirty="0"/>
-            <a:t>Webservice oder Website</a:t>
-          </a:r>
-        </a:p>
-      </dsp:txBody>
-      <dsp:txXfrm>
-        <a:off x="3537663" y="447854"/>
-        <a:ext cx="1060388" cy="706925"/>
-      </dsp:txXfrm>
-    </dsp:sp>
-    <dsp:sp modelId="{F4D1F037-EABE-44F7-83AF-9AA11A497827}">
-      <dsp:nvSpPr>
-        <dsp:cNvPr id="0" name=""/>
-        <dsp:cNvSpPr/>
-      </dsp:nvSpPr>
-      <dsp:spPr>
-        <a:xfrm>
-          <a:off x="4774783" y="447854"/>
-          <a:ext cx="1767313" cy="706925"/>
-        </a:xfrm>
-        <a:prstGeom prst="chevron">
-          <a:avLst/>
-        </a:prstGeom>
-        <a:solidFill>
-          <a:schemeClr val="accent1">
-            <a:hueOff val="0"/>
-            <a:satOff val="0"/>
-            <a:lumOff val="0"/>
-            <a:alphaOff val="0"/>
-          </a:schemeClr>
-        </a:solidFill>
-        <a:ln w="19050" cap="rnd" cmpd="sng" algn="ctr">
-          <a:solidFill>
-            <a:schemeClr val="lt1">
-              <a:hueOff val="0"/>
-              <a:satOff val="0"/>
-              <a:lumOff val="0"/>
-              <a:alphaOff val="0"/>
-            </a:schemeClr>
-          </a:solidFill>
-          <a:prstDash val="solid"/>
-        </a:ln>
-        <a:effectLst/>
-      </dsp:spPr>
-      <dsp:style>
-        <a:lnRef idx="2">
-          <a:scrgbClr r="0" g="0" b="0"/>
-        </a:lnRef>
-        <a:fillRef idx="1">
-          <a:scrgbClr r="0" g="0" b="0"/>
-        </a:fillRef>
-        <a:effectRef idx="0">
-          <a:scrgbClr r="0" g="0" b="0"/>
-        </a:effectRef>
-        <a:fontRef idx="minor">
-          <a:schemeClr val="lt1"/>
-        </a:fontRef>
-      </dsp:style>
-      <dsp:txBody>
-        <a:bodyPr spcFirstLastPara="0" vert="horz" wrap="square" lIns="60008" tIns="20003" rIns="20003" bIns="20003" numCol="1" spcCol="1270" anchor="ctr" anchorCtr="0">
-          <a:noAutofit/>
-        </a:bodyPr>
-        <a:lstStyle/>
-        <a:p>
-          <a:pPr marL="0" lvl="0" indent="0" algn="ctr" defTabSz="666750">
-            <a:lnSpc>
-              <a:spcPct val="90000"/>
-            </a:lnSpc>
-            <a:spcBef>
-              <a:spcPct val="0"/>
-            </a:spcBef>
-            <a:spcAft>
-              <a:spcPct val="35000"/>
-            </a:spcAft>
-            <a:buNone/>
-          </a:pPr>
-          <a:r>
-            <a:rPr lang="de-DE" sz="1500" kern="1200" dirty="0"/>
-            <a:t>???</a:t>
-          </a:r>
-        </a:p>
-      </dsp:txBody>
-      <dsp:txXfrm>
-        <a:off x="5128246" y="447854"/>
-        <a:ext cx="1060388" cy="706925"/>
-      </dsp:txXfrm>
-    </dsp:sp>
-  </dsp:spTree>
-</dsp:drawing>
-</file>
-
 <file path=ppt/diagrams/layout1.xml><?xml version="1.0" encoding="utf-8"?>
 <dgm:layoutDef xmlns:dgm="http://schemas.openxmlformats.org/drawingml/2006/diagram" xmlns:a="http://schemas.openxmlformats.org/drawingml/2006/main" uniqueId="urn:microsoft.com/office/officeart/2018/2/layout/IconVerticalSolidList">
   <dgm:title val="Icon Vertical Solid List"/>
@@ -4252,1324 +2943,7 @@
 </dgm:layoutDef>
 </file>
 
-<file path=ppt/diagrams/layout2.xml><?xml version="1.0" encoding="utf-8"?>
-<dgm:layoutDef xmlns:dgm="http://schemas.openxmlformats.org/drawingml/2006/diagram" xmlns:a="http://schemas.openxmlformats.org/drawingml/2006/main" uniqueId="urn:microsoft.com/office/officeart/2005/8/layout/chevron1">
-  <dgm:title val=""/>
-  <dgm:desc val=""/>
-  <dgm:catLst>
-    <dgm:cat type="process" pri="9000"/>
-  </dgm:catLst>
-  <dgm:sampData useDef="1">
-    <dgm:dataModel>
-      <dgm:ptLst/>
-      <dgm:bg/>
-      <dgm:whole/>
-    </dgm:dataModel>
-  </dgm:sampData>
-  <dgm:styleData>
-    <dgm:dataModel>
-      <dgm:ptLst>
-        <dgm:pt modelId="0" type="doc"/>
-        <dgm:pt modelId="1"/>
-        <dgm:pt modelId="2"/>
-      </dgm:ptLst>
-      <dgm:cxnLst>
-        <dgm:cxn modelId="3" srcId="0" destId="1" srcOrd="0" destOrd="0"/>
-        <dgm:cxn modelId="4" srcId="0" destId="2" srcOrd="1" destOrd="0"/>
-      </dgm:cxnLst>
-      <dgm:bg/>
-      <dgm:whole/>
-    </dgm:dataModel>
-  </dgm:styleData>
-  <dgm:clrData>
-    <dgm:dataModel>
-      <dgm:ptLst>
-        <dgm:pt modelId="0" type="doc"/>
-        <dgm:pt modelId="1"/>
-        <dgm:pt modelId="2"/>
-        <dgm:pt modelId="3"/>
-        <dgm:pt modelId="4"/>
-      </dgm:ptLst>
-      <dgm:cxnLst>
-        <dgm:cxn modelId="5" srcId="0" destId="1" srcOrd="0" destOrd="0"/>
-        <dgm:cxn modelId="6" srcId="0" destId="2" srcOrd="1" destOrd="0"/>
-        <dgm:cxn modelId="7" srcId="0" destId="3" srcOrd="2" destOrd="0"/>
-        <dgm:cxn modelId="8" srcId="0" destId="4" srcOrd="3" destOrd="0"/>
-      </dgm:cxnLst>
-      <dgm:bg/>
-      <dgm:whole/>
-    </dgm:dataModel>
-  </dgm:clrData>
-  <dgm:layoutNode name="Name0">
-    <dgm:varLst>
-      <dgm:dir/>
-      <dgm:animLvl val="lvl"/>
-      <dgm:resizeHandles val="exact"/>
-    </dgm:varLst>
-    <dgm:choose name="Name1">
-      <dgm:if name="Name2" func="var" arg="dir" op="equ" val="norm">
-        <dgm:alg type="lin"/>
-      </dgm:if>
-      <dgm:else name="Name3">
-        <dgm:alg type="lin">
-          <dgm:param type="linDir" val="fromR"/>
-        </dgm:alg>
-      </dgm:else>
-    </dgm:choose>
-    <dgm:shape xmlns:r="http://schemas.openxmlformats.org/officeDocument/2006/relationships" r:blip="">
-      <dgm:adjLst/>
-    </dgm:shape>
-    <dgm:presOf/>
-    <dgm:choose name="Name4">
-      <dgm:if name="Name5" axis="des" func="maxDepth" op="gte" val="2">
-        <dgm:constrLst>
-          <dgm:constr type="h" for="ch" forName="composite" refType="h"/>
-          <dgm:constr type="w" for="ch" forName="composite" refType="w"/>
-          <dgm:constr type="w" for="des" forName="parTx"/>
-          <dgm:constr type="h" for="des" forName="parTx" op="equ"/>
-          <dgm:constr type="w" for="des" forName="desTx"/>
-          <dgm:constr type="h" for="des" forName="desTx" op="equ"/>
-          <dgm:constr type="primFontSz" for="des" forName="parTx" val="65"/>
-          <dgm:constr type="secFontSz" for="des" forName="desTx" refType="primFontSz" refFor="des" refForName="parTx" op="equ"/>
-          <dgm:constr type="h" for="des" forName="parTx" refType="primFontSz" refFor="des" refForName="parTx" fact="1.5"/>
-          <dgm:constr type="h" for="des" forName="desTx" refType="primFontSz" refFor="des" refForName="parTx" fact="0.5"/>
-          <dgm:constr type="w" for="ch" forName="space" op="equ" val="-6"/>
-        </dgm:constrLst>
-        <dgm:ruleLst>
-          <dgm:rule type="w" for="ch" forName="composite" val="0" fact="NaN" max="NaN"/>
-          <dgm:rule type="primFontSz" for="des" forName="parTx" val="5" fact="NaN" max="NaN"/>
-        </dgm:ruleLst>
-        <dgm:forEach name="Name6" axis="ch" ptType="node">
-          <dgm:layoutNode name="composite">
-            <dgm:alg type="composite"/>
-            <dgm:shape xmlns:r="http://schemas.openxmlformats.org/officeDocument/2006/relationships" r:blip="">
-              <dgm:adjLst/>
-            </dgm:shape>
-            <dgm:presOf/>
-            <dgm:choose name="Name7">
-              <dgm:if name="Name8" func="var" arg="dir" op="equ" val="norm">
-                <dgm:constrLst>
-                  <dgm:constr type="l" for="ch" forName="parTx"/>
-                  <dgm:constr type="w" for="ch" forName="parTx" refType="w"/>
-                  <dgm:constr type="t" for="ch" forName="parTx"/>
-                  <dgm:constr type="l" for="ch" forName="desTx"/>
-                  <dgm:constr type="w" for="ch" forName="desTx" refType="w" refFor="ch" refForName="parTx" fact="0.8"/>
-                  <dgm:constr type="t" for="ch" forName="desTx" refType="h" refFor="ch" refForName="parTx" fact="1.125"/>
-                </dgm:constrLst>
-              </dgm:if>
-              <dgm:else name="Name9">
-                <dgm:constrLst>
-                  <dgm:constr type="l" for="ch" forName="parTx"/>
-                  <dgm:constr type="w" for="ch" forName="parTx" refType="w"/>
-                  <dgm:constr type="t" for="ch" forName="parTx"/>
-                  <dgm:constr type="l" for="ch" forName="desTx" refType="w" fact="0.2"/>
-                  <dgm:constr type="w" for="ch" forName="desTx" refType="w" refFor="ch" refForName="parTx" fact="0.8"/>
-                  <dgm:constr type="t" for="ch" forName="desTx" refType="h" refFor="ch" refForName="parTx" fact="1.125"/>
-                </dgm:constrLst>
-              </dgm:else>
-            </dgm:choose>
-            <dgm:ruleLst>
-              <dgm:rule type="h" val="INF" fact="NaN" max="NaN"/>
-            </dgm:ruleLst>
-            <dgm:layoutNode name="parTx">
-              <dgm:varLst>
-                <dgm:chMax val="0"/>
-                <dgm:chPref val="0"/>
-                <dgm:bulletEnabled val="1"/>
-              </dgm:varLst>
-              <dgm:alg type="tx"/>
-              <dgm:choose name="Name10">
-                <dgm:if name="Name11" func="var" arg="dir" op="equ" val="norm">
-                  <dgm:shape xmlns:r="http://schemas.openxmlformats.org/officeDocument/2006/relationships" type="chevron" r:blip="">
-                    <dgm:adjLst/>
-                  </dgm:shape>
-                </dgm:if>
-                <dgm:else name="Name12">
-                  <dgm:shape xmlns:r="http://schemas.openxmlformats.org/officeDocument/2006/relationships" rot="180" type="chevron" r:blip="">
-                    <dgm:adjLst/>
-                  </dgm:shape>
-                </dgm:else>
-              </dgm:choose>
-              <dgm:presOf axis="self" ptType="node"/>
-              <dgm:choose name="Name13">
-                <dgm:if name="Name14" func="var" arg="dir" op="equ" val="norm">
-                  <dgm:constrLst>
-                    <dgm:constr type="h" refType="w" op="lte" fact="0.4"/>
-                    <dgm:constr type="h"/>
-                    <dgm:constr type="tMarg" refType="primFontSz" fact="0.105"/>
-                    <dgm:constr type="bMarg" refType="primFontSz" fact="0.105"/>
-                    <dgm:constr type="lMarg" refType="primFontSz" fact="0.315"/>
-                    <dgm:constr type="rMarg" refType="primFontSz" fact="0.105"/>
-                  </dgm:constrLst>
-                </dgm:if>
-                <dgm:else name="Name15">
-                  <dgm:constrLst>
-                    <dgm:constr type="h" refType="w" op="lte" fact="0.4"/>
-                    <dgm:constr type="h"/>
-                    <dgm:constr type="tMarg" refType="primFontSz" fact="0.105"/>
-                    <dgm:constr type="bMarg" refType="primFontSz" fact="0.105"/>
-                    <dgm:constr type="lMarg" refType="primFontSz" fact="0.105"/>
-                    <dgm:constr type="rMarg" refType="primFontSz" fact="0.315"/>
-                  </dgm:constrLst>
-                </dgm:else>
-              </dgm:choose>
-              <dgm:ruleLst>
-                <dgm:rule type="h" val="INF" fact="NaN" max="NaN"/>
-              </dgm:ruleLst>
-            </dgm:layoutNode>
-            <dgm:layoutNode name="desTx" styleLbl="revTx">
-              <dgm:varLst>
-                <dgm:bulletEnabled val="1"/>
-              </dgm:varLst>
-              <dgm:alg type="tx">
-                <dgm:param type="stBulletLvl" val="1"/>
-              </dgm:alg>
-              <dgm:choose name="Name16">
-                <dgm:if name="Name17" axis="ch" ptType="node" func="cnt" op="gte" val="1">
-                  <dgm:shape xmlns:r="http://schemas.openxmlformats.org/officeDocument/2006/relationships" type="rect" r:blip="">
-                    <dgm:adjLst/>
-                  </dgm:shape>
-                </dgm:if>
-                <dgm:else name="Name18">
-                  <dgm:shape xmlns:r="http://schemas.openxmlformats.org/officeDocument/2006/relationships" type="rect" r:blip="" hideGeom="1">
-                    <dgm:adjLst/>
-                  </dgm:shape>
-                </dgm:else>
-              </dgm:choose>
-              <dgm:presOf axis="des" ptType="node"/>
-              <dgm:constrLst>
-                <dgm:constr type="secFontSz" val="65"/>
-                <dgm:constr type="primFontSz" refType="secFontSz"/>
-                <dgm:constr type="h"/>
-                <dgm:constr type="tMarg"/>
-                <dgm:constr type="bMarg"/>
-                <dgm:constr type="rMarg"/>
-                <dgm:constr type="lMarg"/>
-              </dgm:constrLst>
-              <dgm:ruleLst>
-                <dgm:rule type="h" val="INF" fact="NaN" max="NaN"/>
-              </dgm:ruleLst>
-            </dgm:layoutNode>
-          </dgm:layoutNode>
-          <dgm:forEach name="Name19" axis="followSib" ptType="sibTrans" cnt="1">
-            <dgm:layoutNode name="space">
-              <dgm:alg type="sp"/>
-              <dgm:shape xmlns:r="http://schemas.openxmlformats.org/officeDocument/2006/relationships" r:blip="">
-                <dgm:adjLst/>
-              </dgm:shape>
-              <dgm:presOf/>
-              <dgm:constrLst/>
-              <dgm:ruleLst/>
-            </dgm:layoutNode>
-          </dgm:forEach>
-        </dgm:forEach>
-      </dgm:if>
-      <dgm:else name="Name20">
-        <dgm:constrLst>
-          <dgm:constr type="w" for="ch" forName="parTxOnly" refType="w"/>
-          <dgm:constr type="h" for="des" forName="parTxOnly" op="equ"/>
-          <dgm:constr type="primFontSz" for="des" forName="parTxOnly" op="equ" val="65"/>
-          <dgm:constr type="w" for="ch" forName="parTxOnlySpace" refType="w" refFor="ch" refForName="parTxOnly" fact="-0.1"/>
-        </dgm:constrLst>
-        <dgm:ruleLst/>
-        <dgm:forEach name="Name21" axis="ch" ptType="node">
-          <dgm:layoutNode name="parTxOnly">
-            <dgm:varLst>
-              <dgm:chMax val="0"/>
-              <dgm:chPref val="0"/>
-              <dgm:bulletEnabled val="1"/>
-            </dgm:varLst>
-            <dgm:alg type="tx"/>
-            <dgm:choose name="Name22">
-              <dgm:if name="Name23" func="var" arg="dir" op="equ" val="norm">
-                <dgm:shape xmlns:r="http://schemas.openxmlformats.org/officeDocument/2006/relationships" type="chevron" r:blip="">
-                  <dgm:adjLst/>
-                </dgm:shape>
-              </dgm:if>
-              <dgm:else name="Name24">
-                <dgm:shape xmlns:r="http://schemas.openxmlformats.org/officeDocument/2006/relationships" rot="180" type="chevron" r:blip="">
-                  <dgm:adjLst/>
-                </dgm:shape>
-              </dgm:else>
-            </dgm:choose>
-            <dgm:presOf axis="self" ptType="node"/>
-            <dgm:choose name="Name25">
-              <dgm:if name="Name26" func="var" arg="dir" op="equ" val="norm">
-                <dgm:constrLst>
-                  <dgm:constr type="h" refType="w" op="equ" fact="0.4"/>
-                  <dgm:constr type="tMarg" refType="primFontSz" fact="0.105"/>
-                  <dgm:constr type="bMarg" refType="primFontSz" fact="0.105"/>
-                  <dgm:constr type="lMarg" refType="primFontSz" fact="0.315"/>
-                  <dgm:constr type="rMarg" refType="primFontSz" fact="0.105"/>
-                </dgm:constrLst>
-              </dgm:if>
-              <dgm:else name="Name27">
-                <dgm:constrLst>
-                  <dgm:constr type="h" refType="w" op="equ" fact="0.4"/>
-                  <dgm:constr type="tMarg" refType="primFontSz" fact="0.105"/>
-                  <dgm:constr type="bMarg" refType="primFontSz" fact="0.105"/>
-                  <dgm:constr type="lMarg" refType="primFontSz" fact="0.105"/>
-                  <dgm:constr type="rMarg" refType="primFontSz" fact="0.315"/>
-                </dgm:constrLst>
-              </dgm:else>
-            </dgm:choose>
-            <dgm:ruleLst>
-              <dgm:rule type="primFontSz" val="5" fact="NaN" max="NaN"/>
-            </dgm:ruleLst>
-          </dgm:layoutNode>
-          <dgm:forEach name="Name28" axis="followSib" ptType="sibTrans" cnt="1">
-            <dgm:layoutNode name="parTxOnlySpace">
-              <dgm:alg type="sp"/>
-              <dgm:shape xmlns:r="http://schemas.openxmlformats.org/officeDocument/2006/relationships" r:blip="">
-                <dgm:adjLst/>
-              </dgm:shape>
-              <dgm:presOf/>
-              <dgm:constrLst/>
-              <dgm:ruleLst/>
-            </dgm:layoutNode>
-          </dgm:forEach>
-        </dgm:forEach>
-      </dgm:else>
-    </dgm:choose>
-  </dgm:layoutNode>
-</dgm:layoutDef>
-</file>
-
 <file path=ppt/diagrams/quickStyle1.xml><?xml version="1.0" encoding="utf-8"?>
-<dgm:styleDef xmlns:dgm="http://schemas.openxmlformats.org/drawingml/2006/diagram" xmlns:a="http://schemas.openxmlformats.org/drawingml/2006/main" uniqueId="urn:microsoft.com/office/officeart/2005/8/quickstyle/simple1">
-  <dgm:title val=""/>
-  <dgm:desc val=""/>
-  <dgm:catLst>
-    <dgm:cat type="simple" pri="10100"/>
-  </dgm:catLst>
-  <dgm:scene3d>
-    <a:camera prst="orthographicFront"/>
-    <a:lightRig rig="threePt" dir="t"/>
-  </dgm:scene3d>
-  <dgm:styleLbl name="node0">
-    <dgm:scene3d>
-      <a:camera prst="orthographicFront"/>
-      <a:lightRig rig="threePt" dir="t"/>
-    </dgm:scene3d>
-    <dgm:sp3d/>
-    <dgm:txPr/>
-    <dgm:style>
-      <a:lnRef idx="2">
-        <a:scrgbClr r="0" g="0" b="0"/>
-      </a:lnRef>
-      <a:fillRef idx="1">
-        <a:scrgbClr r="0" g="0" b="0"/>
-      </a:fillRef>
-      <a:effectRef idx="0">
-        <a:scrgbClr r="0" g="0" b="0"/>
-      </a:effectRef>
-      <a:fontRef idx="minor">
-        <a:schemeClr val="lt1"/>
-      </a:fontRef>
-    </dgm:style>
-  </dgm:styleLbl>
-  <dgm:styleLbl name="lnNode1">
-    <dgm:scene3d>
-      <a:camera prst="orthographicFront"/>
-      <a:lightRig rig="threePt" dir="t"/>
-    </dgm:scene3d>
-    <dgm:sp3d/>
-    <dgm:txPr/>
-    <dgm:style>
-      <a:lnRef idx="2">
-        <a:scrgbClr r="0" g="0" b="0"/>
-      </a:lnRef>
-      <a:fillRef idx="1">
-        <a:scrgbClr r="0" g="0" b="0"/>
-      </a:fillRef>
-      <a:effectRef idx="0">
-        <a:scrgbClr r="0" g="0" b="0"/>
-      </a:effectRef>
-      <a:fontRef idx="minor">
-        <a:schemeClr val="lt1"/>
-      </a:fontRef>
-    </dgm:style>
-  </dgm:styleLbl>
-  <dgm:styleLbl name="vennNode1">
-    <dgm:scene3d>
-      <a:camera prst="orthographicFront"/>
-      <a:lightRig rig="threePt" dir="t"/>
-    </dgm:scene3d>
-    <dgm:sp3d/>
-    <dgm:txPr/>
-    <dgm:style>
-      <a:lnRef idx="2">
-        <a:scrgbClr r="0" g="0" b="0"/>
-      </a:lnRef>
-      <a:fillRef idx="1">
-        <a:scrgbClr r="0" g="0" b="0"/>
-      </a:fillRef>
-      <a:effectRef idx="0">
-        <a:scrgbClr r="0" g="0" b="0"/>
-      </a:effectRef>
-      <a:fontRef idx="minor">
-        <a:schemeClr val="tx1"/>
-      </a:fontRef>
-    </dgm:style>
-  </dgm:styleLbl>
-  <dgm:styleLbl name="alignNode1">
-    <dgm:scene3d>
-      <a:camera prst="orthographicFront"/>
-      <a:lightRig rig="threePt" dir="t"/>
-    </dgm:scene3d>
-    <dgm:sp3d/>
-    <dgm:txPr/>
-    <dgm:style>
-      <a:lnRef idx="2">
-        <a:scrgbClr r="0" g="0" b="0"/>
-      </a:lnRef>
-      <a:fillRef idx="1">
-        <a:scrgbClr r="0" g="0" b="0"/>
-      </a:fillRef>
-      <a:effectRef idx="0">
-        <a:scrgbClr r="0" g="0" b="0"/>
-      </a:effectRef>
-      <a:fontRef idx="minor">
-        <a:schemeClr val="lt1"/>
-      </a:fontRef>
-    </dgm:style>
-  </dgm:styleLbl>
-  <dgm:styleLbl name="node1">
-    <dgm:scene3d>
-      <a:camera prst="orthographicFront"/>
-      <a:lightRig rig="threePt" dir="t"/>
-    </dgm:scene3d>
-    <dgm:sp3d/>
-    <dgm:txPr/>
-    <dgm:style>
-      <a:lnRef idx="2">
-        <a:scrgbClr r="0" g="0" b="0"/>
-      </a:lnRef>
-      <a:fillRef idx="1">
-        <a:scrgbClr r="0" g="0" b="0"/>
-      </a:fillRef>
-      <a:effectRef idx="0">
-        <a:scrgbClr r="0" g="0" b="0"/>
-      </a:effectRef>
-      <a:fontRef idx="minor">
-        <a:schemeClr val="lt1"/>
-      </a:fontRef>
-    </dgm:style>
-  </dgm:styleLbl>
-  <dgm:styleLbl name="node2">
-    <dgm:scene3d>
-      <a:camera prst="orthographicFront"/>
-      <a:lightRig rig="threePt" dir="t"/>
-    </dgm:scene3d>
-    <dgm:sp3d/>
-    <dgm:txPr/>
-    <dgm:style>
-      <a:lnRef idx="2">
-        <a:scrgbClr r="0" g="0" b="0"/>
-      </a:lnRef>
-      <a:fillRef idx="1">
-        <a:scrgbClr r="0" g="0" b="0"/>
-      </a:fillRef>
-      <a:effectRef idx="0">
-        <a:scrgbClr r="0" g="0" b="0"/>
-      </a:effectRef>
-      <a:fontRef idx="minor">
-        <a:schemeClr val="lt1"/>
-      </a:fontRef>
-    </dgm:style>
-  </dgm:styleLbl>
-  <dgm:styleLbl name="node3">
-    <dgm:scene3d>
-      <a:camera prst="orthographicFront"/>
-      <a:lightRig rig="threePt" dir="t"/>
-    </dgm:scene3d>
-    <dgm:sp3d/>
-    <dgm:txPr/>
-    <dgm:style>
-      <a:lnRef idx="2">
-        <a:scrgbClr r="0" g="0" b="0"/>
-      </a:lnRef>
-      <a:fillRef idx="1">
-        <a:scrgbClr r="0" g="0" b="0"/>
-      </a:fillRef>
-      <a:effectRef idx="0">
-        <a:scrgbClr r="0" g="0" b="0"/>
-      </a:effectRef>
-      <a:fontRef idx="minor">
-        <a:schemeClr val="lt1"/>
-      </a:fontRef>
-    </dgm:style>
-  </dgm:styleLbl>
-  <dgm:styleLbl name="node4">
-    <dgm:scene3d>
-      <a:camera prst="orthographicFront"/>
-      <a:lightRig rig="threePt" dir="t"/>
-    </dgm:scene3d>
-    <dgm:sp3d/>
-    <dgm:txPr/>
-    <dgm:style>
-      <a:lnRef idx="2">
-        <a:scrgbClr r="0" g="0" b="0"/>
-      </a:lnRef>
-      <a:fillRef idx="1">
-        <a:scrgbClr r="0" g="0" b="0"/>
-      </a:fillRef>
-      <a:effectRef idx="0">
-        <a:scrgbClr r="0" g="0" b="0"/>
-      </a:effectRef>
-      <a:fontRef idx="minor">
-        <a:schemeClr val="lt1"/>
-      </a:fontRef>
-    </dgm:style>
-  </dgm:styleLbl>
-  <dgm:styleLbl name="fgImgPlace1">
-    <dgm:scene3d>
-      <a:camera prst="orthographicFront"/>
-      <a:lightRig rig="threePt" dir="t"/>
-    </dgm:scene3d>
-    <dgm:sp3d/>
-    <dgm:txPr/>
-    <dgm:style>
-      <a:lnRef idx="2">
-        <a:scrgbClr r="0" g="0" b="0"/>
-      </a:lnRef>
-      <a:fillRef idx="1">
-        <a:scrgbClr r="0" g="0" b="0"/>
-      </a:fillRef>
-      <a:effectRef idx="0">
-        <a:scrgbClr r="0" g="0" b="0"/>
-      </a:effectRef>
-      <a:fontRef idx="minor"/>
-    </dgm:style>
-  </dgm:styleLbl>
-  <dgm:styleLbl name="alignImgPlace1">
-    <dgm:scene3d>
-      <a:camera prst="orthographicFront"/>
-      <a:lightRig rig="threePt" dir="t"/>
-    </dgm:scene3d>
-    <dgm:sp3d/>
-    <dgm:txPr/>
-    <dgm:style>
-      <a:lnRef idx="2">
-        <a:scrgbClr r="0" g="0" b="0"/>
-      </a:lnRef>
-      <a:fillRef idx="1">
-        <a:scrgbClr r="0" g="0" b="0"/>
-      </a:fillRef>
-      <a:effectRef idx="0">
-        <a:scrgbClr r="0" g="0" b="0"/>
-      </a:effectRef>
-      <a:fontRef idx="minor"/>
-    </dgm:style>
-  </dgm:styleLbl>
-  <dgm:styleLbl name="bgImgPlace1">
-    <dgm:scene3d>
-      <a:camera prst="orthographicFront"/>
-      <a:lightRig rig="threePt" dir="t"/>
-    </dgm:scene3d>
-    <dgm:sp3d/>
-    <dgm:txPr/>
-    <dgm:style>
-      <a:lnRef idx="2">
-        <a:scrgbClr r="0" g="0" b="0"/>
-      </a:lnRef>
-      <a:fillRef idx="1">
-        <a:scrgbClr r="0" g="0" b="0"/>
-      </a:fillRef>
-      <a:effectRef idx="0">
-        <a:scrgbClr r="0" g="0" b="0"/>
-      </a:effectRef>
-      <a:fontRef idx="minor"/>
-    </dgm:style>
-  </dgm:styleLbl>
-  <dgm:styleLbl name="sibTrans2D1">
-    <dgm:scene3d>
-      <a:camera prst="orthographicFront"/>
-      <a:lightRig rig="threePt" dir="t"/>
-    </dgm:scene3d>
-    <dgm:sp3d/>
-    <dgm:txPr/>
-    <dgm:style>
-      <a:lnRef idx="0">
-        <a:scrgbClr r="0" g="0" b="0"/>
-      </a:lnRef>
-      <a:fillRef idx="1">
-        <a:scrgbClr r="0" g="0" b="0"/>
-      </a:fillRef>
-      <a:effectRef idx="0">
-        <a:scrgbClr r="0" g="0" b="0"/>
-      </a:effectRef>
-      <a:fontRef idx="minor">
-        <a:schemeClr val="lt1"/>
-      </a:fontRef>
-    </dgm:style>
-  </dgm:styleLbl>
-  <dgm:styleLbl name="fgSibTrans2D1">
-    <dgm:scene3d>
-      <a:camera prst="orthographicFront"/>
-      <a:lightRig rig="threePt" dir="t"/>
-    </dgm:scene3d>
-    <dgm:sp3d/>
-    <dgm:txPr/>
-    <dgm:style>
-      <a:lnRef idx="0">
-        <a:scrgbClr r="0" g="0" b="0"/>
-      </a:lnRef>
-      <a:fillRef idx="1">
-        <a:scrgbClr r="0" g="0" b="0"/>
-      </a:fillRef>
-      <a:effectRef idx="0">
-        <a:scrgbClr r="0" g="0" b="0"/>
-      </a:effectRef>
-      <a:fontRef idx="minor">
-        <a:schemeClr val="lt1"/>
-      </a:fontRef>
-    </dgm:style>
-  </dgm:styleLbl>
-  <dgm:styleLbl name="bgSibTrans2D1">
-    <dgm:scene3d>
-      <a:camera prst="orthographicFront"/>
-      <a:lightRig rig="threePt" dir="t"/>
-    </dgm:scene3d>
-    <dgm:sp3d/>
-    <dgm:txPr/>
-    <dgm:style>
-      <a:lnRef idx="0">
-        <a:scrgbClr r="0" g="0" b="0"/>
-      </a:lnRef>
-      <a:fillRef idx="1">
-        <a:scrgbClr r="0" g="0" b="0"/>
-      </a:fillRef>
-      <a:effectRef idx="0">
-        <a:scrgbClr r="0" g="0" b="0"/>
-      </a:effectRef>
-      <a:fontRef idx="minor">
-        <a:schemeClr val="lt1"/>
-      </a:fontRef>
-    </dgm:style>
-  </dgm:styleLbl>
-  <dgm:styleLbl name="sibTrans1D1">
-    <dgm:scene3d>
-      <a:camera prst="orthographicFront"/>
-      <a:lightRig rig="threePt" dir="t"/>
-    </dgm:scene3d>
-    <dgm:sp3d/>
-    <dgm:txPr/>
-    <dgm:style>
-      <a:lnRef idx="1">
-        <a:scrgbClr r="0" g="0" b="0"/>
-      </a:lnRef>
-      <a:fillRef idx="0">
-        <a:scrgbClr r="0" g="0" b="0"/>
-      </a:fillRef>
-      <a:effectRef idx="0">
-        <a:scrgbClr r="0" g="0" b="0"/>
-      </a:effectRef>
-      <a:fontRef idx="minor"/>
-    </dgm:style>
-  </dgm:styleLbl>
-  <dgm:styleLbl name="callout">
-    <dgm:scene3d>
-      <a:camera prst="orthographicFront"/>
-      <a:lightRig rig="threePt" dir="t"/>
-    </dgm:scene3d>
-    <dgm:sp3d/>
-    <dgm:txPr/>
-    <dgm:style>
-      <a:lnRef idx="2">
-        <a:scrgbClr r="0" g="0" b="0"/>
-      </a:lnRef>
-      <a:fillRef idx="1">
-        <a:scrgbClr r="0" g="0" b="0"/>
-      </a:fillRef>
-      <a:effectRef idx="0">
-        <a:scrgbClr r="0" g="0" b="0"/>
-      </a:effectRef>
-      <a:fontRef idx="minor"/>
-    </dgm:style>
-  </dgm:styleLbl>
-  <dgm:styleLbl name="asst0">
-    <dgm:scene3d>
-      <a:camera prst="orthographicFront"/>
-      <a:lightRig rig="threePt" dir="t"/>
-    </dgm:scene3d>
-    <dgm:sp3d/>
-    <dgm:txPr/>
-    <dgm:style>
-      <a:lnRef idx="2">
-        <a:scrgbClr r="0" g="0" b="0"/>
-      </a:lnRef>
-      <a:fillRef idx="1">
-        <a:scrgbClr r="0" g="0" b="0"/>
-      </a:fillRef>
-      <a:effectRef idx="0">
-        <a:scrgbClr r="0" g="0" b="0"/>
-      </a:effectRef>
-      <a:fontRef idx="minor">
-        <a:schemeClr val="lt1"/>
-      </a:fontRef>
-    </dgm:style>
-  </dgm:styleLbl>
-  <dgm:styleLbl name="asst1">
-    <dgm:scene3d>
-      <a:camera prst="orthographicFront"/>
-      <a:lightRig rig="threePt" dir="t"/>
-    </dgm:scene3d>
-    <dgm:sp3d/>
-    <dgm:txPr/>
-    <dgm:style>
-      <a:lnRef idx="2">
-        <a:scrgbClr r="0" g="0" b="0"/>
-      </a:lnRef>
-      <a:fillRef idx="1">
-        <a:scrgbClr r="0" g="0" b="0"/>
-      </a:fillRef>
-      <a:effectRef idx="0">
-        <a:scrgbClr r="0" g="0" b="0"/>
-      </a:effectRef>
-      <a:fontRef idx="minor">
-        <a:schemeClr val="lt1"/>
-      </a:fontRef>
-    </dgm:style>
-  </dgm:styleLbl>
-  <dgm:styleLbl name="asst2">
-    <dgm:scene3d>
-      <a:camera prst="orthographicFront"/>
-      <a:lightRig rig="threePt" dir="t"/>
-    </dgm:scene3d>
-    <dgm:sp3d/>
-    <dgm:txPr/>
-    <dgm:style>
-      <a:lnRef idx="2">
-        <a:scrgbClr r="0" g="0" b="0"/>
-      </a:lnRef>
-      <a:fillRef idx="1">
-        <a:scrgbClr r="0" g="0" b="0"/>
-      </a:fillRef>
-      <a:effectRef idx="0">
-        <a:scrgbClr r="0" g="0" b="0"/>
-      </a:effectRef>
-      <a:fontRef idx="minor">
-        <a:schemeClr val="lt1"/>
-      </a:fontRef>
-    </dgm:style>
-  </dgm:styleLbl>
-  <dgm:styleLbl name="asst3">
-    <dgm:scene3d>
-      <a:camera prst="orthographicFront"/>
-      <a:lightRig rig="threePt" dir="t"/>
-    </dgm:scene3d>
-    <dgm:sp3d/>
-    <dgm:txPr/>
-    <dgm:style>
-      <a:lnRef idx="2">
-        <a:scrgbClr r="0" g="0" b="0"/>
-      </a:lnRef>
-      <a:fillRef idx="1">
-        <a:scrgbClr r="0" g="0" b="0"/>
-      </a:fillRef>
-      <a:effectRef idx="0">
-        <a:scrgbClr r="0" g="0" b="0"/>
-      </a:effectRef>
-      <a:fontRef idx="minor">
-        <a:schemeClr val="lt1"/>
-      </a:fontRef>
-    </dgm:style>
-  </dgm:styleLbl>
-  <dgm:styleLbl name="asst4">
-    <dgm:scene3d>
-      <a:camera prst="orthographicFront"/>
-      <a:lightRig rig="threePt" dir="t"/>
-    </dgm:scene3d>
-    <dgm:sp3d/>
-    <dgm:txPr/>
-    <dgm:style>
-      <a:lnRef idx="2">
-        <a:scrgbClr r="0" g="0" b="0"/>
-      </a:lnRef>
-      <a:fillRef idx="1">
-        <a:scrgbClr r="0" g="0" b="0"/>
-      </a:fillRef>
-      <a:effectRef idx="0">
-        <a:scrgbClr r="0" g="0" b="0"/>
-      </a:effectRef>
-      <a:fontRef idx="minor">
-        <a:schemeClr val="lt1"/>
-      </a:fontRef>
-    </dgm:style>
-  </dgm:styleLbl>
-  <dgm:styleLbl name="parChTrans2D1">
-    <dgm:scene3d>
-      <a:camera prst="orthographicFront"/>
-      <a:lightRig rig="threePt" dir="t"/>
-    </dgm:scene3d>
-    <dgm:sp3d/>
-    <dgm:txPr/>
-    <dgm:style>
-      <a:lnRef idx="2">
-        <a:scrgbClr r="0" g="0" b="0"/>
-      </a:lnRef>
-      <a:fillRef idx="1">
-        <a:scrgbClr r="0" g="0" b="0"/>
-      </a:fillRef>
-      <a:effectRef idx="0">
-        <a:scrgbClr r="0" g="0" b="0"/>
-      </a:effectRef>
-      <a:fontRef idx="minor">
-        <a:schemeClr val="lt1"/>
-      </a:fontRef>
-    </dgm:style>
-  </dgm:styleLbl>
-  <dgm:styleLbl name="parChTrans2D2">
-    <dgm:scene3d>
-      <a:camera prst="orthographicFront"/>
-      <a:lightRig rig="threePt" dir="t"/>
-    </dgm:scene3d>
-    <dgm:sp3d/>
-    <dgm:txPr/>
-    <dgm:style>
-      <a:lnRef idx="2">
-        <a:scrgbClr r="0" g="0" b="0"/>
-      </a:lnRef>
-      <a:fillRef idx="1">
-        <a:scrgbClr r="0" g="0" b="0"/>
-      </a:fillRef>
-      <a:effectRef idx="0">
-        <a:scrgbClr r="0" g="0" b="0"/>
-      </a:effectRef>
-      <a:fontRef idx="minor">
-        <a:schemeClr val="lt1"/>
-      </a:fontRef>
-    </dgm:style>
-  </dgm:styleLbl>
-  <dgm:styleLbl name="parChTrans2D3">
-    <dgm:scene3d>
-      <a:camera prst="orthographicFront"/>
-      <a:lightRig rig="threePt" dir="t"/>
-    </dgm:scene3d>
-    <dgm:sp3d/>
-    <dgm:txPr/>
-    <dgm:style>
-      <a:lnRef idx="2">
-        <a:scrgbClr r="0" g="0" b="0"/>
-      </a:lnRef>
-      <a:fillRef idx="1">
-        <a:scrgbClr r="0" g="0" b="0"/>
-      </a:fillRef>
-      <a:effectRef idx="0">
-        <a:scrgbClr r="0" g="0" b="0"/>
-      </a:effectRef>
-      <a:fontRef idx="minor">
-        <a:schemeClr val="lt1"/>
-      </a:fontRef>
-    </dgm:style>
-  </dgm:styleLbl>
-  <dgm:styleLbl name="parChTrans2D4">
-    <dgm:scene3d>
-      <a:camera prst="orthographicFront"/>
-      <a:lightRig rig="threePt" dir="t"/>
-    </dgm:scene3d>
-    <dgm:sp3d/>
-    <dgm:txPr/>
-    <dgm:style>
-      <a:lnRef idx="2">
-        <a:scrgbClr r="0" g="0" b="0"/>
-      </a:lnRef>
-      <a:fillRef idx="1">
-        <a:scrgbClr r="0" g="0" b="0"/>
-      </a:fillRef>
-      <a:effectRef idx="0">
-        <a:scrgbClr r="0" g="0" b="0"/>
-      </a:effectRef>
-      <a:fontRef idx="minor">
-        <a:schemeClr val="lt1"/>
-      </a:fontRef>
-    </dgm:style>
-  </dgm:styleLbl>
-  <dgm:styleLbl name="parChTrans1D1">
-    <dgm:scene3d>
-      <a:camera prst="orthographicFront"/>
-      <a:lightRig rig="threePt" dir="t"/>
-    </dgm:scene3d>
-    <dgm:sp3d/>
-    <dgm:txPr/>
-    <dgm:style>
-      <a:lnRef idx="2">
-        <a:scrgbClr r="0" g="0" b="0"/>
-      </a:lnRef>
-      <a:fillRef idx="0">
-        <a:scrgbClr r="0" g="0" b="0"/>
-      </a:fillRef>
-      <a:effectRef idx="0">
-        <a:scrgbClr r="0" g="0" b="0"/>
-      </a:effectRef>
-      <a:fontRef idx="minor"/>
-    </dgm:style>
-  </dgm:styleLbl>
-  <dgm:styleLbl name="parChTrans1D2">
-    <dgm:scene3d>
-      <a:camera prst="orthographicFront"/>
-      <a:lightRig rig="threePt" dir="t"/>
-    </dgm:scene3d>
-    <dgm:sp3d/>
-    <dgm:txPr/>
-    <dgm:style>
-      <a:lnRef idx="2">
-        <a:scrgbClr r="0" g="0" b="0"/>
-      </a:lnRef>
-      <a:fillRef idx="0">
-        <a:scrgbClr r="0" g="0" b="0"/>
-      </a:fillRef>
-      <a:effectRef idx="0">
-        <a:scrgbClr r="0" g="0" b="0"/>
-      </a:effectRef>
-      <a:fontRef idx="minor"/>
-    </dgm:style>
-  </dgm:styleLbl>
-  <dgm:styleLbl name="parChTrans1D3">
-    <dgm:scene3d>
-      <a:camera prst="orthographicFront"/>
-      <a:lightRig rig="threePt" dir="t"/>
-    </dgm:scene3d>
-    <dgm:sp3d/>
-    <dgm:txPr/>
-    <dgm:style>
-      <a:lnRef idx="2">
-        <a:scrgbClr r="0" g="0" b="0"/>
-      </a:lnRef>
-      <a:fillRef idx="0">
-        <a:scrgbClr r="0" g="0" b="0"/>
-      </a:fillRef>
-      <a:effectRef idx="0">
-        <a:scrgbClr r="0" g="0" b="0"/>
-      </a:effectRef>
-      <a:fontRef idx="minor"/>
-    </dgm:style>
-  </dgm:styleLbl>
-  <dgm:styleLbl name="parChTrans1D4">
-    <dgm:scene3d>
-      <a:camera prst="orthographicFront"/>
-      <a:lightRig rig="threePt" dir="t"/>
-    </dgm:scene3d>
-    <dgm:sp3d/>
-    <dgm:txPr/>
-    <dgm:style>
-      <a:lnRef idx="2">
-        <a:scrgbClr r="0" g="0" b="0"/>
-      </a:lnRef>
-      <a:fillRef idx="0">
-        <a:scrgbClr r="0" g="0" b="0"/>
-      </a:fillRef>
-      <a:effectRef idx="0">
-        <a:scrgbClr r="0" g="0" b="0"/>
-      </a:effectRef>
-      <a:fontRef idx="minor"/>
-    </dgm:style>
-  </dgm:styleLbl>
-  <dgm:styleLbl name="fgAcc1">
-    <dgm:scene3d>
-      <a:camera prst="orthographicFront"/>
-      <a:lightRig rig="threePt" dir="t"/>
-    </dgm:scene3d>
-    <dgm:sp3d/>
-    <dgm:txPr/>
-    <dgm:style>
-      <a:lnRef idx="2">
-        <a:scrgbClr r="0" g="0" b="0"/>
-      </a:lnRef>
-      <a:fillRef idx="1">
-        <a:scrgbClr r="0" g="0" b="0"/>
-      </a:fillRef>
-      <a:effectRef idx="0">
-        <a:scrgbClr r="0" g="0" b="0"/>
-      </a:effectRef>
-      <a:fontRef idx="minor"/>
-    </dgm:style>
-  </dgm:styleLbl>
-  <dgm:styleLbl name="conFgAcc1">
-    <dgm:scene3d>
-      <a:camera prst="orthographicFront"/>
-      <a:lightRig rig="threePt" dir="t"/>
-    </dgm:scene3d>
-    <dgm:sp3d/>
-    <dgm:txPr/>
-    <dgm:style>
-      <a:lnRef idx="2">
-        <a:scrgbClr r="0" g="0" b="0"/>
-      </a:lnRef>
-      <a:fillRef idx="1">
-        <a:scrgbClr r="0" g="0" b="0"/>
-      </a:fillRef>
-      <a:effectRef idx="0">
-        <a:scrgbClr r="0" g="0" b="0"/>
-      </a:effectRef>
-      <a:fontRef idx="minor"/>
-    </dgm:style>
-  </dgm:styleLbl>
-  <dgm:styleLbl name="alignAcc1">
-    <dgm:scene3d>
-      <a:camera prst="orthographicFront"/>
-      <a:lightRig rig="threePt" dir="t"/>
-    </dgm:scene3d>
-    <dgm:sp3d/>
-    <dgm:txPr/>
-    <dgm:style>
-      <a:lnRef idx="2">
-        <a:scrgbClr r="0" g="0" b="0"/>
-      </a:lnRef>
-      <a:fillRef idx="1">
-        <a:scrgbClr r="0" g="0" b="0"/>
-      </a:fillRef>
-      <a:effectRef idx="0">
-        <a:scrgbClr r="0" g="0" b="0"/>
-      </a:effectRef>
-      <a:fontRef idx="minor"/>
-    </dgm:style>
-  </dgm:styleLbl>
-  <dgm:styleLbl name="trAlignAcc1">
-    <dgm:scene3d>
-      <a:camera prst="orthographicFront"/>
-      <a:lightRig rig="threePt" dir="t"/>
-    </dgm:scene3d>
-    <dgm:sp3d/>
-    <dgm:txPr/>
-    <dgm:style>
-      <a:lnRef idx="1">
-        <a:scrgbClr r="0" g="0" b="0"/>
-      </a:lnRef>
-      <a:fillRef idx="1">
-        <a:scrgbClr r="0" g="0" b="0"/>
-      </a:fillRef>
-      <a:effectRef idx="0">
-        <a:scrgbClr r="0" g="0" b="0"/>
-      </a:effectRef>
-      <a:fontRef idx="minor"/>
-    </dgm:style>
-  </dgm:styleLbl>
-  <dgm:styleLbl name="bgAcc1">
-    <dgm:scene3d>
-      <a:camera prst="orthographicFront"/>
-      <a:lightRig rig="threePt" dir="t"/>
-    </dgm:scene3d>
-    <dgm:sp3d/>
-    <dgm:txPr/>
-    <dgm:style>
-      <a:lnRef idx="2">
-        <a:scrgbClr r="0" g="0" b="0"/>
-      </a:lnRef>
-      <a:fillRef idx="1">
-        <a:scrgbClr r="0" g="0" b="0"/>
-      </a:fillRef>
-      <a:effectRef idx="0">
-        <a:scrgbClr r="0" g="0" b="0"/>
-      </a:effectRef>
-      <a:fontRef idx="minor"/>
-    </dgm:style>
-  </dgm:styleLbl>
-  <dgm:styleLbl name="solidFgAcc1">
-    <dgm:scene3d>
-      <a:camera prst="orthographicFront"/>
-      <a:lightRig rig="threePt" dir="t"/>
-    </dgm:scene3d>
-    <dgm:sp3d/>
-    <dgm:txPr/>
-    <dgm:style>
-      <a:lnRef idx="2">
-        <a:scrgbClr r="0" g="0" b="0"/>
-      </a:lnRef>
-      <a:fillRef idx="1">
-        <a:scrgbClr r="0" g="0" b="0"/>
-      </a:fillRef>
-      <a:effectRef idx="0">
-        <a:scrgbClr r="0" g="0" b="0"/>
-      </a:effectRef>
-      <a:fontRef idx="minor"/>
-    </dgm:style>
-  </dgm:styleLbl>
-  <dgm:styleLbl name="solidAlignAcc1">
-    <dgm:scene3d>
-      <a:camera prst="orthographicFront"/>
-      <a:lightRig rig="threePt" dir="t"/>
-    </dgm:scene3d>
-    <dgm:sp3d/>
-    <dgm:txPr/>
-    <dgm:style>
-      <a:lnRef idx="2">
-        <a:scrgbClr r="0" g="0" b="0"/>
-      </a:lnRef>
-      <a:fillRef idx="1">
-        <a:scrgbClr r="0" g="0" b="0"/>
-      </a:fillRef>
-      <a:effectRef idx="0">
-        <a:scrgbClr r="0" g="0" b="0"/>
-      </a:effectRef>
-      <a:fontRef idx="minor"/>
-    </dgm:style>
-  </dgm:styleLbl>
-  <dgm:styleLbl name="solidBgAcc1">
-    <dgm:scene3d>
-      <a:camera prst="orthographicFront"/>
-      <a:lightRig rig="threePt" dir="t"/>
-    </dgm:scene3d>
-    <dgm:sp3d/>
-    <dgm:txPr/>
-    <dgm:style>
-      <a:lnRef idx="2">
-        <a:scrgbClr r="0" g="0" b="0"/>
-      </a:lnRef>
-      <a:fillRef idx="1">
-        <a:scrgbClr r="0" g="0" b="0"/>
-      </a:fillRef>
-      <a:effectRef idx="0">
-        <a:scrgbClr r="0" g="0" b="0"/>
-      </a:effectRef>
-      <a:fontRef idx="minor"/>
-    </dgm:style>
-  </dgm:styleLbl>
-  <dgm:styleLbl name="fgAccFollowNode1">
-    <dgm:scene3d>
-      <a:camera prst="orthographicFront"/>
-      <a:lightRig rig="threePt" dir="t"/>
-    </dgm:scene3d>
-    <dgm:sp3d/>
-    <dgm:txPr/>
-    <dgm:style>
-      <a:lnRef idx="2">
-        <a:scrgbClr r="0" g="0" b="0"/>
-      </a:lnRef>
-      <a:fillRef idx="1">
-        <a:scrgbClr r="0" g="0" b="0"/>
-      </a:fillRef>
-      <a:effectRef idx="0">
-        <a:scrgbClr r="0" g="0" b="0"/>
-      </a:effectRef>
-      <a:fontRef idx="minor"/>
-    </dgm:style>
-  </dgm:styleLbl>
-  <dgm:styleLbl name="alignAccFollowNode1">
-    <dgm:scene3d>
-      <a:camera prst="orthographicFront"/>
-      <a:lightRig rig="threePt" dir="t"/>
-    </dgm:scene3d>
-    <dgm:sp3d/>
-    <dgm:txPr/>
-    <dgm:style>
-      <a:lnRef idx="2">
-        <a:scrgbClr r="0" g="0" b="0"/>
-      </a:lnRef>
-      <a:fillRef idx="1">
-        <a:scrgbClr r="0" g="0" b="0"/>
-      </a:fillRef>
-      <a:effectRef idx="0">
-        <a:scrgbClr r="0" g="0" b="0"/>
-      </a:effectRef>
-      <a:fontRef idx="minor"/>
-    </dgm:style>
-  </dgm:styleLbl>
-  <dgm:styleLbl name="bgAccFollowNode1">
-    <dgm:scene3d>
-      <a:camera prst="orthographicFront"/>
-      <a:lightRig rig="threePt" dir="t"/>
-    </dgm:scene3d>
-    <dgm:sp3d/>
-    <dgm:txPr/>
-    <dgm:style>
-      <a:lnRef idx="2">
-        <a:scrgbClr r="0" g="0" b="0"/>
-      </a:lnRef>
-      <a:fillRef idx="1">
-        <a:scrgbClr r="0" g="0" b="0"/>
-      </a:fillRef>
-      <a:effectRef idx="0">
-        <a:scrgbClr r="0" g="0" b="0"/>
-      </a:effectRef>
-      <a:fontRef idx="minor"/>
-    </dgm:style>
-  </dgm:styleLbl>
-  <dgm:styleLbl name="fgAcc0">
-    <dgm:scene3d>
-      <a:camera prst="orthographicFront"/>
-      <a:lightRig rig="threePt" dir="t"/>
-    </dgm:scene3d>
-    <dgm:sp3d/>
-    <dgm:txPr/>
-    <dgm:style>
-      <a:lnRef idx="2">
-        <a:scrgbClr r="0" g="0" b="0"/>
-      </a:lnRef>
-      <a:fillRef idx="1">
-        <a:scrgbClr r="0" g="0" b="0"/>
-      </a:fillRef>
-      <a:effectRef idx="0">
-        <a:scrgbClr r="0" g="0" b="0"/>
-      </a:effectRef>
-      <a:fontRef idx="minor"/>
-    </dgm:style>
-  </dgm:styleLbl>
-  <dgm:styleLbl name="fgAcc2">
-    <dgm:scene3d>
-      <a:camera prst="orthographicFront"/>
-      <a:lightRig rig="threePt" dir="t"/>
-    </dgm:scene3d>
-    <dgm:sp3d/>
-    <dgm:txPr/>
-    <dgm:style>
-      <a:lnRef idx="2">
-        <a:scrgbClr r="0" g="0" b="0"/>
-      </a:lnRef>
-      <a:fillRef idx="1">
-        <a:scrgbClr r="0" g="0" b="0"/>
-      </a:fillRef>
-      <a:effectRef idx="0">
-        <a:scrgbClr r="0" g="0" b="0"/>
-      </a:effectRef>
-      <a:fontRef idx="minor"/>
-    </dgm:style>
-  </dgm:styleLbl>
-  <dgm:styleLbl name="fgAcc3">
-    <dgm:scene3d>
-      <a:camera prst="orthographicFront"/>
-      <a:lightRig rig="threePt" dir="t"/>
-    </dgm:scene3d>
-    <dgm:sp3d/>
-    <dgm:txPr/>
-    <dgm:style>
-      <a:lnRef idx="2">
-        <a:scrgbClr r="0" g="0" b="0"/>
-      </a:lnRef>
-      <a:fillRef idx="1">
-        <a:scrgbClr r="0" g="0" b="0"/>
-      </a:fillRef>
-      <a:effectRef idx="0">
-        <a:scrgbClr r="0" g="0" b="0"/>
-      </a:effectRef>
-      <a:fontRef idx="minor"/>
-    </dgm:style>
-  </dgm:styleLbl>
-  <dgm:styleLbl name="fgAcc4">
-    <dgm:scene3d>
-      <a:camera prst="orthographicFront"/>
-      <a:lightRig rig="threePt" dir="t"/>
-    </dgm:scene3d>
-    <dgm:sp3d/>
-    <dgm:txPr/>
-    <dgm:style>
-      <a:lnRef idx="2">
-        <a:scrgbClr r="0" g="0" b="0"/>
-      </a:lnRef>
-      <a:fillRef idx="1">
-        <a:scrgbClr r="0" g="0" b="0"/>
-      </a:fillRef>
-      <a:effectRef idx="0">
-        <a:scrgbClr r="0" g="0" b="0"/>
-      </a:effectRef>
-      <a:fontRef idx="minor"/>
-    </dgm:style>
-  </dgm:styleLbl>
-  <dgm:styleLbl name="bgShp">
-    <dgm:scene3d>
-      <a:camera prst="orthographicFront"/>
-      <a:lightRig rig="threePt" dir="t"/>
-    </dgm:scene3d>
-    <dgm:sp3d/>
-    <dgm:txPr/>
-    <dgm:style>
-      <a:lnRef idx="0">
-        <a:scrgbClr r="0" g="0" b="0"/>
-      </a:lnRef>
-      <a:fillRef idx="1">
-        <a:scrgbClr r="0" g="0" b="0"/>
-      </a:fillRef>
-      <a:effectRef idx="0">
-        <a:scrgbClr r="0" g="0" b="0"/>
-      </a:effectRef>
-      <a:fontRef idx="minor"/>
-    </dgm:style>
-  </dgm:styleLbl>
-  <dgm:styleLbl name="dkBgShp">
-    <dgm:scene3d>
-      <a:camera prst="orthographicFront"/>
-      <a:lightRig rig="threePt" dir="t"/>
-    </dgm:scene3d>
-    <dgm:sp3d/>
-    <dgm:txPr/>
-    <dgm:style>
-      <a:lnRef idx="0">
-        <a:scrgbClr r="0" g="0" b="0"/>
-      </a:lnRef>
-      <a:fillRef idx="1">
-        <a:scrgbClr r="0" g="0" b="0"/>
-      </a:fillRef>
-      <a:effectRef idx="0">
-        <a:scrgbClr r="0" g="0" b="0"/>
-      </a:effectRef>
-      <a:fontRef idx="minor"/>
-    </dgm:style>
-  </dgm:styleLbl>
-  <dgm:styleLbl name="trBgShp">
-    <dgm:scene3d>
-      <a:camera prst="orthographicFront"/>
-      <a:lightRig rig="threePt" dir="t"/>
-    </dgm:scene3d>
-    <dgm:sp3d/>
-    <dgm:txPr/>
-    <dgm:style>
-      <a:lnRef idx="0">
-        <a:scrgbClr r="0" g="0" b="0"/>
-      </a:lnRef>
-      <a:fillRef idx="1">
-        <a:scrgbClr r="0" g="0" b="0"/>
-      </a:fillRef>
-      <a:effectRef idx="0">
-        <a:scrgbClr r="0" g="0" b="0"/>
-      </a:effectRef>
-      <a:fontRef idx="minor"/>
-    </dgm:style>
-  </dgm:styleLbl>
-  <dgm:styleLbl name="fgShp">
-    <dgm:scene3d>
-      <a:camera prst="orthographicFront"/>
-      <a:lightRig rig="threePt" dir="t"/>
-    </dgm:scene3d>
-    <dgm:sp3d/>
-    <dgm:txPr/>
-    <dgm:style>
-      <a:lnRef idx="2">
-        <a:scrgbClr r="0" g="0" b="0"/>
-      </a:lnRef>
-      <a:fillRef idx="1">
-        <a:scrgbClr r="0" g="0" b="0"/>
-      </a:fillRef>
-      <a:effectRef idx="0">
-        <a:scrgbClr r="0" g="0" b="0"/>
-      </a:effectRef>
-      <a:fontRef idx="minor"/>
-    </dgm:style>
-  </dgm:styleLbl>
-  <dgm:styleLbl name="revTx">
-    <dgm:scene3d>
-      <a:camera prst="orthographicFront"/>
-      <a:lightRig rig="threePt" dir="t"/>
-    </dgm:scene3d>
-    <dgm:sp3d/>
-    <dgm:txPr/>
-    <dgm:style>
-      <a:lnRef idx="0">
-        <a:scrgbClr r="0" g="0" b="0"/>
-      </a:lnRef>
-      <a:fillRef idx="0">
-        <a:scrgbClr r="0" g="0" b="0"/>
-      </a:fillRef>
-      <a:effectRef idx="0">
-        <a:scrgbClr r="0" g="0" b="0"/>
-      </a:effectRef>
-      <a:fontRef idx="minor"/>
-    </dgm:style>
-  </dgm:styleLbl>
-</dgm:styleDef>
-</file>
-
-<file path=ppt/diagrams/quickStyle2.xml><?xml version="1.0" encoding="utf-8"?>
 <dgm:styleDef xmlns:dgm="http://schemas.openxmlformats.org/drawingml/2006/diagram" xmlns:a="http://schemas.openxmlformats.org/drawingml/2006/main" uniqueId="urn:microsoft.com/office/officeart/2005/8/quickstyle/simple1">
   <dgm:title val=""/>
   <dgm:desc val=""/>
@@ -7808,7 +5182,7 @@
           <a:p>
             <a:fld id="{76EB2DAB-85D8-4EA8-8EA4-376013B7B13D}" type="slidenum">
               <a:rPr lang="de-DE" noProof="0" smtClean="0"/>
-              <a:t>11</a:t>
+              <a:t>12</a:t>
             </a:fld>
             <a:endParaRPr lang="de-DE" noProof="0"/>
           </a:p>
@@ -9575,7 +6949,7 @@
         <p:spPr>
           <a:xfrm>
             <a:off x="659226" y="1028700"/>
-            <a:ext cx="8367547" cy="3139321"/>
+            <a:ext cx="9654152" cy="6463308"/>
           </a:xfrm>
           <a:prstGeom prst="rect">
             <a:avLst/>
@@ -9583,48 +6957,78 @@
           <a:noFill/>
         </p:spPr>
         <p:txBody>
-          <a:bodyPr wrap="none" rtlCol="0">
+          <a:bodyPr wrap="square" rtlCol="0">
             <a:spAutoFit/>
           </a:bodyPr>
           <a:lstStyle/>
           <a:p>
-            <a:r>
-              <a:rPr lang="de-DE" dirty="0"/>
-              <a:t>Datenbank H2 – MySQL – </a:t>
-            </a:r>
-            <a:r>
-              <a:rPr lang="de-DE" dirty="0" err="1"/>
-              <a:t>Prostgres</a:t>
-            </a:r>
-            <a:r>
-              <a:rPr lang="de-DE" dirty="0"/>
-              <a:t> </a:t>
-            </a:r>
+            <a:endParaRPr lang="de-DE" dirty="0"/>
           </a:p>
           <a:p>
-            <a:r>
-              <a:rPr lang="de-DE" dirty="0"/>
-              <a:t>Probleme mit den Tests – Datenbank + </a:t>
-            </a:r>
-            <a:r>
-              <a:rPr lang="de-DE" dirty="0" err="1"/>
-              <a:t>Application</a:t>
-            </a:r>
-            <a:r>
-              <a:rPr lang="de-DE" dirty="0"/>
-              <a:t> </a:t>
-            </a:r>
-            <a:r>
-              <a:rPr lang="de-DE" dirty="0" err="1"/>
-              <a:t>Propertie</a:t>
-            </a:r>
             <a:endParaRPr lang="de-DE" dirty="0"/>
           </a:p>
           <a:p>
             <a:r>
               <a:rPr lang="de-DE" dirty="0"/>
-              <a:t>Spring anfangs viel Magic – am ende easy</a:t>
+              <a:t>Frameworks wie Spring anfangs undurchsichtig/schwer verständlich                                                       </a:t>
             </a:r>
+            <a:r>
+              <a:rPr lang="de-DE" dirty="0">
+                <a:sym typeface="Wingdings" panose="05000000000000000000" pitchFamily="2" charset="2"/>
+              </a:rPr>
+              <a:t> </a:t>
+            </a:r>
+            <a:r>
+              <a:rPr lang="de-DE" dirty="0"/>
+              <a:t>zum Ende des Projekts hat man gutes Verständnis aufgebaut	</a:t>
+            </a:r>
+          </a:p>
+          <a:p>
+            <a:pPr marL="285750" indent="-285750">
+              <a:buFont typeface="Arial" panose="020B0604020202020204" pitchFamily="34" charset="0"/>
+              <a:buChar char="•"/>
+            </a:pPr>
+            <a:endParaRPr lang="de-DE" dirty="0"/>
+          </a:p>
+          <a:p>
+            <a:endParaRPr lang="de-DE" dirty="0"/>
+          </a:p>
+          <a:p>
+            <a:endParaRPr lang="de-DE" dirty="0"/>
+          </a:p>
+          <a:p>
+            <a:r>
+              <a:rPr lang="de-DE" dirty="0" err="1"/>
+              <a:t>Heroku</a:t>
+            </a:r>
+            <a:r>
+              <a:rPr lang="de-DE" dirty="0"/>
+              <a:t> funktioniert einwandfrei, wenn man es denn richtig konfiguriert hat</a:t>
+            </a:r>
+          </a:p>
+          <a:p>
+            <a:endParaRPr lang="de-DE" dirty="0"/>
+          </a:p>
+          <a:p>
+            <a:pPr marL="285750" indent="-285750">
+              <a:buFont typeface="Arial" panose="020B0604020202020204" pitchFamily="34" charset="0"/>
+              <a:buChar char="•"/>
+            </a:pPr>
+            <a:endParaRPr lang="de-DE" dirty="0"/>
+          </a:p>
+          <a:p>
+            <a:pPr marL="285750" indent="-285750">
+              <a:buFont typeface="Arial" panose="020B0604020202020204" pitchFamily="34" charset="0"/>
+              <a:buChar char="•"/>
+            </a:pPr>
+            <a:endParaRPr lang="de-DE" dirty="0"/>
+          </a:p>
+          <a:p>
+            <a:pPr marL="285750" indent="-285750">
+              <a:buFont typeface="Arial" panose="020B0604020202020204" pitchFamily="34" charset="0"/>
+              <a:buChar char="•"/>
+            </a:pPr>
+            <a:endParaRPr lang="de-DE" dirty="0"/>
           </a:p>
           <a:p>
             <a:r>
@@ -9633,107 +7037,82 @@
             </a:r>
             <a:r>
               <a:rPr lang="de-DE" dirty="0"/>
-              <a:t> war richtig geil</a:t>
-            </a:r>
-          </a:p>
-          <a:p>
-            <a:r>
-              <a:rPr lang="de-DE" dirty="0"/>
-              <a:t>Google bester freund + </a:t>
-            </a:r>
-            <a:r>
-              <a:rPr lang="de-DE" dirty="0" err="1"/>
-              <a:t>Stackoverflow</a:t>
-            </a:r>
-            <a:r>
-              <a:rPr lang="de-DE" dirty="0"/>
-              <a:t> + …</a:t>
-            </a:r>
-          </a:p>
-          <a:p>
-            <a:r>
-              <a:rPr lang="de-DE" dirty="0" err="1"/>
-              <a:t>Heroku</a:t>
-            </a:r>
-            <a:r>
-              <a:rPr lang="de-DE" dirty="0"/>
-              <a:t> lief gut, musste aber viel </a:t>
-            </a:r>
-            <a:r>
-              <a:rPr lang="de-DE" dirty="0" err="1"/>
-              <a:t>Koniguriert</a:t>
-            </a:r>
-            <a:r>
-              <a:rPr lang="de-DE" dirty="0"/>
-              <a:t> werden</a:t>
-            </a:r>
-          </a:p>
-          <a:p>
-            <a:r>
-              <a:rPr lang="de-DE" dirty="0"/>
-              <a:t>JAVA 1 war eine gute </a:t>
-            </a:r>
-            <a:r>
-              <a:rPr lang="de-DE" dirty="0" err="1"/>
-              <a:t>vorbereitung</a:t>
-            </a:r>
-            <a:r>
-              <a:rPr lang="de-DE" dirty="0"/>
-              <a:t> (</a:t>
-            </a:r>
-            <a:r>
-              <a:rPr lang="de-DE" dirty="0" err="1"/>
-              <a:t>packages</a:t>
-            </a:r>
-            <a:r>
-              <a:rPr lang="de-DE" dirty="0"/>
-              <a:t>, </a:t>
-            </a:r>
-            <a:r>
-              <a:rPr lang="de-DE" dirty="0" err="1"/>
-              <a:t>tests</a:t>
-            </a:r>
-            <a:r>
-              <a:rPr lang="de-DE" dirty="0"/>
-              <a:t>, </a:t>
-            </a:r>
-            <a:r>
-              <a:rPr lang="de-DE" dirty="0" err="1"/>
-              <a:t>methoden</a:t>
-            </a:r>
-            <a:r>
-              <a:rPr lang="de-DE" dirty="0"/>
-              <a:t>, außer Date, …)</a:t>
-            </a:r>
-          </a:p>
-          <a:p>
-            <a:r>
-              <a:rPr lang="de-DE" dirty="0" err="1"/>
-              <a:t>GregorianCalender</a:t>
-            </a:r>
-            <a:r>
-              <a:rPr lang="de-DE" dirty="0"/>
-              <a:t> war doof wegen @Date – mussten auf </a:t>
-            </a:r>
-            <a:r>
-              <a:rPr lang="de-DE" dirty="0" err="1"/>
-              <a:t>LocalDate</a:t>
-            </a:r>
-            <a:r>
-              <a:rPr lang="de-DE" dirty="0"/>
-              <a:t> umbauen</a:t>
+              <a:t> als Java Pendant zu PHP konnte gut implementiert werden</a:t>
             </a:r>
           </a:p>
           <a:p>
             <a:endParaRPr lang="de-DE" dirty="0"/>
           </a:p>
           <a:p>
+            <a:pPr marL="285750" indent="-285750">
+              <a:buFont typeface="Arial" panose="020B0604020202020204" pitchFamily="34" charset="0"/>
+              <a:buChar char="•"/>
+            </a:pPr>
+            <a:endParaRPr lang="de-DE" dirty="0"/>
+          </a:p>
+          <a:p>
+            <a:pPr marL="285750" indent="-285750">
+              <a:buFont typeface="Arial" panose="020B0604020202020204" pitchFamily="34" charset="0"/>
+              <a:buChar char="•"/>
+            </a:pPr>
+            <a:endParaRPr lang="de-DE" dirty="0"/>
+          </a:p>
+          <a:p>
+            <a:pPr marL="285750" indent="-285750">
+              <a:buFont typeface="Arial" panose="020B0604020202020204" pitchFamily="34" charset="0"/>
+              <a:buChar char="•"/>
+            </a:pPr>
+            <a:endParaRPr lang="de-DE" dirty="0"/>
+          </a:p>
+          <a:p>
             <a:r>
               <a:rPr lang="de-DE" dirty="0"/>
-              <a:t>Programmieren wird immer verständlicher </a:t>
+              <a:t>Anfangs Unklarheiten welche DB genutzt werden soll</a:t>
             </a:r>
           </a:p>
           <a:p>
+            <a:r>
+              <a:rPr lang="de-DE" dirty="0">
+                <a:sym typeface="Wingdings" panose="05000000000000000000" pitchFamily="2" charset="2"/>
+              </a:rPr>
+              <a:t> </a:t>
+            </a:r>
+            <a:r>
+              <a:rPr lang="de-DE" dirty="0"/>
+              <a:t>H2 für Tests und </a:t>
+            </a:r>
+            <a:r>
+              <a:rPr lang="de-DE" dirty="0" err="1"/>
+              <a:t>Postgres</a:t>
+            </a:r>
+            <a:r>
+              <a:rPr lang="de-DE" dirty="0"/>
+              <a:t> für </a:t>
+            </a:r>
+            <a:r>
+              <a:rPr lang="de-DE" dirty="0" err="1"/>
+              <a:t>Heroku</a:t>
+            </a:r>
+            <a:endParaRPr lang="de-DE" dirty="0"/>
+          </a:p>
+          <a:p>
+            <a:endParaRPr lang="de-DE" dirty="0"/>
+          </a:p>
+          <a:p>
+            <a:endParaRPr lang="de-DE" dirty="0"/>
+          </a:p>
+          <a:p>
+            <a:pPr marL="285750" indent="-285750">
+              <a:buFont typeface="Arial" panose="020B0604020202020204" pitchFamily="34" charset="0"/>
+              <a:buChar char="•"/>
+            </a:pPr>
+            <a:endParaRPr lang="de-DE" dirty="0"/>
+          </a:p>
+          <a:p>
+            <a:pPr marL="285750" indent="-285750">
+              <a:buFont typeface="Arial" panose="020B0604020202020204" pitchFamily="34" charset="0"/>
+              <a:buChar char="•"/>
+            </a:pPr>
             <a:endParaRPr lang="de-DE" dirty="0"/>
           </a:p>
         </p:txBody>
@@ -9862,6 +7241,126 @@
           </a:p>
         </p:txBody>
       </p:sp>
+      <p:pic>
+        <p:nvPicPr>
+          <p:cNvPr id="7" name="Grafik 6" descr="Ein Bild, das Essen, Zeichnung, Schild enthält.&#10;&#10;Automatisch generierte Beschreibung">
+            <a:extLst>
+              <a:ext uri="{FF2B5EF4-FFF2-40B4-BE49-F238E27FC236}">
+                <a16:creationId xmlns:a16="http://schemas.microsoft.com/office/drawing/2014/main" id="{7333CB12-09D6-4EE9-810B-B236BE2D717D}"/>
+              </a:ext>
+            </a:extLst>
+          </p:cNvPr>
+          <p:cNvPicPr>
+            <a:picLocks noChangeAspect="1"/>
+          </p:cNvPicPr>
+          <p:nvPr/>
+        </p:nvPicPr>
+        <p:blipFill>
+          <a:blip r:embed="rId2"/>
+          <a:stretch>
+            <a:fillRect/>
+          </a:stretch>
+        </p:blipFill>
+        <p:spPr>
+          <a:xfrm>
+            <a:off x="786430" y="2318288"/>
+            <a:ext cx="691055" cy="763900"/>
+          </a:xfrm>
+          <a:prstGeom prst="rect">
+            <a:avLst/>
+          </a:prstGeom>
+        </p:spPr>
+      </p:pic>
+      <p:pic>
+        <p:nvPicPr>
+          <p:cNvPr id="9" name="Grafik 8" descr="Ein Bild, das Zeichnung, Essen enthält.&#10;&#10;Automatisch generierte Beschreibung">
+            <a:extLst>
+              <a:ext uri="{FF2B5EF4-FFF2-40B4-BE49-F238E27FC236}">
+                <a16:creationId xmlns:a16="http://schemas.microsoft.com/office/drawing/2014/main" id="{113BF385-C3DE-4262-8324-17EC76CFA383}"/>
+              </a:ext>
+            </a:extLst>
+          </p:cNvPr>
+          <p:cNvPicPr>
+            <a:picLocks noChangeAspect="1"/>
+          </p:cNvPicPr>
+          <p:nvPr/>
+        </p:nvPicPr>
+        <p:blipFill>
+          <a:blip r:embed="rId3"/>
+          <a:stretch>
+            <a:fillRect/>
+          </a:stretch>
+        </p:blipFill>
+        <p:spPr>
+          <a:xfrm>
+            <a:off x="588506" y="937690"/>
+            <a:ext cx="1200150" cy="714375"/>
+          </a:xfrm>
+          <a:prstGeom prst="rect">
+            <a:avLst/>
+          </a:prstGeom>
+        </p:spPr>
+      </p:pic>
+      <p:pic>
+        <p:nvPicPr>
+          <p:cNvPr id="11" name="Grafik 10" descr="Ein Bild, das Zeichnung enthält.&#10;&#10;Automatisch generierte Beschreibung">
+            <a:extLst>
+              <a:ext uri="{FF2B5EF4-FFF2-40B4-BE49-F238E27FC236}">
+                <a16:creationId xmlns:a16="http://schemas.microsoft.com/office/drawing/2014/main" id="{277C8F63-3ACC-4BBB-A69B-B812C23FA8B9}"/>
+              </a:ext>
+            </a:extLst>
+          </p:cNvPr>
+          <p:cNvPicPr>
+            <a:picLocks noChangeAspect="1"/>
+          </p:cNvPicPr>
+          <p:nvPr/>
+        </p:nvPicPr>
+        <p:blipFill>
+          <a:blip r:embed="rId4"/>
+          <a:stretch>
+            <a:fillRect/>
+          </a:stretch>
+        </p:blipFill>
+        <p:spPr>
+          <a:xfrm>
+            <a:off x="871676" y="3748411"/>
+            <a:ext cx="486822" cy="487775"/>
+          </a:xfrm>
+          <a:prstGeom prst="rect">
+            <a:avLst/>
+          </a:prstGeom>
+        </p:spPr>
+      </p:pic>
+      <p:pic>
+        <p:nvPicPr>
+          <p:cNvPr id="13" name="Grafik 12" descr="Ein Bild, das Zeichnung, Essen, Licht enthält.&#10;&#10;Automatisch generierte Beschreibung">
+            <a:extLst>
+              <a:ext uri="{FF2B5EF4-FFF2-40B4-BE49-F238E27FC236}">
+                <a16:creationId xmlns:a16="http://schemas.microsoft.com/office/drawing/2014/main" id="{522CA703-0514-4AC7-833F-9EB3F38D6CD8}"/>
+              </a:ext>
+            </a:extLst>
+          </p:cNvPr>
+          <p:cNvPicPr>
+            <a:picLocks noChangeAspect="1"/>
+          </p:cNvPicPr>
+          <p:nvPr/>
+        </p:nvPicPr>
+        <p:blipFill>
+          <a:blip r:embed="rId5"/>
+          <a:stretch>
+            <a:fillRect/>
+          </a:stretch>
+        </p:blipFill>
+        <p:spPr>
+          <a:xfrm>
+            <a:off x="786430" y="4967314"/>
+            <a:ext cx="804302" cy="739958"/>
+          </a:xfrm>
+          <a:prstGeom prst="rect">
+            <a:avLst/>
+          </a:prstGeom>
+        </p:spPr>
+      </p:pic>
     </p:spTree>
     <p:extLst>
       <p:ext uri="{BB962C8B-B14F-4D97-AF65-F5344CB8AC3E}">
@@ -9876,6 +7375,490 @@
 </file>
 
 <file path=ppt/slides/slide11.xml><?xml version="1.0" encoding="utf-8"?>
+<p:sld xmlns:a="http://schemas.openxmlformats.org/drawingml/2006/main" xmlns:r="http://schemas.openxmlformats.org/officeDocument/2006/relationships" xmlns:p="http://schemas.openxmlformats.org/presentationml/2006/main">
+  <p:cSld>
+    <p:spTree>
+      <p:nvGrpSpPr>
+        <p:cNvPr id="1" name=""/>
+        <p:cNvGrpSpPr/>
+        <p:nvPr/>
+      </p:nvGrpSpPr>
+      <p:grpSpPr>
+        <a:xfrm>
+          <a:off x="0" y="0"/>
+          <a:ext cx="0" cy="0"/>
+          <a:chOff x="0" y="0"/>
+          <a:chExt cx="0" cy="0"/>
+        </a:xfrm>
+      </p:grpSpPr>
+      <p:sp>
+        <p:nvSpPr>
+          <p:cNvPr id="2" name="Textfeld 1">
+            <a:extLst>
+              <a:ext uri="{FF2B5EF4-FFF2-40B4-BE49-F238E27FC236}">
+                <a16:creationId xmlns:a16="http://schemas.microsoft.com/office/drawing/2014/main" id="{A70652F2-2337-4B7E-8AB2-BF2C24A32B6B}"/>
+              </a:ext>
+            </a:extLst>
+          </p:cNvPr>
+          <p:cNvSpPr txBox="1"/>
+          <p:nvPr/>
+        </p:nvSpPr>
+        <p:spPr>
+          <a:xfrm>
+            <a:off x="659226" y="1028700"/>
+            <a:ext cx="9654152" cy="4939814"/>
+          </a:xfrm>
+          <a:prstGeom prst="rect">
+            <a:avLst/>
+          </a:prstGeom>
+          <a:noFill/>
+        </p:spPr>
+        <p:txBody>
+          <a:bodyPr wrap="square" rtlCol="0">
+            <a:spAutoFit/>
+          </a:bodyPr>
+          <a:lstStyle/>
+          <a:p>
+            <a:pPr>
+              <a:lnSpc>
+                <a:spcPct val="150000"/>
+              </a:lnSpc>
+            </a:pPr>
+            <a:endParaRPr lang="de-DE" dirty="0"/>
+          </a:p>
+          <a:p>
+            <a:pPr>
+              <a:lnSpc>
+                <a:spcPct val="150000"/>
+              </a:lnSpc>
+            </a:pPr>
+            <a:r>
+              <a:rPr lang="de-DE" dirty="0"/>
+              <a:t>Java 1 – Projekt war eine gute Basis (Packages, Methoden, Tests)                                    lediglich </a:t>
+            </a:r>
+            <a:r>
+              <a:rPr lang="de-DE" dirty="0" err="1"/>
+              <a:t>Gregorian</a:t>
+            </a:r>
+            <a:r>
+              <a:rPr lang="de-DE" dirty="0"/>
+              <a:t> </a:t>
+            </a:r>
+            <a:r>
+              <a:rPr lang="de-DE" dirty="0" err="1"/>
+              <a:t>Calendar</a:t>
+            </a:r>
+            <a:r>
+              <a:rPr lang="de-DE" dirty="0"/>
+              <a:t> musste man auf </a:t>
+            </a:r>
+            <a:r>
+              <a:rPr lang="de-DE" dirty="0" err="1"/>
+              <a:t>LocalDate</a:t>
+            </a:r>
+            <a:r>
+              <a:rPr lang="de-DE" dirty="0"/>
+              <a:t> umbauen</a:t>
+            </a:r>
+          </a:p>
+          <a:p>
+            <a:pPr>
+              <a:lnSpc>
+                <a:spcPct val="150000"/>
+              </a:lnSpc>
+            </a:pPr>
+            <a:endParaRPr lang="de-DE" dirty="0"/>
+          </a:p>
+          <a:p>
+            <a:pPr>
+              <a:lnSpc>
+                <a:spcPct val="150000"/>
+              </a:lnSpc>
+            </a:pPr>
+            <a:endParaRPr lang="de-DE" dirty="0"/>
+          </a:p>
+          <a:p>
+            <a:pPr>
+              <a:lnSpc>
+                <a:spcPct val="150000"/>
+              </a:lnSpc>
+            </a:pPr>
+            <a:r>
+              <a:rPr lang="de-DE" dirty="0"/>
+              <a:t>Probleme mit Testdaten und </a:t>
+            </a:r>
+            <a:r>
+              <a:rPr lang="de-DE" dirty="0" err="1"/>
+              <a:t>Application</a:t>
+            </a:r>
+            <a:r>
+              <a:rPr lang="de-DE" dirty="0"/>
+              <a:t> Properties</a:t>
+            </a:r>
+          </a:p>
+          <a:p>
+            <a:pPr>
+              <a:lnSpc>
+                <a:spcPct val="150000"/>
+              </a:lnSpc>
+            </a:pPr>
+            <a:r>
+              <a:rPr lang="de-DE" dirty="0"/>
+              <a:t>Viele Stunden beim durch forsten von Google und </a:t>
+            </a:r>
+            <a:r>
+              <a:rPr lang="de-DE" dirty="0" err="1"/>
+              <a:t>Stackoverflow</a:t>
+            </a:r>
+            <a:r>
+              <a:rPr lang="de-DE" dirty="0"/>
+              <a:t> vergangen</a:t>
+            </a:r>
+          </a:p>
+          <a:p>
+            <a:pPr marL="285750" indent="-285750">
+              <a:buFont typeface="Arial" panose="020B0604020202020204" pitchFamily="34" charset="0"/>
+              <a:buChar char="•"/>
+            </a:pPr>
+            <a:endParaRPr lang="de-DE" dirty="0"/>
+          </a:p>
+          <a:p>
+            <a:endParaRPr lang="de-DE" dirty="0"/>
+          </a:p>
+          <a:p>
+            <a:endParaRPr lang="de-DE" dirty="0"/>
+          </a:p>
+          <a:p>
+            <a:r>
+              <a:rPr lang="de-DE" dirty="0"/>
+              <a:t>4. Semester… mittlerweile kann man doch programmieren</a:t>
+            </a:r>
+          </a:p>
+          <a:p>
+            <a:endParaRPr lang="de-DE" dirty="0"/>
+          </a:p>
+          <a:p>
+            <a:pPr marL="285750" indent="-285750">
+              <a:buFont typeface="Arial" panose="020B0604020202020204" pitchFamily="34" charset="0"/>
+              <a:buChar char="•"/>
+            </a:pPr>
+            <a:endParaRPr lang="de-DE" dirty="0"/>
+          </a:p>
+          <a:p>
+            <a:pPr marL="285750" indent="-285750">
+              <a:buFont typeface="Arial" panose="020B0604020202020204" pitchFamily="34" charset="0"/>
+              <a:buChar char="•"/>
+            </a:pPr>
+            <a:endParaRPr lang="de-DE" dirty="0"/>
+          </a:p>
+        </p:txBody>
+      </p:sp>
+      <p:sp>
+        <p:nvSpPr>
+          <p:cNvPr id="3" name="Titel 1">
+            <a:extLst>
+              <a:ext uri="{FF2B5EF4-FFF2-40B4-BE49-F238E27FC236}">
+                <a16:creationId xmlns:a16="http://schemas.microsoft.com/office/drawing/2014/main" id="{0870E915-F8D7-4D82-BEBA-FE31B1DC3AA8}"/>
+              </a:ext>
+            </a:extLst>
+          </p:cNvPr>
+          <p:cNvSpPr txBox="1">
+            <a:spLocks/>
+          </p:cNvSpPr>
+          <p:nvPr/>
+        </p:nvSpPr>
+        <p:spPr>
+          <a:xfrm>
+            <a:off x="1590732" y="106001"/>
+            <a:ext cx="4178300" cy="835025"/>
+          </a:xfrm>
+          <a:prstGeom prst="rect">
+            <a:avLst/>
+          </a:prstGeom>
+          <a:noFill/>
+        </p:spPr>
+        <p:txBody>
+          <a:bodyPr vert="horz" lIns="91440" tIns="45720" rIns="91440" bIns="45720" rtlCol="0" anchor="t">
+            <a:normAutofit/>
+          </a:bodyPr>
+          <a:lstStyle>
+            <a:lvl1pPr algn="l" defTabSz="457200" rtl="0" eaLnBrk="1" latinLnBrk="0" hangingPunct="1">
+              <a:spcBef>
+                <a:spcPct val="0"/>
+              </a:spcBef>
+              <a:buNone/>
+              <a:defRPr sz="3600" kern="1200">
+                <a:solidFill>
+                  <a:schemeClr val="accent1"/>
+                </a:solidFill>
+                <a:latin typeface="+mj-lt"/>
+                <a:ea typeface="+mj-ea"/>
+                <a:cs typeface="+mj-cs"/>
+              </a:defRPr>
+            </a:lvl1pPr>
+            <a:lvl2pPr eaLnBrk="1" hangingPunct="1">
+              <a:defRPr>
+                <a:solidFill>
+                  <a:schemeClr val="tx2"/>
+                </a:solidFill>
+              </a:defRPr>
+            </a:lvl2pPr>
+            <a:lvl3pPr eaLnBrk="1" hangingPunct="1">
+              <a:defRPr>
+                <a:solidFill>
+                  <a:schemeClr val="tx2"/>
+                </a:solidFill>
+              </a:defRPr>
+            </a:lvl3pPr>
+            <a:lvl4pPr eaLnBrk="1" hangingPunct="1">
+              <a:defRPr>
+                <a:solidFill>
+                  <a:schemeClr val="tx2"/>
+                </a:solidFill>
+              </a:defRPr>
+            </a:lvl4pPr>
+            <a:lvl5pPr eaLnBrk="1" hangingPunct="1">
+              <a:defRPr>
+                <a:solidFill>
+                  <a:schemeClr val="tx2"/>
+                </a:solidFill>
+              </a:defRPr>
+            </a:lvl5pPr>
+            <a:lvl6pPr eaLnBrk="1" hangingPunct="1">
+              <a:defRPr>
+                <a:solidFill>
+                  <a:schemeClr val="tx2"/>
+                </a:solidFill>
+              </a:defRPr>
+            </a:lvl6pPr>
+            <a:lvl7pPr eaLnBrk="1" hangingPunct="1">
+              <a:defRPr>
+                <a:solidFill>
+                  <a:schemeClr val="tx2"/>
+                </a:solidFill>
+              </a:defRPr>
+            </a:lvl7pPr>
+            <a:lvl8pPr eaLnBrk="1" hangingPunct="1">
+              <a:defRPr>
+                <a:solidFill>
+                  <a:schemeClr val="tx2"/>
+                </a:solidFill>
+              </a:defRPr>
+            </a:lvl8pPr>
+            <a:lvl9pPr eaLnBrk="1" hangingPunct="1">
+              <a:defRPr>
+                <a:solidFill>
+                  <a:schemeClr val="tx2"/>
+                </a:solidFill>
+              </a:defRPr>
+            </a:lvl9pPr>
+          </a:lstStyle>
+          <a:p>
+            <a:r>
+              <a:rPr lang="de-DE" dirty="0" err="1"/>
+              <a:t>Lessons</a:t>
+            </a:r>
+            <a:r>
+              <a:rPr lang="de-DE" dirty="0"/>
+              <a:t> </a:t>
+            </a:r>
+            <a:r>
+              <a:rPr lang="de-DE" dirty="0" err="1"/>
+              <a:t>Learned</a:t>
+            </a:r>
+            <a:endParaRPr lang="de-DE" dirty="0"/>
+          </a:p>
+          <a:p>
+            <a:endParaRPr lang="de-DE" dirty="0">
+              <a:solidFill>
+                <a:srgbClr val="EC6708"/>
+              </a:solidFill>
+            </a:endParaRPr>
+          </a:p>
+        </p:txBody>
+      </p:sp>
+      <p:pic>
+        <p:nvPicPr>
+          <p:cNvPr id="7" name="Grafik 6" descr="Ein Bild, das Zeichnung enthält.&#10;&#10;Automatisch generierte Beschreibung">
+            <a:extLst>
+              <a:ext uri="{FF2B5EF4-FFF2-40B4-BE49-F238E27FC236}">
+                <a16:creationId xmlns:a16="http://schemas.microsoft.com/office/drawing/2014/main" id="{DB64B926-0F08-43A7-898E-C459B0573ADA}"/>
+              </a:ext>
+            </a:extLst>
+          </p:cNvPr>
+          <p:cNvPicPr>
+            <a:picLocks noChangeAspect="1"/>
+          </p:cNvPicPr>
+          <p:nvPr/>
+        </p:nvPicPr>
+        <p:blipFill>
+          <a:blip r:embed="rId2"/>
+          <a:stretch>
+            <a:fillRect/>
+          </a:stretch>
+        </p:blipFill>
+        <p:spPr>
+          <a:xfrm>
+            <a:off x="989172" y="820738"/>
+            <a:ext cx="440966" cy="662655"/>
+          </a:xfrm>
+          <a:prstGeom prst="rect">
+            <a:avLst/>
+          </a:prstGeom>
+        </p:spPr>
+      </p:pic>
+      <p:pic>
+        <p:nvPicPr>
+          <p:cNvPr id="9" name="Grafik 8" descr="Ein Bild, das Zeichnung enthält.&#10;&#10;Automatisch generierte Beschreibung">
+            <a:extLst>
+              <a:ext uri="{FF2B5EF4-FFF2-40B4-BE49-F238E27FC236}">
+                <a16:creationId xmlns:a16="http://schemas.microsoft.com/office/drawing/2014/main" id="{EAF45F8E-B097-47DB-A1DD-42AB4B27AC42}"/>
+              </a:ext>
+            </a:extLst>
+          </p:cNvPr>
+          <p:cNvPicPr>
+            <a:picLocks noChangeAspect="1"/>
+          </p:cNvPicPr>
+          <p:nvPr/>
+        </p:nvPicPr>
+        <p:blipFill>
+          <a:blip r:embed="rId3"/>
+          <a:stretch>
+            <a:fillRect/>
+          </a:stretch>
+        </p:blipFill>
+        <p:spPr>
+          <a:xfrm>
+            <a:off x="659226" y="2571081"/>
+            <a:ext cx="2260600" cy="551487"/>
+          </a:xfrm>
+          <a:prstGeom prst="rect">
+            <a:avLst/>
+          </a:prstGeom>
+        </p:spPr>
+      </p:pic>
+      <p:pic>
+        <p:nvPicPr>
+          <p:cNvPr id="11" name="Grafik 10" descr="Lachendes Gesicht ohne Füllung">
+            <a:extLst>
+              <a:ext uri="{FF2B5EF4-FFF2-40B4-BE49-F238E27FC236}">
+                <a16:creationId xmlns:a16="http://schemas.microsoft.com/office/drawing/2014/main" id="{2F0386FF-2A0B-4B31-A742-E95CD8D4FB8A}"/>
+              </a:ext>
+            </a:extLst>
+          </p:cNvPr>
+          <p:cNvPicPr>
+            <a:picLocks noChangeAspect="1"/>
+          </p:cNvPicPr>
+          <p:nvPr/>
+        </p:nvPicPr>
+        <p:blipFill>
+          <a:blip r:embed="rId4">
+            <a:extLst>
+              <a:ext uri="{96DAC541-7B7A-43D3-8B79-37D633B846F1}">
+                <asvg:svgBlip xmlns:asvg="http://schemas.microsoft.com/office/drawing/2016/SVG/main" r:embed="rId5"/>
+              </a:ext>
+            </a:extLst>
+          </a:blip>
+          <a:stretch>
+            <a:fillRect/>
+          </a:stretch>
+        </p:blipFill>
+        <p:spPr>
+          <a:xfrm>
+            <a:off x="833238" y="4349749"/>
+            <a:ext cx="488950" cy="375613"/>
+          </a:xfrm>
+          <a:prstGeom prst="rect">
+            <a:avLst/>
+          </a:prstGeom>
+        </p:spPr>
+      </p:pic>
+      <p:pic>
+        <p:nvPicPr>
+          <p:cNvPr id="12" name="Grafik 11" descr="Lachendes Gesicht ohne Füllung">
+            <a:extLst>
+              <a:ext uri="{FF2B5EF4-FFF2-40B4-BE49-F238E27FC236}">
+                <a16:creationId xmlns:a16="http://schemas.microsoft.com/office/drawing/2014/main" id="{03748E9C-0F31-4F21-930D-B8DE61AE9D0A}"/>
+              </a:ext>
+            </a:extLst>
+          </p:cNvPr>
+          <p:cNvPicPr>
+            <a:picLocks noChangeAspect="1"/>
+          </p:cNvPicPr>
+          <p:nvPr/>
+        </p:nvPicPr>
+        <p:blipFill>
+          <a:blip r:embed="rId4">
+            <a:extLst>
+              <a:ext uri="{96DAC541-7B7A-43D3-8B79-37D633B846F1}">
+                <asvg:svgBlip xmlns:asvg="http://schemas.microsoft.com/office/drawing/2016/SVG/main" r:embed="rId5"/>
+              </a:ext>
+            </a:extLst>
+          </a:blip>
+          <a:stretch>
+            <a:fillRect/>
+          </a:stretch>
+        </p:blipFill>
+        <p:spPr>
+          <a:xfrm>
+            <a:off x="1251725" y="4236413"/>
+            <a:ext cx="488950" cy="488950"/>
+          </a:xfrm>
+          <a:prstGeom prst="rect">
+            <a:avLst/>
+          </a:prstGeom>
+        </p:spPr>
+      </p:pic>
+      <p:pic>
+        <p:nvPicPr>
+          <p:cNvPr id="13" name="Grafik 12" descr="Lachendes Gesicht ohne Füllung">
+            <a:extLst>
+              <a:ext uri="{FF2B5EF4-FFF2-40B4-BE49-F238E27FC236}">
+                <a16:creationId xmlns:a16="http://schemas.microsoft.com/office/drawing/2014/main" id="{1F3AF2A8-615D-490D-BA66-0100C2DBAD22}"/>
+              </a:ext>
+            </a:extLst>
+          </p:cNvPr>
+          <p:cNvPicPr>
+            <a:picLocks noChangeAspect="1"/>
+          </p:cNvPicPr>
+          <p:nvPr/>
+        </p:nvPicPr>
+        <p:blipFill>
+          <a:blip r:embed="rId4">
+            <a:extLst>
+              <a:ext uri="{96DAC541-7B7A-43D3-8B79-37D633B846F1}">
+                <asvg:svgBlip xmlns:asvg="http://schemas.microsoft.com/office/drawing/2016/SVG/main" r:embed="rId5"/>
+              </a:ext>
+            </a:extLst>
+          </a:blip>
+          <a:stretch>
+            <a:fillRect/>
+          </a:stretch>
+        </p:blipFill>
+        <p:spPr>
+          <a:xfrm>
+            <a:off x="1670212" y="4236413"/>
+            <a:ext cx="780888" cy="488950"/>
+          </a:xfrm>
+          <a:prstGeom prst="rect">
+            <a:avLst/>
+          </a:prstGeom>
+        </p:spPr>
+      </p:pic>
+    </p:spTree>
+    <p:extLst>
+      <p:ext uri="{BB962C8B-B14F-4D97-AF65-F5344CB8AC3E}">
+        <p14:creationId xmlns:p14="http://schemas.microsoft.com/office/powerpoint/2010/main" val="258218706"/>
+      </p:ext>
+    </p:extLst>
+  </p:cSld>
+  <p:clrMapOvr>
+    <a:masterClrMapping/>
+  </p:clrMapOvr>
+</p:sld>
+</file>
+
+<file path=ppt/slides/slide12.xml><?xml version="1.0" encoding="utf-8"?>
 <p:sld xmlns:a="http://schemas.openxmlformats.org/drawingml/2006/main" xmlns:r="http://schemas.openxmlformats.org/officeDocument/2006/relationships" xmlns:p="http://schemas.openxmlformats.org/presentationml/2006/main">
   <p:cSld>
     <p:bg>
@@ -12782,6 +10765,46 @@
           </a:p>
         </p:txBody>
       </p:sp>
+      <p:pic>
+        <p:nvPicPr>
+          <p:cNvPr id="3" name="Grafik 2">
+            <a:extLst>
+              <a:ext uri="{FF2B5EF4-FFF2-40B4-BE49-F238E27FC236}">
+                <a16:creationId xmlns:a16="http://schemas.microsoft.com/office/drawing/2014/main" id="{BF15D2A0-8B59-48CB-917E-A8E088ADD074}"/>
+              </a:ext>
+            </a:extLst>
+          </p:cNvPr>
+          <p:cNvPicPr>
+            <a:picLocks noChangeAspect="1"/>
+          </p:cNvPicPr>
+          <p:nvPr/>
+        </p:nvPicPr>
+        <p:blipFill>
+          <a:blip r:embed="rId3"/>
+          <a:stretch>
+            <a:fillRect/>
+          </a:stretch>
+        </p:blipFill>
+        <p:spPr>
+          <a:xfrm>
+            <a:off x="1816974" y="1265547"/>
+            <a:ext cx="8828541" cy="4326905"/>
+          </a:xfrm>
+          <a:prstGeom prst="rect">
+            <a:avLst/>
+          </a:prstGeom>
+          <a:ln>
+            <a:noFill/>
+          </a:ln>
+          <a:effectLst>
+            <a:outerShdw blurRad="292100" dist="139700" dir="2700000" algn="tl" rotWithShape="0">
+              <a:srgbClr val="333333">
+                <a:alpha val="65000"/>
+              </a:srgbClr>
+            </a:outerShdw>
+          </a:effectLst>
+        </p:spPr>
+      </p:pic>
     </p:spTree>
     <p:extLst>
       <p:ext uri="{BB962C8B-B14F-4D97-AF65-F5344CB8AC3E}">
@@ -12924,34 +10947,6 @@
           </a:p>
         </p:txBody>
       </p:sp>
-      <p:graphicFrame>
-        <p:nvGraphicFramePr>
-          <p:cNvPr id="3" name="Diagramm 2">
-            <a:extLst>
-              <a:ext uri="{FF2B5EF4-FFF2-40B4-BE49-F238E27FC236}">
-                <a16:creationId xmlns:a16="http://schemas.microsoft.com/office/drawing/2014/main" id="{8E96C3F3-D337-44A1-8AA2-C991033A05F4}"/>
-              </a:ext>
-            </a:extLst>
-          </p:cNvPr>
-          <p:cNvGraphicFramePr/>
-          <p:nvPr>
-            <p:extLst>
-              <p:ext uri="{D42A27DB-BD31-4B8C-83A1-F6EECF244321}">
-                <p14:modId xmlns:p14="http://schemas.microsoft.com/office/powerpoint/2010/main" val="2150657040"/>
-              </p:ext>
-            </p:extLst>
-          </p:nvPr>
-        </p:nvGraphicFramePr>
-        <p:xfrm>
-          <a:off x="399415" y="389308"/>
-          <a:ext cx="6545133" cy="1602634"/>
-        </p:xfrm>
-        <a:graphic>
-          <a:graphicData uri="http://schemas.openxmlformats.org/drawingml/2006/diagram">
-            <dgm:relIds xmlns:dgm="http://schemas.openxmlformats.org/drawingml/2006/diagram" xmlns:r="http://schemas.openxmlformats.org/officeDocument/2006/relationships" r:dm="rId2" r:lo="rId3" r:qs="rId4" r:cs="rId5"/>
-          </a:graphicData>
-        </a:graphic>
-      </p:graphicFrame>
       <p:sp>
         <p:nvSpPr>
           <p:cNvPr id="4" name="Textfeld 3">
@@ -12966,8 +10961,8 @@
         </p:nvSpPr>
         <p:spPr>
           <a:xfrm>
-            <a:off x="657225" y="1781175"/>
-            <a:ext cx="2548133" cy="4247317"/>
+            <a:off x="810911" y="1438275"/>
+            <a:ext cx="4286430" cy="2862322"/>
           </a:xfrm>
           <a:prstGeom prst="rect">
             <a:avLst/>
@@ -12981,14 +10976,65 @@
           <a:lstStyle/>
           <a:p>
             <a:r>
-              <a:rPr lang="de-DE" dirty="0"/>
-              <a:t>Was kann die Webseite</a:t>
+              <a:rPr lang="de-DE" dirty="0">
+                <a:solidFill>
+                  <a:srgbClr val="EC6708"/>
+                </a:solidFill>
+              </a:rPr>
+              <a:t>Geplante Frameworks</a:t>
             </a:r>
           </a:p>
           <a:p>
+            <a:pPr marL="285750" indent="-285750">
+              <a:buFont typeface="Arial" panose="020B0604020202020204" pitchFamily="34" charset="0"/>
+              <a:buChar char="•"/>
+            </a:pPr>
             <a:r>
               <a:rPr lang="de-DE" dirty="0"/>
-              <a:t>Ursprünglich geplant</a:t>
+              <a:t>Spring einsetzen</a:t>
+            </a:r>
+          </a:p>
+          <a:p>
+            <a:pPr marL="285750" indent="-285750">
+              <a:buFont typeface="Arial" panose="020B0604020202020204" pitchFamily="34" charset="0"/>
+              <a:buChar char="•"/>
+            </a:pPr>
+            <a:r>
+              <a:rPr lang="de-DE" dirty="0"/>
+              <a:t>H2 / </a:t>
+            </a:r>
+            <a:r>
+              <a:rPr lang="de-DE" dirty="0" err="1"/>
+              <a:t>Heroku</a:t>
+            </a:r>
+            <a:endParaRPr lang="de-DE" dirty="0"/>
+          </a:p>
+          <a:p>
+            <a:pPr marL="285750" indent="-285750">
+              <a:buFont typeface="Arial" panose="020B0604020202020204" pitchFamily="34" charset="0"/>
+              <a:buChar char="•"/>
+            </a:pPr>
+            <a:r>
+              <a:rPr lang="de-DE" dirty="0"/>
+              <a:t>Dynamische Webseite mit </a:t>
+            </a:r>
+            <a:r>
+              <a:rPr lang="de-DE" dirty="0" err="1"/>
+              <a:t>Thymeleaf</a:t>
+            </a:r>
+            <a:endParaRPr lang="de-DE" dirty="0"/>
+          </a:p>
+          <a:p>
+            <a:endParaRPr lang="de-DE" dirty="0"/>
+          </a:p>
+          <a:p>
+            <a:r>
+              <a:rPr lang="de-DE" dirty="0">
+                <a:solidFill>
+                  <a:srgbClr val="EC6708"/>
+                </a:solidFill>
+              </a:rPr>
+              <a:t>Geplante Funktionen</a:t>
             </a:r>
           </a:p>
           <a:p>
@@ -13028,52 +11074,44 @@
             </a:pPr>
             <a:endParaRPr lang="de-DE" dirty="0"/>
           </a:p>
+        </p:txBody>
+      </p:sp>
+      <p:sp>
+        <p:nvSpPr>
+          <p:cNvPr id="7" name="Rechteck 6">
+            <a:extLst>
+              <a:ext uri="{FF2B5EF4-FFF2-40B4-BE49-F238E27FC236}">
+                <a16:creationId xmlns:a16="http://schemas.microsoft.com/office/drawing/2014/main" id="{3E054ACC-85A0-41ED-80C4-478967CE8E08}"/>
+              </a:ext>
+            </a:extLst>
+          </p:cNvPr>
+          <p:cNvSpPr/>
+          <p:nvPr/>
+        </p:nvSpPr>
+        <p:spPr>
+          <a:xfrm>
+            <a:off x="810911" y="3944084"/>
+            <a:ext cx="6096000" cy="1477328"/>
+          </a:xfrm>
+          <a:prstGeom prst="rect">
+            <a:avLst/>
+          </a:prstGeom>
+        </p:spPr>
+        <p:txBody>
+          <a:bodyPr>
+            <a:spAutoFit/>
+          </a:bodyPr>
+          <a:lstStyle/>
           <a:p>
-            <a:r>
-              <a:rPr lang="de-DE" dirty="0"/>
-              <a:t>Umgesetzt</a:t>
-            </a:r>
-          </a:p>
-          <a:p>
-            <a:pPr marL="285750" indent="-285750">
-              <a:buFont typeface="Arial" panose="020B0604020202020204" pitchFamily="34" charset="0"/>
-              <a:buChar char="•"/>
-            </a:pPr>
-            <a:r>
-              <a:rPr lang="de-DE" dirty="0"/>
-              <a:t>Account anlegen</a:t>
-            </a:r>
-          </a:p>
-          <a:p>
-            <a:pPr marL="285750" indent="-285750">
-              <a:buFont typeface="Arial" panose="020B0604020202020204" pitchFamily="34" charset="0"/>
-              <a:buChar char="•"/>
-            </a:pPr>
-            <a:r>
-              <a:rPr lang="de-DE" dirty="0"/>
-              <a:t>Login</a:t>
-            </a:r>
-          </a:p>
-          <a:p>
-            <a:pPr marL="285750" indent="-285750">
-              <a:buFont typeface="Arial" panose="020B0604020202020204" pitchFamily="34" charset="0"/>
-              <a:buChar char="•"/>
-            </a:pPr>
-            <a:r>
-              <a:rPr lang="de-DE" dirty="0"/>
-              <a:t>Toolverwaltung</a:t>
-            </a:r>
-          </a:p>
-          <a:p>
-            <a:pPr marL="285750" indent="-285750">
-              <a:buFont typeface="Arial" panose="020B0604020202020204" pitchFamily="34" charset="0"/>
-              <a:buChar char="•"/>
-            </a:pPr>
             <a:endParaRPr lang="de-DE" dirty="0"/>
           </a:p>
           <a:p>
             <a:r>
-              <a:rPr lang="de-DE" dirty="0"/>
+              <a:rPr lang="de-DE" dirty="0">
+                <a:solidFill>
+                  <a:srgbClr val="EC6708"/>
+                </a:solidFill>
+              </a:rPr>
               <a:t>Zusätzlich</a:t>
             </a:r>
           </a:p>
@@ -13111,10 +11149,10 @@
       </p:sp>
       <p:pic>
         <p:nvPicPr>
-          <p:cNvPr id="5" name="Grafik 4">
+          <p:cNvPr id="9" name="Grafik 8" descr="Häkchen">
             <a:extLst>
               <a:ext uri="{FF2B5EF4-FFF2-40B4-BE49-F238E27FC236}">
-                <a16:creationId xmlns:a16="http://schemas.microsoft.com/office/drawing/2014/main" id="{BE0625FB-89A7-4ADA-8216-53C21ABE5EDB}"/>
+                <a16:creationId xmlns:a16="http://schemas.microsoft.com/office/drawing/2014/main" id="{ABD3347C-4056-4923-A2AC-F4CBF1F8ECE0}"/>
               </a:ext>
             </a:extLst>
           </p:cNvPr>
@@ -13124,15 +11162,201 @@
           <p:nvPr/>
         </p:nvPicPr>
         <p:blipFill>
-          <a:blip r:embed="rId7"/>
+          <a:blip r:embed="rId2">
+            <a:extLst>
+              <a:ext uri="{96DAC541-7B7A-43D3-8B79-37D633B846F1}">
+                <asvg:svgBlip xmlns:asvg="http://schemas.microsoft.com/office/drawing/2016/SVG/main" r:embed="rId3"/>
+              </a:ext>
+            </a:extLst>
+          </a:blip>
           <a:stretch>
             <a:fillRect/>
           </a:stretch>
         </p:blipFill>
         <p:spPr>
           <a:xfrm>
-            <a:off x="4283434" y="2142876"/>
-            <a:ext cx="7054019" cy="3523913"/>
+            <a:off x="5246532" y="1691052"/>
+            <a:ext cx="331177" cy="331177"/>
+          </a:xfrm>
+          <a:prstGeom prst="rect">
+            <a:avLst/>
+          </a:prstGeom>
+        </p:spPr>
+      </p:pic>
+      <p:pic>
+        <p:nvPicPr>
+          <p:cNvPr id="10" name="Grafik 9" descr="Häkchen">
+            <a:extLst>
+              <a:ext uri="{FF2B5EF4-FFF2-40B4-BE49-F238E27FC236}">
+                <a16:creationId xmlns:a16="http://schemas.microsoft.com/office/drawing/2014/main" id="{F3F0599C-65A5-4C11-9228-9EABF552297A}"/>
+              </a:ext>
+            </a:extLst>
+          </p:cNvPr>
+          <p:cNvPicPr>
+            <a:picLocks noChangeAspect="1"/>
+          </p:cNvPicPr>
+          <p:nvPr/>
+        </p:nvPicPr>
+        <p:blipFill>
+          <a:blip r:embed="rId2">
+            <a:extLst>
+              <a:ext uri="{96DAC541-7B7A-43D3-8B79-37D633B846F1}">
+                <asvg:svgBlip xmlns:asvg="http://schemas.microsoft.com/office/drawing/2016/SVG/main" r:embed="rId3"/>
+              </a:ext>
+            </a:extLst>
+          </a:blip>
+          <a:stretch>
+            <a:fillRect/>
+          </a:stretch>
+        </p:blipFill>
+        <p:spPr>
+          <a:xfrm>
+            <a:off x="5246532" y="2002686"/>
+            <a:ext cx="331177" cy="331177"/>
+          </a:xfrm>
+          <a:prstGeom prst="rect">
+            <a:avLst/>
+          </a:prstGeom>
+        </p:spPr>
+      </p:pic>
+      <p:pic>
+        <p:nvPicPr>
+          <p:cNvPr id="11" name="Grafik 10" descr="Häkchen">
+            <a:extLst>
+              <a:ext uri="{FF2B5EF4-FFF2-40B4-BE49-F238E27FC236}">
+                <a16:creationId xmlns:a16="http://schemas.microsoft.com/office/drawing/2014/main" id="{0C0F99ED-875E-4099-80F7-880E3A680696}"/>
+              </a:ext>
+            </a:extLst>
+          </p:cNvPr>
+          <p:cNvPicPr>
+            <a:picLocks noChangeAspect="1"/>
+          </p:cNvPicPr>
+          <p:nvPr/>
+        </p:nvPicPr>
+        <p:blipFill>
+          <a:blip r:embed="rId2">
+            <a:extLst>
+              <a:ext uri="{96DAC541-7B7A-43D3-8B79-37D633B846F1}">
+                <asvg:svgBlip xmlns:asvg="http://schemas.microsoft.com/office/drawing/2016/SVG/main" r:embed="rId3"/>
+              </a:ext>
+            </a:extLst>
+          </a:blip>
+          <a:stretch>
+            <a:fillRect/>
+          </a:stretch>
+        </p:blipFill>
+        <p:spPr>
+          <a:xfrm>
+            <a:off x="5246532" y="2305519"/>
+            <a:ext cx="331177" cy="331177"/>
+          </a:xfrm>
+          <a:prstGeom prst="rect">
+            <a:avLst/>
+          </a:prstGeom>
+        </p:spPr>
+      </p:pic>
+      <p:pic>
+        <p:nvPicPr>
+          <p:cNvPr id="12" name="Grafik 11" descr="Häkchen">
+            <a:extLst>
+              <a:ext uri="{FF2B5EF4-FFF2-40B4-BE49-F238E27FC236}">
+                <a16:creationId xmlns:a16="http://schemas.microsoft.com/office/drawing/2014/main" id="{13606FF1-F76B-422C-979C-89057FFBB523}"/>
+              </a:ext>
+            </a:extLst>
+          </p:cNvPr>
+          <p:cNvPicPr>
+            <a:picLocks noChangeAspect="1"/>
+          </p:cNvPicPr>
+          <p:nvPr/>
+        </p:nvPicPr>
+        <p:blipFill>
+          <a:blip r:embed="rId2">
+            <a:extLst>
+              <a:ext uri="{96DAC541-7B7A-43D3-8B79-37D633B846F1}">
+                <asvg:svgBlip xmlns:asvg="http://schemas.microsoft.com/office/drawing/2016/SVG/main" r:embed="rId3"/>
+              </a:ext>
+            </a:extLst>
+          </a:blip>
+          <a:stretch>
+            <a:fillRect/>
+          </a:stretch>
+        </p:blipFill>
+        <p:spPr>
+          <a:xfrm>
+            <a:off x="3343025" y="3122494"/>
+            <a:ext cx="331177" cy="331177"/>
+          </a:xfrm>
+          <a:prstGeom prst="rect">
+            <a:avLst/>
+          </a:prstGeom>
+        </p:spPr>
+      </p:pic>
+      <p:pic>
+        <p:nvPicPr>
+          <p:cNvPr id="13" name="Grafik 12" descr="Häkchen">
+            <a:extLst>
+              <a:ext uri="{FF2B5EF4-FFF2-40B4-BE49-F238E27FC236}">
+                <a16:creationId xmlns:a16="http://schemas.microsoft.com/office/drawing/2014/main" id="{A420C82B-487D-4628-B685-F44A79CCAC8D}"/>
+              </a:ext>
+            </a:extLst>
+          </p:cNvPr>
+          <p:cNvPicPr>
+            <a:picLocks noChangeAspect="1"/>
+          </p:cNvPicPr>
+          <p:nvPr/>
+        </p:nvPicPr>
+        <p:blipFill>
+          <a:blip r:embed="rId2">
+            <a:extLst>
+              <a:ext uri="{96DAC541-7B7A-43D3-8B79-37D633B846F1}">
+                <asvg:svgBlip xmlns:asvg="http://schemas.microsoft.com/office/drawing/2016/SVG/main" r:embed="rId3"/>
+              </a:ext>
+            </a:extLst>
+          </a:blip>
+          <a:stretch>
+            <a:fillRect/>
+          </a:stretch>
+        </p:blipFill>
+        <p:spPr>
+          <a:xfrm>
+            <a:off x="3343025" y="3430220"/>
+            <a:ext cx="331177" cy="331177"/>
+          </a:xfrm>
+          <a:prstGeom prst="rect">
+            <a:avLst/>
+          </a:prstGeom>
+        </p:spPr>
+      </p:pic>
+      <p:pic>
+        <p:nvPicPr>
+          <p:cNvPr id="15" name="Grafik 14" descr="Häkchen">
+            <a:extLst>
+              <a:ext uri="{FF2B5EF4-FFF2-40B4-BE49-F238E27FC236}">
+                <a16:creationId xmlns:a16="http://schemas.microsoft.com/office/drawing/2014/main" id="{DFCA6CF2-B59C-4804-B4CB-55F25D526779}"/>
+              </a:ext>
+            </a:extLst>
+          </p:cNvPr>
+          <p:cNvPicPr>
+            <a:picLocks noChangeAspect="1"/>
+          </p:cNvPicPr>
+          <p:nvPr/>
+        </p:nvPicPr>
+        <p:blipFill>
+          <a:blip r:embed="rId2">
+            <a:extLst>
+              <a:ext uri="{96DAC541-7B7A-43D3-8B79-37D633B846F1}">
+                <asvg:svgBlip xmlns:asvg="http://schemas.microsoft.com/office/drawing/2016/SVG/main" r:embed="rId3"/>
+              </a:ext>
+            </a:extLst>
+          </a:blip>
+          <a:stretch>
+            <a:fillRect/>
+          </a:stretch>
+        </p:blipFill>
+        <p:spPr>
+          <a:xfrm>
+            <a:off x="3343025" y="3730617"/>
+            <a:ext cx="331177" cy="331177"/>
           </a:xfrm>
           <a:prstGeom prst="rect">
             <a:avLst/>
@@ -13149,6 +11373,264 @@
   <p:clrMapOvr>
     <a:masterClrMapping/>
   </p:clrMapOvr>
+  <p:timing>
+    <p:tnLst>
+      <p:par>
+        <p:cTn id="1" dur="indefinite" restart="never" nodeType="tmRoot">
+          <p:childTnLst>
+            <p:seq concurrent="1" nextAc="seek">
+              <p:cTn id="2" dur="indefinite" nodeType="mainSeq">
+                <p:childTnLst>
+                  <p:par>
+                    <p:cTn id="3" fill="hold">
+                      <p:stCondLst>
+                        <p:cond delay="indefinite"/>
+                      </p:stCondLst>
+                      <p:childTnLst>
+                        <p:par>
+                          <p:cTn id="4" fill="hold">
+                            <p:stCondLst>
+                              <p:cond delay="0"/>
+                            </p:stCondLst>
+                            <p:childTnLst>
+                              <p:par>
+                                <p:cTn id="5" presetID="1" presetClass="entr" presetSubtype="0" fill="hold" nodeType="clickEffect">
+                                  <p:stCondLst>
+                                    <p:cond delay="0"/>
+                                  </p:stCondLst>
+                                  <p:childTnLst>
+                                    <p:set>
+                                      <p:cBhvr>
+                                        <p:cTn id="6" dur="1" fill="hold">
+                                          <p:stCondLst>
+                                            <p:cond delay="0"/>
+                                          </p:stCondLst>
+                                        </p:cTn>
+                                        <p:tgtEl>
+                                          <p:spTgt spid="9"/>
+                                        </p:tgtEl>
+                                        <p:attrNameLst>
+                                          <p:attrName>style.visibility</p:attrName>
+                                        </p:attrNameLst>
+                                      </p:cBhvr>
+                                      <p:to>
+                                        <p:strVal val="visible"/>
+                                      </p:to>
+                                    </p:set>
+                                  </p:childTnLst>
+                                </p:cTn>
+                              </p:par>
+                              <p:par>
+                                <p:cTn id="7" presetID="1" presetClass="entr" presetSubtype="0" fill="hold" nodeType="withEffect">
+                                  <p:stCondLst>
+                                    <p:cond delay="0"/>
+                                  </p:stCondLst>
+                                  <p:childTnLst>
+                                    <p:set>
+                                      <p:cBhvr>
+                                        <p:cTn id="8" dur="1" fill="hold">
+                                          <p:stCondLst>
+                                            <p:cond delay="0"/>
+                                          </p:stCondLst>
+                                        </p:cTn>
+                                        <p:tgtEl>
+                                          <p:spTgt spid="10"/>
+                                        </p:tgtEl>
+                                        <p:attrNameLst>
+                                          <p:attrName>style.visibility</p:attrName>
+                                        </p:attrNameLst>
+                                      </p:cBhvr>
+                                      <p:to>
+                                        <p:strVal val="visible"/>
+                                      </p:to>
+                                    </p:set>
+                                  </p:childTnLst>
+                                </p:cTn>
+                              </p:par>
+                              <p:par>
+                                <p:cTn id="9" presetID="1" presetClass="entr" presetSubtype="0" fill="hold" nodeType="withEffect">
+                                  <p:stCondLst>
+                                    <p:cond delay="0"/>
+                                  </p:stCondLst>
+                                  <p:childTnLst>
+                                    <p:set>
+                                      <p:cBhvr>
+                                        <p:cTn id="10" dur="1" fill="hold">
+                                          <p:stCondLst>
+                                            <p:cond delay="0"/>
+                                          </p:stCondLst>
+                                        </p:cTn>
+                                        <p:tgtEl>
+                                          <p:spTgt spid="11"/>
+                                        </p:tgtEl>
+                                        <p:attrNameLst>
+                                          <p:attrName>style.visibility</p:attrName>
+                                        </p:attrNameLst>
+                                      </p:cBhvr>
+                                      <p:to>
+                                        <p:strVal val="visible"/>
+                                      </p:to>
+                                    </p:set>
+                                  </p:childTnLst>
+                                </p:cTn>
+                              </p:par>
+                              <p:par>
+                                <p:cTn id="11" presetID="1" presetClass="entr" presetSubtype="0" fill="hold" nodeType="withEffect">
+                                  <p:stCondLst>
+                                    <p:cond delay="0"/>
+                                  </p:stCondLst>
+                                  <p:childTnLst>
+                                    <p:set>
+                                      <p:cBhvr>
+                                        <p:cTn id="12" dur="1" fill="hold">
+                                          <p:stCondLst>
+                                            <p:cond delay="0"/>
+                                          </p:stCondLst>
+                                        </p:cTn>
+                                        <p:tgtEl>
+                                          <p:spTgt spid="12"/>
+                                        </p:tgtEl>
+                                        <p:attrNameLst>
+                                          <p:attrName>style.visibility</p:attrName>
+                                        </p:attrNameLst>
+                                      </p:cBhvr>
+                                      <p:to>
+                                        <p:strVal val="visible"/>
+                                      </p:to>
+                                    </p:set>
+                                  </p:childTnLst>
+                                </p:cTn>
+                              </p:par>
+                              <p:par>
+                                <p:cTn id="13" presetID="1" presetClass="entr" presetSubtype="0" fill="hold" nodeType="withEffect">
+                                  <p:stCondLst>
+                                    <p:cond delay="0"/>
+                                  </p:stCondLst>
+                                  <p:childTnLst>
+                                    <p:set>
+                                      <p:cBhvr>
+                                        <p:cTn id="14" dur="1" fill="hold">
+                                          <p:stCondLst>
+                                            <p:cond delay="0"/>
+                                          </p:stCondLst>
+                                        </p:cTn>
+                                        <p:tgtEl>
+                                          <p:spTgt spid="13"/>
+                                        </p:tgtEl>
+                                        <p:attrNameLst>
+                                          <p:attrName>style.visibility</p:attrName>
+                                        </p:attrNameLst>
+                                      </p:cBhvr>
+                                      <p:to>
+                                        <p:strVal val="visible"/>
+                                      </p:to>
+                                    </p:set>
+                                  </p:childTnLst>
+                                </p:cTn>
+                              </p:par>
+                              <p:par>
+                                <p:cTn id="15" presetID="1" presetClass="entr" presetSubtype="0" fill="hold" nodeType="withEffect">
+                                  <p:stCondLst>
+                                    <p:cond delay="0"/>
+                                  </p:stCondLst>
+                                  <p:childTnLst>
+                                    <p:set>
+                                      <p:cBhvr>
+                                        <p:cTn id="16" dur="1" fill="hold">
+                                          <p:stCondLst>
+                                            <p:cond delay="0"/>
+                                          </p:stCondLst>
+                                        </p:cTn>
+                                        <p:tgtEl>
+                                          <p:spTgt spid="15"/>
+                                        </p:tgtEl>
+                                        <p:attrNameLst>
+                                          <p:attrName>style.visibility</p:attrName>
+                                        </p:attrNameLst>
+                                      </p:cBhvr>
+                                      <p:to>
+                                        <p:strVal val="visible"/>
+                                      </p:to>
+                                    </p:set>
+                                  </p:childTnLst>
+                                </p:cTn>
+                              </p:par>
+                            </p:childTnLst>
+                          </p:cTn>
+                        </p:par>
+                      </p:childTnLst>
+                    </p:cTn>
+                  </p:par>
+                  <p:par>
+                    <p:cTn id="17" fill="hold">
+                      <p:stCondLst>
+                        <p:cond delay="indefinite"/>
+                      </p:stCondLst>
+                      <p:childTnLst>
+                        <p:par>
+                          <p:cTn id="18" fill="hold">
+                            <p:stCondLst>
+                              <p:cond delay="0"/>
+                            </p:stCondLst>
+                            <p:childTnLst>
+                              <p:par>
+                                <p:cTn id="19" presetID="1" presetClass="entr" presetSubtype="0" fill="hold" grpId="0" nodeType="clickEffect">
+                                  <p:stCondLst>
+                                    <p:cond delay="0"/>
+                                  </p:stCondLst>
+                                  <p:childTnLst>
+                                    <p:set>
+                                      <p:cBhvr>
+                                        <p:cTn id="20" dur="1" fill="hold">
+                                          <p:stCondLst>
+                                            <p:cond delay="0"/>
+                                          </p:stCondLst>
+                                        </p:cTn>
+                                        <p:tgtEl>
+                                          <p:spTgt spid="7"/>
+                                        </p:tgtEl>
+                                        <p:attrNameLst>
+                                          <p:attrName>style.visibility</p:attrName>
+                                        </p:attrNameLst>
+                                      </p:cBhvr>
+                                      <p:to>
+                                        <p:strVal val="visible"/>
+                                      </p:to>
+                                    </p:set>
+                                  </p:childTnLst>
+                                </p:cTn>
+                              </p:par>
+                            </p:childTnLst>
+                          </p:cTn>
+                        </p:par>
+                      </p:childTnLst>
+                    </p:cTn>
+                  </p:par>
+                </p:childTnLst>
+              </p:cTn>
+              <p:prevCondLst>
+                <p:cond evt="onPrev" delay="0">
+                  <p:tgtEl>
+                    <p:sldTgt/>
+                  </p:tgtEl>
+                </p:cond>
+              </p:prevCondLst>
+              <p:nextCondLst>
+                <p:cond evt="onNext" delay="0">
+                  <p:tgtEl>
+                    <p:sldTgt/>
+                  </p:tgtEl>
+                </p:cond>
+              </p:nextCondLst>
+            </p:seq>
+          </p:childTnLst>
+        </p:cTn>
+      </p:par>
+    </p:tnLst>
+    <p:bldLst>
+      <p:bldP spid="7" grpId="0"/>
+    </p:bldLst>
+  </p:timing>
 </p:sld>
 </file>
 
@@ -13295,8 +11777,8 @@
         </p:nvSpPr>
         <p:spPr>
           <a:xfrm>
-            <a:off x="1771649" y="1913572"/>
-            <a:ext cx="8162925" cy="2308324"/>
+            <a:off x="945172" y="1649803"/>
+            <a:ext cx="8162925" cy="2949975"/>
           </a:xfrm>
           <a:prstGeom prst="rect">
             <a:avLst/>
@@ -13309,6 +11791,9 @@
           <a:lstStyle/>
           <a:p>
             <a:pPr marL="285750" indent="-285750">
+              <a:lnSpc>
+                <a:spcPct val="150000"/>
+              </a:lnSpc>
               <a:buFont typeface="Arial" panose="020B0604020202020204" pitchFamily="34" charset="0"/>
               <a:buChar char="•"/>
             </a:pPr>
@@ -13319,6 +11804,9 @@
           </a:p>
           <a:p>
             <a:pPr marL="285750" indent="-285750">
+              <a:lnSpc>
+                <a:spcPct val="150000"/>
+              </a:lnSpc>
               <a:buFont typeface="Arial" panose="020B0604020202020204" pitchFamily="34" charset="0"/>
               <a:buChar char="•"/>
             </a:pPr>
@@ -13329,6 +11817,9 @@
           </a:p>
           <a:p>
             <a:pPr marL="285750" indent="-285750">
+              <a:lnSpc>
+                <a:spcPct val="150000"/>
+              </a:lnSpc>
               <a:buFont typeface="Arial" panose="020B0604020202020204" pitchFamily="34" charset="0"/>
               <a:buChar char="•"/>
             </a:pPr>
@@ -13339,22 +11830,28 @@
           </a:p>
           <a:p>
             <a:pPr marL="285750" indent="-285750">
+              <a:lnSpc>
+                <a:spcPct val="150000"/>
+              </a:lnSpc>
               <a:buFont typeface="Arial" panose="020B0604020202020204" pitchFamily="34" charset="0"/>
               <a:buChar char="•"/>
             </a:pPr>
             <a:r>
               <a:rPr lang="de-DE" dirty="0"/>
-              <a:t>Userverwalten</a:t>
+              <a:t>Userverwaltung</a:t>
             </a:r>
           </a:p>
           <a:p>
             <a:pPr marL="285750" indent="-285750">
+              <a:lnSpc>
+                <a:spcPct val="150000"/>
+              </a:lnSpc>
               <a:buFont typeface="Arial" panose="020B0604020202020204" pitchFamily="34" charset="0"/>
               <a:buChar char="•"/>
             </a:pPr>
             <a:r>
               <a:rPr lang="de-DE" dirty="0"/>
-              <a:t>Interne Mitarbeiter  Verwaltung (</a:t>
+              <a:t>Interne Mitarbeiter Funktionen ( </a:t>
             </a:r>
             <a:r>
               <a:rPr lang="de-DE" dirty="0" err="1"/>
@@ -13366,38 +11863,72 @@
             </a:r>
             <a:r>
               <a:rPr lang="de-DE" dirty="0" err="1"/>
-              <a:t>ToDos</a:t>
+              <a:t>ToDo´s</a:t>
             </a:r>
             <a:r>
               <a:rPr lang="de-DE" dirty="0"/>
-              <a:t>,…</a:t>
+              <a:t>, … )</a:t>
             </a:r>
           </a:p>
           <a:p>
             <a:pPr marL="285750" indent="-285750">
+              <a:lnSpc>
+                <a:spcPct val="150000"/>
+              </a:lnSpc>
               <a:buFont typeface="Arial" panose="020B0604020202020204" pitchFamily="34" charset="0"/>
               <a:buChar char="•"/>
             </a:pPr>
             <a:r>
               <a:rPr lang="de-DE" dirty="0"/>
-              <a:t>Webseite finalisieren</a:t>
+              <a:t>Webseite finalisieren ( HTML,CSS )</a:t>
             </a:r>
           </a:p>
           <a:p>
             <a:pPr marL="285750" indent="-285750">
-              <a:buFont typeface="Arial" panose="020B0604020202020204" pitchFamily="34" charset="0"/>
-              <a:buChar char="•"/>
-            </a:pPr>
-            <a:endParaRPr lang="de-DE" dirty="0"/>
-          </a:p>
-          <a:p>
-            <a:pPr marL="285750" indent="-285750">
+              <a:lnSpc>
+                <a:spcPct val="150000"/>
+              </a:lnSpc>
               <a:buFont typeface="Arial" panose="020B0604020202020204" pitchFamily="34" charset="0"/>
               <a:buChar char="•"/>
             </a:pPr>
             <a:r>
               <a:rPr lang="de-DE" dirty="0"/>
               <a:t>…</a:t>
+            </a:r>
+          </a:p>
+        </p:txBody>
+      </p:sp>
+      <p:sp>
+        <p:nvSpPr>
+          <p:cNvPr id="4" name="Textfeld 3">
+            <a:extLst>
+              <a:ext uri="{FF2B5EF4-FFF2-40B4-BE49-F238E27FC236}">
+                <a16:creationId xmlns:a16="http://schemas.microsoft.com/office/drawing/2014/main" id="{B5BD1051-89DE-4170-84F5-6D0CA43544B2}"/>
+              </a:ext>
+            </a:extLst>
+          </p:cNvPr>
+          <p:cNvSpPr txBox="1"/>
+          <p:nvPr/>
+        </p:nvSpPr>
+        <p:spPr>
+          <a:xfrm>
+            <a:off x="624254" y="1037492"/>
+            <a:ext cx="3631223" cy="461665"/>
+          </a:xfrm>
+          <a:prstGeom prst="rect">
+            <a:avLst/>
+          </a:prstGeom>
+          <a:noFill/>
+        </p:spPr>
+        <p:txBody>
+          <a:bodyPr wrap="square" rtlCol="0">
+            <a:spAutoFit/>
+          </a:bodyPr>
+          <a:lstStyle/>
+          <a:p>
+            <a:r>
+              <a:rPr lang="de-DE" sz="2400" dirty="0"/>
+              <a:t>Man ist nie fertig…</a:t>
             </a:r>
           </a:p>
         </p:txBody>
